--- a/Credit_Card_Fraud_Detection_Presentation.pptx
+++ b/Credit_Card_Fraud_Detection_Presentation.pptx
@@ -913,31 +913,559 @@
 </file>
 
 <file path=ppt/diagrams/colors2.xml><?xml version="1.0" encoding="utf-8"?>
-<dgm:colorsDef xmlns:dgm="http://schemas.openxmlformats.org/drawingml/2006/diagram" xmlns:a="http://schemas.openxmlformats.org/drawingml/2006/main" uniqueId="urn:microsoft.com/office/officeart/2018/5/colors/Iconchunking_neutralicon_colorful1">
+<dgm:colorsDef xmlns:dgm="http://schemas.openxmlformats.org/drawingml/2006/diagram" xmlns:a="http://schemas.openxmlformats.org/drawingml/2006/main" uniqueId="urn:microsoft.com/office/officeart/2018/5/colors/Iconchunking_neutralbg_accent0_3">
   <dgm:title val=""/>
   <dgm:desc val=""/>
   <dgm:catLst>
-    <dgm:cat type="colorful" pri="10100"/>
+    <dgm:cat type="mainScheme" pri="10300"/>
   </dgm:catLst>
   <dgm:styleLbl name="node0">
     <dgm:fillClrLst meth="repeat">
-      <a:schemeClr val="accent1"/>
+      <a:schemeClr val="dk2"/>
     </dgm:fillClrLst>
     <dgm:linClrLst meth="repeat">
-      <a:schemeClr val="lt1"/>
+      <a:schemeClr val="lt2"/>
     </dgm:linClrLst>
     <dgm:effectClrLst/>
     <dgm:txLinClrLst/>
     <dgm:txFillClrLst/>
     <dgm:txEffectClrLst/>
   </dgm:styleLbl>
+  <dgm:styleLbl name="alignNode1">
+    <dgm:fillClrLst meth="repeat">
+      <a:schemeClr val="dk2"/>
+    </dgm:fillClrLst>
+    <dgm:linClrLst meth="repeat">
+      <a:schemeClr val="dk2"/>
+    </dgm:linClrLst>
+    <dgm:effectClrLst/>
+    <dgm:txLinClrLst/>
+    <dgm:txFillClrLst/>
+    <dgm:txEffectClrLst/>
+  </dgm:styleLbl>
   <dgm:styleLbl name="node1">
     <dgm:fillClrLst meth="repeat">
-      <a:schemeClr val="bg1"/>
+      <a:schemeClr val="dk2"/>
     </dgm:fillClrLst>
     <dgm:linClrLst meth="repeat">
-      <a:schemeClr val="lt1">
+      <a:schemeClr val="lt2">
         <a:alpha val="0"/>
+      </a:schemeClr>
+    </dgm:linClrLst>
+    <dgm:effectClrLst/>
+    <dgm:txLinClrLst/>
+    <dgm:txFillClrLst/>
+    <dgm:txEffectClrLst/>
+  </dgm:styleLbl>
+  <dgm:styleLbl name="lnNode1">
+    <dgm:fillClrLst meth="repeat">
+      <a:schemeClr val="dk2"/>
+    </dgm:fillClrLst>
+    <dgm:linClrLst meth="repeat">
+      <a:schemeClr val="lt2"/>
+    </dgm:linClrLst>
+    <dgm:effectClrLst/>
+    <dgm:txLinClrLst/>
+    <dgm:txFillClrLst/>
+    <dgm:txEffectClrLst/>
+  </dgm:styleLbl>
+  <dgm:styleLbl name="vennNode1">
+    <dgm:fillClrLst meth="repeat">
+      <a:schemeClr val="dk2">
+        <a:alpha val="50000"/>
+      </a:schemeClr>
+    </dgm:fillClrLst>
+    <dgm:linClrLst meth="repeat">
+      <a:schemeClr val="lt2"/>
+    </dgm:linClrLst>
+    <dgm:effectClrLst/>
+    <dgm:txLinClrLst/>
+    <dgm:txFillClrLst/>
+    <dgm:txEffectClrLst/>
+  </dgm:styleLbl>
+  <dgm:styleLbl name="node2">
+    <dgm:fillClrLst meth="repeat">
+      <a:schemeClr val="dk2"/>
+    </dgm:fillClrLst>
+    <dgm:linClrLst meth="repeat">
+      <a:schemeClr val="lt2"/>
+    </dgm:linClrLst>
+    <dgm:effectClrLst/>
+    <dgm:txLinClrLst/>
+    <dgm:txFillClrLst/>
+    <dgm:txEffectClrLst/>
+  </dgm:styleLbl>
+  <dgm:styleLbl name="node3">
+    <dgm:fillClrLst meth="repeat">
+      <a:schemeClr val="dk2"/>
+    </dgm:fillClrLst>
+    <dgm:linClrLst meth="repeat">
+      <a:schemeClr val="lt2"/>
+    </dgm:linClrLst>
+    <dgm:effectClrLst/>
+    <dgm:txLinClrLst/>
+    <dgm:txFillClrLst/>
+    <dgm:txEffectClrLst/>
+  </dgm:styleLbl>
+  <dgm:styleLbl name="node4">
+    <dgm:fillClrLst meth="repeat">
+      <a:schemeClr val="dk2"/>
+    </dgm:fillClrLst>
+    <dgm:linClrLst meth="repeat">
+      <a:schemeClr val="lt2"/>
+    </dgm:linClrLst>
+    <dgm:effectClrLst/>
+    <dgm:txLinClrLst/>
+    <dgm:txFillClrLst/>
+    <dgm:txEffectClrLst/>
+  </dgm:styleLbl>
+  <dgm:styleLbl name="fgImgPlace1">
+    <dgm:fillClrLst meth="repeat">
+      <a:schemeClr val="dk2">
+        <a:tint val="50000"/>
+      </a:schemeClr>
+    </dgm:fillClrLst>
+    <dgm:linClrLst meth="repeat">
+      <a:schemeClr val="lt2"/>
+    </dgm:linClrLst>
+    <dgm:effectClrLst/>
+    <dgm:txLinClrLst/>
+    <dgm:txFillClrLst meth="repeat">
+      <a:schemeClr val="lt2"/>
+    </dgm:txFillClrLst>
+    <dgm:txEffectClrLst/>
+  </dgm:styleLbl>
+  <dgm:styleLbl name="alignImgPlace1">
+    <dgm:fillClrLst meth="repeat">
+      <a:schemeClr val="dk2">
+        <a:tint val="50000"/>
+      </a:schemeClr>
+    </dgm:fillClrLst>
+    <dgm:linClrLst meth="repeat">
+      <a:schemeClr val="dk2">
+        <a:shade val="80000"/>
+      </a:schemeClr>
+    </dgm:linClrLst>
+    <dgm:effectClrLst/>
+    <dgm:txLinClrLst/>
+    <dgm:txFillClrLst meth="repeat">
+      <a:schemeClr val="lt2"/>
+    </dgm:txFillClrLst>
+    <dgm:txEffectClrLst/>
+  </dgm:styleLbl>
+  <dgm:styleLbl name="bgImgPlace1">
+    <dgm:fillClrLst meth="repeat">
+      <a:schemeClr val="dk2">
+        <a:tint val="50000"/>
+      </a:schemeClr>
+    </dgm:fillClrLst>
+    <dgm:linClrLst meth="repeat">
+      <a:schemeClr val="dk2">
+        <a:shade val="80000"/>
+      </a:schemeClr>
+    </dgm:linClrLst>
+    <dgm:effectClrLst/>
+    <dgm:txLinClrLst/>
+    <dgm:txFillClrLst meth="repeat">
+      <a:schemeClr val="lt2"/>
+    </dgm:txFillClrLst>
+    <dgm:txEffectClrLst/>
+  </dgm:styleLbl>
+  <dgm:styleLbl name="sibTrans2D1">
+    <dgm:fillClrLst meth="repeat">
+      <a:schemeClr val="dk2">
+        <a:tint val="60000"/>
+      </a:schemeClr>
+    </dgm:fillClrLst>
+    <dgm:linClrLst meth="repeat">
+      <a:schemeClr val="dk2">
+        <a:tint val="60000"/>
+      </a:schemeClr>
+    </dgm:linClrLst>
+    <dgm:effectClrLst/>
+    <dgm:txLinClrLst/>
+    <dgm:txFillClrLst/>
+    <dgm:txEffectClrLst/>
+  </dgm:styleLbl>
+  <dgm:styleLbl name="fgSibTrans2D1">
+    <dgm:fillClrLst meth="repeat">
+      <a:schemeClr val="dk2">
+        <a:tint val="60000"/>
+      </a:schemeClr>
+    </dgm:fillClrLst>
+    <dgm:linClrLst meth="repeat">
+      <a:schemeClr val="dk2">
+        <a:tint val="60000"/>
+      </a:schemeClr>
+    </dgm:linClrLst>
+    <dgm:effectClrLst/>
+    <dgm:txLinClrLst/>
+    <dgm:txFillClrLst/>
+    <dgm:txEffectClrLst/>
+  </dgm:styleLbl>
+  <dgm:styleLbl name="bgSibTrans2D1">
+    <dgm:fillClrLst meth="repeat">
+      <a:schemeClr val="dk2">
+        <a:tint val="60000"/>
+      </a:schemeClr>
+    </dgm:fillClrLst>
+    <dgm:linClrLst meth="repeat">
+      <a:schemeClr val="dk2">
+        <a:tint val="60000"/>
+      </a:schemeClr>
+    </dgm:linClrLst>
+    <dgm:effectClrLst/>
+    <dgm:txLinClrLst/>
+    <dgm:txFillClrLst/>
+    <dgm:txEffectClrLst/>
+  </dgm:styleLbl>
+  <dgm:styleLbl name="sibTrans1D1">
+    <dgm:fillClrLst meth="repeat">
+      <a:schemeClr val="dk2"/>
+    </dgm:fillClrLst>
+    <dgm:linClrLst meth="repeat">
+      <a:schemeClr val="dk2"/>
+    </dgm:linClrLst>
+    <dgm:effectClrLst/>
+    <dgm:txLinClrLst/>
+    <dgm:txFillClrLst meth="repeat">
+      <a:schemeClr val="lt2"/>
+    </dgm:txFillClrLst>
+    <dgm:txEffectClrLst/>
+  </dgm:styleLbl>
+  <dgm:styleLbl name="callout">
+    <dgm:fillClrLst meth="repeat">
+      <a:schemeClr val="dk2"/>
+    </dgm:fillClrLst>
+    <dgm:linClrLst meth="repeat">
+      <a:schemeClr val="dk2">
+        <a:tint val="50000"/>
+      </a:schemeClr>
+    </dgm:linClrLst>
+    <dgm:effectClrLst/>
+    <dgm:txLinClrLst/>
+    <dgm:txFillClrLst meth="repeat">
+      <a:schemeClr val="lt2"/>
+    </dgm:txFillClrLst>
+    <dgm:txEffectClrLst/>
+  </dgm:styleLbl>
+  <dgm:styleLbl name="asst0">
+    <dgm:fillClrLst meth="repeat">
+      <a:schemeClr val="dk2"/>
+    </dgm:fillClrLst>
+    <dgm:linClrLst meth="repeat">
+      <a:schemeClr val="lt2"/>
+    </dgm:linClrLst>
+    <dgm:effectClrLst/>
+    <dgm:txLinClrLst/>
+    <dgm:txFillClrLst/>
+    <dgm:txEffectClrLst/>
+  </dgm:styleLbl>
+  <dgm:styleLbl name="asst1">
+    <dgm:fillClrLst meth="repeat">
+      <a:schemeClr val="dk2"/>
+    </dgm:fillClrLst>
+    <dgm:linClrLst meth="repeat">
+      <a:schemeClr val="lt2"/>
+    </dgm:linClrLst>
+    <dgm:effectClrLst/>
+    <dgm:txLinClrLst/>
+    <dgm:txFillClrLst/>
+    <dgm:txEffectClrLst/>
+  </dgm:styleLbl>
+  <dgm:styleLbl name="asst2">
+    <dgm:fillClrLst meth="repeat">
+      <a:schemeClr val="dk2"/>
+    </dgm:fillClrLst>
+    <dgm:linClrLst meth="repeat">
+      <a:schemeClr val="lt2"/>
+    </dgm:linClrLst>
+    <dgm:effectClrLst/>
+    <dgm:txLinClrLst/>
+    <dgm:txFillClrLst/>
+    <dgm:txEffectClrLst/>
+  </dgm:styleLbl>
+  <dgm:styleLbl name="asst3">
+    <dgm:fillClrLst meth="repeat">
+      <a:schemeClr val="dk2"/>
+    </dgm:fillClrLst>
+    <dgm:linClrLst meth="repeat">
+      <a:schemeClr val="lt2"/>
+    </dgm:linClrLst>
+    <dgm:effectClrLst/>
+    <dgm:txLinClrLst/>
+    <dgm:txFillClrLst/>
+    <dgm:txEffectClrLst/>
+  </dgm:styleLbl>
+  <dgm:styleLbl name="asst4">
+    <dgm:fillClrLst meth="repeat">
+      <a:schemeClr val="dk2"/>
+    </dgm:fillClrLst>
+    <dgm:linClrLst meth="repeat">
+      <a:schemeClr val="lt2"/>
+    </dgm:linClrLst>
+    <dgm:effectClrLst/>
+    <dgm:txLinClrLst/>
+    <dgm:txFillClrLst/>
+    <dgm:txEffectClrLst/>
+  </dgm:styleLbl>
+  <dgm:styleLbl name="parChTrans2D1">
+    <dgm:fillClrLst meth="repeat">
+      <a:schemeClr val="dk2">
+        <a:tint val="60000"/>
+      </a:schemeClr>
+    </dgm:fillClrLst>
+    <dgm:linClrLst meth="repeat">
+      <a:schemeClr val="dk2">
+        <a:tint val="60000"/>
+      </a:schemeClr>
+    </dgm:linClrLst>
+    <dgm:effectClrLst/>
+    <dgm:txLinClrLst/>
+    <dgm:txFillClrLst meth="repeat">
+      <a:schemeClr val="lt2"/>
+    </dgm:txFillClrLst>
+    <dgm:txEffectClrLst/>
+  </dgm:styleLbl>
+  <dgm:styleLbl name="parChTrans2D2">
+    <dgm:fillClrLst meth="repeat">
+      <a:schemeClr val="dk2"/>
+    </dgm:fillClrLst>
+    <dgm:linClrLst meth="repeat">
+      <a:schemeClr val="dk2"/>
+    </dgm:linClrLst>
+    <dgm:effectClrLst/>
+    <dgm:txLinClrLst/>
+    <dgm:txFillClrLst meth="repeat">
+      <a:schemeClr val="lt2"/>
+    </dgm:txFillClrLst>
+    <dgm:txEffectClrLst/>
+  </dgm:styleLbl>
+  <dgm:styleLbl name="parChTrans2D3">
+    <dgm:fillClrLst meth="repeat">
+      <a:schemeClr val="dk2"/>
+    </dgm:fillClrLst>
+    <dgm:linClrLst meth="repeat">
+      <a:schemeClr val="dk2"/>
+    </dgm:linClrLst>
+    <dgm:effectClrLst/>
+    <dgm:txLinClrLst/>
+    <dgm:txFillClrLst meth="repeat">
+      <a:schemeClr val="lt2"/>
+    </dgm:txFillClrLst>
+    <dgm:txEffectClrLst/>
+  </dgm:styleLbl>
+  <dgm:styleLbl name="parChTrans2D4">
+    <dgm:fillClrLst meth="repeat">
+      <a:schemeClr val="dk2"/>
+    </dgm:fillClrLst>
+    <dgm:linClrLst meth="repeat">
+      <a:schemeClr val="dk2"/>
+    </dgm:linClrLst>
+    <dgm:effectClrLst/>
+    <dgm:txLinClrLst/>
+    <dgm:txFillClrLst meth="repeat">
+      <a:schemeClr val="lt2"/>
+    </dgm:txFillClrLst>
+    <dgm:txEffectClrLst/>
+  </dgm:styleLbl>
+  <dgm:styleLbl name="parChTrans1D1">
+    <dgm:fillClrLst meth="repeat">
+      <a:schemeClr val="dk2"/>
+    </dgm:fillClrLst>
+    <dgm:linClrLst meth="repeat">
+      <a:schemeClr val="dk2">
+        <a:shade val="60000"/>
+      </a:schemeClr>
+    </dgm:linClrLst>
+    <dgm:effectClrLst/>
+    <dgm:txLinClrLst/>
+    <dgm:txFillClrLst meth="repeat">
+      <a:schemeClr val="tx1"/>
+    </dgm:txFillClrLst>
+    <dgm:txEffectClrLst/>
+  </dgm:styleLbl>
+  <dgm:styleLbl name="parChTrans1D2">
+    <dgm:fillClrLst meth="repeat">
+      <a:schemeClr val="dk2"/>
+    </dgm:fillClrLst>
+    <dgm:linClrLst meth="repeat">
+      <a:schemeClr val="dk2">
+        <a:shade val="60000"/>
+      </a:schemeClr>
+    </dgm:linClrLst>
+    <dgm:effectClrLst/>
+    <dgm:txLinClrLst/>
+    <dgm:txFillClrLst meth="repeat">
+      <a:schemeClr val="tx1"/>
+    </dgm:txFillClrLst>
+    <dgm:txEffectClrLst/>
+  </dgm:styleLbl>
+  <dgm:styleLbl name="parChTrans1D3">
+    <dgm:fillClrLst meth="repeat">
+      <a:schemeClr val="dk2"/>
+    </dgm:fillClrLst>
+    <dgm:linClrLst meth="repeat">
+      <a:schemeClr val="dk2">
+        <a:shade val="80000"/>
+      </a:schemeClr>
+    </dgm:linClrLst>
+    <dgm:effectClrLst/>
+    <dgm:txLinClrLst/>
+    <dgm:txFillClrLst meth="repeat">
+      <a:schemeClr val="tx1"/>
+    </dgm:txFillClrLst>
+    <dgm:txEffectClrLst/>
+  </dgm:styleLbl>
+  <dgm:styleLbl name="parChTrans1D4">
+    <dgm:fillClrLst meth="repeat">
+      <a:schemeClr val="dk2"/>
+    </dgm:fillClrLst>
+    <dgm:linClrLst meth="repeat">
+      <a:schemeClr val="dk2">
+        <a:shade val="80000"/>
+      </a:schemeClr>
+    </dgm:linClrLst>
+    <dgm:effectClrLst/>
+    <dgm:txLinClrLst/>
+    <dgm:txFillClrLst meth="repeat">
+      <a:schemeClr val="tx1"/>
+    </dgm:txFillClrLst>
+    <dgm:txEffectClrLst/>
+  </dgm:styleLbl>
+  <dgm:styleLbl name="fgAcc1">
+    <dgm:fillClrLst meth="repeat">
+      <a:schemeClr val="lt2">
+        <a:alpha val="90000"/>
+      </a:schemeClr>
+    </dgm:fillClrLst>
+    <dgm:linClrLst meth="repeat">
+      <a:schemeClr val="dk2"/>
+    </dgm:linClrLst>
+    <dgm:effectClrLst/>
+    <dgm:txLinClrLst/>
+    <dgm:txFillClrLst meth="repeat">
+      <a:schemeClr val="dk1"/>
+    </dgm:txFillClrLst>
+    <dgm:txEffectClrLst/>
+  </dgm:styleLbl>
+  <dgm:styleLbl name="conFgAcc1">
+    <dgm:fillClrLst meth="repeat">
+      <a:schemeClr val="lt2">
+        <a:alpha val="90000"/>
+      </a:schemeClr>
+    </dgm:fillClrLst>
+    <dgm:linClrLst meth="repeat">
+      <a:schemeClr val="dk2"/>
+    </dgm:linClrLst>
+    <dgm:effectClrLst/>
+    <dgm:txLinClrLst/>
+    <dgm:txFillClrLst meth="repeat">
+      <a:schemeClr val="dk1"/>
+    </dgm:txFillClrLst>
+    <dgm:txEffectClrLst/>
+  </dgm:styleLbl>
+  <dgm:styleLbl name="alignAcc1">
+    <dgm:fillClrLst meth="repeat">
+      <a:schemeClr val="lt2">
+        <a:alpha val="90000"/>
+      </a:schemeClr>
+    </dgm:fillClrLst>
+    <dgm:linClrLst meth="repeat">
+      <a:schemeClr val="dk2"/>
+    </dgm:linClrLst>
+    <dgm:effectClrLst/>
+    <dgm:txLinClrLst/>
+    <dgm:txFillClrLst meth="repeat">
+      <a:schemeClr val="dk1"/>
+    </dgm:txFillClrLst>
+    <dgm:txEffectClrLst/>
+  </dgm:styleLbl>
+  <dgm:styleLbl name="trAlignAcc1">
+    <dgm:fillClrLst meth="repeat">
+      <a:schemeClr val="lt2">
+        <a:alpha val="40000"/>
+      </a:schemeClr>
+    </dgm:fillClrLst>
+    <dgm:linClrLst meth="repeat">
+      <a:schemeClr val="dk2"/>
+    </dgm:linClrLst>
+    <dgm:effectClrLst/>
+    <dgm:txLinClrLst/>
+    <dgm:txFillClrLst meth="repeat">
+      <a:schemeClr val="dk1"/>
+    </dgm:txFillClrLst>
+    <dgm:txEffectClrLst/>
+  </dgm:styleLbl>
+  <dgm:styleLbl name="bgAcc1">
+    <dgm:fillClrLst meth="repeat">
+      <a:schemeClr val="lt2">
+        <a:alpha val="90000"/>
+      </a:schemeClr>
+    </dgm:fillClrLst>
+    <dgm:linClrLst meth="repeat">
+      <a:schemeClr val="dk2"/>
+    </dgm:linClrLst>
+    <dgm:effectClrLst/>
+    <dgm:txLinClrLst/>
+    <dgm:txFillClrLst meth="repeat">
+      <a:schemeClr val="dk1"/>
+    </dgm:txFillClrLst>
+    <dgm:txEffectClrLst/>
+  </dgm:styleLbl>
+  <dgm:styleLbl name="solidFgAcc1">
+    <dgm:fillClrLst meth="repeat">
+      <a:schemeClr val="lt2"/>
+    </dgm:fillClrLst>
+    <dgm:linClrLst meth="repeat">
+      <a:schemeClr val="dk2"/>
+    </dgm:linClrLst>
+    <dgm:effectClrLst/>
+    <dgm:txLinClrLst/>
+    <dgm:txFillClrLst meth="repeat">
+      <a:schemeClr val="dk1"/>
+    </dgm:txFillClrLst>
+    <dgm:txEffectClrLst/>
+  </dgm:styleLbl>
+  <dgm:styleLbl name="solidAlignAcc1">
+    <dgm:fillClrLst meth="repeat">
+      <a:schemeClr val="lt2"/>
+    </dgm:fillClrLst>
+    <dgm:linClrLst meth="repeat">
+      <a:schemeClr val="dk2"/>
+    </dgm:linClrLst>
+    <dgm:effectClrLst/>
+    <dgm:txLinClrLst/>
+    <dgm:txFillClrLst meth="repeat">
+      <a:schemeClr val="dk1"/>
+    </dgm:txFillClrLst>
+    <dgm:txEffectClrLst/>
+  </dgm:styleLbl>
+  <dgm:styleLbl name="solidBgAcc1">
+    <dgm:fillClrLst meth="repeat">
+      <a:schemeClr val="lt2"/>
+    </dgm:fillClrLst>
+    <dgm:linClrLst meth="repeat">
+      <a:schemeClr val="dk2"/>
+    </dgm:linClrLst>
+    <dgm:effectClrLst/>
+    <dgm:txLinClrLst/>
+    <dgm:txFillClrLst meth="repeat">
+      <a:schemeClr val="dk1"/>
+    </dgm:txFillClrLst>
+    <dgm:txEffectClrLst/>
+  </dgm:styleLbl>
+  <dgm:styleLbl name="fgAccFollowNode1">
+    <dgm:fillClrLst meth="repeat">
+      <a:schemeClr val="dk2">
+        <a:alpha val="90000"/>
+        <a:tint val="40000"/>
+      </a:schemeClr>
+    </dgm:fillClrLst>
+    <dgm:linClrLst meth="repeat">
+      <a:schemeClr val="dk2">
+        <a:alpha val="90000"/>
+        <a:tint val="40000"/>
       </a:schemeClr>
     </dgm:linClrLst>
     <dgm:effectClrLst/>
@@ -947,627 +1475,17 @@
     </dgm:txFillClrLst>
     <dgm:txEffectClrLst/>
   </dgm:styleLbl>
-  <dgm:styleLbl name="alignNode1">
+  <dgm:styleLbl name="alignAccFollowNode1">
     <dgm:fillClrLst meth="repeat">
-      <a:schemeClr val="accent2"/>
-      <a:schemeClr val="accent3"/>
-      <a:schemeClr val="accent4"/>
-      <a:schemeClr val="accent5"/>
-      <a:schemeClr val="accent6"/>
-    </dgm:fillClrLst>
-    <dgm:linClrLst meth="repeat">
-      <a:schemeClr val="accent2"/>
-      <a:schemeClr val="accent3"/>
-      <a:schemeClr val="accent4"/>
-      <a:schemeClr val="accent5"/>
-      <a:schemeClr val="accent6"/>
-    </dgm:linClrLst>
-    <dgm:effectClrLst/>
-    <dgm:txLinClrLst/>
-    <dgm:txFillClrLst/>
-    <dgm:txEffectClrLst/>
-  </dgm:styleLbl>
-  <dgm:styleLbl name="lnNode1">
-    <dgm:fillClrLst meth="repeat">
-      <a:schemeClr val="accent2"/>
-      <a:schemeClr val="accent3"/>
-      <a:schemeClr val="accent4"/>
-      <a:schemeClr val="accent5"/>
-      <a:schemeClr val="accent6"/>
-    </dgm:fillClrLst>
-    <dgm:linClrLst meth="repeat">
-      <a:schemeClr val="lt1"/>
-    </dgm:linClrLst>
-    <dgm:effectClrLst/>
-    <dgm:txLinClrLst/>
-    <dgm:txFillClrLst/>
-    <dgm:txEffectClrLst/>
-  </dgm:styleLbl>
-  <dgm:styleLbl name="vennNode1">
-    <dgm:fillClrLst meth="repeat">
-      <a:schemeClr val="accent2">
-        <a:alpha val="50000"/>
-      </a:schemeClr>
-      <a:schemeClr val="accent3">
-        <a:alpha val="50000"/>
-      </a:schemeClr>
-      <a:schemeClr val="accent4">
-        <a:alpha val="50000"/>
-      </a:schemeClr>
-      <a:schemeClr val="accent5">
-        <a:alpha val="50000"/>
-      </a:schemeClr>
-      <a:schemeClr val="accent6">
-        <a:alpha val="50000"/>
+      <a:schemeClr val="dk2">
+        <a:alpha val="90000"/>
+        <a:tint val="40000"/>
       </a:schemeClr>
     </dgm:fillClrLst>
     <dgm:linClrLst meth="repeat">
-      <a:schemeClr val="lt1"/>
-    </dgm:linClrLst>
-    <dgm:effectClrLst/>
-    <dgm:txLinClrLst/>
-    <dgm:txFillClrLst/>
-    <dgm:txEffectClrLst/>
-  </dgm:styleLbl>
-  <dgm:styleLbl name="node2">
-    <dgm:fillClrLst>
-      <a:schemeClr val="accent2"/>
-    </dgm:fillClrLst>
-    <dgm:linClrLst meth="repeat">
-      <a:schemeClr val="lt1"/>
-    </dgm:linClrLst>
-    <dgm:effectClrLst/>
-    <dgm:txLinClrLst/>
-    <dgm:txFillClrLst/>
-    <dgm:txEffectClrLst/>
-  </dgm:styleLbl>
-  <dgm:styleLbl name="node3">
-    <dgm:fillClrLst>
-      <a:schemeClr val="accent3"/>
-    </dgm:fillClrLst>
-    <dgm:linClrLst meth="repeat">
-      <a:schemeClr val="lt1"/>
-    </dgm:linClrLst>
-    <dgm:effectClrLst/>
-    <dgm:txLinClrLst/>
-    <dgm:txFillClrLst/>
-    <dgm:txEffectClrLst/>
-  </dgm:styleLbl>
-  <dgm:styleLbl name="node4">
-    <dgm:fillClrLst>
-      <a:schemeClr val="accent4"/>
-    </dgm:fillClrLst>
-    <dgm:linClrLst meth="repeat">
-      <a:schemeClr val="lt1"/>
-    </dgm:linClrLst>
-    <dgm:effectClrLst/>
-    <dgm:txLinClrLst/>
-    <dgm:txFillClrLst/>
-    <dgm:txEffectClrLst/>
-  </dgm:styleLbl>
-  <dgm:styleLbl name="fgImgPlace1">
-    <dgm:fillClrLst meth="repeat">
-      <a:schemeClr val="accent2">
-        <a:tint val="50000"/>
-      </a:schemeClr>
-      <a:schemeClr val="accent3">
-        <a:tint val="50000"/>
-      </a:schemeClr>
-      <a:schemeClr val="accent4">
-        <a:tint val="50000"/>
-      </a:schemeClr>
-      <a:schemeClr val="accent5">
-        <a:tint val="50000"/>
-      </a:schemeClr>
-      <a:schemeClr val="accent6">
-        <a:tint val="50000"/>
-      </a:schemeClr>
-    </dgm:fillClrLst>
-    <dgm:linClrLst meth="repeat">
-      <a:schemeClr val="lt1"/>
-    </dgm:linClrLst>
-    <dgm:effectClrLst/>
-    <dgm:txLinClrLst/>
-    <dgm:txFillClrLst meth="repeat">
-      <a:schemeClr val="lt1"/>
-    </dgm:txFillClrLst>
-    <dgm:txEffectClrLst/>
-  </dgm:styleLbl>
-  <dgm:styleLbl name="alignImgPlace1">
-    <dgm:fillClrLst>
-      <a:schemeClr val="accent1">
-        <a:tint val="50000"/>
-      </a:schemeClr>
-      <a:schemeClr val="accent2">
-        <a:tint val="20000"/>
-      </a:schemeClr>
-    </dgm:fillClrLst>
-    <dgm:linClrLst meth="repeat">
-      <a:schemeClr val="lt1"/>
-    </dgm:linClrLst>
-    <dgm:effectClrLst/>
-    <dgm:txLinClrLst/>
-    <dgm:txFillClrLst meth="repeat">
-      <a:schemeClr val="lt1"/>
-    </dgm:txFillClrLst>
-    <dgm:txEffectClrLst/>
-  </dgm:styleLbl>
-  <dgm:styleLbl name="bgImgPlace1">
-    <dgm:fillClrLst>
-      <a:schemeClr val="accent1">
-        <a:tint val="50000"/>
-      </a:schemeClr>
-      <a:schemeClr val="accent2">
-        <a:tint val="20000"/>
-      </a:schemeClr>
-    </dgm:fillClrLst>
-    <dgm:linClrLst meth="repeat">
-      <a:schemeClr val="lt1"/>
-    </dgm:linClrLst>
-    <dgm:effectClrLst/>
-    <dgm:txLinClrLst/>
-    <dgm:txFillClrLst meth="repeat">
-      <a:schemeClr val="lt1"/>
-    </dgm:txFillClrLst>
-    <dgm:txEffectClrLst/>
-  </dgm:styleLbl>
-  <dgm:styleLbl name="sibTrans2D1">
-    <dgm:fillClrLst meth="repeat">
-      <a:schemeClr val="accent2"/>
-      <a:schemeClr val="accent3"/>
-      <a:schemeClr val="accent4"/>
-      <a:schemeClr val="accent5"/>
-      <a:schemeClr val="accent6"/>
-    </dgm:fillClrLst>
-    <dgm:linClrLst meth="cycle">
-      <a:schemeClr val="lt1"/>
-    </dgm:linClrLst>
-    <dgm:effectClrLst/>
-    <dgm:txLinClrLst/>
-    <dgm:txFillClrLst/>
-    <dgm:txEffectClrLst/>
-  </dgm:styleLbl>
-  <dgm:styleLbl name="fgSibTrans2D1">
-    <dgm:fillClrLst meth="repeat">
-      <a:schemeClr val="accent2"/>
-      <a:schemeClr val="accent3"/>
-      <a:schemeClr val="accent4"/>
-      <a:schemeClr val="accent5"/>
-      <a:schemeClr val="accent6"/>
-    </dgm:fillClrLst>
-    <dgm:linClrLst meth="cycle">
-      <a:schemeClr val="lt1"/>
-    </dgm:linClrLst>
-    <dgm:effectClrLst/>
-    <dgm:txLinClrLst/>
-    <dgm:txFillClrLst meth="repeat">
-      <a:schemeClr val="lt1"/>
-    </dgm:txFillClrLst>
-    <dgm:txEffectClrLst/>
-  </dgm:styleLbl>
-  <dgm:styleLbl name="bgSibTrans2D1">
-    <dgm:fillClrLst meth="repeat">
-      <a:schemeClr val="accent2"/>
-      <a:schemeClr val="accent3"/>
-      <a:schemeClr val="accent4"/>
-      <a:schemeClr val="accent5"/>
-      <a:schemeClr val="accent6"/>
-    </dgm:fillClrLst>
-    <dgm:linClrLst meth="cycle">
-      <a:schemeClr val="lt1"/>
-    </dgm:linClrLst>
-    <dgm:effectClrLst/>
-    <dgm:txLinClrLst/>
-    <dgm:txFillClrLst meth="repeat">
-      <a:schemeClr val="lt1"/>
-    </dgm:txFillClrLst>
-    <dgm:txEffectClrLst/>
-  </dgm:styleLbl>
-  <dgm:styleLbl name="sibTrans1D1">
-    <dgm:fillClrLst meth="repeat">
-      <a:schemeClr val="accent2"/>
-      <a:schemeClr val="accent3"/>
-      <a:schemeClr val="accent4"/>
-      <a:schemeClr val="accent5"/>
-      <a:schemeClr val="accent6"/>
-    </dgm:fillClrLst>
-    <dgm:linClrLst meth="repeat">
-      <a:schemeClr val="accent2"/>
-      <a:schemeClr val="accent3"/>
-      <a:schemeClr val="accent4"/>
-      <a:schemeClr val="accent5"/>
-      <a:schemeClr val="accent6"/>
-    </dgm:linClrLst>
-    <dgm:effectClrLst/>
-    <dgm:txLinClrLst/>
-    <dgm:txFillClrLst meth="repeat">
-      <a:schemeClr val="tx1"/>
-    </dgm:txFillClrLst>
-    <dgm:txEffectClrLst/>
-  </dgm:styleLbl>
-  <dgm:styleLbl name="callout">
-    <dgm:fillClrLst meth="repeat">
-      <a:schemeClr val="accent2"/>
-    </dgm:fillClrLst>
-    <dgm:linClrLst meth="repeat">
-      <a:schemeClr val="accent2">
-        <a:tint val="50000"/>
-      </a:schemeClr>
-    </dgm:linClrLst>
-    <dgm:effectClrLst/>
-    <dgm:txLinClrLst/>
-    <dgm:txFillClrLst meth="repeat">
-      <a:schemeClr val="tx1"/>
-    </dgm:txFillClrLst>
-    <dgm:txEffectClrLst/>
-  </dgm:styleLbl>
-  <dgm:styleLbl name="asst0">
-    <dgm:fillClrLst meth="repeat">
-      <a:schemeClr val="accent1"/>
-    </dgm:fillClrLst>
-    <dgm:linClrLst meth="repeat">
-      <a:schemeClr val="lt1"/>
-    </dgm:linClrLst>
-    <dgm:effectClrLst/>
-    <dgm:txLinClrLst/>
-    <dgm:txFillClrLst/>
-    <dgm:txEffectClrLst/>
-  </dgm:styleLbl>
-  <dgm:styleLbl name="asst1">
-    <dgm:fillClrLst meth="repeat">
-      <a:schemeClr val="accent2"/>
-    </dgm:fillClrLst>
-    <dgm:linClrLst meth="repeat">
-      <a:schemeClr val="lt1"/>
-    </dgm:linClrLst>
-    <dgm:effectClrLst/>
-    <dgm:txLinClrLst/>
-    <dgm:txFillClrLst/>
-    <dgm:txEffectClrLst/>
-  </dgm:styleLbl>
-  <dgm:styleLbl name="asst2">
-    <dgm:fillClrLst>
-      <a:schemeClr val="accent3"/>
-    </dgm:fillClrLst>
-    <dgm:linClrLst meth="repeat">
-      <a:schemeClr val="lt1"/>
-    </dgm:linClrLst>
-    <dgm:effectClrLst/>
-    <dgm:txLinClrLst/>
-    <dgm:txFillClrLst/>
-    <dgm:txEffectClrLst/>
-  </dgm:styleLbl>
-  <dgm:styleLbl name="asst3">
-    <dgm:fillClrLst>
-      <a:schemeClr val="accent4"/>
-    </dgm:fillClrLst>
-    <dgm:linClrLst meth="repeat">
-      <a:schemeClr val="lt1"/>
-    </dgm:linClrLst>
-    <dgm:effectClrLst/>
-    <dgm:txLinClrLst/>
-    <dgm:txFillClrLst/>
-    <dgm:txEffectClrLst/>
-  </dgm:styleLbl>
-  <dgm:styleLbl name="asst4">
-    <dgm:fillClrLst>
-      <a:schemeClr val="accent5"/>
-    </dgm:fillClrLst>
-    <dgm:linClrLst meth="repeat">
-      <a:schemeClr val="lt1"/>
-    </dgm:linClrLst>
-    <dgm:effectClrLst/>
-    <dgm:txLinClrLst/>
-    <dgm:txFillClrLst/>
-    <dgm:txEffectClrLst/>
-  </dgm:styleLbl>
-  <dgm:styleLbl name="parChTrans2D1">
-    <dgm:fillClrLst meth="repeat">
-      <a:schemeClr val="accent2"/>
-    </dgm:fillClrLst>
-    <dgm:linClrLst meth="repeat">
-      <a:schemeClr val="lt1"/>
-    </dgm:linClrLst>
-    <dgm:effectClrLst/>
-    <dgm:txLinClrLst/>
-    <dgm:txFillClrLst meth="repeat">
-      <a:schemeClr val="lt1"/>
-    </dgm:txFillClrLst>
-    <dgm:txEffectClrLst/>
-  </dgm:styleLbl>
-  <dgm:styleLbl name="parChTrans2D2">
-    <dgm:fillClrLst meth="repeat">
-      <a:schemeClr val="accent3"/>
-    </dgm:fillClrLst>
-    <dgm:linClrLst meth="repeat">
-      <a:schemeClr val="lt1"/>
-    </dgm:linClrLst>
-    <dgm:effectClrLst/>
-    <dgm:txLinClrLst/>
-    <dgm:txFillClrLst/>
-    <dgm:txEffectClrLst/>
-  </dgm:styleLbl>
-  <dgm:styleLbl name="parChTrans2D3">
-    <dgm:fillClrLst meth="repeat">
-      <a:schemeClr val="accent4"/>
-    </dgm:fillClrLst>
-    <dgm:linClrLst meth="repeat">
-      <a:schemeClr val="lt1"/>
-    </dgm:linClrLst>
-    <dgm:effectClrLst/>
-    <dgm:txLinClrLst/>
-    <dgm:txFillClrLst/>
-    <dgm:txEffectClrLst/>
-  </dgm:styleLbl>
-  <dgm:styleLbl name="parChTrans2D4">
-    <dgm:fillClrLst meth="repeat">
-      <a:schemeClr val="accent5"/>
-    </dgm:fillClrLst>
-    <dgm:linClrLst meth="repeat">
-      <a:schemeClr val="lt1"/>
-    </dgm:linClrLst>
-    <dgm:effectClrLst/>
-    <dgm:txLinClrLst/>
-    <dgm:txFillClrLst meth="repeat">
-      <a:schemeClr val="lt1"/>
-    </dgm:txFillClrLst>
-    <dgm:txEffectClrLst/>
-  </dgm:styleLbl>
-  <dgm:styleLbl name="parChTrans1D1">
-    <dgm:fillClrLst meth="repeat">
-      <a:schemeClr val="accent2"/>
-    </dgm:fillClrLst>
-    <dgm:linClrLst meth="repeat">
-      <a:schemeClr val="accent1"/>
-    </dgm:linClrLst>
-    <dgm:effectClrLst/>
-    <dgm:txLinClrLst/>
-    <dgm:txFillClrLst meth="repeat">
-      <a:schemeClr val="tx1"/>
-    </dgm:txFillClrLst>
-    <dgm:txEffectClrLst/>
-  </dgm:styleLbl>
-  <dgm:styleLbl name="parChTrans1D2">
-    <dgm:fillClrLst meth="repeat">
-      <a:schemeClr val="accent3">
-        <a:tint val="90000"/>
-      </a:schemeClr>
-    </dgm:fillClrLst>
-    <dgm:linClrLst meth="repeat">
-      <a:schemeClr val="accent2"/>
-    </dgm:linClrLst>
-    <dgm:effectClrLst/>
-    <dgm:txLinClrLst/>
-    <dgm:txFillClrLst meth="repeat">
-      <a:schemeClr val="tx1"/>
-    </dgm:txFillClrLst>
-    <dgm:txEffectClrLst/>
-  </dgm:styleLbl>
-  <dgm:styleLbl name="parChTrans1D3">
-    <dgm:fillClrLst meth="repeat">
-      <a:schemeClr val="accent4">
-        <a:tint val="70000"/>
-      </a:schemeClr>
-    </dgm:fillClrLst>
-    <dgm:linClrLst meth="repeat">
-      <a:schemeClr val="accent3"/>
-    </dgm:linClrLst>
-    <dgm:effectClrLst/>
-    <dgm:txLinClrLst/>
-    <dgm:txFillClrLst meth="repeat">
-      <a:schemeClr val="tx1"/>
-    </dgm:txFillClrLst>
-    <dgm:txEffectClrLst/>
-  </dgm:styleLbl>
-  <dgm:styleLbl name="parChTrans1D4">
-    <dgm:fillClrLst meth="repeat">
-      <a:schemeClr val="accent5">
-        <a:tint val="50000"/>
-      </a:schemeClr>
-    </dgm:fillClrLst>
-    <dgm:linClrLst meth="repeat">
-      <a:schemeClr val="accent4"/>
-    </dgm:linClrLst>
-    <dgm:effectClrLst/>
-    <dgm:txLinClrLst/>
-    <dgm:txFillClrLst meth="repeat">
-      <a:schemeClr val="tx1"/>
-    </dgm:txFillClrLst>
-    <dgm:txEffectClrLst/>
-  </dgm:styleLbl>
-  <dgm:styleLbl name="fgAcc1">
-    <dgm:fillClrLst meth="repeat">
-      <a:schemeClr val="lt1">
+      <a:schemeClr val="dk2">
         <a:alpha val="90000"/>
-      </a:schemeClr>
-    </dgm:fillClrLst>
-    <dgm:linClrLst meth="repeat">
-      <a:schemeClr val="accent2"/>
-      <a:schemeClr val="accent3"/>
-      <a:schemeClr val="accent4"/>
-      <a:schemeClr val="accent5"/>
-      <a:schemeClr val="accent6"/>
-    </dgm:linClrLst>
-    <dgm:effectClrLst/>
-    <dgm:txLinClrLst/>
-    <dgm:txFillClrLst meth="repeat">
-      <a:schemeClr val="dk1"/>
-    </dgm:txFillClrLst>
-    <dgm:txEffectClrLst/>
-  </dgm:styleLbl>
-  <dgm:styleLbl name="conFgAcc1">
-    <dgm:fillClrLst meth="repeat">
-      <a:schemeClr val="lt1">
-        <a:alpha val="90000"/>
-      </a:schemeClr>
-    </dgm:fillClrLst>
-    <dgm:linClrLst meth="repeat">
-      <a:schemeClr val="accent2"/>
-      <a:schemeClr val="accent3"/>
-      <a:schemeClr val="accent4"/>
-      <a:schemeClr val="accent5"/>
-      <a:schemeClr val="accent6"/>
-    </dgm:linClrLst>
-    <dgm:effectClrLst/>
-    <dgm:txLinClrLst/>
-    <dgm:txFillClrLst meth="repeat">
-      <a:schemeClr val="dk1"/>
-    </dgm:txFillClrLst>
-    <dgm:txEffectClrLst/>
-  </dgm:styleLbl>
-  <dgm:styleLbl name="alignAcc1">
-    <dgm:fillClrLst meth="repeat">
-      <a:schemeClr val="lt1">
-        <a:alpha val="90000"/>
-      </a:schemeClr>
-    </dgm:fillClrLst>
-    <dgm:linClrLst meth="repeat">
-      <a:schemeClr val="accent2"/>
-      <a:schemeClr val="accent3"/>
-      <a:schemeClr val="accent4"/>
-      <a:schemeClr val="accent5"/>
-      <a:schemeClr val="accent6"/>
-    </dgm:linClrLst>
-    <dgm:effectClrLst/>
-    <dgm:txLinClrLst/>
-    <dgm:txFillClrLst meth="repeat">
-      <a:schemeClr val="dk1"/>
-    </dgm:txFillClrLst>
-    <dgm:txEffectClrLst/>
-  </dgm:styleLbl>
-  <dgm:styleLbl name="trAlignAcc1">
-    <dgm:fillClrLst meth="repeat">
-      <a:schemeClr val="lt1">
-        <a:alpha val="40000"/>
-      </a:schemeClr>
-    </dgm:fillClrLst>
-    <dgm:linClrLst meth="repeat">
-      <a:schemeClr val="accent1"/>
-    </dgm:linClrLst>
-    <dgm:effectClrLst/>
-    <dgm:txLinClrLst/>
-    <dgm:txFillClrLst meth="repeat">
-      <a:schemeClr val="dk1"/>
-    </dgm:txFillClrLst>
-    <dgm:txEffectClrLst/>
-  </dgm:styleLbl>
-  <dgm:styleLbl name="bgAcc1">
-    <dgm:fillClrLst meth="repeat">
-      <a:schemeClr val="lt1">
-        <a:alpha val="90000"/>
-      </a:schemeClr>
-    </dgm:fillClrLst>
-    <dgm:linClrLst meth="repeat">
-      <a:schemeClr val="accent2"/>
-      <a:schemeClr val="accent3"/>
-      <a:schemeClr val="accent4"/>
-      <a:schemeClr val="accent5"/>
-      <a:schemeClr val="accent6"/>
-    </dgm:linClrLst>
-    <dgm:effectClrLst/>
-    <dgm:txLinClrLst/>
-    <dgm:txFillClrLst meth="repeat">
-      <a:schemeClr val="dk1"/>
-    </dgm:txFillClrLst>
-    <dgm:txEffectClrLst/>
-  </dgm:styleLbl>
-  <dgm:styleLbl name="solidFgAcc1">
-    <dgm:fillClrLst meth="repeat">
-      <a:schemeClr val="lt1"/>
-    </dgm:fillClrLst>
-    <dgm:linClrLst meth="repeat">
-      <a:schemeClr val="accent2"/>
-      <a:schemeClr val="accent3"/>
-      <a:schemeClr val="accent4"/>
-      <a:schemeClr val="accent5"/>
-      <a:schemeClr val="accent6"/>
-    </dgm:linClrLst>
-    <dgm:effectClrLst/>
-    <dgm:txLinClrLst/>
-    <dgm:txFillClrLst meth="repeat">
-      <a:schemeClr val="dk1"/>
-    </dgm:txFillClrLst>
-    <dgm:txEffectClrLst/>
-  </dgm:styleLbl>
-  <dgm:styleLbl name="solidAlignAcc1">
-    <dgm:fillClrLst meth="repeat">
-      <a:schemeClr val="lt1"/>
-    </dgm:fillClrLst>
-    <dgm:linClrLst meth="repeat">
-      <a:schemeClr val="accent2"/>
-      <a:schemeClr val="accent3"/>
-      <a:schemeClr val="accent4"/>
-      <a:schemeClr val="accent5"/>
-      <a:schemeClr val="accent6"/>
-    </dgm:linClrLst>
-    <dgm:effectClrLst/>
-    <dgm:txLinClrLst/>
-    <dgm:txFillClrLst meth="repeat">
-      <a:schemeClr val="dk1"/>
-    </dgm:txFillClrLst>
-    <dgm:txEffectClrLst/>
-  </dgm:styleLbl>
-  <dgm:styleLbl name="solidBgAcc1">
-    <dgm:fillClrLst meth="repeat">
-      <a:schemeClr val="lt1"/>
-    </dgm:fillClrLst>
-    <dgm:linClrLst meth="repeat">
-      <a:schemeClr val="accent2"/>
-      <a:schemeClr val="accent3"/>
-      <a:schemeClr val="accent4"/>
-      <a:schemeClr val="accent5"/>
-      <a:schemeClr val="accent6"/>
-    </dgm:linClrLst>
-    <dgm:effectClrLst/>
-    <dgm:txLinClrLst/>
-    <dgm:txFillClrLst meth="repeat">
-      <a:schemeClr val="dk1"/>
-    </dgm:txFillClrLst>
-    <dgm:txEffectClrLst/>
-  </dgm:styleLbl>
-  <dgm:styleLbl name="fgAccFollowNode1">
-    <dgm:fillClrLst meth="repeat">
-      <a:schemeClr val="accent2">
         <a:tint val="40000"/>
-        <a:alpha val="90000"/>
-      </a:schemeClr>
-      <a:schemeClr val="accent3">
-        <a:tint val="40000"/>
-        <a:alpha val="90000"/>
-      </a:schemeClr>
-      <a:schemeClr val="accent4">
-        <a:tint val="40000"/>
-        <a:alpha val="90000"/>
-      </a:schemeClr>
-      <a:schemeClr val="accent5">
-        <a:tint val="40000"/>
-        <a:alpha val="90000"/>
-      </a:schemeClr>
-      <a:schemeClr val="accent6">
-        <a:tint val="40000"/>
-        <a:alpha val="90000"/>
-      </a:schemeClr>
-    </dgm:fillClrLst>
-    <dgm:linClrLst meth="repeat">
-      <a:schemeClr val="accent2">
-        <a:tint val="40000"/>
-        <a:alpha val="90000"/>
-      </a:schemeClr>
-      <a:schemeClr val="accent3">
-        <a:tint val="40000"/>
-        <a:alpha val="90000"/>
-      </a:schemeClr>
-      <a:schemeClr val="accent4">
-        <a:tint val="40000"/>
-        <a:alpha val="90000"/>
-      </a:schemeClr>
-      <a:schemeClr val="accent5">
-        <a:tint val="40000"/>
-        <a:alpha val="90000"/>
-      </a:schemeClr>
-      <a:schemeClr val="accent6">
-        <a:tint val="40000"/>
-        <a:alpha val="90000"/>
       </a:schemeClr>
     </dgm:linClrLst>
     <dgm:effectClrLst/>
@@ -1577,49 +1495,17 @@
     </dgm:txFillClrLst>
     <dgm:txEffectClrLst/>
   </dgm:styleLbl>
-  <dgm:styleLbl name="alignAccFollowNode1">
+  <dgm:styleLbl name="bgAccFollowNode1">
     <dgm:fillClrLst meth="repeat">
-      <a:schemeClr val="accent2">
+      <a:schemeClr val="dk2">
+        <a:alpha val="90000"/>
         <a:tint val="40000"/>
-        <a:alpha val="90000"/>
-      </a:schemeClr>
-      <a:schemeClr val="accent3">
-        <a:tint val="40000"/>
-        <a:alpha val="90000"/>
-      </a:schemeClr>
-      <a:schemeClr val="accent4">
-        <a:tint val="40000"/>
-        <a:alpha val="90000"/>
-      </a:schemeClr>
-      <a:schemeClr val="accent5">
-        <a:tint val="40000"/>
-        <a:alpha val="90000"/>
-      </a:schemeClr>
-      <a:schemeClr val="accent6">
-        <a:tint val="40000"/>
-        <a:alpha val="90000"/>
       </a:schemeClr>
     </dgm:fillClrLst>
     <dgm:linClrLst meth="repeat">
-      <a:schemeClr val="accent2">
+      <a:schemeClr val="dk2">
+        <a:alpha val="90000"/>
         <a:tint val="40000"/>
-        <a:alpha val="90000"/>
-      </a:schemeClr>
-      <a:schemeClr val="accent3">
-        <a:tint val="40000"/>
-        <a:alpha val="90000"/>
-      </a:schemeClr>
-      <a:schemeClr val="accent4">
-        <a:tint val="40000"/>
-        <a:alpha val="90000"/>
-      </a:schemeClr>
-      <a:schemeClr val="accent5">
-        <a:tint val="40000"/>
-        <a:alpha val="90000"/>
-      </a:schemeClr>
-      <a:schemeClr val="accent6">
-        <a:tint val="40000"/>
-        <a:alpha val="90000"/>
       </a:schemeClr>
     </dgm:linClrLst>
     <dgm:effectClrLst/>
@@ -1629,50 +1515,14 @@
     </dgm:txFillClrLst>
     <dgm:txEffectClrLst/>
   </dgm:styleLbl>
-  <dgm:styleLbl name="bgAccFollowNode1">
+  <dgm:styleLbl name="fgAcc0">
     <dgm:fillClrLst meth="repeat">
-      <a:schemeClr val="accent2">
-        <a:tint val="40000"/>
-        <a:alpha val="90000"/>
-      </a:schemeClr>
-      <a:schemeClr val="accent3">
-        <a:tint val="40000"/>
-        <a:alpha val="90000"/>
-      </a:schemeClr>
-      <a:schemeClr val="accent4">
-        <a:tint val="40000"/>
-        <a:alpha val="90000"/>
-      </a:schemeClr>
-      <a:schemeClr val="accent5">
-        <a:tint val="40000"/>
-        <a:alpha val="90000"/>
-      </a:schemeClr>
-      <a:schemeClr val="accent6">
-        <a:tint val="40000"/>
+      <a:schemeClr val="lt2">
         <a:alpha val="90000"/>
       </a:schemeClr>
     </dgm:fillClrLst>
     <dgm:linClrLst meth="repeat">
-      <a:schemeClr val="accent2">
-        <a:tint val="40000"/>
-        <a:alpha val="90000"/>
-      </a:schemeClr>
-      <a:schemeClr val="accent3">
-        <a:tint val="40000"/>
-        <a:alpha val="90000"/>
-      </a:schemeClr>
-      <a:schemeClr val="accent4">
-        <a:tint val="40000"/>
-        <a:alpha val="90000"/>
-      </a:schemeClr>
-      <a:schemeClr val="accent5">
-        <a:tint val="40000"/>
-        <a:alpha val="90000"/>
-      </a:schemeClr>
-      <a:schemeClr val="accent6">
-        <a:tint val="40000"/>
-        <a:alpha val="90000"/>
-      </a:schemeClr>
+      <a:schemeClr val="dk2"/>
     </dgm:linClrLst>
     <dgm:effectClrLst/>
     <dgm:txLinClrLst/>
@@ -1681,14 +1531,14 @@
     </dgm:txFillClrLst>
     <dgm:txEffectClrLst/>
   </dgm:styleLbl>
-  <dgm:styleLbl name="fgAcc0">
+  <dgm:styleLbl name="fgAcc2">
     <dgm:fillClrLst meth="repeat">
-      <a:schemeClr val="lt1">
+      <a:schemeClr val="lt2">
         <a:alpha val="90000"/>
       </a:schemeClr>
     </dgm:fillClrLst>
-    <dgm:linClrLst>
-      <a:schemeClr val="accent1"/>
+    <dgm:linClrLst meth="repeat">
+      <a:schemeClr val="dk2"/>
     </dgm:linClrLst>
     <dgm:effectClrLst/>
     <dgm:txLinClrLst/>
@@ -1697,14 +1547,14 @@
     </dgm:txFillClrLst>
     <dgm:txEffectClrLst/>
   </dgm:styleLbl>
-  <dgm:styleLbl name="fgAcc2">
+  <dgm:styleLbl name="fgAcc3">
     <dgm:fillClrLst meth="repeat">
-      <a:schemeClr val="lt1">
+      <a:schemeClr val="lt2">
         <a:alpha val="90000"/>
       </a:schemeClr>
     </dgm:fillClrLst>
-    <dgm:linClrLst>
-      <a:schemeClr val="accent2"/>
+    <dgm:linClrLst meth="repeat">
+      <a:schemeClr val="dk2"/>
     </dgm:linClrLst>
     <dgm:effectClrLst/>
     <dgm:txLinClrLst/>
@@ -1713,14 +1563,14 @@
     </dgm:txFillClrLst>
     <dgm:txEffectClrLst/>
   </dgm:styleLbl>
-  <dgm:styleLbl name="fgAcc3">
+  <dgm:styleLbl name="fgAcc4">
     <dgm:fillClrLst meth="repeat">
-      <a:schemeClr val="lt1">
+      <a:schemeClr val="lt2">
         <a:alpha val="90000"/>
       </a:schemeClr>
     </dgm:fillClrLst>
-    <dgm:linClrLst>
-      <a:schemeClr val="accent3"/>
+    <dgm:linClrLst meth="repeat">
+      <a:schemeClr val="dk2"/>
     </dgm:linClrLst>
     <dgm:effectClrLst/>
     <dgm:txLinClrLst/>
@@ -1729,14 +1579,14 @@
     </dgm:txFillClrLst>
     <dgm:txEffectClrLst/>
   </dgm:styleLbl>
-  <dgm:styleLbl name="fgAcc4">
+  <dgm:styleLbl name="bgShp">
     <dgm:fillClrLst meth="repeat">
-      <a:schemeClr val="lt1">
-        <a:alpha val="90000"/>
+      <a:schemeClr val="bg1">
+        <a:lumMod val="95000"/>
       </a:schemeClr>
     </dgm:fillClrLst>
-    <dgm:linClrLst>
-      <a:schemeClr val="accent4"/>
+    <dgm:linClrLst meth="repeat">
+      <a:schemeClr val="dk2"/>
     </dgm:linClrLst>
     <dgm:effectClrLst/>
     <dgm:txLinClrLst/>
@@ -1745,32 +1595,14 @@
     </dgm:txFillClrLst>
     <dgm:txEffectClrLst/>
   </dgm:styleLbl>
-  <dgm:styleLbl name="bgShp">
-    <dgm:fillClrLst meth="repeat">
-      <a:schemeClr val="accent2"/>
-      <a:schemeClr val="accent3"/>
-      <a:schemeClr val="accent4"/>
-      <a:schemeClr val="accent5"/>
-      <a:schemeClr val="accent6"/>
-    </dgm:fillClrLst>
-    <dgm:linClrLst meth="repeat">
-      <a:schemeClr val="lt1">
-        <a:alpha val="0"/>
-      </a:schemeClr>
-    </dgm:linClrLst>
-    <dgm:effectClrLst/>
-    <dgm:txLinClrLst/>
-    <dgm:txFillClrLst/>
-    <dgm:txEffectClrLst/>
-  </dgm:styleLbl>
   <dgm:styleLbl name="dkBgShp">
     <dgm:fillClrLst meth="repeat">
-      <a:schemeClr val="accent2">
-        <a:shade val="90000"/>
+      <a:schemeClr val="dk2">
+        <a:shade val="80000"/>
       </a:schemeClr>
     </dgm:fillClrLst>
     <dgm:linClrLst meth="repeat">
-      <a:schemeClr val="dk1"/>
+      <a:schemeClr val="dk2"/>
     </dgm:linClrLst>
     <dgm:effectClrLst/>
     <dgm:txLinClrLst/>
@@ -1781,13 +1613,13 @@
   </dgm:styleLbl>
   <dgm:styleLbl name="trBgShp">
     <dgm:fillClrLst meth="repeat">
-      <a:schemeClr val="accent1">
+      <a:schemeClr val="dk2">
         <a:tint val="50000"/>
         <a:alpha val="40000"/>
       </a:schemeClr>
     </dgm:fillClrLst>
     <dgm:linClrLst meth="repeat">
-      <a:schemeClr val="accent2"/>
+      <a:schemeClr val="dk2"/>
     </dgm:linClrLst>
     <dgm:effectClrLst/>
     <dgm:txLinClrLst/>
@@ -1798,12 +1630,12 @@
   </dgm:styleLbl>
   <dgm:styleLbl name="fgShp">
     <dgm:fillClrLst meth="repeat">
-      <a:schemeClr val="accent2">
-        <a:tint val="40000"/>
+      <a:schemeClr val="dk2">
+        <a:tint val="60000"/>
       </a:schemeClr>
     </dgm:fillClrLst>
     <dgm:linClrLst meth="repeat">
-      <a:schemeClr val="lt1"/>
+      <a:schemeClr val="lt2"/>
     </dgm:linClrLst>
     <dgm:effectClrLst/>
     <dgm:txLinClrLst/>
@@ -1814,7 +1646,7 @@
   </dgm:styleLbl>
   <dgm:styleLbl name="revTx">
     <dgm:fillClrLst meth="repeat">
-      <a:schemeClr val="lt1">
+      <a:schemeClr val="lt2">
         <a:alpha val="0"/>
       </a:schemeClr>
     </dgm:fillClrLst>
@@ -4808,7 +4640,7 @@
 <dgm:dataModel xmlns:dgm="http://schemas.openxmlformats.org/drawingml/2006/diagram" xmlns:a="http://schemas.openxmlformats.org/drawingml/2006/main">
   <dgm:ptLst>
     <dgm:pt modelId="{F7163457-6ED2-4232-A5F7-A9FBCA615388}" type="doc">
-      <dgm:prSet loTypeId="urn:microsoft.com/office/officeart/2018/5/layout/IconCircleLabelList" loCatId="icon" qsTypeId="urn:microsoft.com/office/officeart/2005/8/quickstyle/simple1" qsCatId="simple" csTypeId="urn:microsoft.com/office/officeart/2018/5/colors/Iconchunking_neutralicon_colorful1" csCatId="colorful" phldr="1"/>
+      <dgm:prSet loTypeId="urn:microsoft.com/office/officeart/2018/2/layout/IconVerticalSolidList" loCatId="icon" qsTypeId="urn:microsoft.com/office/officeart/2005/8/quickstyle/simple1" qsCatId="simple" csTypeId="urn:microsoft.com/office/officeart/2018/5/colors/Iconchunking_neutralbg_accent0_3" csCatId="mainScheme" phldr="1"/>
       <dgm:spPr/>
       <dgm:t>
         <a:bodyPr/>
@@ -4826,13 +4658,15 @@
         <a:lstStyle/>
         <a:p>
           <a:pPr>
-            <a:defRPr cap="all"/>
+            <a:lnSpc>
+              <a:spcPct val="100000"/>
+            </a:lnSpc>
           </a:pPr>
           <a:r>
-            <a:rPr lang="en-US" b="0" i="0"/>
+            <a:rPr lang="en-US" b="0" i="0" dirty="0"/>
             <a:t>Credit card fraud causes major financial losses and reduces user trust.</a:t>
           </a:r>
-          <a:endParaRPr lang="en-US"/>
+          <a:endParaRPr lang="en-US" dirty="0"/>
         </a:p>
       </dgm:t>
     </dgm:pt>
@@ -4866,7 +4700,9 @@
         <a:lstStyle/>
         <a:p>
           <a:pPr>
-            <a:defRPr cap="all"/>
+            <a:lnSpc>
+              <a:spcPct val="100000"/>
+            </a:lnSpc>
           </a:pPr>
           <a:r>
             <a:rPr lang="en-US" b="0" i="0"/>
@@ -4906,7 +4742,9 @@
         <a:lstStyle/>
         <a:p>
           <a:pPr>
-            <a:defRPr cap="all"/>
+            <a:lnSpc>
+              <a:spcPct val="100000"/>
+            </a:lnSpc>
           </a:pPr>
           <a:r>
             <a:rPr lang="en-US" b="0" i="0"/>
@@ -4946,7 +4784,9 @@
         <a:lstStyle/>
         <a:p>
           <a:pPr>
-            <a:defRPr cap="all"/>
+            <a:lnSpc>
+              <a:spcPct val="100000"/>
+            </a:lnSpc>
           </a:pPr>
           <a:r>
             <a:rPr lang="en-US" b="0" i="0"/>
@@ -4978,7 +4818,7 @@
         </a:p>
       </dgm:t>
     </dgm:pt>
-    <dgm:pt modelId="{2B7AD9A5-6243-4408-9A4A-B5CE95E5B2A6}" type="pres">
+    <dgm:pt modelId="{72739EC6-79AA-4C6C-BAFC-213EF9DFA85C}" type="pres">
       <dgm:prSet presAssocID="{F7163457-6ED2-4232-A5F7-A9FBCA615388}" presName="root" presStyleCnt="0">
         <dgm:presLayoutVars>
           <dgm:dir/>
@@ -4987,15 +4827,15 @@
       </dgm:prSet>
       <dgm:spPr/>
     </dgm:pt>
-    <dgm:pt modelId="{1B6DA6A7-FF85-4F06-AA53-44BCF0A31633}" type="pres">
+    <dgm:pt modelId="{4813AC74-BADF-4598-899F-E949321ACCBF}" type="pres">
       <dgm:prSet presAssocID="{7FAC6CA9-9A45-4978-A5BD-7587254BB024}" presName="compNode" presStyleCnt="0"/>
       <dgm:spPr/>
     </dgm:pt>
-    <dgm:pt modelId="{24E143F8-0954-4D77-821E-FCDAB20CA209}" type="pres">
-      <dgm:prSet presAssocID="{7FAC6CA9-9A45-4978-A5BD-7587254BB024}" presName="iconBgRect" presStyleLbl="bgShp" presStyleIdx="0" presStyleCnt="4"/>
+    <dgm:pt modelId="{AC72B9D5-E059-425E-8698-AD2741933986}" type="pres">
+      <dgm:prSet presAssocID="{7FAC6CA9-9A45-4978-A5BD-7587254BB024}" presName="bgRect" presStyleLbl="bgShp" presStyleIdx="0" presStyleCnt="4"/>
       <dgm:spPr/>
     </dgm:pt>
-    <dgm:pt modelId="{EC82C55C-3417-430F-ACED-631A12D3B748}" type="pres">
+    <dgm:pt modelId="{A50D4192-6543-4FCB-90E6-1A0F63729CA9}" type="pres">
       <dgm:prSet presAssocID="{7FAC6CA9-9A45-4978-A5BD-7587254BB024}" presName="iconRect" presStyleLbl="node1" presStyleIdx="0" presStyleCnt="4"/>
       <dgm:spPr>
         <a:blipFill>
@@ -5023,32 +4863,32 @@
         </a:ext>
       </dgm:extLst>
     </dgm:pt>
-    <dgm:pt modelId="{7E1414F1-AFB5-4C3C-8406-C557E5DD6780}" type="pres">
+    <dgm:pt modelId="{6051062C-745D-4ACD-B448-C637A48ABA8A}" type="pres">
       <dgm:prSet presAssocID="{7FAC6CA9-9A45-4978-A5BD-7587254BB024}" presName="spaceRect" presStyleCnt="0"/>
       <dgm:spPr/>
     </dgm:pt>
-    <dgm:pt modelId="{E7DB929A-4868-49D8-852B-1B55B87DB03A}" type="pres">
-      <dgm:prSet presAssocID="{7FAC6CA9-9A45-4978-A5BD-7587254BB024}" presName="textRect" presStyleLbl="revTx" presStyleIdx="0" presStyleCnt="4">
+    <dgm:pt modelId="{5F511F3C-D7CD-4628-9FA6-5288FCD1EABF}" type="pres">
+      <dgm:prSet presAssocID="{7FAC6CA9-9A45-4978-A5BD-7587254BB024}" presName="parTx" presStyleLbl="revTx" presStyleIdx="0" presStyleCnt="4">
         <dgm:presLayoutVars>
-          <dgm:chMax val="1"/>
-          <dgm:chPref val="1"/>
+          <dgm:chMax val="0"/>
+          <dgm:chPref val="0"/>
         </dgm:presLayoutVars>
       </dgm:prSet>
       <dgm:spPr/>
     </dgm:pt>
-    <dgm:pt modelId="{7B09EC78-8C1D-4AFD-998D-1BE7EAE575D9}" type="pres">
+    <dgm:pt modelId="{92920A07-91CC-44AB-A31B-7D99944DE1B4}" type="pres">
       <dgm:prSet presAssocID="{BE52270C-2653-4783-9113-3F65419257F5}" presName="sibTrans" presStyleCnt="0"/>
       <dgm:spPr/>
     </dgm:pt>
-    <dgm:pt modelId="{589838A3-4033-4C47-96A0-2032807988F6}" type="pres">
+    <dgm:pt modelId="{06DE4359-6FAA-4B87-BCC8-A9E58A819542}" type="pres">
       <dgm:prSet presAssocID="{C73D238A-D9D1-4EF8-843F-5A606ED7EABE}" presName="compNode" presStyleCnt="0"/>
       <dgm:spPr/>
     </dgm:pt>
-    <dgm:pt modelId="{C3F11A5E-56C2-42CA-8E0B-92BCCBEC153D}" type="pres">
-      <dgm:prSet presAssocID="{C73D238A-D9D1-4EF8-843F-5A606ED7EABE}" presName="iconBgRect" presStyleLbl="bgShp" presStyleIdx="1" presStyleCnt="4"/>
+    <dgm:pt modelId="{75254B48-ED5A-445C-8C4B-E95DE1363927}" type="pres">
+      <dgm:prSet presAssocID="{C73D238A-D9D1-4EF8-843F-5A606ED7EABE}" presName="bgRect" presStyleLbl="bgShp" presStyleIdx="1" presStyleCnt="4"/>
       <dgm:spPr/>
     </dgm:pt>
-    <dgm:pt modelId="{5B385404-1114-4178-B99F-DA6A56D00CA9}" type="pres">
+    <dgm:pt modelId="{363A0996-65B0-4A89-9490-147023331552}" type="pres">
       <dgm:prSet presAssocID="{C73D238A-D9D1-4EF8-843F-5A606ED7EABE}" presName="iconRect" presStyleLbl="node1" presStyleIdx="1" presStyleCnt="4"/>
       <dgm:spPr>
         <a:blipFill>
@@ -5076,32 +4916,32 @@
         </a:ext>
       </dgm:extLst>
     </dgm:pt>
-    <dgm:pt modelId="{A9A06E54-E989-4E35-98EF-8ADC4FA81484}" type="pres">
+    <dgm:pt modelId="{AFC10AB7-807F-4A34-9B9A-B0D625F50642}" type="pres">
       <dgm:prSet presAssocID="{C73D238A-D9D1-4EF8-843F-5A606ED7EABE}" presName="spaceRect" presStyleCnt="0"/>
       <dgm:spPr/>
     </dgm:pt>
-    <dgm:pt modelId="{94393A59-C042-4904-9DB7-2443AD7AA03D}" type="pres">
-      <dgm:prSet presAssocID="{C73D238A-D9D1-4EF8-843F-5A606ED7EABE}" presName="textRect" presStyleLbl="revTx" presStyleIdx="1" presStyleCnt="4">
+    <dgm:pt modelId="{F2CBF9B9-DDE6-4312-B54B-A8A35CBBCE07}" type="pres">
+      <dgm:prSet presAssocID="{C73D238A-D9D1-4EF8-843F-5A606ED7EABE}" presName="parTx" presStyleLbl="revTx" presStyleIdx="1" presStyleCnt="4">
         <dgm:presLayoutVars>
-          <dgm:chMax val="1"/>
-          <dgm:chPref val="1"/>
+          <dgm:chMax val="0"/>
+          <dgm:chPref val="0"/>
         </dgm:presLayoutVars>
       </dgm:prSet>
       <dgm:spPr/>
     </dgm:pt>
-    <dgm:pt modelId="{D804F587-9D58-42A0-8BB5-51E2F1AD4660}" type="pres">
+    <dgm:pt modelId="{29927B3A-D2A9-44CA-8602-9F7CE7315286}" type="pres">
       <dgm:prSet presAssocID="{7A7233FB-1A9C-47DC-94AE-F7232EA26A4B}" presName="sibTrans" presStyleCnt="0"/>
       <dgm:spPr/>
     </dgm:pt>
-    <dgm:pt modelId="{AA1123F0-0126-4D5D-85DB-6D6071AB16BC}" type="pres">
+    <dgm:pt modelId="{E7CBC6FA-56F3-4482-B7E0-740E744F2FAE}" type="pres">
       <dgm:prSet presAssocID="{54D866F3-7C22-4C6D-AF96-4EABA5B76F8B}" presName="compNode" presStyleCnt="0"/>
       <dgm:spPr/>
     </dgm:pt>
-    <dgm:pt modelId="{166EEED0-CED8-4DDE-9CE5-26CE34F6BF82}" type="pres">
-      <dgm:prSet presAssocID="{54D866F3-7C22-4C6D-AF96-4EABA5B76F8B}" presName="iconBgRect" presStyleLbl="bgShp" presStyleIdx="2" presStyleCnt="4"/>
+    <dgm:pt modelId="{EF626183-CF4A-42F0-ACA6-1DB6DE71F3C4}" type="pres">
+      <dgm:prSet presAssocID="{54D866F3-7C22-4C6D-AF96-4EABA5B76F8B}" presName="bgRect" presStyleLbl="bgShp" presStyleIdx="2" presStyleCnt="4"/>
       <dgm:spPr/>
     </dgm:pt>
-    <dgm:pt modelId="{52CA3948-EEF5-4CF3-AD6E-87390CC21F3B}" type="pres">
+    <dgm:pt modelId="{B903EF3A-9DBD-48E1-92B9-13B469098501}" type="pres">
       <dgm:prSet presAssocID="{54D866F3-7C22-4C6D-AF96-4EABA5B76F8B}" presName="iconRect" presStyleLbl="node1" presStyleIdx="2" presStyleCnt="4"/>
       <dgm:spPr>
         <a:blipFill>
@@ -5129,32 +4969,32 @@
         </a:ext>
       </dgm:extLst>
     </dgm:pt>
-    <dgm:pt modelId="{F2586A9F-DC77-49FA-9ACD-5FBFEEFB3FCA}" type="pres">
+    <dgm:pt modelId="{8A9439CC-B8B0-4701-A37D-653D75940C6A}" type="pres">
       <dgm:prSet presAssocID="{54D866F3-7C22-4C6D-AF96-4EABA5B76F8B}" presName="spaceRect" presStyleCnt="0"/>
       <dgm:spPr/>
     </dgm:pt>
-    <dgm:pt modelId="{C2AC3481-D8A0-4A5E-B550-27FD3807BE6B}" type="pres">
-      <dgm:prSet presAssocID="{54D866F3-7C22-4C6D-AF96-4EABA5B76F8B}" presName="textRect" presStyleLbl="revTx" presStyleIdx="2" presStyleCnt="4">
+    <dgm:pt modelId="{C7145742-2F4C-490C-A8CC-903EDBD5E678}" type="pres">
+      <dgm:prSet presAssocID="{54D866F3-7C22-4C6D-AF96-4EABA5B76F8B}" presName="parTx" presStyleLbl="revTx" presStyleIdx="2" presStyleCnt="4">
         <dgm:presLayoutVars>
-          <dgm:chMax val="1"/>
-          <dgm:chPref val="1"/>
+          <dgm:chMax val="0"/>
+          <dgm:chPref val="0"/>
         </dgm:presLayoutVars>
       </dgm:prSet>
       <dgm:spPr/>
     </dgm:pt>
-    <dgm:pt modelId="{F9B99B2D-E008-402D-BA9A-DAAE78F75AAF}" type="pres">
+    <dgm:pt modelId="{11E55CE0-FA6D-4C7C-8FCF-67E8A52147D4}" type="pres">
       <dgm:prSet presAssocID="{58621905-3786-4FD2-B1DB-D58BA999B926}" presName="sibTrans" presStyleCnt="0"/>
       <dgm:spPr/>
     </dgm:pt>
-    <dgm:pt modelId="{C0375B52-4D49-4356-B1E8-3A661A3EC466}" type="pres">
+    <dgm:pt modelId="{676A1DA1-DD03-4554-936B-4ECA5BD8B3C4}" type="pres">
       <dgm:prSet presAssocID="{A516114D-6872-4113-A485-1E5FD0369A0D}" presName="compNode" presStyleCnt="0"/>
       <dgm:spPr/>
     </dgm:pt>
-    <dgm:pt modelId="{38CD142C-0C3B-4325-A5EE-8678D84EBE54}" type="pres">
-      <dgm:prSet presAssocID="{A516114D-6872-4113-A485-1E5FD0369A0D}" presName="iconBgRect" presStyleLbl="bgShp" presStyleIdx="3" presStyleCnt="4"/>
+    <dgm:pt modelId="{794CF5C5-8A7C-49C1-B418-17FA95690352}" type="pres">
+      <dgm:prSet presAssocID="{A516114D-6872-4113-A485-1E5FD0369A0D}" presName="bgRect" presStyleLbl="bgShp" presStyleIdx="3" presStyleCnt="4"/>
       <dgm:spPr/>
     </dgm:pt>
-    <dgm:pt modelId="{B2D8F86D-2CA6-46CC-84E3-E2A5B0526A63}" type="pres">
+    <dgm:pt modelId="{F4D80AD7-99DD-4322-98EF-090495C8E3BB}" type="pres">
       <dgm:prSet presAssocID="{A516114D-6872-4113-A485-1E5FD0369A0D}" presName="iconRect" presStyleLbl="node1" presStyleIdx="3" presStyleCnt="4"/>
       <dgm:spPr>
         <a:blipFill>
@@ -5182,53 +5022,53 @@
         </a:ext>
       </dgm:extLst>
     </dgm:pt>
-    <dgm:pt modelId="{1D28DF1A-1EFD-42FB-9752-C7474C106BF0}" type="pres">
+    <dgm:pt modelId="{E93C56C2-3B7C-4944-BD2B-1D0A95088466}" type="pres">
       <dgm:prSet presAssocID="{A516114D-6872-4113-A485-1E5FD0369A0D}" presName="spaceRect" presStyleCnt="0"/>
       <dgm:spPr/>
     </dgm:pt>
-    <dgm:pt modelId="{689CD255-F764-4FCF-B115-19CDC7E9FAFB}" type="pres">
-      <dgm:prSet presAssocID="{A516114D-6872-4113-A485-1E5FD0369A0D}" presName="textRect" presStyleLbl="revTx" presStyleIdx="3" presStyleCnt="4">
+    <dgm:pt modelId="{02FFC4B4-DF9A-4B6E-9789-7D804DD0E448}" type="pres">
+      <dgm:prSet presAssocID="{A516114D-6872-4113-A485-1E5FD0369A0D}" presName="parTx" presStyleLbl="revTx" presStyleIdx="3" presStyleCnt="4">
         <dgm:presLayoutVars>
-          <dgm:chMax val="1"/>
-          <dgm:chPref val="1"/>
+          <dgm:chMax val="0"/>
+          <dgm:chPref val="0"/>
         </dgm:presLayoutVars>
       </dgm:prSet>
       <dgm:spPr/>
     </dgm:pt>
   </dgm:ptLst>
   <dgm:cxnLst>
-    <dgm:cxn modelId="{FFB59907-760B-4B48-A275-A1688CEBDA27}" type="presOf" srcId="{54D866F3-7C22-4C6D-AF96-4EABA5B76F8B}" destId="{C2AC3481-D8A0-4A5E-B550-27FD3807BE6B}" srcOrd="0" destOrd="0" presId="urn:microsoft.com/office/officeart/2018/5/layout/IconCircleLabelList"/>
-    <dgm:cxn modelId="{8EA31943-E5BE-4A4F-9CD5-0929A9AC75CE}" type="presOf" srcId="{A516114D-6872-4113-A485-1E5FD0369A0D}" destId="{689CD255-F764-4FCF-B115-19CDC7E9FAFB}" srcOrd="0" destOrd="0" presId="urn:microsoft.com/office/officeart/2018/5/layout/IconCircleLabelList"/>
-    <dgm:cxn modelId="{FCE6FE4A-B8DC-400B-8271-C4AA43CE928A}" type="presOf" srcId="{F7163457-6ED2-4232-A5F7-A9FBCA615388}" destId="{2B7AD9A5-6243-4408-9A4A-B5CE95E5B2A6}" srcOrd="0" destOrd="0" presId="urn:microsoft.com/office/officeart/2018/5/layout/IconCircleLabelList"/>
+    <dgm:cxn modelId="{AC16A404-592D-448F-B508-A18698C1A1EE}" type="presOf" srcId="{C73D238A-D9D1-4EF8-843F-5A606ED7EABE}" destId="{F2CBF9B9-DDE6-4312-B54B-A8A35CBBCE07}" srcOrd="0" destOrd="0" presId="urn:microsoft.com/office/officeart/2018/2/layout/IconVerticalSolidList"/>
+    <dgm:cxn modelId="{E155C41D-ADE2-45E4-8C34-BE4ADE60AD0B}" type="presOf" srcId="{7FAC6CA9-9A45-4978-A5BD-7587254BB024}" destId="{5F511F3C-D7CD-4628-9FA6-5288FCD1EABF}" srcOrd="0" destOrd="0" presId="urn:microsoft.com/office/officeart/2018/2/layout/IconVerticalSolidList"/>
+    <dgm:cxn modelId="{50EAD051-BBF4-4A94-95EF-3A64EE16DDEF}" type="presOf" srcId="{54D866F3-7C22-4C6D-AF96-4EABA5B76F8B}" destId="{C7145742-2F4C-490C-A8CC-903EDBD5E678}" srcOrd="0" destOrd="0" presId="urn:microsoft.com/office/officeart/2018/2/layout/IconVerticalSolidList"/>
     <dgm:cxn modelId="{8132C552-5538-4773-8AAC-3ECC8845DBD2}" srcId="{F7163457-6ED2-4232-A5F7-A9FBCA615388}" destId="{54D866F3-7C22-4C6D-AF96-4EABA5B76F8B}" srcOrd="2" destOrd="0" parTransId="{19447D4C-DA31-45D8-91CA-2F8DC7073482}" sibTransId="{58621905-3786-4FD2-B1DB-D58BA999B926}"/>
     <dgm:cxn modelId="{B4F81B82-442C-4204-80E8-C44CFB64D4BA}" srcId="{F7163457-6ED2-4232-A5F7-A9FBCA615388}" destId="{A516114D-6872-4113-A485-1E5FD0369A0D}" srcOrd="3" destOrd="0" parTransId="{19641FDE-7AC9-4033-97C2-09B67B470890}" sibTransId="{7F3F0F8E-3BEA-4D7E-9EA1-39EA21562FE3}"/>
-    <dgm:cxn modelId="{F036DBA7-8515-4506-A463-342B81D01B7D}" type="presOf" srcId="{7FAC6CA9-9A45-4978-A5BD-7587254BB024}" destId="{E7DB929A-4868-49D8-852B-1B55B87DB03A}" srcOrd="0" destOrd="0" presId="urn:microsoft.com/office/officeart/2018/5/layout/IconCircleLabelList"/>
+    <dgm:cxn modelId="{80E355B7-A743-4004-9B85-4FED751A45AB}" type="presOf" srcId="{A516114D-6872-4113-A485-1E5FD0369A0D}" destId="{02FFC4B4-DF9A-4B6E-9789-7D804DD0E448}" srcOrd="0" destOrd="0" presId="urn:microsoft.com/office/officeart/2018/2/layout/IconVerticalSolidList"/>
+    <dgm:cxn modelId="{BA0411B9-073E-43DA-8FB2-BB2A037F5261}" type="presOf" srcId="{F7163457-6ED2-4232-A5F7-A9FBCA615388}" destId="{72739EC6-79AA-4C6C-BAFC-213EF9DFA85C}" srcOrd="0" destOrd="0" presId="urn:microsoft.com/office/officeart/2018/2/layout/IconVerticalSolidList"/>
     <dgm:cxn modelId="{54266CC0-633A-469E-A367-2AEC946FABBD}" srcId="{F7163457-6ED2-4232-A5F7-A9FBCA615388}" destId="{C73D238A-D9D1-4EF8-843F-5A606ED7EABE}" srcOrd="1" destOrd="0" parTransId="{613639EF-F339-4A99-B90C-8E14F335C33A}" sibTransId="{7A7233FB-1A9C-47DC-94AE-F7232EA26A4B}"/>
     <dgm:cxn modelId="{072AB1D5-350B-455D-BE02-D9000F391EB9}" srcId="{F7163457-6ED2-4232-A5F7-A9FBCA615388}" destId="{7FAC6CA9-9A45-4978-A5BD-7587254BB024}" srcOrd="0" destOrd="0" parTransId="{7157D6B1-C985-49CF-8208-422E5083CE1A}" sibTransId="{BE52270C-2653-4783-9113-3F65419257F5}"/>
-    <dgm:cxn modelId="{E6E2E3E7-B317-4FAC-BDA3-E82B90C82D16}" type="presOf" srcId="{C73D238A-D9D1-4EF8-843F-5A606ED7EABE}" destId="{94393A59-C042-4904-9DB7-2443AD7AA03D}" srcOrd="0" destOrd="0" presId="urn:microsoft.com/office/officeart/2018/5/layout/IconCircleLabelList"/>
-    <dgm:cxn modelId="{5370BAA8-F807-4C7B-AF2F-7D8460A6F718}" type="presParOf" srcId="{2B7AD9A5-6243-4408-9A4A-B5CE95E5B2A6}" destId="{1B6DA6A7-FF85-4F06-AA53-44BCF0A31633}" srcOrd="0" destOrd="0" presId="urn:microsoft.com/office/officeart/2018/5/layout/IconCircleLabelList"/>
-    <dgm:cxn modelId="{2626514D-2909-4D2A-8C95-BA9B4F6C00C2}" type="presParOf" srcId="{1B6DA6A7-FF85-4F06-AA53-44BCF0A31633}" destId="{24E143F8-0954-4D77-821E-FCDAB20CA209}" srcOrd="0" destOrd="0" presId="urn:microsoft.com/office/officeart/2018/5/layout/IconCircleLabelList"/>
-    <dgm:cxn modelId="{9C604332-55BD-4F54-80D0-EA18AE9BCC01}" type="presParOf" srcId="{1B6DA6A7-FF85-4F06-AA53-44BCF0A31633}" destId="{EC82C55C-3417-430F-ACED-631A12D3B748}" srcOrd="1" destOrd="0" presId="urn:microsoft.com/office/officeart/2018/5/layout/IconCircleLabelList"/>
-    <dgm:cxn modelId="{B4692A28-0BE1-45EF-A171-95FE350D721A}" type="presParOf" srcId="{1B6DA6A7-FF85-4F06-AA53-44BCF0A31633}" destId="{7E1414F1-AFB5-4C3C-8406-C557E5DD6780}" srcOrd="2" destOrd="0" presId="urn:microsoft.com/office/officeart/2018/5/layout/IconCircleLabelList"/>
-    <dgm:cxn modelId="{DC5916FF-011D-4D5C-9B83-907F2DE03EED}" type="presParOf" srcId="{1B6DA6A7-FF85-4F06-AA53-44BCF0A31633}" destId="{E7DB929A-4868-49D8-852B-1B55B87DB03A}" srcOrd="3" destOrd="0" presId="urn:microsoft.com/office/officeart/2018/5/layout/IconCircleLabelList"/>
-    <dgm:cxn modelId="{401BF86F-7263-4CA0-9F3A-C205FABD2736}" type="presParOf" srcId="{2B7AD9A5-6243-4408-9A4A-B5CE95E5B2A6}" destId="{7B09EC78-8C1D-4AFD-998D-1BE7EAE575D9}" srcOrd="1" destOrd="0" presId="urn:microsoft.com/office/officeart/2018/5/layout/IconCircleLabelList"/>
-    <dgm:cxn modelId="{E3B906EB-EBB1-4885-85E2-AF93B3D582B2}" type="presParOf" srcId="{2B7AD9A5-6243-4408-9A4A-B5CE95E5B2A6}" destId="{589838A3-4033-4C47-96A0-2032807988F6}" srcOrd="2" destOrd="0" presId="urn:microsoft.com/office/officeart/2018/5/layout/IconCircleLabelList"/>
-    <dgm:cxn modelId="{E4A89A5E-ECFC-467C-9092-6CD4D7E9F730}" type="presParOf" srcId="{589838A3-4033-4C47-96A0-2032807988F6}" destId="{C3F11A5E-56C2-42CA-8E0B-92BCCBEC153D}" srcOrd="0" destOrd="0" presId="urn:microsoft.com/office/officeart/2018/5/layout/IconCircleLabelList"/>
-    <dgm:cxn modelId="{D0E4A826-6736-4CE9-8F24-2CC4EC51219B}" type="presParOf" srcId="{589838A3-4033-4C47-96A0-2032807988F6}" destId="{5B385404-1114-4178-B99F-DA6A56D00CA9}" srcOrd="1" destOrd="0" presId="urn:microsoft.com/office/officeart/2018/5/layout/IconCircleLabelList"/>
-    <dgm:cxn modelId="{EF10599C-889C-415C-B40E-194428307A6C}" type="presParOf" srcId="{589838A3-4033-4C47-96A0-2032807988F6}" destId="{A9A06E54-E989-4E35-98EF-8ADC4FA81484}" srcOrd="2" destOrd="0" presId="urn:microsoft.com/office/officeart/2018/5/layout/IconCircleLabelList"/>
-    <dgm:cxn modelId="{6EE85D06-E771-4676-B318-998941658F6A}" type="presParOf" srcId="{589838A3-4033-4C47-96A0-2032807988F6}" destId="{94393A59-C042-4904-9DB7-2443AD7AA03D}" srcOrd="3" destOrd="0" presId="urn:microsoft.com/office/officeart/2018/5/layout/IconCircleLabelList"/>
-    <dgm:cxn modelId="{5A4D73F0-B9C5-41F0-894A-8A17410BCAAE}" type="presParOf" srcId="{2B7AD9A5-6243-4408-9A4A-B5CE95E5B2A6}" destId="{D804F587-9D58-42A0-8BB5-51E2F1AD4660}" srcOrd="3" destOrd="0" presId="urn:microsoft.com/office/officeart/2018/5/layout/IconCircleLabelList"/>
-    <dgm:cxn modelId="{921A4D15-804A-4B90-BB9C-4DFFFDCF29B3}" type="presParOf" srcId="{2B7AD9A5-6243-4408-9A4A-B5CE95E5B2A6}" destId="{AA1123F0-0126-4D5D-85DB-6D6071AB16BC}" srcOrd="4" destOrd="0" presId="urn:microsoft.com/office/officeart/2018/5/layout/IconCircleLabelList"/>
-    <dgm:cxn modelId="{47A8E84C-453A-4B07-8647-55305036F586}" type="presParOf" srcId="{AA1123F0-0126-4D5D-85DB-6D6071AB16BC}" destId="{166EEED0-CED8-4DDE-9CE5-26CE34F6BF82}" srcOrd="0" destOrd="0" presId="urn:microsoft.com/office/officeart/2018/5/layout/IconCircleLabelList"/>
-    <dgm:cxn modelId="{8D586C4F-E8E2-4501-BAF8-2ABF191C17C7}" type="presParOf" srcId="{AA1123F0-0126-4D5D-85DB-6D6071AB16BC}" destId="{52CA3948-EEF5-4CF3-AD6E-87390CC21F3B}" srcOrd="1" destOrd="0" presId="urn:microsoft.com/office/officeart/2018/5/layout/IconCircleLabelList"/>
-    <dgm:cxn modelId="{B61F48B1-4659-4B16-8CF0-08B6923A32AF}" type="presParOf" srcId="{AA1123F0-0126-4D5D-85DB-6D6071AB16BC}" destId="{F2586A9F-DC77-49FA-9ACD-5FBFEEFB3FCA}" srcOrd="2" destOrd="0" presId="urn:microsoft.com/office/officeart/2018/5/layout/IconCircleLabelList"/>
-    <dgm:cxn modelId="{2C770CAC-9959-421A-8739-156AD8E7EF2A}" type="presParOf" srcId="{AA1123F0-0126-4D5D-85DB-6D6071AB16BC}" destId="{C2AC3481-D8A0-4A5E-B550-27FD3807BE6B}" srcOrd="3" destOrd="0" presId="urn:microsoft.com/office/officeart/2018/5/layout/IconCircleLabelList"/>
-    <dgm:cxn modelId="{1CED47A4-AE69-41E0-8BB1-EB97322F0C0D}" type="presParOf" srcId="{2B7AD9A5-6243-4408-9A4A-B5CE95E5B2A6}" destId="{F9B99B2D-E008-402D-BA9A-DAAE78F75AAF}" srcOrd="5" destOrd="0" presId="urn:microsoft.com/office/officeart/2018/5/layout/IconCircleLabelList"/>
-    <dgm:cxn modelId="{F2790DB6-C949-4140-9357-FFA2E4305372}" type="presParOf" srcId="{2B7AD9A5-6243-4408-9A4A-B5CE95E5B2A6}" destId="{C0375B52-4D49-4356-B1E8-3A661A3EC466}" srcOrd="6" destOrd="0" presId="urn:microsoft.com/office/officeart/2018/5/layout/IconCircleLabelList"/>
-    <dgm:cxn modelId="{8BA4566B-9A34-43E0-A2FC-5A915EAF434F}" type="presParOf" srcId="{C0375B52-4D49-4356-B1E8-3A661A3EC466}" destId="{38CD142C-0C3B-4325-A5EE-8678D84EBE54}" srcOrd="0" destOrd="0" presId="urn:microsoft.com/office/officeart/2018/5/layout/IconCircleLabelList"/>
-    <dgm:cxn modelId="{E7F51AA5-5A6B-4964-8B09-7800F400E26A}" type="presParOf" srcId="{C0375B52-4D49-4356-B1E8-3A661A3EC466}" destId="{B2D8F86D-2CA6-46CC-84E3-E2A5B0526A63}" srcOrd="1" destOrd="0" presId="urn:microsoft.com/office/officeart/2018/5/layout/IconCircleLabelList"/>
-    <dgm:cxn modelId="{184E4C55-82C8-4E09-8652-C91AA7705528}" type="presParOf" srcId="{C0375B52-4D49-4356-B1E8-3A661A3EC466}" destId="{1D28DF1A-1EFD-42FB-9752-C7474C106BF0}" srcOrd="2" destOrd="0" presId="urn:microsoft.com/office/officeart/2018/5/layout/IconCircleLabelList"/>
-    <dgm:cxn modelId="{6A1B1EE0-5455-401A-94C3-2251CFC8F65B}" type="presParOf" srcId="{C0375B52-4D49-4356-B1E8-3A661A3EC466}" destId="{689CD255-F764-4FCF-B115-19CDC7E9FAFB}" srcOrd="3" destOrd="0" presId="urn:microsoft.com/office/officeart/2018/5/layout/IconCircleLabelList"/>
+    <dgm:cxn modelId="{F960E08C-1F1E-49AF-B6D5-1EA18253D121}" type="presParOf" srcId="{72739EC6-79AA-4C6C-BAFC-213EF9DFA85C}" destId="{4813AC74-BADF-4598-899F-E949321ACCBF}" srcOrd="0" destOrd="0" presId="urn:microsoft.com/office/officeart/2018/2/layout/IconVerticalSolidList"/>
+    <dgm:cxn modelId="{97289D60-FC4B-4EBA-A251-8979C35FE744}" type="presParOf" srcId="{4813AC74-BADF-4598-899F-E949321ACCBF}" destId="{AC72B9D5-E059-425E-8698-AD2741933986}" srcOrd="0" destOrd="0" presId="urn:microsoft.com/office/officeart/2018/2/layout/IconVerticalSolidList"/>
+    <dgm:cxn modelId="{F414C4BC-1358-4308-B2F6-CFC0F4E9DE17}" type="presParOf" srcId="{4813AC74-BADF-4598-899F-E949321ACCBF}" destId="{A50D4192-6543-4FCB-90E6-1A0F63729CA9}" srcOrd="1" destOrd="0" presId="urn:microsoft.com/office/officeart/2018/2/layout/IconVerticalSolidList"/>
+    <dgm:cxn modelId="{946534EA-1391-455A-A4B0-1582354747C2}" type="presParOf" srcId="{4813AC74-BADF-4598-899F-E949321ACCBF}" destId="{6051062C-745D-4ACD-B448-C637A48ABA8A}" srcOrd="2" destOrd="0" presId="urn:microsoft.com/office/officeart/2018/2/layout/IconVerticalSolidList"/>
+    <dgm:cxn modelId="{EC745828-B3C7-4C50-B8CD-650DD9CD5C49}" type="presParOf" srcId="{4813AC74-BADF-4598-899F-E949321ACCBF}" destId="{5F511F3C-D7CD-4628-9FA6-5288FCD1EABF}" srcOrd="3" destOrd="0" presId="urn:microsoft.com/office/officeart/2018/2/layout/IconVerticalSolidList"/>
+    <dgm:cxn modelId="{C81B3577-D015-41C4-9F6B-2BD47942348A}" type="presParOf" srcId="{72739EC6-79AA-4C6C-BAFC-213EF9DFA85C}" destId="{92920A07-91CC-44AB-A31B-7D99944DE1B4}" srcOrd="1" destOrd="0" presId="urn:microsoft.com/office/officeart/2018/2/layout/IconVerticalSolidList"/>
+    <dgm:cxn modelId="{D8127C9B-F4D7-4017-A1E6-C02F42BA5811}" type="presParOf" srcId="{72739EC6-79AA-4C6C-BAFC-213EF9DFA85C}" destId="{06DE4359-6FAA-4B87-BCC8-A9E58A819542}" srcOrd="2" destOrd="0" presId="urn:microsoft.com/office/officeart/2018/2/layout/IconVerticalSolidList"/>
+    <dgm:cxn modelId="{A002558A-7BC3-4CF0-BA51-95B6DD7BCB55}" type="presParOf" srcId="{06DE4359-6FAA-4B87-BCC8-A9E58A819542}" destId="{75254B48-ED5A-445C-8C4B-E95DE1363927}" srcOrd="0" destOrd="0" presId="urn:microsoft.com/office/officeart/2018/2/layout/IconVerticalSolidList"/>
+    <dgm:cxn modelId="{88D83E98-B434-4784-8749-77E50C6EB5F1}" type="presParOf" srcId="{06DE4359-6FAA-4B87-BCC8-A9E58A819542}" destId="{363A0996-65B0-4A89-9490-147023331552}" srcOrd="1" destOrd="0" presId="urn:microsoft.com/office/officeart/2018/2/layout/IconVerticalSolidList"/>
+    <dgm:cxn modelId="{0A6F015D-ACAD-42C9-A307-769714F11666}" type="presParOf" srcId="{06DE4359-6FAA-4B87-BCC8-A9E58A819542}" destId="{AFC10AB7-807F-4A34-9B9A-B0D625F50642}" srcOrd="2" destOrd="0" presId="urn:microsoft.com/office/officeart/2018/2/layout/IconVerticalSolidList"/>
+    <dgm:cxn modelId="{743B728F-DBB0-4653-BCEB-14E3856F238A}" type="presParOf" srcId="{06DE4359-6FAA-4B87-BCC8-A9E58A819542}" destId="{F2CBF9B9-DDE6-4312-B54B-A8A35CBBCE07}" srcOrd="3" destOrd="0" presId="urn:microsoft.com/office/officeart/2018/2/layout/IconVerticalSolidList"/>
+    <dgm:cxn modelId="{B9A8E7F0-43B4-40C0-B26D-19624751250F}" type="presParOf" srcId="{72739EC6-79AA-4C6C-BAFC-213EF9DFA85C}" destId="{29927B3A-D2A9-44CA-8602-9F7CE7315286}" srcOrd="3" destOrd="0" presId="urn:microsoft.com/office/officeart/2018/2/layout/IconVerticalSolidList"/>
+    <dgm:cxn modelId="{10C8078E-2C1E-40B8-A96A-EF14E6732C67}" type="presParOf" srcId="{72739EC6-79AA-4C6C-BAFC-213EF9DFA85C}" destId="{E7CBC6FA-56F3-4482-B7E0-740E744F2FAE}" srcOrd="4" destOrd="0" presId="urn:microsoft.com/office/officeart/2018/2/layout/IconVerticalSolidList"/>
+    <dgm:cxn modelId="{B41B4D4E-BDB6-4E42-A5D2-BAFA609CB1BF}" type="presParOf" srcId="{E7CBC6FA-56F3-4482-B7E0-740E744F2FAE}" destId="{EF626183-CF4A-42F0-ACA6-1DB6DE71F3C4}" srcOrd="0" destOrd="0" presId="urn:microsoft.com/office/officeart/2018/2/layout/IconVerticalSolidList"/>
+    <dgm:cxn modelId="{5258354F-20BF-4063-A6B7-091113A32A01}" type="presParOf" srcId="{E7CBC6FA-56F3-4482-B7E0-740E744F2FAE}" destId="{B903EF3A-9DBD-48E1-92B9-13B469098501}" srcOrd="1" destOrd="0" presId="urn:microsoft.com/office/officeart/2018/2/layout/IconVerticalSolidList"/>
+    <dgm:cxn modelId="{CDC7E7A0-7885-4F54-9D52-9390F437FB17}" type="presParOf" srcId="{E7CBC6FA-56F3-4482-B7E0-740E744F2FAE}" destId="{8A9439CC-B8B0-4701-A37D-653D75940C6A}" srcOrd="2" destOrd="0" presId="urn:microsoft.com/office/officeart/2018/2/layout/IconVerticalSolidList"/>
+    <dgm:cxn modelId="{74C4B6CD-2B98-4208-823F-BAFA4B69CB71}" type="presParOf" srcId="{E7CBC6FA-56F3-4482-B7E0-740E744F2FAE}" destId="{C7145742-2F4C-490C-A8CC-903EDBD5E678}" srcOrd="3" destOrd="0" presId="urn:microsoft.com/office/officeart/2018/2/layout/IconVerticalSolidList"/>
+    <dgm:cxn modelId="{EA17D3FA-50A9-42A2-9908-C960A3B5098F}" type="presParOf" srcId="{72739EC6-79AA-4C6C-BAFC-213EF9DFA85C}" destId="{11E55CE0-FA6D-4C7C-8FCF-67E8A52147D4}" srcOrd="5" destOrd="0" presId="urn:microsoft.com/office/officeart/2018/2/layout/IconVerticalSolidList"/>
+    <dgm:cxn modelId="{60DF0A4A-75B1-4728-B160-6E22BC433CE2}" type="presParOf" srcId="{72739EC6-79AA-4C6C-BAFC-213EF9DFA85C}" destId="{676A1DA1-DD03-4554-936B-4ECA5BD8B3C4}" srcOrd="6" destOrd="0" presId="urn:microsoft.com/office/officeart/2018/2/layout/IconVerticalSolidList"/>
+    <dgm:cxn modelId="{AC0CAE9C-A2CB-41B6-A978-D6D30B97C255}" type="presParOf" srcId="{676A1DA1-DD03-4554-936B-4ECA5BD8B3C4}" destId="{794CF5C5-8A7C-49C1-B418-17FA95690352}" srcOrd="0" destOrd="0" presId="urn:microsoft.com/office/officeart/2018/2/layout/IconVerticalSolidList"/>
+    <dgm:cxn modelId="{02F10EE3-315D-4A7E-9932-A298A4B1B336}" type="presParOf" srcId="{676A1DA1-DD03-4554-936B-4ECA5BD8B3C4}" destId="{F4D80AD7-99DD-4322-98EF-090495C8E3BB}" srcOrd="1" destOrd="0" presId="urn:microsoft.com/office/officeart/2018/2/layout/IconVerticalSolidList"/>
+    <dgm:cxn modelId="{D7E34740-3532-480A-B76E-72F11F62684C}" type="presParOf" srcId="{676A1DA1-DD03-4554-936B-4ECA5BD8B3C4}" destId="{E93C56C2-3B7C-4944-BD2B-1D0A95088466}" srcOrd="2" destOrd="0" presId="urn:microsoft.com/office/officeart/2018/2/layout/IconVerticalSolidList"/>
+    <dgm:cxn modelId="{BC866D33-CB95-4E10-A5A3-197D93B451FF}" type="presParOf" srcId="{676A1DA1-DD03-4554-936B-4ECA5BD8B3C4}" destId="{02FFC4B4-DF9A-4B6E-9789-7D804DD0E448}" srcOrd="3" destOrd="0" presId="urn:microsoft.com/office/officeart/2018/2/layout/IconVerticalSolidList"/>
   </dgm:cxnLst>
   <dgm:bg/>
   <dgm:whole/>
@@ -6900,21 +6740,24 @@
       <dsp:cNvGrpSpPr/>
     </dsp:nvGrpSpPr>
     <dsp:grpSpPr/>
-    <dsp:sp modelId="{24E143F8-0954-4D77-821E-FCDAB20CA209}">
+    <dsp:sp modelId="{AC72B9D5-E059-425E-8698-AD2741933986}">
       <dsp:nvSpPr>
         <dsp:cNvPr id="0" name=""/>
         <dsp:cNvSpPr/>
       </dsp:nvSpPr>
       <dsp:spPr>
         <a:xfrm>
-          <a:off x="313228" y="724846"/>
-          <a:ext cx="972544" cy="972544"/>
+          <a:off x="0" y="2177"/>
+          <a:ext cx="4793456" cy="1103648"/>
         </a:xfrm>
-        <a:prstGeom prst="ellipse">
-          <a:avLst/>
+        <a:prstGeom prst="roundRect">
+          <a:avLst>
+            <a:gd name="adj" fmla="val 10000"/>
+          </a:avLst>
         </a:prstGeom>
         <a:solidFill>
-          <a:schemeClr val="accent2">
+          <a:schemeClr val="bg1">
+            <a:lumMod val="95000"/>
             <a:hueOff val="0"/>
             <a:satOff val="0"/>
             <a:lumOff val="0"/>
@@ -6939,15 +6782,15 @@
         <a:fontRef idx="minor"/>
       </dsp:style>
     </dsp:sp>
-    <dsp:sp modelId="{EC82C55C-3417-430F-ACED-631A12D3B748}">
+    <dsp:sp modelId="{A50D4192-6543-4FCB-90E6-1A0F63729CA9}">
       <dsp:nvSpPr>
         <dsp:cNvPr id="0" name=""/>
         <dsp:cNvSpPr/>
       </dsp:nvSpPr>
       <dsp:spPr>
         <a:xfrm>
-          <a:off x="520492" y="932109"/>
-          <a:ext cx="558017" cy="558017"/>
+          <a:off x="333853" y="250498"/>
+          <a:ext cx="607006" cy="607006"/>
         </a:xfrm>
         <a:prstGeom prst="rect">
           <a:avLst/>
@@ -6988,15 +6831,15 @@
         </a:fontRef>
       </dsp:style>
     </dsp:sp>
-    <dsp:sp modelId="{E7DB929A-4868-49D8-852B-1B55B87DB03A}">
+    <dsp:sp modelId="{5F511F3C-D7CD-4628-9FA6-5288FCD1EABF}">
       <dsp:nvSpPr>
         <dsp:cNvPr id="0" name=""/>
         <dsp:cNvSpPr/>
       </dsp:nvSpPr>
       <dsp:spPr>
         <a:xfrm>
-          <a:off x="2333" y="2000314"/>
-          <a:ext cx="1594335" cy="697521"/>
+          <a:off x="1274714" y="2177"/>
+          <a:ext cx="3518741" cy="1103648"/>
         </a:xfrm>
         <a:prstGeom prst="rect">
           <a:avLst/>
@@ -7020,14 +6863,14 @@
         <a:fontRef idx="minor"/>
       </dsp:style>
       <dsp:txBody>
-        <a:bodyPr spcFirstLastPara="0" vert="horz" wrap="square" lIns="0" tIns="0" rIns="0" bIns="0" numCol="1" spcCol="1270" anchor="t" anchorCtr="0">
+        <a:bodyPr spcFirstLastPara="0" vert="horz" wrap="square" lIns="116803" tIns="116803" rIns="116803" bIns="116803" numCol="1" spcCol="1270" anchor="ctr" anchorCtr="0">
           <a:noAutofit/>
         </a:bodyPr>
         <a:lstStyle/>
         <a:p>
-          <a:pPr marL="0" lvl="0" indent="0" algn="ctr" defTabSz="488950">
+          <a:pPr marL="0" lvl="0" indent="0" algn="l" defTabSz="666750">
             <a:lnSpc>
-              <a:spcPct val="90000"/>
+              <a:spcPct val="100000"/>
             </a:lnSpc>
             <a:spcBef>
               <a:spcPct val="0"/>
@@ -7036,35 +6879,37 @@
               <a:spcPct val="35000"/>
             </a:spcAft>
             <a:buNone/>
-            <a:defRPr cap="all"/>
           </a:pPr>
           <a:r>
-            <a:rPr lang="en-US" sz="1100" b="0" i="0" kern="1200"/>
+            <a:rPr lang="en-US" sz="1500" b="0" i="0" kern="1200" dirty="0"/>
             <a:t>Credit card fraud causes major financial losses and reduces user trust.</a:t>
           </a:r>
-          <a:endParaRPr lang="en-US" sz="1100" kern="1200"/>
+          <a:endParaRPr lang="en-US" sz="1500" kern="1200" dirty="0"/>
         </a:p>
       </dsp:txBody>
       <dsp:txXfrm>
-        <a:off x="2333" y="2000314"/>
-        <a:ext cx="1594335" cy="697521"/>
+        <a:off x="1274714" y="2177"/>
+        <a:ext cx="3518741" cy="1103648"/>
       </dsp:txXfrm>
     </dsp:sp>
-    <dsp:sp modelId="{C3F11A5E-56C2-42CA-8E0B-92BCCBEC153D}">
+    <dsp:sp modelId="{75254B48-ED5A-445C-8C4B-E95DE1363927}">
       <dsp:nvSpPr>
         <dsp:cNvPr id="0" name=""/>
         <dsp:cNvSpPr/>
       </dsp:nvSpPr>
       <dsp:spPr>
         <a:xfrm>
-          <a:off x="2186573" y="724846"/>
-          <a:ext cx="972544" cy="972544"/>
+          <a:off x="0" y="1381738"/>
+          <a:ext cx="4793456" cy="1103648"/>
         </a:xfrm>
-        <a:prstGeom prst="ellipse">
-          <a:avLst/>
+        <a:prstGeom prst="roundRect">
+          <a:avLst>
+            <a:gd name="adj" fmla="val 10000"/>
+          </a:avLst>
         </a:prstGeom>
         <a:solidFill>
-          <a:schemeClr val="accent3">
+          <a:schemeClr val="bg1">
+            <a:lumMod val="95000"/>
             <a:hueOff val="0"/>
             <a:satOff val="0"/>
             <a:lumOff val="0"/>
@@ -7089,15 +6934,15 @@
         <a:fontRef idx="minor"/>
       </dsp:style>
     </dsp:sp>
-    <dsp:sp modelId="{5B385404-1114-4178-B99F-DA6A56D00CA9}">
+    <dsp:sp modelId="{363A0996-65B0-4A89-9490-147023331552}">
       <dsp:nvSpPr>
         <dsp:cNvPr id="0" name=""/>
         <dsp:cNvSpPr/>
       </dsp:nvSpPr>
       <dsp:spPr>
         <a:xfrm>
-          <a:off x="2393837" y="932109"/>
-          <a:ext cx="558017" cy="558017"/>
+          <a:off x="333853" y="1630059"/>
+          <a:ext cx="607006" cy="607006"/>
         </a:xfrm>
         <a:prstGeom prst="rect">
           <a:avLst/>
@@ -7138,15 +6983,15 @@
         </a:fontRef>
       </dsp:style>
     </dsp:sp>
-    <dsp:sp modelId="{94393A59-C042-4904-9DB7-2443AD7AA03D}">
+    <dsp:sp modelId="{F2CBF9B9-DDE6-4312-B54B-A8A35CBBCE07}">
       <dsp:nvSpPr>
         <dsp:cNvPr id="0" name=""/>
         <dsp:cNvSpPr/>
       </dsp:nvSpPr>
       <dsp:spPr>
         <a:xfrm>
-          <a:off x="1875678" y="2000314"/>
-          <a:ext cx="1594335" cy="697521"/>
+          <a:off x="1274714" y="1381738"/>
+          <a:ext cx="3518741" cy="1103648"/>
         </a:xfrm>
         <a:prstGeom prst="rect">
           <a:avLst/>
@@ -7170,14 +7015,14 @@
         <a:fontRef idx="minor"/>
       </dsp:style>
       <dsp:txBody>
-        <a:bodyPr spcFirstLastPara="0" vert="horz" wrap="square" lIns="0" tIns="0" rIns="0" bIns="0" numCol="1" spcCol="1270" anchor="t" anchorCtr="0">
+        <a:bodyPr spcFirstLastPara="0" vert="horz" wrap="square" lIns="116803" tIns="116803" rIns="116803" bIns="116803" numCol="1" spcCol="1270" anchor="ctr" anchorCtr="0">
           <a:noAutofit/>
         </a:bodyPr>
         <a:lstStyle/>
         <a:p>
-          <a:pPr marL="0" lvl="0" indent="0" algn="ctr" defTabSz="488950">
+          <a:pPr marL="0" lvl="0" indent="0" algn="l" defTabSz="666750">
             <a:lnSpc>
-              <a:spcPct val="90000"/>
+              <a:spcPct val="100000"/>
             </a:lnSpc>
             <a:spcBef>
               <a:spcPct val="0"/>
@@ -7186,35 +7031,37 @@
               <a:spcPct val="35000"/>
             </a:spcAft>
             <a:buNone/>
-            <a:defRPr cap="all"/>
           </a:pPr>
           <a:r>
-            <a:rPr lang="en-US" sz="1100" b="0" i="0" kern="1200"/>
+            <a:rPr lang="en-US" sz="1500" b="0" i="0" kern="1200"/>
             <a:t>Goal: Build a machine learning model to detect fraud with minimal false positives.</a:t>
           </a:r>
-          <a:endParaRPr lang="en-US" sz="1100" kern="1200"/>
+          <a:endParaRPr lang="en-US" sz="1500" kern="1200"/>
         </a:p>
       </dsp:txBody>
       <dsp:txXfrm>
-        <a:off x="1875678" y="2000314"/>
-        <a:ext cx="1594335" cy="697521"/>
+        <a:off x="1274714" y="1381738"/>
+        <a:ext cx="3518741" cy="1103648"/>
       </dsp:txXfrm>
     </dsp:sp>
-    <dsp:sp modelId="{166EEED0-CED8-4DDE-9CE5-26CE34F6BF82}">
+    <dsp:sp modelId="{EF626183-CF4A-42F0-ACA6-1DB6DE71F3C4}">
       <dsp:nvSpPr>
         <dsp:cNvPr id="0" name=""/>
         <dsp:cNvSpPr/>
       </dsp:nvSpPr>
       <dsp:spPr>
         <a:xfrm>
-          <a:off x="4059918" y="724846"/>
-          <a:ext cx="972544" cy="972544"/>
+          <a:off x="0" y="2761299"/>
+          <a:ext cx="4793456" cy="1103648"/>
         </a:xfrm>
-        <a:prstGeom prst="ellipse">
-          <a:avLst/>
+        <a:prstGeom prst="roundRect">
+          <a:avLst>
+            <a:gd name="adj" fmla="val 10000"/>
+          </a:avLst>
         </a:prstGeom>
         <a:solidFill>
-          <a:schemeClr val="accent4">
+          <a:schemeClr val="bg1">
+            <a:lumMod val="95000"/>
             <a:hueOff val="0"/>
             <a:satOff val="0"/>
             <a:lumOff val="0"/>
@@ -7239,15 +7086,15 @@
         <a:fontRef idx="minor"/>
       </dsp:style>
     </dsp:sp>
-    <dsp:sp modelId="{52CA3948-EEF5-4CF3-AD6E-87390CC21F3B}">
+    <dsp:sp modelId="{B903EF3A-9DBD-48E1-92B9-13B469098501}">
       <dsp:nvSpPr>
         <dsp:cNvPr id="0" name=""/>
         <dsp:cNvSpPr/>
       </dsp:nvSpPr>
       <dsp:spPr>
         <a:xfrm>
-          <a:off x="4267182" y="932109"/>
-          <a:ext cx="558017" cy="558017"/>
+          <a:off x="333853" y="3009620"/>
+          <a:ext cx="607006" cy="607006"/>
         </a:xfrm>
         <a:prstGeom prst="rect">
           <a:avLst/>
@@ -7288,15 +7135,15 @@
         </a:fontRef>
       </dsp:style>
     </dsp:sp>
-    <dsp:sp modelId="{C2AC3481-D8A0-4A5E-B550-27FD3807BE6B}">
+    <dsp:sp modelId="{C7145742-2F4C-490C-A8CC-903EDBD5E678}">
       <dsp:nvSpPr>
         <dsp:cNvPr id="0" name=""/>
         <dsp:cNvSpPr/>
       </dsp:nvSpPr>
       <dsp:spPr>
         <a:xfrm>
-          <a:off x="3749022" y="2000314"/>
-          <a:ext cx="1594335" cy="697521"/>
+          <a:off x="1274714" y="2761299"/>
+          <a:ext cx="3518741" cy="1103648"/>
         </a:xfrm>
         <a:prstGeom prst="rect">
           <a:avLst/>
@@ -7320,14 +7167,14 @@
         <a:fontRef idx="minor"/>
       </dsp:style>
       <dsp:txBody>
-        <a:bodyPr spcFirstLastPara="0" vert="horz" wrap="square" lIns="0" tIns="0" rIns="0" bIns="0" numCol="1" spcCol="1270" anchor="t" anchorCtr="0">
+        <a:bodyPr spcFirstLastPara="0" vert="horz" wrap="square" lIns="116803" tIns="116803" rIns="116803" bIns="116803" numCol="1" spcCol="1270" anchor="ctr" anchorCtr="0">
           <a:noAutofit/>
         </a:bodyPr>
         <a:lstStyle/>
         <a:p>
-          <a:pPr marL="0" lvl="0" indent="0" algn="ctr" defTabSz="488950">
+          <a:pPr marL="0" lvl="0" indent="0" algn="l" defTabSz="666750">
             <a:lnSpc>
-              <a:spcPct val="90000"/>
+              <a:spcPct val="100000"/>
             </a:lnSpc>
             <a:spcBef>
               <a:spcPct val="0"/>
@@ -7336,35 +7183,37 @@
               <a:spcPct val="35000"/>
             </a:spcAft>
             <a:buNone/>
-            <a:defRPr cap="all"/>
           </a:pPr>
           <a:r>
-            <a:rPr lang="en-US" sz="1100" b="0" i="0" kern="1200"/>
+            <a:rPr lang="en-US" sz="1500" b="0" i="0" kern="1200"/>
             <a:t>Challenge: Only ~0.5% of transactions are fraudulent.</a:t>
           </a:r>
-          <a:endParaRPr lang="en-US" sz="1100" kern="1200"/>
+          <a:endParaRPr lang="en-US" sz="1500" kern="1200"/>
         </a:p>
       </dsp:txBody>
       <dsp:txXfrm>
-        <a:off x="3749022" y="2000314"/>
-        <a:ext cx="1594335" cy="697521"/>
+        <a:off x="1274714" y="2761299"/>
+        <a:ext cx="3518741" cy="1103648"/>
       </dsp:txXfrm>
     </dsp:sp>
-    <dsp:sp modelId="{38CD142C-0C3B-4325-A5EE-8678D84EBE54}">
+    <dsp:sp modelId="{794CF5C5-8A7C-49C1-B418-17FA95690352}">
       <dsp:nvSpPr>
         <dsp:cNvPr id="0" name=""/>
         <dsp:cNvSpPr/>
       </dsp:nvSpPr>
       <dsp:spPr>
         <a:xfrm>
-          <a:off x="5933263" y="724846"/>
-          <a:ext cx="972544" cy="972544"/>
+          <a:off x="0" y="4140860"/>
+          <a:ext cx="4793456" cy="1103648"/>
         </a:xfrm>
-        <a:prstGeom prst="ellipse">
-          <a:avLst/>
+        <a:prstGeom prst="roundRect">
+          <a:avLst>
+            <a:gd name="adj" fmla="val 10000"/>
+          </a:avLst>
         </a:prstGeom>
         <a:solidFill>
-          <a:schemeClr val="accent5">
+          <a:schemeClr val="bg1">
+            <a:lumMod val="95000"/>
             <a:hueOff val="0"/>
             <a:satOff val="0"/>
             <a:lumOff val="0"/>
@@ -7389,15 +7238,15 @@
         <a:fontRef idx="minor"/>
       </dsp:style>
     </dsp:sp>
-    <dsp:sp modelId="{B2D8F86D-2CA6-46CC-84E3-E2A5B0526A63}">
+    <dsp:sp modelId="{F4D80AD7-99DD-4322-98EF-090495C8E3BB}">
       <dsp:nvSpPr>
         <dsp:cNvPr id="0" name=""/>
         <dsp:cNvSpPr/>
       </dsp:nvSpPr>
       <dsp:spPr>
         <a:xfrm>
-          <a:off x="6140526" y="932109"/>
-          <a:ext cx="558017" cy="558017"/>
+          <a:off x="333853" y="4389181"/>
+          <a:ext cx="607006" cy="607006"/>
         </a:xfrm>
         <a:prstGeom prst="rect">
           <a:avLst/>
@@ -7438,15 +7287,15 @@
         </a:fontRef>
       </dsp:style>
     </dsp:sp>
-    <dsp:sp modelId="{689CD255-F764-4FCF-B115-19CDC7E9FAFB}">
+    <dsp:sp modelId="{02FFC4B4-DF9A-4B6E-9789-7D804DD0E448}">
       <dsp:nvSpPr>
         <dsp:cNvPr id="0" name=""/>
         <dsp:cNvSpPr/>
       </dsp:nvSpPr>
       <dsp:spPr>
         <a:xfrm>
-          <a:off x="5622367" y="2000314"/>
-          <a:ext cx="1594335" cy="697521"/>
+          <a:off x="1274714" y="4140860"/>
+          <a:ext cx="3518741" cy="1103648"/>
         </a:xfrm>
         <a:prstGeom prst="rect">
           <a:avLst/>
@@ -7470,14 +7319,14 @@
         <a:fontRef idx="minor"/>
       </dsp:style>
       <dsp:txBody>
-        <a:bodyPr spcFirstLastPara="0" vert="horz" wrap="square" lIns="0" tIns="0" rIns="0" bIns="0" numCol="1" spcCol="1270" anchor="t" anchorCtr="0">
+        <a:bodyPr spcFirstLastPara="0" vert="horz" wrap="square" lIns="116803" tIns="116803" rIns="116803" bIns="116803" numCol="1" spcCol="1270" anchor="ctr" anchorCtr="0">
           <a:noAutofit/>
         </a:bodyPr>
         <a:lstStyle/>
         <a:p>
-          <a:pPr marL="0" lvl="0" indent="0" algn="ctr" defTabSz="488950">
+          <a:pPr marL="0" lvl="0" indent="0" algn="l" defTabSz="666750">
             <a:lnSpc>
-              <a:spcPct val="90000"/>
+              <a:spcPct val="100000"/>
             </a:lnSpc>
             <a:spcBef>
               <a:spcPct val="0"/>
@@ -7486,18 +7335,17 @@
               <a:spcPct val="35000"/>
             </a:spcAft>
             <a:buNone/>
-            <a:defRPr cap="all"/>
           </a:pPr>
           <a:r>
-            <a:rPr lang="en-US" sz="1100" b="0" i="0" kern="1200"/>
+            <a:rPr lang="en-US" sz="1500" b="0" i="0" kern="1200"/>
             <a:t>Approach: Use advanced techniques like feature engineering and SMOTE for better detection.</a:t>
           </a:r>
-          <a:endParaRPr lang="en-US" sz="1100" kern="1200"/>
+          <a:endParaRPr lang="en-US" sz="1500" kern="1200"/>
         </a:p>
       </dsp:txBody>
       <dsp:txXfrm>
-        <a:off x="5622367" y="2000314"/>
-        <a:ext cx="1594335" cy="697521"/>
+        <a:off x="1274714" y="4140860"/>
+        <a:ext cx="3518741" cy="1103648"/>
       </dsp:txXfrm>
     </dsp:sp>
   </dsp:spTree>
@@ -9511,9 +9359,9 @@
 </file>
 
 <file path=ppt/diagrams/layout2.xml><?xml version="1.0" encoding="utf-8"?>
-<dgm:layoutDef xmlns:dgm="http://schemas.openxmlformats.org/drawingml/2006/diagram" xmlns:a="http://schemas.openxmlformats.org/drawingml/2006/main" uniqueId="urn:microsoft.com/office/officeart/2018/5/layout/IconCircleLabelList">
-  <dgm:title val="Icon Circle Label List"/>
-  <dgm:desc val="Use to show non-sequential or grouped chunks of information accompanied by a related visuals. Works best with icons or small pictures with short text captions."/>
+<dgm:layoutDef xmlns:dgm="http://schemas.openxmlformats.org/drawingml/2006/diagram" xmlns:a="http://schemas.openxmlformats.org/drawingml/2006/main" uniqueId="urn:microsoft.com/office/officeart/2018/2/layout/IconVerticalSolidList">
+  <dgm:title val="Icon Vertical Solid List"/>
+  <dgm:desc val="Use to show a series of visuals from top to bottom with Level 1 or Level 1 and Level 2 text grouped in a shape. Works best with icons or small pictures with lengthier descriptions."/>
   <dgm:catLst>
     <dgm:cat type="icon" pri="500"/>
   </dgm:catLst>
@@ -9545,23 +9393,15 @@
     </dgm:varLst>
     <dgm:choose name="Name0">
       <dgm:if name="Name1" axis="self" func="var" arg="dir" op="equ" val="norm">
-        <dgm:alg type="snake">
-          <dgm:param type="grDir" val="tL"/>
-          <dgm:param type="flowDir" val="row"/>
-          <dgm:param type="contDir" val="sameDir"/>
-          <dgm:param type="off" val="ctr"/>
-          <dgm:param type="vertAlign" val="mid"/>
-          <dgm:param type="horzAlign" val="ctr"/>
+        <dgm:alg type="lin">
+          <dgm:param type="linDir" val="fromT"/>
+          <dgm:param type="nodeHorzAlign" val="l"/>
         </dgm:alg>
       </dgm:if>
       <dgm:else name="Name2">
-        <dgm:alg type="snake">
-          <dgm:param type="grDir" val="tR"/>
-          <dgm:param type="flowDir" val="row"/>
-          <dgm:param type="contDir" val="sameDir"/>
-          <dgm:param type="off" val="ctr"/>
-          <dgm:param type="vertAlign" val="mid"/>
-          <dgm:param type="horzAlign" val="ctr"/>
+        <dgm:alg type="lin">
+          <dgm:param type="linDir" val="fromT"/>
+          <dgm:param type="nodeHorzAlign" val="r"/>
         </dgm:alg>
       </dgm:else>
     </dgm:choose>
@@ -9570,53 +9410,73 @@
     </dgm:shape>
     <dgm:presOf/>
     <dgm:choose name="Name3">
-      <dgm:if name="Name4" axis="ch" ptType="node" func="cnt" op="lte" val="2">
+      <dgm:if name="Name4" axis="ch" ptType="node" func="cnt" op="lte" val="3">
         <dgm:constrLst>
-          <dgm:constr type="h" for="ch" forName="compNode" refType="h" fact="0.4"/>
-          <dgm:constr type="w" for="ch" forName="compNode" val="100"/>
-          <dgm:constr type="w" for="ch" forName="sibTrans" refType="w" refFor="ch" refForName="compNode" fact="0.175"/>
-          <dgm:constr type="sp" refType="w" refFor="ch" refForName="compNode" op="equ" fact="0.25"/>
-          <dgm:constr type="primFontSz" for="des" ptType="node" op="equ" val="44"/>
+          <dgm:constr type="h" for="ch" forName="compNode" refType="h" fact="0.3"/>
+          <dgm:constr type="w" for="ch" forName="compNode" refType="w"/>
+          <dgm:constr type="h" for="ch" forName="sibTrans" refType="h" refFor="ch" refForName="compNode" fact="0.25"/>
+          <dgm:constr type="primFontSz" for="des" forName="parTx" val="25"/>
+          <dgm:constr type="primFontSz" for="des" forName="desTx" refType="primFontSz" refFor="des" refForName="parTx" op="lte" fact="0.75"/>
           <dgm:constr type="h" for="des" forName="compNode" op="equ"/>
-          <dgm:constr type="h" for="des" forName="textRect" op="equ"/>
+          <dgm:constr type="h" for="des" forName="bgRect" op="equ"/>
+          <dgm:constr type="h" for="des" forName="iconRect" op="equ"/>
+          <dgm:constr type="w" for="des" forName="iconRect" op="equ"/>
+          <dgm:constr type="h" for="des" forName="spaceRect" op="equ"/>
+          <dgm:constr type="h" for="des" forName="parTx" op="equ"/>
+          <dgm:constr type="h" for="des" forName="desTx" op="equ"/>
         </dgm:constrLst>
       </dgm:if>
-      <dgm:if name="Name5" axis="ch" ptType="node" func="cnt" op="lte" val="3">
+      <dgm:if name="Name5" axis="ch" ptType="node" func="cnt" op="lte" val="4">
         <dgm:constrLst>
-          <dgm:constr type="h" for="ch" forName="compNode" refType="h" fact="0.4"/>
-          <dgm:constr type="w" for="ch" forName="compNode" val="100"/>
-          <dgm:constr type="w" for="ch" forName="sibTrans" refType="w" refFor="ch" refForName="compNode" fact="0.175"/>
-          <dgm:constr type="sp" refType="w" refFor="ch" refForName="compNode" op="equ" fact="0.25"/>
-          <dgm:constr type="primFontSz" for="des" ptType="node" op="equ" val="40"/>
+          <dgm:constr type="h" for="ch" forName="compNode" refType="h" fact="0.3"/>
+          <dgm:constr type="w" for="ch" forName="compNode" refType="w"/>
+          <dgm:constr type="h" for="ch" forName="sibTrans" refType="h" refFor="ch" refForName="compNode" fact="0.25"/>
+          <dgm:constr type="primFontSz" for="des" forName="parTx" val="22"/>
+          <dgm:constr type="primFontSz" for="des" forName="desTx" refType="primFontSz" refFor="des" refForName="parTx" op="lte" fact="0.75"/>
           <dgm:constr type="h" for="des" forName="compNode" op="equ"/>
-          <dgm:constr type="h" for="des" forName="textRect" op="equ"/>
+          <dgm:constr type="h" for="des" forName="bgRect" op="equ"/>
+          <dgm:constr type="h" for="des" forName="iconRect" op="equ"/>
+          <dgm:constr type="w" for="des" forName="iconRect" op="equ"/>
+          <dgm:constr type="h" for="des" forName="spaceRect" op="equ"/>
+          <dgm:constr type="h" for="des" forName="parTx" op="equ"/>
+          <dgm:constr type="h" for="des" forName="desTx" op="equ"/>
         </dgm:constrLst>
       </dgm:if>
-      <dgm:if name="Name6" axis="ch" ptType="node" func="cnt" op="lte" val="4">
+      <dgm:if name="Name6" axis="ch" ptType="node" func="cnt" op="lte" val="6">
         <dgm:constrLst>
-          <dgm:constr type="h" for="ch" forName="compNode" refType="h" fact="0.4"/>
+          <dgm:constr type="h" for="ch" forName="compNode" refType="h" fact="0.3"/>
           <dgm:constr type="w" for="ch" forName="compNode" refType="w"/>
-          <dgm:constr type="w" for="ch" forName="sibTrans" refType="w" refFor="ch" refForName="compNode" fact="0.175"/>
-          <dgm:constr type="sp" refType="w" refFor="ch" refForName="compNode" op="equ" fact="0.25"/>
-          <dgm:constr type="primFontSz" for="des" ptType="node" op="equ" val="32"/>
+          <dgm:constr type="h" for="ch" forName="sibTrans" refType="h" refFor="ch" refForName="compNode" fact="0.25"/>
+          <dgm:constr type="primFontSz" for="des" forName="parTx" val="19"/>
+          <dgm:constr type="primFontSz" for="des" forName="desTx" refType="primFontSz" refFor="des" refForName="parTx" op="lte" fact="0.75"/>
           <dgm:constr type="h" for="des" forName="compNode" op="equ"/>
-          <dgm:constr type="h" for="des" forName="textRect" op="equ"/>
+          <dgm:constr type="h" for="des" forName="bgRect" op="equ"/>
+          <dgm:constr type="h" for="des" forName="iconRect" op="equ"/>
+          <dgm:constr type="w" for="des" forName="iconRect" op="equ"/>
+          <dgm:constr type="h" for="des" forName="spaceRect" op="equ"/>
+          <dgm:constr type="h" for="des" forName="parTx" op="equ"/>
+          <dgm:constr type="h" for="des" forName="desTx" op="equ"/>
         </dgm:constrLst>
       </dgm:if>
       <dgm:else name="Name7">
         <dgm:constrLst>
-          <dgm:constr type="h" for="ch" forName="compNode" refType="h" fact="0.4"/>
+          <dgm:constr type="h" for="ch" forName="compNode" refType="h" fact="0.3"/>
           <dgm:constr type="w" for="ch" forName="compNode" refType="w"/>
-          <dgm:constr type="w" for="ch" forName="sibTrans" refType="w" refFor="ch" refForName="compNode" fact="0.175"/>
-          <dgm:constr type="sp" refType="w" refFor="ch" refForName="compNode" op="equ" fact="0.25"/>
-          <dgm:constr type="primFontSz" for="des" ptType="node" op="equ" val="24"/>
+          <dgm:constr type="h" for="ch" forName="sibTrans" refType="h" refFor="ch" refForName="compNode" fact="0.25"/>
+          <dgm:constr type="primFontSz" for="des" forName="parTx" val="16"/>
+          <dgm:constr type="primFontSz" for="des" forName="desTx" refType="primFontSz" refFor="des" refForName="parTx" op="lte" fact="0.75"/>
           <dgm:constr type="h" for="des" forName="compNode" op="equ"/>
-          <dgm:constr type="h" for="des" forName="textRect" op="equ"/>
+          <dgm:constr type="h" for="des" forName="bgRect" op="equ"/>
+          <dgm:constr type="h" for="des" forName="iconRect" op="equ"/>
+          <dgm:constr type="w" for="des" forName="iconRect" op="equ"/>
+          <dgm:constr type="h" for="des" forName="spaceRect" op="equ"/>
+          <dgm:constr type="h" for="des" forName="parTx" op="equ"/>
+          <dgm:constr type="h" for="des" forName="desTx" op="equ"/>
         </dgm:constrLst>
       </dgm:else>
     </dgm:choose>
     <dgm:ruleLst>
-      <dgm:rule type="w" for="ch" forName="compNode" val="50" fact="NaN" max="NaN"/>
+      <dgm:rule type="h" for="ch" forName="compNode" val="0" fact="NaN" max="NaN"/>
     </dgm:ruleLst>
     <dgm:forEach name="Name8" axis="ch" ptType="node">
       <dgm:layoutNode name="compNode">
@@ -9625,31 +9485,59 @@
           <dgm:adjLst/>
         </dgm:shape>
         <dgm:presOf axis="self"/>
-        <dgm:constrLst>
-          <dgm:constr type="w" for="ch" forName="iconBgRect" refType="w" fact="0.61"/>
-          <dgm:constr type="h" for="ch" forName="iconBgRect" refType="w" refFor="ch" refForName="iconBgRect"/>
-          <dgm:constr type="t" for="ch" forName="iconBgRect"/>
-          <dgm:constr type="ctrX" for="ch" forName="iconBgRect" refType="w" fact="0.5"/>
-          <dgm:constr type="w" for="ch" forName="iconRect" refType="w" fact="0.35"/>
-          <dgm:constr type="h" for="ch" forName="iconRect" refType="w" refFor="ch" refForName="iconRect"/>
-          <dgm:constr type="ctrX" for="ch" forName="iconRect" refType="ctrX" refFor="ch" refForName="iconBgRect"/>
-          <dgm:constr type="ctrY" for="ch" forName="iconRect" refType="ctrY" refFor="ch" refForName="iconBgRect"/>
-          <dgm:constr type="h" for="ch" forName="spaceRect" refType="w" fact="0.19"/>
-          <dgm:constr type="w" for="ch" forName="spaceRect" refType="w"/>
-          <dgm:constr type="l" for="ch" forName="spaceRect"/>
-          <dgm:constr type="t" for="ch" forName="spaceRect" refType="b" refFor="ch" refForName="iconBgRect"/>
-          <dgm:constr type="h" for="ch" forName="textRect" val="20"/>
-          <dgm:constr type="w" for="ch" forName="textRect" refType="w"/>
-          <dgm:constr type="l" for="ch" forName="textRect"/>
-          <dgm:constr type="t" for="ch" forName="textRect" refType="b" refFor="ch" refForName="spaceRect"/>
-        </dgm:constrLst>
+        <dgm:choose name="Name9">
+          <dgm:if name="Name10" axis="ch" ptType="node" func="cnt" op="gte" val="1">
+            <dgm:constrLst>
+              <dgm:constr type="w" for="ch" forName="bgRect" refType="w"/>
+              <dgm:constr type="h" for="ch" forName="bgRect" refType="h"/>
+              <dgm:constr type="l" for="ch" forName="bgRect"/>
+              <dgm:constr type="t" for="ch" forName="bgRect"/>
+              <dgm:constr type="h" for="ch" forName="iconRect" refType="h" fact="0.55"/>
+              <dgm:constr type="w" for="ch" forName="iconRect" refType="h" refFor="ch" refForName="iconRect"/>
+              <dgm:constr type="l" for="ch" forName="iconRect" refType="h" refFor="ch" refForName="iconRect" fact="0.55"/>
+              <dgm:constr type="ctrY" for="ch" forName="iconRect" refType="ctrY" refFor="ch" refForName="bgRect"/>
+              <dgm:constr type="w" for="ch" forName="spaceRect" refType="l" refFor="ch" refForName="iconRect"/>
+              <dgm:constr type="h" for="ch" forName="spaceRect" refType="h"/>
+              <dgm:constr type="l" for="ch" forName="spaceRect" refType="r" refFor="ch" refForName="iconRect"/>
+              <dgm:constr type="t" for="ch" forName="spaceRect"/>
+              <dgm:constr type="w" for="ch" forName="parTx" refType="w" fact="0.45"/>
+              <dgm:constr type="h" for="ch" forName="parTx" refType="h"/>
+              <dgm:constr type="l" for="ch" forName="parTx" refType="r" refFor="ch" refForName="spaceRect"/>
+              <dgm:constr type="t" for="ch" forName="parTx"/>
+              <dgm:constr type="h" for="ch" forName="desTx" refType="h"/>
+              <dgm:constr type="l" for="ch" forName="desTx" refType="r" refFor="ch" refForName="parTx"/>
+              <dgm:constr type="t" for="ch" forName="desTx"/>
+            </dgm:constrLst>
+          </dgm:if>
+          <dgm:else name="Name11">
+            <dgm:constrLst>
+              <dgm:constr type="w" for="ch" forName="bgRect" refType="w"/>
+              <dgm:constr type="h" for="ch" forName="bgRect" refType="h"/>
+              <dgm:constr type="l" for="ch" forName="bgRect"/>
+              <dgm:constr type="t" for="ch" forName="bgRect"/>
+              <dgm:constr type="h" for="ch" forName="iconRect" refType="h" fact="0.55"/>
+              <dgm:constr type="w" for="ch" forName="iconRect" refType="h" refFor="ch" refForName="iconRect"/>
+              <dgm:constr type="l" for="ch" forName="iconRect" refType="h" refFor="ch" refForName="iconRect" fact="0.55"/>
+              <dgm:constr type="ctrY" for="ch" forName="iconRect" refType="ctrY" refFor="ch" refForName="bgRect"/>
+              <dgm:constr type="w" for="ch" forName="spaceRect" refType="l" refFor="ch" refForName="iconRect"/>
+              <dgm:constr type="h" for="ch" forName="spaceRect" refType="h"/>
+              <dgm:constr type="l" for="ch" forName="spaceRect" refType="r" refFor="ch" refForName="iconRect"/>
+              <dgm:constr type="t" for="ch" forName="spaceRect"/>
+              <dgm:constr type="h" for="ch" forName="parTx" refType="h"/>
+              <dgm:constr type="l" for="ch" forName="parTx" refType="r" refFor="ch" refForName="spaceRect"/>
+              <dgm:constr type="t" for="ch" forName="parTx"/>
+            </dgm:constrLst>
+          </dgm:else>
+        </dgm:choose>
         <dgm:ruleLst>
           <dgm:rule type="h" val="INF" fact="NaN" max="NaN"/>
         </dgm:ruleLst>
-        <dgm:layoutNode name="iconBgRect" styleLbl="bgShp">
+        <dgm:layoutNode name="bgRect" styleLbl="bgShp">
           <dgm:alg type="sp"/>
-          <dgm:shape xmlns:r="http://schemas.openxmlformats.org/officeDocument/2006/relationships" type="ellipse" r:blip="">
-            <dgm:adjLst/>
+          <dgm:shape xmlns:r="http://schemas.openxmlformats.org/officeDocument/2006/relationships" type="roundRect" r:blip="">
+            <dgm:adjLst>
+              <dgm:adj idx="1" val="0.1"/>
+            </dgm:adjLst>
           </dgm:shape>
           <dgm:presOf/>
           <dgm:constrLst/>
@@ -9673,31 +9561,66 @@
           <dgm:constrLst/>
           <dgm:ruleLst/>
         </dgm:layoutNode>
-        <dgm:layoutNode name="textRect" styleLbl="revTx">
+        <dgm:layoutNode name="parTx" styleLbl="revTx">
           <dgm:varLst>
-            <dgm:chMax val="1"/>
-            <dgm:chPref val="1"/>
+            <dgm:chMax val="0"/>
+            <dgm:chPref val="0"/>
           </dgm:varLst>
           <dgm:alg type="tx">
-            <dgm:param type="txAnchorVert" val="t"/>
+            <dgm:param type="txAnchorVert" val="mid"/>
+            <dgm:param type="parTxLTRAlign" val="l"/>
+            <dgm:param type="shpTxLTRAlignCh" val="l"/>
+            <dgm:param type="parTxRTLAlign" val="r"/>
+            <dgm:param type="shpTxRTLAlignCh" val="r"/>
           </dgm:alg>
           <dgm:shape xmlns:r="http://schemas.openxmlformats.org/officeDocument/2006/relationships" type="rect" r:blip="">
             <dgm:adjLst/>
           </dgm:shape>
           <dgm:presOf axis="self" ptType="node"/>
           <dgm:constrLst>
-            <dgm:constr type="lMarg"/>
-            <dgm:constr type="rMarg"/>
-            <dgm:constr type="tMarg"/>
-            <dgm:constr type="bMarg"/>
+            <dgm:constr type="lMarg" refType="h" fact="0.3"/>
+            <dgm:constr type="rMarg" refType="h" fact="0.3"/>
+            <dgm:constr type="tMarg" refType="h" fact="0.3"/>
+            <dgm:constr type="bMarg" refType="h" fact="0.3"/>
           </dgm:constrLst>
           <dgm:ruleLst>
-            <dgm:rule type="primFontSz" val="11" fact="NaN" max="NaN"/>
+            <dgm:rule type="primFontSz" val="14" fact="NaN" max="NaN"/>
             <dgm:rule type="h" val="INF" fact="NaN" max="NaN"/>
           </dgm:ruleLst>
         </dgm:layoutNode>
+        <dgm:choose name="Name12">
+          <dgm:if name="Name13" axis="ch" ptType="node" func="cnt" op="gte" val="1">
+            <dgm:layoutNode name="desTx" styleLbl="revTx">
+              <dgm:varLst/>
+              <dgm:alg type="tx">
+                <dgm:param type="txAnchorVertCh" val="mid"/>
+                <dgm:param type="parTxLTRAlign" val="l"/>
+                <dgm:param type="shpTxLTRAlignCh" val="l"/>
+                <dgm:param type="parTxRTLAlign" val="r"/>
+                <dgm:param type="shpTxRTLAlignCh" val="r"/>
+                <dgm:param type="stBulletLvl" val="0"/>
+              </dgm:alg>
+              <dgm:shape xmlns:r="http://schemas.openxmlformats.org/officeDocument/2006/relationships" type="rect" r:blip="">
+                <dgm:adjLst/>
+              </dgm:shape>
+              <dgm:presOf axis="des" ptType="node"/>
+              <dgm:constrLst>
+                <dgm:constr type="primFontSz" val="18"/>
+                <dgm:constr type="secFontSz" refType="primFontSz"/>
+                <dgm:constr type="lMarg" refType="h" fact="0.3"/>
+                <dgm:constr type="rMarg" refType="h" fact="0.3"/>
+                <dgm:constr type="tMarg" refType="h" fact="0.3"/>
+                <dgm:constr type="bMarg" refType="h" fact="0.3"/>
+              </dgm:constrLst>
+              <dgm:ruleLst>
+                <dgm:rule type="primFontSz" val="11" fact="NaN" max="NaN"/>
+              </dgm:ruleLst>
+            </dgm:layoutNode>
+          </dgm:if>
+          <dgm:else name="Name14"/>
+        </dgm:choose>
       </dgm:layoutNode>
-      <dgm:forEach name="Name9" axis="followSib" ptType="sibTrans" cnt="1">
+      <dgm:forEach name="Name15" axis="followSib" ptType="sibTrans" cnt="1">
         <dgm:layoutNode name="sibTrans">
           <dgm:alg type="sp"/>
           <dgm:shape xmlns:r="http://schemas.openxmlformats.org/officeDocument/2006/relationships" r:blip="">
@@ -9717,8 +9640,12 @@
           <a:lnSpc>
             <a:spcPct val="100000"/>
           </a:lnSpc>
-          <a:defRPr cap="all"/>
         </a:lvl1pPr>
+        <a:lvl2pPr>
+          <a:lnSpc>
+            <a:spcPct val="100000"/>
+          </a:lnSpc>
+        </a:lvl2pPr>
       </dgm1612:lstStyle>
     </a:ext>
   </dgm:extLst>
@@ -16936,7 +16863,7 @@
             </a:ln>
             <a:extLst>
               <a:ext uri="{91240B29-F687-4f45-9708-019B960494DF}">
-                <a14:hiddenLine xmlns:a14="http://schemas.microsoft.com/office/drawing/2010/main" xmlns="" w="9525">
+                <a14:hiddenLine xmlns="" xmlns:a14="http://schemas.microsoft.com/office/drawing/2010/main" w="9525">
                   <a:solidFill>
                     <a:srgbClr val="000000"/>
                   </a:solidFill>
@@ -18017,7 +17944,7 @@
             </a:ln>
             <a:extLst>
               <a:ext uri="{91240B29-F687-4f45-9708-019B960494DF}">
-                <a14:hiddenLine xmlns:a14="http://schemas.microsoft.com/office/drawing/2010/main" xmlns="" w="9525">
+                <a14:hiddenLine xmlns="" xmlns:a14="http://schemas.microsoft.com/office/drawing/2010/main" w="9525">
                   <a:solidFill>
                     <a:srgbClr val="000000"/>
                   </a:solidFill>
@@ -19103,7 +19030,7 @@
             </a:ln>
             <a:extLst>
               <a:ext uri="{91240B29-F687-4f45-9708-019B960494DF}">
-                <a14:hiddenLine xmlns:a14="http://schemas.microsoft.com/office/drawing/2010/main" xmlns="" w="9525">
+                <a14:hiddenLine xmlns="" xmlns:a14="http://schemas.microsoft.com/office/drawing/2010/main" w="9525">
                   <a:solidFill>
                     <a:srgbClr val="000000"/>
                   </a:solidFill>
@@ -20064,7 +19991,7 @@
             </a:ln>
             <a:extLst>
               <a:ext uri="{91240B29-F687-4f45-9708-019B960494DF}">
-                <a14:hiddenLine xmlns:a14="http://schemas.microsoft.com/office/drawing/2010/main" xmlns="" w="9525">
+                <a14:hiddenLine xmlns="" xmlns:a14="http://schemas.microsoft.com/office/drawing/2010/main" w="9525">
                   <a:solidFill>
                     <a:srgbClr val="000000"/>
                   </a:solidFill>
@@ -21179,7 +21106,7 @@
             </a:ln>
             <a:extLst>
               <a:ext uri="{91240B29-F687-4f45-9708-019B960494DF}">
-                <a14:hiddenLine xmlns:a14="http://schemas.microsoft.com/office/drawing/2010/main" xmlns="" w="9525">
+                <a14:hiddenLine xmlns="" xmlns:a14="http://schemas.microsoft.com/office/drawing/2010/main" w="9525">
                   <a:solidFill>
                     <a:srgbClr val="000000"/>
                   </a:solidFill>
@@ -23928,7 +23855,7 @@
           </a:ln>
           <a:extLst>
             <a:ext uri="{91240B29-F687-4f45-9708-019B960494DF}">
-              <a14:hiddenLine xmlns:a14="http://schemas.microsoft.com/office/drawing/2010/main" xmlns="" w="9525">
+              <a14:hiddenLine xmlns="" xmlns:a14="http://schemas.microsoft.com/office/drawing/2010/main" w="9525">
                 <a:solidFill>
                   <a:srgbClr val="000000"/>
                 </a:solidFill>
@@ -25103,7 +25030,7 @@
             </a:ln>
             <a:extLst>
               <a:ext uri="{91240B29-F687-4f45-9708-019B960494DF}">
-                <a14:hiddenLine xmlns:a14="http://schemas.microsoft.com/office/drawing/2010/main" xmlns="" w="9525">
+                <a14:hiddenLine xmlns="" xmlns:a14="http://schemas.microsoft.com/office/drawing/2010/main" w="9525">
                   <a:solidFill>
                     <a:srgbClr val="000000"/>
                   </a:solidFill>
@@ -27071,7 +26998,7 @@
             </a:ln>
             <a:extLst>
               <a:ext uri="{91240B29-F687-4f45-9708-019B960494DF}">
-                <a14:hiddenLine xmlns:a14="http://schemas.microsoft.com/office/drawing/2010/main" xmlns="" w="9525">
+                <a14:hiddenLine xmlns="" xmlns:a14="http://schemas.microsoft.com/office/drawing/2010/main" w="9525">
                   <a:solidFill>
                     <a:srgbClr val="000000"/>
                   </a:solidFill>
@@ -28129,7 +28056,7 @@
             </a:ln>
             <a:extLst>
               <a:ext uri="{91240B29-F687-4f45-9708-019B960494DF}">
-                <a14:hiddenLine xmlns:a14="http://schemas.microsoft.com/office/drawing/2010/main" xmlns="" w="9525">
+                <a14:hiddenLine xmlns="" xmlns:a14="http://schemas.microsoft.com/office/drawing/2010/main" w="9525">
                   <a:solidFill>
                     <a:srgbClr val="000000"/>
                   </a:solidFill>
@@ -29179,7 +29106,7 @@
             </a:ln>
             <a:extLst>
               <a:ext uri="{91240B29-F687-4f45-9708-019B960494DF}">
-                <a14:hiddenLine xmlns:a14="http://schemas.microsoft.com/office/drawing/2010/main" xmlns="" w="9525">
+                <a14:hiddenLine xmlns="" xmlns:a14="http://schemas.microsoft.com/office/drawing/2010/main" w="9525">
                   <a:solidFill>
                     <a:srgbClr val="000000"/>
                   </a:solidFill>
@@ -30812,7 +30739,7 @@
     <p:bg>
       <p:bgPr>
         <a:solidFill>
-          <a:schemeClr val="bg2"/>
+          <a:schemeClr val="bg1"/>
         </a:solidFill>
         <a:effectLst/>
       </p:bgPr>
@@ -30833,10 +30760,10 @@
       </p:grpSpPr>
       <p:grpSp>
         <p:nvGrpSpPr>
-          <p:cNvPr id="20" name="Group 19">
+          <p:cNvPr id="29" name="Group 28">
             <a:extLst>
               <a:ext uri="{FF2B5EF4-FFF2-40B4-BE49-F238E27FC236}">
-                <a16:creationId xmlns:a16="http://schemas.microsoft.com/office/drawing/2014/main" id="{2F448CB3-7B4F-45D7-B7C0-DF553DF61453}"/>
+                <a16:creationId xmlns:a16="http://schemas.microsoft.com/office/drawing/2014/main" id="{08BCF048-8940-4354-B9EC-5AD74E283CE3}"/>
               </a:ext>
               <a:ext uri="{C183D7F6-B498-43B3-948B-1728B52AA6E4}">
                 <adec:decorative xmlns:adec="http://schemas.microsoft.com/office/drawing/2017/decorative" val="1"/>
@@ -30864,10 +30791,10 @@
         </p:grpSpPr>
         <p:sp>
           <p:nvSpPr>
-            <p:cNvPr id="21" name="Rectangle 20">
+            <p:cNvPr id="30" name="Rectangle 29">
               <a:extLst>
                 <a:ext uri="{FF2B5EF4-FFF2-40B4-BE49-F238E27FC236}">
-                  <a16:creationId xmlns:a16="http://schemas.microsoft.com/office/drawing/2014/main" id="{5C5305EA-7A88-413D-BE8A-47A02476F00C}"/>
+                  <a16:creationId xmlns:a16="http://schemas.microsoft.com/office/drawing/2014/main" id="{D024C14A-78BD-44B0-82BE-6A0D0A27063A}"/>
                 </a:ext>
                 <a:ext uri="{C183D7F6-B498-43B3-948B-1728B52AA6E4}">
                   <adec:decorative xmlns:adec="http://schemas.microsoft.com/office/drawing/2017/decorative" val="1"/>
@@ -30941,10 +30868,602 @@
         </p:sp>
         <p:sp>
           <p:nvSpPr>
-            <p:cNvPr id="22" name="Freeform 5">
+            <p:cNvPr id="31" name="Oval 30">
               <a:extLst>
                 <a:ext uri="{FF2B5EF4-FFF2-40B4-BE49-F238E27FC236}">
-                  <a16:creationId xmlns:a16="http://schemas.microsoft.com/office/drawing/2014/main" id="{FCA94DB5-FE56-4A3D-BC48-31B5595197FD}"/>
+                  <a16:creationId xmlns:a16="http://schemas.microsoft.com/office/drawing/2014/main" id="{809F3D29-EDB1-4F1C-A0E0-36F28CE17188}"/>
+                </a:ext>
+                <a:ext uri="{C183D7F6-B498-43B3-948B-1728B52AA6E4}">
+                  <adec:decorative xmlns:adec="http://schemas.microsoft.com/office/drawing/2017/decorative" val="1"/>
+                </a:ext>
+              </a:extLst>
+            </p:cNvPr>
+            <p:cNvSpPr/>
+            <p:nvPr>
+              <p:extLst>
+                <p:ext uri="{386F3935-93C4-4BCD-93E2-E3B085C9AB24}">
+                  <p16:designElem xmlns:p16="http://schemas.microsoft.com/office/powerpoint/2015/main" val="1"/>
+                </p:ext>
+              </p:extLst>
+            </p:nvPr>
+          </p:nvSpPr>
+          <p:spPr>
+            <a:xfrm>
+              <a:off x="0" y="2667000"/>
+              <a:ext cx="4191000" cy="4191000"/>
+            </a:xfrm>
+            <a:prstGeom prst="ellipse">
+              <a:avLst/>
+            </a:prstGeom>
+            <a:gradFill flip="none" rotWithShape="1">
+              <a:gsLst>
+                <a:gs pos="0">
+                  <a:schemeClr val="accent5">
+                    <a:alpha val="11000"/>
+                  </a:schemeClr>
+                </a:gs>
+                <a:gs pos="75000">
+                  <a:schemeClr val="accent5">
+                    <a:alpha val="0"/>
+                  </a:schemeClr>
+                </a:gs>
+                <a:gs pos="36000">
+                  <a:schemeClr val="accent5">
+                    <a:alpha val="10000"/>
+                  </a:schemeClr>
+                </a:gs>
+              </a:gsLst>
+              <a:path path="circle">
+                <a:fillToRect l="50000" t="50000" r="50000" b="50000"/>
+              </a:path>
+              <a:tileRect/>
+            </a:gradFill>
+            <a:ln>
+              <a:noFill/>
+            </a:ln>
+            <a:effectLst/>
+          </p:spPr>
+          <p:style>
+            <a:lnRef idx="1">
+              <a:schemeClr val="accent1"/>
+            </a:lnRef>
+            <a:fillRef idx="3">
+              <a:schemeClr val="accent1"/>
+            </a:fillRef>
+            <a:effectRef idx="2">
+              <a:schemeClr val="accent1"/>
+            </a:effectRef>
+            <a:fontRef idx="minor">
+              <a:schemeClr val="lt1"/>
+            </a:fontRef>
+          </p:style>
+          <p:txBody>
+            <a:bodyPr/>
+            <a:lstStyle/>
+            <a:p>
+              <a:endParaRPr lang="en-US"/>
+            </a:p>
+          </p:txBody>
+        </p:sp>
+        <p:sp>
+          <p:nvSpPr>
+            <p:cNvPr id="32" name="Oval 31">
+              <a:extLst>
+                <a:ext uri="{FF2B5EF4-FFF2-40B4-BE49-F238E27FC236}">
+                  <a16:creationId xmlns:a16="http://schemas.microsoft.com/office/drawing/2014/main" id="{5282F4AB-C7B8-4A86-9927-AA106AA27B41}"/>
+                </a:ext>
+                <a:ext uri="{C183D7F6-B498-43B3-948B-1728B52AA6E4}">
+                  <adec:decorative xmlns:adec="http://schemas.microsoft.com/office/drawing/2017/decorative" val="1"/>
+                </a:ext>
+              </a:extLst>
+            </p:cNvPr>
+            <p:cNvSpPr/>
+            <p:nvPr>
+              <p:extLst>
+                <p:ext uri="{386F3935-93C4-4BCD-93E2-E3B085C9AB24}">
+                  <p16:designElem xmlns:p16="http://schemas.microsoft.com/office/powerpoint/2015/main" val="1"/>
+                </p:ext>
+              </p:extLst>
+            </p:nvPr>
+          </p:nvSpPr>
+          <p:spPr>
+            <a:xfrm>
+              <a:off x="0" y="2895600"/>
+              <a:ext cx="2362200" cy="2362200"/>
+            </a:xfrm>
+            <a:prstGeom prst="ellipse">
+              <a:avLst/>
+            </a:prstGeom>
+            <a:gradFill flip="none" rotWithShape="1">
+              <a:gsLst>
+                <a:gs pos="0">
+                  <a:schemeClr val="accent5">
+                    <a:alpha val="8000"/>
+                  </a:schemeClr>
+                </a:gs>
+                <a:gs pos="72000">
+                  <a:schemeClr val="accent5">
+                    <a:alpha val="0"/>
+                  </a:schemeClr>
+                </a:gs>
+                <a:gs pos="36000">
+                  <a:schemeClr val="accent5">
+                    <a:alpha val="8000"/>
+                  </a:schemeClr>
+                </a:gs>
+              </a:gsLst>
+              <a:path path="circle">
+                <a:fillToRect l="50000" t="50000" r="50000" b="50000"/>
+              </a:path>
+              <a:tileRect/>
+            </a:gradFill>
+            <a:ln>
+              <a:noFill/>
+            </a:ln>
+            <a:effectLst/>
+          </p:spPr>
+          <p:style>
+            <a:lnRef idx="1">
+              <a:schemeClr val="accent1"/>
+            </a:lnRef>
+            <a:fillRef idx="3">
+              <a:schemeClr val="accent1"/>
+            </a:fillRef>
+            <a:effectRef idx="2">
+              <a:schemeClr val="accent1"/>
+            </a:effectRef>
+            <a:fontRef idx="minor">
+              <a:schemeClr val="lt1"/>
+            </a:fontRef>
+          </p:style>
+          <p:txBody>
+            <a:bodyPr/>
+            <a:lstStyle/>
+            <a:p>
+              <a:endParaRPr lang="en-US"/>
+            </a:p>
+          </p:txBody>
+        </p:sp>
+        <p:sp>
+          <p:nvSpPr>
+            <p:cNvPr id="33" name="Rectangle 32">
+              <a:extLst>
+                <a:ext uri="{FF2B5EF4-FFF2-40B4-BE49-F238E27FC236}">
+                  <a16:creationId xmlns:a16="http://schemas.microsoft.com/office/drawing/2014/main" id="{60B26874-5AFA-4D1E-94A9-53AF9790D702}"/>
+                </a:ext>
+                <a:ext uri="{C183D7F6-B498-43B3-948B-1728B52AA6E4}">
+                  <adec:decorative xmlns:adec="http://schemas.microsoft.com/office/drawing/2017/decorative" val="1"/>
+                </a:ext>
+              </a:extLst>
+            </p:cNvPr>
+            <p:cNvSpPr/>
+            <p:nvPr>
+              <p:extLst>
+                <p:ext uri="{386F3935-93C4-4BCD-93E2-E3B085C9AB24}">
+                  <p16:designElem xmlns:p16="http://schemas.microsoft.com/office/powerpoint/2015/main" val="1"/>
+                </p:ext>
+              </p:extLst>
+            </p:nvPr>
+          </p:nvSpPr>
+          <p:spPr bwMode="gray">
+            <a:xfrm>
+              <a:off x="5713412" y="402165"/>
+              <a:ext cx="6055253" cy="6053670"/>
+            </a:xfrm>
+            <a:prstGeom prst="rect">
+              <a:avLst/>
+            </a:prstGeom>
+            <a:solidFill>
+              <a:schemeClr val="bg1"/>
+            </a:solidFill>
+            <a:ln>
+              <a:noFill/>
+            </a:ln>
+            <a:effectLst/>
+          </p:spPr>
+          <p:style>
+            <a:lnRef idx="1">
+              <a:schemeClr val="accent1"/>
+            </a:lnRef>
+            <a:fillRef idx="3">
+              <a:schemeClr val="accent1"/>
+            </a:fillRef>
+            <a:effectRef idx="2">
+              <a:schemeClr val="accent1"/>
+            </a:effectRef>
+            <a:fontRef idx="minor">
+              <a:schemeClr val="lt1"/>
+            </a:fontRef>
+          </p:style>
+          <p:txBody>
+            <a:bodyPr/>
+            <a:lstStyle/>
+            <a:p>
+              <a:endParaRPr lang="en-US"/>
+            </a:p>
+          </p:txBody>
+        </p:sp>
+        <p:sp>
+          <p:nvSpPr>
+            <p:cNvPr id="34" name="Freeform 5">
+              <a:extLst>
+                <a:ext uri="{FF2B5EF4-FFF2-40B4-BE49-F238E27FC236}">
+                  <a16:creationId xmlns:a16="http://schemas.microsoft.com/office/drawing/2014/main" id="{A1DA6C95-40F8-4305-89F6-17F6167C0BF2}"/>
+                </a:ext>
+                <a:ext uri="{C183D7F6-B498-43B3-948B-1728B52AA6E4}">
+                  <adec:decorative xmlns:adec="http://schemas.microsoft.com/office/drawing/2017/decorative" val="1"/>
+                </a:ext>
+              </a:extLst>
+            </p:cNvPr>
+            <p:cNvSpPr/>
+            <p:nvPr>
+              <p:extLst>
+                <p:ext uri="{386F3935-93C4-4BCD-93E2-E3B085C9AB24}">
+                  <p16:designElem xmlns:p16="http://schemas.microsoft.com/office/powerpoint/2015/main" val="1"/>
+                </p:ext>
+              </p:extLst>
+            </p:nvPr>
+          </p:nvSpPr>
+          <p:spPr bwMode="gray">
+            <a:xfrm rot="15922489">
+              <a:off x="3140485" y="1826078"/>
+              <a:ext cx="3299407" cy="440924"/>
+            </a:xfrm>
+            <a:custGeom>
+              <a:avLst/>
+              <a:gdLst/>
+              <a:ahLst/>
+              <a:cxnLst/>
+              <a:rect l="l" t="t" r="r" b="b"/>
+              <a:pathLst>
+                <a:path w="10000" h="5291">
+                  <a:moveTo>
+                    <a:pt x="85" y="2532"/>
+                  </a:moveTo>
+                  <a:cubicBezTo>
+                    <a:pt x="1736" y="3911"/>
+                    <a:pt x="7524" y="5298"/>
+                    <a:pt x="9958" y="5291"/>
+                  </a:cubicBezTo>
+                  <a:cubicBezTo>
+                    <a:pt x="9989" y="1958"/>
+                    <a:pt x="9969" y="3333"/>
+                    <a:pt x="10000" y="0"/>
+                  </a:cubicBezTo>
+                  <a:lnTo>
+                    <a:pt x="10000" y="0"/>
+                  </a:lnTo>
+                  <a:lnTo>
+                    <a:pt x="9667" y="204"/>
+                  </a:lnTo>
+                  <a:lnTo>
+                    <a:pt x="9334" y="400"/>
+                  </a:lnTo>
+                  <a:lnTo>
+                    <a:pt x="9001" y="590"/>
+                  </a:lnTo>
+                  <a:lnTo>
+                    <a:pt x="8667" y="753"/>
+                  </a:lnTo>
+                  <a:lnTo>
+                    <a:pt x="8333" y="917"/>
+                  </a:lnTo>
+                  <a:lnTo>
+                    <a:pt x="7999" y="1071"/>
+                  </a:lnTo>
+                  <a:lnTo>
+                    <a:pt x="7669" y="1202"/>
+                  </a:lnTo>
+                  <a:lnTo>
+                    <a:pt x="7333" y="1325"/>
+                  </a:lnTo>
+                  <a:lnTo>
+                    <a:pt x="7000" y="1440"/>
+                  </a:lnTo>
+                  <a:lnTo>
+                    <a:pt x="6673" y="1538"/>
+                  </a:lnTo>
+                  <a:lnTo>
+                    <a:pt x="6340" y="1636"/>
+                  </a:lnTo>
+                  <a:lnTo>
+                    <a:pt x="6013" y="1719"/>
+                  </a:lnTo>
+                  <a:lnTo>
+                    <a:pt x="5686" y="1784"/>
+                  </a:lnTo>
+                  <a:lnTo>
+                    <a:pt x="5359" y="1850"/>
+                  </a:lnTo>
+                  <a:lnTo>
+                    <a:pt x="5036" y="1906"/>
+                  </a:lnTo>
+                  <a:lnTo>
+                    <a:pt x="4717" y="1948"/>
+                  </a:lnTo>
+                  <a:lnTo>
+                    <a:pt x="4396" y="1980"/>
+                  </a:lnTo>
+                  <a:lnTo>
+                    <a:pt x="4079" y="2013"/>
+                  </a:lnTo>
+                  <a:lnTo>
+                    <a:pt x="3766" y="2029"/>
+                  </a:lnTo>
+                  <a:lnTo>
+                    <a:pt x="3454" y="2046"/>
+                  </a:lnTo>
+                  <a:lnTo>
+                    <a:pt x="3145" y="2053"/>
+                  </a:lnTo>
+                  <a:lnTo>
+                    <a:pt x="2839" y="2046"/>
+                  </a:lnTo>
+                  <a:lnTo>
+                    <a:pt x="2537" y="2046"/>
+                  </a:lnTo>
+                  <a:lnTo>
+                    <a:pt x="2238" y="2029"/>
+                  </a:lnTo>
+                  <a:lnTo>
+                    <a:pt x="1943" y="2004"/>
+                  </a:lnTo>
+                  <a:lnTo>
+                    <a:pt x="1653" y="1980"/>
+                  </a:lnTo>
+                  <a:lnTo>
+                    <a:pt x="1368" y="1955"/>
+                  </a:lnTo>
+                  <a:lnTo>
+                    <a:pt x="1085" y="1915"/>
+                  </a:lnTo>
+                  <a:lnTo>
+                    <a:pt x="806" y="1873"/>
+                  </a:lnTo>
+                  <a:lnTo>
+                    <a:pt x="533" y="1833"/>
+                  </a:lnTo>
+                  <a:lnTo>
+                    <a:pt x="0" y="1726"/>
+                  </a:lnTo>
+                  <a:cubicBezTo>
+                    <a:pt x="28" y="1995"/>
+                    <a:pt x="57" y="2263"/>
+                    <a:pt x="85" y="2532"/>
+                  </a:cubicBezTo>
+                  <a:close/>
+                </a:path>
+              </a:pathLst>
+            </a:custGeom>
+            <a:solidFill>
+              <a:schemeClr val="bg1">
+                <a:alpha val="20000"/>
+              </a:schemeClr>
+            </a:solidFill>
+            <a:ln>
+              <a:noFill/>
+            </a:ln>
+          </p:spPr>
+          <p:txBody>
+            <a:bodyPr/>
+            <a:lstStyle/>
+            <a:p>
+              <a:endParaRPr lang="en-US"/>
+            </a:p>
+          </p:txBody>
+        </p:sp>
+        <p:sp>
+          <p:nvSpPr>
+            <p:cNvPr id="35" name="Freeform 5">
+              <a:extLst>
+                <a:ext uri="{FF2B5EF4-FFF2-40B4-BE49-F238E27FC236}">
+                  <a16:creationId xmlns:a16="http://schemas.microsoft.com/office/drawing/2014/main" id="{A2FA2D29-AEEE-4FFA-B233-94FBE84C9B41}"/>
+                </a:ext>
+                <a:ext uri="{C183D7F6-B498-43B3-948B-1728B52AA6E4}">
+                  <adec:decorative xmlns:adec="http://schemas.microsoft.com/office/drawing/2017/decorative" val="1"/>
+                </a:ext>
+              </a:extLst>
+            </p:cNvPr>
+            <p:cNvSpPr/>
+            <p:nvPr>
+              <p:extLst>
+                <p:ext uri="{386F3935-93C4-4BCD-93E2-E3B085C9AB24}">
+                  <p16:designElem xmlns:p16="http://schemas.microsoft.com/office/powerpoint/2015/main" val="1"/>
+                </p:ext>
+              </p:extLst>
+            </p:nvPr>
+          </p:nvSpPr>
+          <p:spPr bwMode="gray">
+            <a:xfrm rot="16200000">
+              <a:off x="2229377" y="2801721"/>
+              <a:ext cx="6053670" cy="1254558"/>
+            </a:xfrm>
+            <a:custGeom>
+              <a:avLst/>
+              <a:gdLst/>
+              <a:ahLst/>
+              <a:cxnLst/>
+              <a:rect l="l" t="t" r="r" b="b"/>
+              <a:pathLst>
+                <a:path w="10000" h="8000">
+                  <a:moveTo>
+                    <a:pt x="0" y="0"/>
+                  </a:moveTo>
+                  <a:lnTo>
+                    <a:pt x="0" y="7970"/>
+                  </a:lnTo>
+                  <a:lnTo>
+                    <a:pt x="10000" y="8000"/>
+                  </a:lnTo>
+                  <a:lnTo>
+                    <a:pt x="10000" y="7"/>
+                  </a:lnTo>
+                  <a:lnTo>
+                    <a:pt x="10000" y="7"/>
+                  </a:lnTo>
+                  <a:lnTo>
+                    <a:pt x="9773" y="156"/>
+                  </a:lnTo>
+                  <a:lnTo>
+                    <a:pt x="9547" y="298"/>
+                  </a:lnTo>
+                  <a:lnTo>
+                    <a:pt x="9320" y="437"/>
+                  </a:lnTo>
+                  <a:lnTo>
+                    <a:pt x="9092" y="556"/>
+                  </a:lnTo>
+                  <a:lnTo>
+                    <a:pt x="8865" y="676"/>
+                  </a:lnTo>
+                  <a:lnTo>
+                    <a:pt x="8637" y="788"/>
+                  </a:lnTo>
+                  <a:lnTo>
+                    <a:pt x="8412" y="884"/>
+                  </a:lnTo>
+                  <a:lnTo>
+                    <a:pt x="8184" y="975"/>
+                  </a:lnTo>
+                  <a:lnTo>
+                    <a:pt x="7957" y="1058"/>
+                  </a:lnTo>
+                  <a:lnTo>
+                    <a:pt x="7734" y="1130"/>
+                  </a:lnTo>
+                  <a:lnTo>
+                    <a:pt x="7508" y="1202"/>
+                  </a:lnTo>
+                  <a:lnTo>
+                    <a:pt x="7285" y="1262"/>
+                  </a:lnTo>
+                  <a:lnTo>
+                    <a:pt x="7062" y="1309"/>
+                  </a:lnTo>
+                  <a:lnTo>
+                    <a:pt x="6840" y="1358"/>
+                  </a:lnTo>
+                  <a:lnTo>
+                    <a:pt x="6620" y="1399"/>
+                  </a:lnTo>
+                  <a:lnTo>
+                    <a:pt x="6402" y="1428"/>
+                  </a:lnTo>
+                  <a:lnTo>
+                    <a:pt x="6184" y="1453"/>
+                  </a:lnTo>
+                  <a:lnTo>
+                    <a:pt x="5968" y="1477"/>
+                  </a:lnTo>
+                  <a:lnTo>
+                    <a:pt x="5755" y="1488"/>
+                  </a:lnTo>
+                  <a:lnTo>
+                    <a:pt x="5542" y="1500"/>
+                  </a:lnTo>
+                  <a:lnTo>
+                    <a:pt x="5332" y="1506"/>
+                  </a:lnTo>
+                  <a:lnTo>
+                    <a:pt x="5124" y="1500"/>
+                  </a:lnTo>
+                  <a:lnTo>
+                    <a:pt x="4918" y="1500"/>
+                  </a:lnTo>
+                  <a:lnTo>
+                    <a:pt x="4714" y="1488"/>
+                  </a:lnTo>
+                  <a:lnTo>
+                    <a:pt x="4514" y="1470"/>
+                  </a:lnTo>
+                  <a:lnTo>
+                    <a:pt x="4316" y="1453"/>
+                  </a:lnTo>
+                  <a:lnTo>
+                    <a:pt x="4122" y="1434"/>
+                  </a:lnTo>
+                  <a:lnTo>
+                    <a:pt x="3929" y="1405"/>
+                  </a:lnTo>
+                  <a:lnTo>
+                    <a:pt x="3739" y="1374"/>
+                  </a:lnTo>
+                  <a:lnTo>
+                    <a:pt x="3553" y="1346"/>
+                  </a:lnTo>
+                  <a:lnTo>
+                    <a:pt x="3190" y="1267"/>
+                  </a:lnTo>
+                  <a:lnTo>
+                    <a:pt x="2842" y="1183"/>
+                  </a:lnTo>
+                  <a:lnTo>
+                    <a:pt x="2508" y="1095"/>
+                  </a:lnTo>
+                  <a:lnTo>
+                    <a:pt x="2192" y="998"/>
+                  </a:lnTo>
+                  <a:lnTo>
+                    <a:pt x="1890" y="897"/>
+                  </a:lnTo>
+                  <a:lnTo>
+                    <a:pt x="1610" y="788"/>
+                  </a:lnTo>
+                  <a:lnTo>
+                    <a:pt x="1347" y="681"/>
+                  </a:lnTo>
+                  <a:lnTo>
+                    <a:pt x="1105" y="574"/>
+                  </a:lnTo>
+                  <a:lnTo>
+                    <a:pt x="883" y="473"/>
+                  </a:lnTo>
+                  <a:lnTo>
+                    <a:pt x="686" y="377"/>
+                  </a:lnTo>
+                  <a:lnTo>
+                    <a:pt x="508" y="286"/>
+                  </a:lnTo>
+                  <a:lnTo>
+                    <a:pt x="358" y="210"/>
+                  </a:lnTo>
+                  <a:lnTo>
+                    <a:pt x="232" y="138"/>
+                  </a:lnTo>
+                  <a:lnTo>
+                    <a:pt x="59" y="35"/>
+                  </a:lnTo>
+                  <a:lnTo>
+                    <a:pt x="0" y="0"/>
+                  </a:lnTo>
+                  <a:lnTo>
+                    <a:pt x="0" y="0"/>
+                  </a:lnTo>
+                  <a:close/>
+                </a:path>
+              </a:pathLst>
+            </a:custGeom>
+            <a:solidFill>
+              <a:schemeClr val="bg1"/>
+            </a:solidFill>
+            <a:ln>
+              <a:noFill/>
+            </a:ln>
+          </p:spPr>
+          <p:txBody>
+            <a:bodyPr/>
+            <a:lstStyle/>
+            <a:p>
+              <a:endParaRPr lang="en-US"/>
+            </a:p>
+          </p:txBody>
+        </p:sp>
+        <p:sp>
+          <p:nvSpPr>
+            <p:cNvPr id="36" name="Freeform 5">
+              <a:extLst>
+                <a:ext uri="{FF2B5EF4-FFF2-40B4-BE49-F238E27FC236}">
+                  <a16:creationId xmlns:a16="http://schemas.microsoft.com/office/drawing/2014/main" id="{6DA5143E-FA8E-4EC1-99F7-35AE5AD4E377}"/>
                 </a:ext>
                 <a:ext uri="{C183D7F6-B498-43B3-948B-1728B52AA6E4}">
                   <adec:decorative xmlns:adec="http://schemas.microsoft.com/office/drawing/2017/decorative" val="1"/>
@@ -31011,7 +31530,7 @@
               </a:pathLst>
             </a:custGeom>
             <a:solidFill>
-              <a:srgbClr val="FFFFFF"/>
+              <a:schemeClr val="bg1"/>
             </a:solidFill>
             <a:ln>
               <a:noFill/>
@@ -31038,8 +31557,8 @@
         </p:nvSpPr>
         <p:spPr>
           <a:xfrm>
-            <a:off x="866215" y="973668"/>
-            <a:ext cx="6571060" cy="706964"/>
+            <a:off x="866216" y="973667"/>
+            <a:ext cx="2206657" cy="4833745"/>
           </a:xfrm>
         </p:spPr>
         <p:txBody>
@@ -31051,7 +31570,7 @@
             <a:r>
               <a:rPr lang="en-US">
                 <a:solidFill>
-                  <a:srgbClr val="FFFFFF"/>
+                  <a:srgbClr val="EBEBEB"/>
                 </a:solidFill>
               </a:rPr>
               <a:t>Project Overview</a:t>
@@ -31061,10 +31580,10 @@
       </p:sp>
       <p:sp>
         <p:nvSpPr>
-          <p:cNvPr id="23" name="Rectangle 22">
+          <p:cNvPr id="38" name="Rectangle 37">
             <a:extLst>
               <a:ext uri="{FF2B5EF4-FFF2-40B4-BE49-F238E27FC236}">
-                <a16:creationId xmlns:a16="http://schemas.microsoft.com/office/drawing/2014/main" id="{F9ED434F-8767-46CC-B26B-5AF62FF01E66}"/>
+                <a16:creationId xmlns:a16="http://schemas.microsoft.com/office/drawing/2014/main" id="{CC28BCC9-4093-4FD5-83EB-7EC297F51396}"/>
               </a:ext>
               <a:ext uri="{C183D7F6-B498-43B3-948B-1728B52AA6E4}">
                 <adec:decorative xmlns:adec="http://schemas.microsoft.com/office/drawing/2017/decorative" val="1"/>
@@ -31135,14 +31654,14 @@
             <p:ph idx="1"/>
             <p:extLst>
               <p:ext uri="{D42A27DB-BD31-4B8C-83A1-F6EECF244321}">
-                <p14:modId xmlns:p14="http://schemas.microsoft.com/office/powerpoint/2010/main" val="1452816312"/>
+                <p14:modId xmlns:p14="http://schemas.microsoft.com/office/powerpoint/2010/main" val="561863067"/>
               </p:ext>
             </p:extLst>
           </p:nvPr>
         </p:nvGraphicFramePr>
         <p:xfrm>
-          <a:off x="965200" y="2324100"/>
-          <a:ext cx="7219037" cy="3422683"/>
+          <a:off x="3895725" y="808038"/>
+          <a:ext cx="4793456" cy="5246687"/>
         </p:xfrm>
         <a:graphic>
           <a:graphicData uri="http://schemas.openxmlformats.org/drawingml/2006/diagram">
@@ -31153,7 +31672,7 @@
     </p:spTree>
   </p:cSld>
   <p:clrMapOvr>
-    <a:overrideClrMapping bg1="dk1" tx1="lt1" bg2="dk2" tx2="lt2" accent1="accent1" accent2="accent2" accent3="accent3" accent4="accent4" accent5="accent5" accent6="accent6" hlink="hlink" folHlink="folHlink"/>
+    <a:masterClrMapping/>
   </p:clrMapOvr>
 </p:sld>
 </file>
@@ -34153,11 +34672,11 @@
         </p:spPr>
         <p:txBody>
           <a:bodyPr anchor="ctr">
-            <a:normAutofit/>
+            <a:normAutofit lnSpcReduction="10000"/>
           </a:bodyPr>
           <a:lstStyle/>
           <a:p>
-            <a:pPr marL="347472" indent="-347472" rtl="0" eaLnBrk="1" latinLnBrk="0" hangingPunct="1">
+            <a:pPr marL="347472" indent="-347472" algn="l" rtl="0" eaLnBrk="1" latinLnBrk="0" hangingPunct="1">
               <a:spcBef>
                 <a:spcPts val="768"/>
               </a:spcBef>
@@ -34165,18 +34684,18 @@
               <a:buChar char="•"/>
             </a:pPr>
             <a:r>
-              <a:rPr lang="en-US" dirty="0">
+              <a:rPr lang="en-US" sz="1600">
                 <a:solidFill>
-                  <a:schemeClr val="tx1"/>
+                  <a:srgbClr val="000000"/>
                 </a:solidFill>
                 <a:effectLst/>
                 <a:latin typeface="Calibri" panose="020F0502020204030204" pitchFamily="34" charset="0"/>
               </a:rPr>
-              <a:t>Implemented as a real-time API for detecting fraud, can implement 2 configuration sets:</a:t>
+              <a:t>Deployed as a real-time API for fraud detection, it can accommodate two sets of configurations:</a:t>
             </a:r>
           </a:p>
           <a:p>
-            <a:pPr marL="690372" lvl="1" indent="-347472">
+            <a:pPr marL="742950" lvl="1" indent="-285750" algn="l" rtl="0" eaLnBrk="1" latinLnBrk="0" hangingPunct="1">
               <a:spcBef>
                 <a:spcPts val="768"/>
               </a:spcBef>
@@ -34184,34 +34703,18 @@
               <a:buChar char="•"/>
             </a:pPr>
             <a:r>
-              <a:rPr lang="en-US" dirty="0">
+              <a:rPr lang="en-US" sz="1600">
                 <a:solidFill>
-                  <a:schemeClr val="tx1"/>
+                  <a:srgbClr val="000000"/>
                 </a:solidFill>
                 <a:effectLst/>
                 <a:latin typeface="Calibri" panose="020F0502020204030204" pitchFamily="34" charset="0"/>
               </a:rPr>
-              <a:t>Optimized for face to face transactions</a:t>
+              <a:t>Tailored for in-person transactions, focusing on reducing false positives (FP), minimizing interruptions, and prioritizing accuracy.</a:t>
             </a:r>
           </a:p>
           <a:p>
-            <a:pPr marL="747522" lvl="1" indent="-347472">
-              <a:spcBef>
-                <a:spcPts val="768"/>
-              </a:spcBef>
-              <a:buFont typeface="Arial" panose="020B0604020202020204" pitchFamily="34" charset="0"/>
-              <a:buChar char="•"/>
-            </a:pPr>
-            <a:endParaRPr lang="en-US" dirty="0">
-              <a:solidFill>
-                <a:schemeClr val="tx1"/>
-              </a:solidFill>
-              <a:effectLst/>
-              <a:latin typeface="Calibri" panose="020F0502020204030204" pitchFamily="34" charset="0"/>
-            </a:endParaRPr>
-          </a:p>
-          <a:p>
-            <a:pPr marL="347472" indent="-347472" rtl="0" eaLnBrk="1" latinLnBrk="0" hangingPunct="1">
+            <a:pPr marL="742950" lvl="1" indent="-285750" algn="l" rtl="0" eaLnBrk="1" latinLnBrk="0" hangingPunct="1">
               <a:spcBef>
                 <a:spcPts val="768"/>
               </a:spcBef>
@@ -34219,18 +34722,18 @@
               <a:buChar char="•"/>
             </a:pPr>
             <a:r>
-              <a:rPr lang="en-US" dirty="0">
+              <a:rPr lang="en-US" sz="1600">
                 <a:solidFill>
-                  <a:schemeClr val="tx1"/>
+                  <a:srgbClr val="000000"/>
                 </a:solidFill>
                 <a:effectLst/>
                 <a:latin typeface="Calibri" panose="020F0502020204030204" pitchFamily="34" charset="0"/>
               </a:rPr>
-              <a:t>Advantages: Financial institutions, users, and fraud analysts.</a:t>
+              <a:t>Tailored for online transactions, aiming to lower false negatives (FN) while emphasizing recall.</a:t>
             </a:r>
           </a:p>
           <a:p>
-            <a:pPr marL="347472" indent="-347472" rtl="0" eaLnBrk="1" latinLnBrk="0" hangingPunct="1">
+            <a:pPr marL="347472" indent="-347472" algn="l" rtl="0" eaLnBrk="1" latinLnBrk="0" hangingPunct="1">
               <a:spcBef>
                 <a:spcPts val="768"/>
               </a:spcBef>
@@ -34238,18 +34741,18 @@
               <a:buChar char="•"/>
             </a:pPr>
             <a:r>
-              <a:rPr lang="en-US" dirty="0">
+              <a:rPr lang="en-US" sz="1600">
                 <a:solidFill>
-                  <a:schemeClr val="tx1"/>
+                  <a:srgbClr val="000000"/>
                 </a:solidFill>
                 <a:effectLst/>
                 <a:latin typeface="Calibri" panose="020F0502020204030204" pitchFamily="34" charset="0"/>
               </a:rPr>
-              <a:t>Key Insights:</a:t>
+              <a:t>Benefits: Financial institutions, users, and fraud analysts all stand to gain.</a:t>
             </a:r>
           </a:p>
           <a:p>
-            <a:pPr marL="747522" lvl="1" indent="-347472">
+            <a:pPr marL="347472" indent="-347472" algn="l" rtl="0" eaLnBrk="1" latinLnBrk="0" hangingPunct="1">
               <a:spcBef>
                 <a:spcPts val="768"/>
               </a:spcBef>
@@ -34257,18 +34760,18 @@
               <a:buChar char="•"/>
             </a:pPr>
             <a:r>
-              <a:rPr lang="en-US" dirty="0">
+              <a:rPr lang="en-US" sz="1600">
                 <a:solidFill>
-                  <a:schemeClr val="tx1"/>
+                  <a:srgbClr val="000000"/>
                 </a:solidFill>
                 <a:effectLst/>
                 <a:latin typeface="Calibri" panose="020F0502020204030204" pitchFamily="34" charset="0"/>
               </a:rPr>
-              <a:t>Significance of class balancing</a:t>
+              <a:t>Key Takeaways:</a:t>
             </a:r>
           </a:p>
           <a:p>
-            <a:pPr marL="747522" lvl="1" indent="-347472">
+            <a:pPr marL="742950" lvl="1" indent="-285750" algn="l" rtl="0" eaLnBrk="1" latinLnBrk="0" hangingPunct="1">
               <a:spcBef>
                 <a:spcPts val="768"/>
               </a:spcBef>
@@ -34276,18 +34779,18 @@
               <a:buChar char="•"/>
             </a:pPr>
             <a:r>
-              <a:rPr lang="en-US" dirty="0">
+              <a:rPr lang="en-US" sz="1600">
                 <a:solidFill>
-                  <a:schemeClr val="tx1"/>
+                  <a:srgbClr val="000000"/>
                 </a:solidFill>
                 <a:effectLst/>
                 <a:latin typeface="Calibri" panose="020F0502020204030204" pitchFamily="34" charset="0"/>
               </a:rPr>
-              <a:t>Influence of spatial and temporal features</a:t>
+              <a:t>Importance of class balancing</a:t>
             </a:r>
           </a:p>
           <a:p>
-            <a:pPr marL="747522" lvl="1" indent="-347472">
+            <a:pPr marL="742950" lvl="1" indent="-285750" algn="l" rtl="0" eaLnBrk="1" latinLnBrk="0" hangingPunct="1">
               <a:spcBef>
                 <a:spcPts val="768"/>
               </a:spcBef>
@@ -34295,14 +34798,33 @@
               <a:buChar char="•"/>
             </a:pPr>
             <a:r>
-              <a:rPr lang="en-US" dirty="0">
+              <a:rPr lang="en-US" sz="1600">
                 <a:solidFill>
-                  <a:schemeClr val="tx1"/>
+                  <a:srgbClr val="000000"/>
                 </a:solidFill>
                 <a:effectLst/>
                 <a:latin typeface="Calibri" panose="020F0502020204030204" pitchFamily="34" charset="0"/>
               </a:rPr>
-              <a:t>The use of ensemble models and resampling improves performance.</a:t>
+              <a:t>Impact of spatial and temporal factors</a:t>
+            </a:r>
+          </a:p>
+          <a:p>
+            <a:pPr marL="742950" lvl="1" indent="-285750" algn="l" rtl="0" eaLnBrk="1" latinLnBrk="0" hangingPunct="1">
+              <a:spcBef>
+                <a:spcPts val="768"/>
+              </a:spcBef>
+              <a:buFont typeface="Arial" panose="020B0604020202020204" pitchFamily="34" charset="0"/>
+              <a:buChar char="•"/>
+            </a:pPr>
+            <a:r>
+              <a:rPr lang="en-US" sz="1600">
+                <a:solidFill>
+                  <a:srgbClr val="000000"/>
+                </a:solidFill>
+                <a:effectLst/>
+                <a:latin typeface="Calibri" panose="020F0502020204030204" pitchFamily="34" charset="0"/>
+              </a:rPr>
+              <a:t>The application of ensemble models and resampling techniques enhances performance.</a:t>
             </a:r>
             <a:endParaRPr dirty="0">
               <a:solidFill>

--- a/Credit_Card_Fraud_Detection_Presentation.pptx
+++ b/Credit_Card_Fraud_Detection_Presentation.pptx
@@ -3506,6 +3506,788 @@
 </file>
 
 <file path=ppt/diagrams/colors5.xml><?xml version="1.0" encoding="utf-8"?>
+<dgm:colorsDef xmlns:dgm="http://schemas.openxmlformats.org/drawingml/2006/diagram" xmlns:a="http://schemas.openxmlformats.org/drawingml/2006/main" uniqueId="urn:microsoft.com/office/officeart/2005/8/colors/colorful2">
+  <dgm:title val=""/>
+  <dgm:desc val=""/>
+  <dgm:catLst>
+    <dgm:cat type="colorful" pri="10200"/>
+  </dgm:catLst>
+  <dgm:styleLbl name="node0">
+    <dgm:fillClrLst meth="repeat">
+      <a:schemeClr val="accent1"/>
+    </dgm:fillClrLst>
+    <dgm:linClrLst meth="repeat">
+      <a:schemeClr val="lt1"/>
+    </dgm:linClrLst>
+    <dgm:effectClrLst/>
+    <dgm:txLinClrLst/>
+    <dgm:txFillClrLst/>
+    <dgm:txEffectClrLst/>
+  </dgm:styleLbl>
+  <dgm:styleLbl name="node1">
+    <dgm:fillClrLst>
+      <a:schemeClr val="accent2"/>
+      <a:schemeClr val="accent3"/>
+    </dgm:fillClrLst>
+    <dgm:linClrLst meth="repeat">
+      <a:schemeClr val="lt1"/>
+    </dgm:linClrLst>
+    <dgm:effectClrLst/>
+    <dgm:txLinClrLst/>
+    <dgm:txFillClrLst/>
+    <dgm:txEffectClrLst/>
+  </dgm:styleLbl>
+  <dgm:styleLbl name="alignNode1">
+    <dgm:fillClrLst>
+      <a:schemeClr val="accent2"/>
+      <a:schemeClr val="accent3"/>
+    </dgm:fillClrLst>
+    <dgm:linClrLst>
+      <a:schemeClr val="accent2"/>
+      <a:schemeClr val="accent3"/>
+    </dgm:linClrLst>
+    <dgm:effectClrLst/>
+    <dgm:txLinClrLst/>
+    <dgm:txFillClrLst/>
+    <dgm:txEffectClrLst/>
+  </dgm:styleLbl>
+  <dgm:styleLbl name="lnNode1">
+    <dgm:fillClrLst>
+      <a:schemeClr val="accent2"/>
+      <a:schemeClr val="accent3"/>
+    </dgm:fillClrLst>
+    <dgm:linClrLst meth="repeat">
+      <a:schemeClr val="lt1"/>
+    </dgm:linClrLst>
+    <dgm:effectClrLst/>
+    <dgm:txLinClrLst/>
+    <dgm:txFillClrLst/>
+    <dgm:txEffectClrLst/>
+  </dgm:styleLbl>
+  <dgm:styleLbl name="vennNode1">
+    <dgm:fillClrLst>
+      <a:schemeClr val="accent2">
+        <a:alpha val="50000"/>
+      </a:schemeClr>
+      <a:schemeClr val="accent3">
+        <a:alpha val="50000"/>
+      </a:schemeClr>
+    </dgm:fillClrLst>
+    <dgm:linClrLst meth="repeat">
+      <a:schemeClr val="lt1"/>
+    </dgm:linClrLst>
+    <dgm:effectClrLst/>
+    <dgm:txLinClrLst/>
+    <dgm:txFillClrLst/>
+    <dgm:txEffectClrLst/>
+  </dgm:styleLbl>
+  <dgm:styleLbl name="node2">
+    <dgm:fillClrLst>
+      <a:schemeClr val="accent3"/>
+    </dgm:fillClrLst>
+    <dgm:linClrLst meth="repeat">
+      <a:schemeClr val="lt1"/>
+    </dgm:linClrLst>
+    <dgm:effectClrLst/>
+    <dgm:txLinClrLst/>
+    <dgm:txFillClrLst/>
+    <dgm:txEffectClrLst/>
+  </dgm:styleLbl>
+  <dgm:styleLbl name="node3">
+    <dgm:fillClrLst>
+      <a:schemeClr val="accent4"/>
+    </dgm:fillClrLst>
+    <dgm:linClrLst meth="repeat">
+      <a:schemeClr val="lt1"/>
+    </dgm:linClrLst>
+    <dgm:effectClrLst/>
+    <dgm:txLinClrLst/>
+    <dgm:txFillClrLst/>
+    <dgm:txEffectClrLst/>
+  </dgm:styleLbl>
+  <dgm:styleLbl name="node4">
+    <dgm:fillClrLst>
+      <a:schemeClr val="accent5"/>
+    </dgm:fillClrLst>
+    <dgm:linClrLst meth="repeat">
+      <a:schemeClr val="lt1"/>
+    </dgm:linClrLst>
+    <dgm:effectClrLst/>
+    <dgm:txLinClrLst/>
+    <dgm:txFillClrLst/>
+    <dgm:txEffectClrLst/>
+  </dgm:styleLbl>
+  <dgm:styleLbl name="fgImgPlace1">
+    <dgm:fillClrLst>
+      <a:schemeClr val="accent2">
+        <a:tint val="50000"/>
+      </a:schemeClr>
+      <a:schemeClr val="accent3">
+        <a:tint val="50000"/>
+      </a:schemeClr>
+    </dgm:fillClrLst>
+    <dgm:linClrLst meth="repeat">
+      <a:schemeClr val="lt1"/>
+    </dgm:linClrLst>
+    <dgm:effectClrLst/>
+    <dgm:txLinClrLst/>
+    <dgm:txFillClrLst meth="repeat">
+      <a:schemeClr val="lt1"/>
+    </dgm:txFillClrLst>
+    <dgm:txEffectClrLst/>
+  </dgm:styleLbl>
+  <dgm:styleLbl name="alignImgPlace1">
+    <dgm:fillClrLst>
+      <a:schemeClr val="accent2">
+        <a:tint val="50000"/>
+      </a:schemeClr>
+      <a:schemeClr val="accent3">
+        <a:tint val="20000"/>
+      </a:schemeClr>
+    </dgm:fillClrLst>
+    <dgm:linClrLst meth="repeat">
+      <a:schemeClr val="lt1"/>
+    </dgm:linClrLst>
+    <dgm:effectClrLst/>
+    <dgm:txLinClrLst/>
+    <dgm:txFillClrLst meth="repeat">
+      <a:schemeClr val="lt1"/>
+    </dgm:txFillClrLst>
+    <dgm:txEffectClrLst/>
+  </dgm:styleLbl>
+  <dgm:styleLbl name="bgImgPlace1">
+    <dgm:fillClrLst>
+      <a:schemeClr val="accent2">
+        <a:tint val="50000"/>
+      </a:schemeClr>
+      <a:schemeClr val="accent3">
+        <a:tint val="20000"/>
+      </a:schemeClr>
+    </dgm:fillClrLst>
+    <dgm:linClrLst meth="repeat">
+      <a:schemeClr val="lt1"/>
+    </dgm:linClrLst>
+    <dgm:effectClrLst/>
+    <dgm:txLinClrLst/>
+    <dgm:txFillClrLst meth="repeat">
+      <a:schemeClr val="lt1"/>
+    </dgm:txFillClrLst>
+    <dgm:txEffectClrLst/>
+  </dgm:styleLbl>
+  <dgm:styleLbl name="sibTrans2D1">
+    <dgm:fillClrLst>
+      <a:schemeClr val="accent2"/>
+      <a:schemeClr val="accent3"/>
+    </dgm:fillClrLst>
+    <dgm:linClrLst meth="repeat">
+      <a:schemeClr val="lt1"/>
+    </dgm:linClrLst>
+    <dgm:effectClrLst/>
+    <dgm:txLinClrLst/>
+    <dgm:txFillClrLst/>
+    <dgm:txEffectClrLst/>
+  </dgm:styleLbl>
+  <dgm:styleLbl name="fgSibTrans2D1">
+    <dgm:fillClrLst>
+      <a:schemeClr val="accent2"/>
+      <a:schemeClr val="accent3"/>
+    </dgm:fillClrLst>
+    <dgm:linClrLst meth="repeat">
+      <a:schemeClr val="lt1"/>
+    </dgm:linClrLst>
+    <dgm:effectClrLst/>
+    <dgm:txLinClrLst/>
+    <dgm:txFillClrLst meth="repeat">
+      <a:schemeClr val="lt1"/>
+    </dgm:txFillClrLst>
+    <dgm:txEffectClrLst/>
+  </dgm:styleLbl>
+  <dgm:styleLbl name="bgSibTrans2D1">
+    <dgm:fillClrLst>
+      <a:schemeClr val="accent2"/>
+      <a:schemeClr val="accent3"/>
+    </dgm:fillClrLst>
+    <dgm:linClrLst meth="repeat">
+      <a:schemeClr val="lt1"/>
+    </dgm:linClrLst>
+    <dgm:effectClrLst/>
+    <dgm:txLinClrLst/>
+    <dgm:txFillClrLst meth="repeat">
+      <a:schemeClr val="lt1"/>
+    </dgm:txFillClrLst>
+    <dgm:txEffectClrLst/>
+  </dgm:styleLbl>
+  <dgm:styleLbl name="sibTrans1D1">
+    <dgm:fillClrLst/>
+    <dgm:linClrLst>
+      <a:schemeClr val="accent2"/>
+      <a:schemeClr val="accent3"/>
+    </dgm:linClrLst>
+    <dgm:effectClrLst/>
+    <dgm:txLinClrLst/>
+    <dgm:txFillClrLst meth="repeat">
+      <a:schemeClr val="tx1"/>
+    </dgm:txFillClrLst>
+    <dgm:txEffectClrLst/>
+  </dgm:styleLbl>
+  <dgm:styleLbl name="callout">
+    <dgm:fillClrLst meth="repeat">
+      <a:schemeClr val="accent2"/>
+    </dgm:fillClrLst>
+    <dgm:linClrLst meth="repeat">
+      <a:schemeClr val="accent2">
+        <a:tint val="50000"/>
+      </a:schemeClr>
+    </dgm:linClrLst>
+    <dgm:effectClrLst/>
+    <dgm:txLinClrLst/>
+    <dgm:txFillClrLst meth="repeat">
+      <a:schemeClr val="tx1"/>
+    </dgm:txFillClrLst>
+    <dgm:txEffectClrLst/>
+  </dgm:styleLbl>
+  <dgm:styleLbl name="asst0">
+    <dgm:fillClrLst meth="repeat">
+      <a:schemeClr val="accent2"/>
+    </dgm:fillClrLst>
+    <dgm:linClrLst meth="repeat">
+      <a:schemeClr val="lt1">
+        <a:shade val="80000"/>
+      </a:schemeClr>
+    </dgm:linClrLst>
+    <dgm:effectClrLst/>
+    <dgm:txLinClrLst/>
+    <dgm:txFillClrLst/>
+    <dgm:txEffectClrLst/>
+  </dgm:styleLbl>
+  <dgm:styleLbl name="asst1">
+    <dgm:fillClrLst meth="repeat">
+      <a:schemeClr val="accent3"/>
+    </dgm:fillClrLst>
+    <dgm:linClrLst meth="repeat">
+      <a:schemeClr val="lt1">
+        <a:shade val="80000"/>
+      </a:schemeClr>
+    </dgm:linClrLst>
+    <dgm:effectClrLst/>
+    <dgm:txLinClrLst/>
+    <dgm:txFillClrLst/>
+    <dgm:txEffectClrLst/>
+  </dgm:styleLbl>
+  <dgm:styleLbl name="asst2">
+    <dgm:fillClrLst>
+      <a:schemeClr val="accent4"/>
+    </dgm:fillClrLst>
+    <dgm:linClrLst meth="repeat">
+      <a:schemeClr val="lt1"/>
+    </dgm:linClrLst>
+    <dgm:effectClrLst/>
+    <dgm:txLinClrLst/>
+    <dgm:txFillClrLst/>
+    <dgm:txEffectClrLst/>
+  </dgm:styleLbl>
+  <dgm:styleLbl name="asst3">
+    <dgm:fillClrLst>
+      <a:schemeClr val="accent5"/>
+    </dgm:fillClrLst>
+    <dgm:linClrLst meth="repeat">
+      <a:schemeClr val="lt1"/>
+    </dgm:linClrLst>
+    <dgm:effectClrLst/>
+    <dgm:txLinClrLst/>
+    <dgm:txFillClrLst/>
+    <dgm:txEffectClrLst/>
+  </dgm:styleLbl>
+  <dgm:styleLbl name="asst4">
+    <dgm:fillClrLst>
+      <a:schemeClr val="accent6"/>
+    </dgm:fillClrLst>
+    <dgm:linClrLst meth="repeat">
+      <a:schemeClr val="lt1"/>
+    </dgm:linClrLst>
+    <dgm:effectClrLst/>
+    <dgm:txLinClrLst/>
+    <dgm:txFillClrLst/>
+    <dgm:txEffectClrLst/>
+  </dgm:styleLbl>
+  <dgm:styleLbl name="parChTrans2D1">
+    <dgm:fillClrLst meth="repeat">
+      <a:schemeClr val="accent2"/>
+    </dgm:fillClrLst>
+    <dgm:linClrLst meth="repeat">
+      <a:schemeClr val="lt1"/>
+    </dgm:linClrLst>
+    <dgm:effectClrLst/>
+    <dgm:txLinClrLst/>
+    <dgm:txFillClrLst meth="repeat">
+      <a:schemeClr val="lt1"/>
+    </dgm:txFillClrLst>
+    <dgm:txEffectClrLst/>
+  </dgm:styleLbl>
+  <dgm:styleLbl name="parChTrans2D2">
+    <dgm:fillClrLst meth="repeat">
+      <a:schemeClr val="accent3"/>
+    </dgm:fillClrLst>
+    <dgm:linClrLst meth="repeat">
+      <a:schemeClr val="lt1"/>
+    </dgm:linClrLst>
+    <dgm:effectClrLst/>
+    <dgm:txLinClrLst/>
+    <dgm:txFillClrLst/>
+    <dgm:txEffectClrLst/>
+  </dgm:styleLbl>
+  <dgm:styleLbl name="parChTrans2D3">
+    <dgm:fillClrLst meth="repeat">
+      <a:schemeClr val="accent4"/>
+    </dgm:fillClrLst>
+    <dgm:linClrLst meth="repeat">
+      <a:schemeClr val="lt1"/>
+    </dgm:linClrLst>
+    <dgm:effectClrLst/>
+    <dgm:txLinClrLst/>
+    <dgm:txFillClrLst/>
+    <dgm:txEffectClrLst/>
+  </dgm:styleLbl>
+  <dgm:styleLbl name="parChTrans2D4">
+    <dgm:fillClrLst meth="repeat">
+      <a:schemeClr val="accent5"/>
+    </dgm:fillClrLst>
+    <dgm:linClrLst meth="repeat">
+      <a:schemeClr val="lt1"/>
+    </dgm:linClrLst>
+    <dgm:effectClrLst/>
+    <dgm:txLinClrLst/>
+    <dgm:txFillClrLst meth="repeat">
+      <a:schemeClr val="lt1"/>
+    </dgm:txFillClrLst>
+    <dgm:txEffectClrLst/>
+  </dgm:styleLbl>
+  <dgm:styleLbl name="parChTrans1D1">
+    <dgm:fillClrLst meth="repeat">
+      <a:schemeClr val="accent2"/>
+    </dgm:fillClrLst>
+    <dgm:linClrLst meth="repeat">
+      <a:schemeClr val="accent2"/>
+    </dgm:linClrLst>
+    <dgm:effectClrLst/>
+    <dgm:txLinClrLst/>
+    <dgm:txFillClrLst meth="repeat">
+      <a:schemeClr val="tx1"/>
+    </dgm:txFillClrLst>
+    <dgm:txEffectClrLst/>
+  </dgm:styleLbl>
+  <dgm:styleLbl name="parChTrans1D2">
+    <dgm:fillClrLst meth="repeat">
+      <a:schemeClr val="accent2">
+        <a:tint val="90000"/>
+      </a:schemeClr>
+    </dgm:fillClrLst>
+    <dgm:linClrLst meth="repeat">
+      <a:schemeClr val="accent3"/>
+    </dgm:linClrLst>
+    <dgm:effectClrLst/>
+    <dgm:txLinClrLst/>
+    <dgm:txFillClrLst meth="repeat">
+      <a:schemeClr val="tx1"/>
+    </dgm:txFillClrLst>
+    <dgm:txEffectClrLst/>
+  </dgm:styleLbl>
+  <dgm:styleLbl name="parChTrans1D3">
+    <dgm:fillClrLst meth="repeat">
+      <a:schemeClr val="accent2">
+        <a:tint val="70000"/>
+      </a:schemeClr>
+    </dgm:fillClrLst>
+    <dgm:linClrLst meth="repeat">
+      <a:schemeClr val="accent4"/>
+    </dgm:linClrLst>
+    <dgm:effectClrLst/>
+    <dgm:txLinClrLst/>
+    <dgm:txFillClrLst meth="repeat">
+      <a:schemeClr val="tx1"/>
+    </dgm:txFillClrLst>
+    <dgm:txEffectClrLst/>
+  </dgm:styleLbl>
+  <dgm:styleLbl name="parChTrans1D4">
+    <dgm:fillClrLst meth="repeat">
+      <a:schemeClr val="accent2">
+        <a:tint val="50000"/>
+      </a:schemeClr>
+    </dgm:fillClrLst>
+    <dgm:linClrLst meth="repeat">
+      <a:schemeClr val="accent5"/>
+    </dgm:linClrLst>
+    <dgm:effectClrLst/>
+    <dgm:txLinClrLst/>
+    <dgm:txFillClrLst meth="repeat">
+      <a:schemeClr val="tx1"/>
+    </dgm:txFillClrLst>
+    <dgm:txEffectClrLst/>
+  </dgm:styleLbl>
+  <dgm:styleLbl name="fgAcc1">
+    <dgm:fillClrLst meth="repeat">
+      <a:schemeClr val="lt1">
+        <a:alpha val="90000"/>
+      </a:schemeClr>
+    </dgm:fillClrLst>
+    <dgm:linClrLst>
+      <a:schemeClr val="accent2"/>
+      <a:schemeClr val="accent3"/>
+    </dgm:linClrLst>
+    <dgm:effectClrLst/>
+    <dgm:txLinClrLst/>
+    <dgm:txFillClrLst meth="repeat">
+      <a:schemeClr val="dk1"/>
+    </dgm:txFillClrLst>
+    <dgm:txEffectClrLst/>
+  </dgm:styleLbl>
+  <dgm:styleLbl name="conFgAcc1">
+    <dgm:fillClrLst meth="repeat">
+      <a:schemeClr val="lt1">
+        <a:alpha val="90000"/>
+      </a:schemeClr>
+    </dgm:fillClrLst>
+    <dgm:linClrLst>
+      <a:schemeClr val="accent2"/>
+      <a:schemeClr val="accent3"/>
+    </dgm:linClrLst>
+    <dgm:effectClrLst/>
+    <dgm:txLinClrLst/>
+    <dgm:txFillClrLst meth="repeat">
+      <a:schemeClr val="dk1"/>
+    </dgm:txFillClrLst>
+    <dgm:txEffectClrLst/>
+  </dgm:styleLbl>
+  <dgm:styleLbl name="alignAcc1">
+    <dgm:fillClrLst meth="repeat">
+      <a:schemeClr val="lt1">
+        <a:alpha val="90000"/>
+      </a:schemeClr>
+    </dgm:fillClrLst>
+    <dgm:linClrLst>
+      <a:schemeClr val="accent2"/>
+      <a:schemeClr val="accent3"/>
+    </dgm:linClrLst>
+    <dgm:effectClrLst/>
+    <dgm:txLinClrLst/>
+    <dgm:txFillClrLst meth="repeat">
+      <a:schemeClr val="dk1"/>
+    </dgm:txFillClrLst>
+    <dgm:txEffectClrLst/>
+  </dgm:styleLbl>
+  <dgm:styleLbl name="trAlignAcc1">
+    <dgm:fillClrLst meth="repeat">
+      <a:schemeClr val="lt1">
+        <a:alpha val="40000"/>
+      </a:schemeClr>
+    </dgm:fillClrLst>
+    <dgm:linClrLst meth="repeat">
+      <a:schemeClr val="accent2"/>
+    </dgm:linClrLst>
+    <dgm:effectClrLst/>
+    <dgm:txLinClrLst/>
+    <dgm:txFillClrLst meth="repeat">
+      <a:schemeClr val="dk1"/>
+    </dgm:txFillClrLst>
+    <dgm:txEffectClrLst/>
+  </dgm:styleLbl>
+  <dgm:styleLbl name="bgAcc1">
+    <dgm:fillClrLst meth="repeat">
+      <a:schemeClr val="lt1">
+        <a:alpha val="90000"/>
+      </a:schemeClr>
+    </dgm:fillClrLst>
+    <dgm:linClrLst>
+      <a:schemeClr val="accent2"/>
+      <a:schemeClr val="accent3"/>
+    </dgm:linClrLst>
+    <dgm:effectClrLst/>
+    <dgm:txLinClrLst/>
+    <dgm:txFillClrLst meth="repeat">
+      <a:schemeClr val="dk1"/>
+    </dgm:txFillClrLst>
+    <dgm:txEffectClrLst/>
+  </dgm:styleLbl>
+  <dgm:styleLbl name="solidFgAcc1">
+    <dgm:fillClrLst meth="repeat">
+      <a:schemeClr val="lt1"/>
+    </dgm:fillClrLst>
+    <dgm:linClrLst>
+      <a:schemeClr val="accent2"/>
+      <a:schemeClr val="accent3"/>
+    </dgm:linClrLst>
+    <dgm:effectClrLst/>
+    <dgm:txLinClrLst/>
+    <dgm:txFillClrLst meth="repeat">
+      <a:schemeClr val="dk1"/>
+    </dgm:txFillClrLst>
+    <dgm:txEffectClrLst/>
+  </dgm:styleLbl>
+  <dgm:styleLbl name="solidAlignAcc1">
+    <dgm:fillClrLst meth="repeat">
+      <a:schemeClr val="lt1"/>
+    </dgm:fillClrLst>
+    <dgm:linClrLst>
+      <a:schemeClr val="accent2"/>
+      <a:schemeClr val="accent3"/>
+    </dgm:linClrLst>
+    <dgm:effectClrLst/>
+    <dgm:txLinClrLst/>
+    <dgm:txFillClrLst meth="repeat">
+      <a:schemeClr val="dk1"/>
+    </dgm:txFillClrLst>
+    <dgm:txEffectClrLst/>
+  </dgm:styleLbl>
+  <dgm:styleLbl name="solidBgAcc1">
+    <dgm:fillClrLst meth="repeat">
+      <a:schemeClr val="lt1"/>
+    </dgm:fillClrLst>
+    <dgm:linClrLst>
+      <a:schemeClr val="accent2"/>
+      <a:schemeClr val="accent3"/>
+    </dgm:linClrLst>
+    <dgm:effectClrLst/>
+    <dgm:txLinClrLst/>
+    <dgm:txFillClrLst meth="repeat">
+      <a:schemeClr val="dk1"/>
+    </dgm:txFillClrLst>
+    <dgm:txEffectClrLst/>
+  </dgm:styleLbl>
+  <dgm:styleLbl name="fgAccFollowNode1">
+    <dgm:fillClrLst>
+      <a:schemeClr val="accent2">
+        <a:tint val="40000"/>
+        <a:alpha val="90000"/>
+      </a:schemeClr>
+      <a:schemeClr val="accent3">
+        <a:tint val="40000"/>
+        <a:alpha val="90000"/>
+      </a:schemeClr>
+    </dgm:fillClrLst>
+    <dgm:linClrLst>
+      <a:schemeClr val="accent2">
+        <a:tint val="40000"/>
+        <a:alpha val="90000"/>
+      </a:schemeClr>
+      <a:schemeClr val="accent3">
+        <a:tint val="40000"/>
+        <a:alpha val="90000"/>
+      </a:schemeClr>
+    </dgm:linClrLst>
+    <dgm:effectClrLst/>
+    <dgm:txLinClrLst/>
+    <dgm:txFillClrLst meth="repeat">
+      <a:schemeClr val="dk1"/>
+    </dgm:txFillClrLst>
+    <dgm:txEffectClrLst/>
+  </dgm:styleLbl>
+  <dgm:styleLbl name="alignAccFollowNode1">
+    <dgm:fillClrLst>
+      <a:schemeClr val="accent2">
+        <a:tint val="40000"/>
+        <a:alpha val="90000"/>
+      </a:schemeClr>
+      <a:schemeClr val="accent3">
+        <a:tint val="40000"/>
+        <a:alpha val="90000"/>
+      </a:schemeClr>
+    </dgm:fillClrLst>
+    <dgm:linClrLst>
+      <a:schemeClr val="accent2">
+        <a:tint val="40000"/>
+        <a:alpha val="90000"/>
+      </a:schemeClr>
+      <a:schemeClr val="accent3">
+        <a:tint val="40000"/>
+        <a:alpha val="90000"/>
+      </a:schemeClr>
+    </dgm:linClrLst>
+    <dgm:effectClrLst/>
+    <dgm:txLinClrLst/>
+    <dgm:txFillClrLst meth="repeat">
+      <a:schemeClr val="dk1"/>
+    </dgm:txFillClrLst>
+    <dgm:txEffectClrLst/>
+  </dgm:styleLbl>
+  <dgm:styleLbl name="bgAccFollowNode1">
+    <dgm:fillClrLst>
+      <a:schemeClr val="accent2">
+        <a:tint val="40000"/>
+        <a:alpha val="90000"/>
+      </a:schemeClr>
+      <a:schemeClr val="accent3">
+        <a:tint val="40000"/>
+        <a:alpha val="90000"/>
+      </a:schemeClr>
+    </dgm:fillClrLst>
+    <dgm:linClrLst>
+      <a:schemeClr val="accent2">
+        <a:tint val="40000"/>
+        <a:alpha val="90000"/>
+      </a:schemeClr>
+      <a:schemeClr val="accent3">
+        <a:tint val="40000"/>
+        <a:alpha val="90000"/>
+      </a:schemeClr>
+    </dgm:linClrLst>
+    <dgm:effectClrLst/>
+    <dgm:txLinClrLst/>
+    <dgm:txFillClrLst meth="repeat">
+      <a:schemeClr val="dk1"/>
+    </dgm:txFillClrLst>
+    <dgm:txEffectClrLst/>
+  </dgm:styleLbl>
+  <dgm:styleLbl name="fgAcc0">
+    <dgm:fillClrLst meth="repeat">
+      <a:schemeClr val="lt1">
+        <a:alpha val="90000"/>
+      </a:schemeClr>
+    </dgm:fillClrLst>
+    <dgm:linClrLst>
+      <a:schemeClr val="accent1"/>
+    </dgm:linClrLst>
+    <dgm:effectClrLst/>
+    <dgm:txLinClrLst/>
+    <dgm:txFillClrLst meth="repeat">
+      <a:schemeClr val="dk1"/>
+    </dgm:txFillClrLst>
+    <dgm:txEffectClrLst/>
+  </dgm:styleLbl>
+  <dgm:styleLbl name="fgAcc2">
+    <dgm:fillClrLst meth="repeat">
+      <a:schemeClr val="lt1">
+        <a:alpha val="90000"/>
+      </a:schemeClr>
+    </dgm:fillClrLst>
+    <dgm:linClrLst>
+      <a:schemeClr val="accent3"/>
+    </dgm:linClrLst>
+    <dgm:effectClrLst/>
+    <dgm:txLinClrLst/>
+    <dgm:txFillClrLst meth="repeat">
+      <a:schemeClr val="dk1"/>
+    </dgm:txFillClrLst>
+    <dgm:txEffectClrLst/>
+  </dgm:styleLbl>
+  <dgm:styleLbl name="fgAcc3">
+    <dgm:fillClrLst meth="repeat">
+      <a:schemeClr val="lt1">
+        <a:alpha val="90000"/>
+      </a:schemeClr>
+    </dgm:fillClrLst>
+    <dgm:linClrLst>
+      <a:schemeClr val="accent4"/>
+    </dgm:linClrLst>
+    <dgm:effectClrLst/>
+    <dgm:txLinClrLst/>
+    <dgm:txFillClrLst meth="repeat">
+      <a:schemeClr val="dk1"/>
+    </dgm:txFillClrLst>
+    <dgm:txEffectClrLst/>
+  </dgm:styleLbl>
+  <dgm:styleLbl name="fgAcc4">
+    <dgm:fillClrLst meth="repeat">
+      <a:schemeClr val="lt1">
+        <a:alpha val="90000"/>
+      </a:schemeClr>
+    </dgm:fillClrLst>
+    <dgm:linClrLst>
+      <a:schemeClr val="accent5"/>
+    </dgm:linClrLst>
+    <dgm:effectClrLst/>
+    <dgm:txLinClrLst/>
+    <dgm:txFillClrLst meth="repeat">
+      <a:schemeClr val="dk1"/>
+    </dgm:txFillClrLst>
+    <dgm:txEffectClrLst/>
+  </dgm:styleLbl>
+  <dgm:styleLbl name="bgShp">
+    <dgm:fillClrLst meth="repeat">
+      <a:schemeClr val="accent2">
+        <a:tint val="40000"/>
+      </a:schemeClr>
+    </dgm:fillClrLst>
+    <dgm:linClrLst meth="repeat">
+      <a:schemeClr val="dk1"/>
+    </dgm:linClrLst>
+    <dgm:effectClrLst/>
+    <dgm:txLinClrLst/>
+    <dgm:txFillClrLst meth="repeat">
+      <a:schemeClr val="dk1"/>
+    </dgm:txFillClrLst>
+    <dgm:txEffectClrLst/>
+  </dgm:styleLbl>
+  <dgm:styleLbl name="dkBgShp">
+    <dgm:fillClrLst meth="repeat">
+      <a:schemeClr val="accent2">
+        <a:shade val="90000"/>
+      </a:schemeClr>
+    </dgm:fillClrLst>
+    <dgm:linClrLst meth="repeat">
+      <a:schemeClr val="dk1"/>
+    </dgm:linClrLst>
+    <dgm:effectClrLst/>
+    <dgm:txLinClrLst/>
+    <dgm:txFillClrLst meth="repeat">
+      <a:schemeClr val="lt1"/>
+    </dgm:txFillClrLst>
+    <dgm:txEffectClrLst/>
+  </dgm:styleLbl>
+  <dgm:styleLbl name="trBgShp">
+    <dgm:fillClrLst meth="repeat">
+      <a:schemeClr val="accent2">
+        <a:tint val="50000"/>
+        <a:alpha val="40000"/>
+      </a:schemeClr>
+    </dgm:fillClrLst>
+    <dgm:linClrLst meth="repeat">
+      <a:schemeClr val="accent2"/>
+    </dgm:linClrLst>
+    <dgm:effectClrLst/>
+    <dgm:txLinClrLst/>
+    <dgm:txFillClrLst meth="repeat">
+      <a:schemeClr val="lt1"/>
+    </dgm:txFillClrLst>
+    <dgm:txEffectClrLst/>
+  </dgm:styleLbl>
+  <dgm:styleLbl name="fgShp">
+    <dgm:fillClrLst meth="repeat">
+      <a:schemeClr val="accent2">
+        <a:tint val="40000"/>
+      </a:schemeClr>
+    </dgm:fillClrLst>
+    <dgm:linClrLst meth="repeat">
+      <a:schemeClr val="lt1"/>
+    </dgm:linClrLst>
+    <dgm:effectClrLst/>
+    <dgm:txLinClrLst/>
+    <dgm:txFillClrLst meth="repeat">
+      <a:schemeClr val="dk1"/>
+    </dgm:txFillClrLst>
+    <dgm:txEffectClrLst/>
+  </dgm:styleLbl>
+  <dgm:styleLbl name="revTx">
+    <dgm:fillClrLst meth="repeat">
+      <a:schemeClr val="lt1">
+        <a:alpha val="0"/>
+      </a:schemeClr>
+    </dgm:fillClrLst>
+    <dgm:linClrLst meth="repeat">
+      <a:schemeClr val="dk1">
+        <a:alpha val="0"/>
+      </a:schemeClr>
+    </dgm:linClrLst>
+    <dgm:effectClrLst/>
+    <dgm:txLinClrLst/>
+    <dgm:txFillClrLst meth="repeat">
+      <a:schemeClr val="tx1"/>
+    </dgm:txFillClrLst>
+    <dgm:txEffectClrLst/>
+  </dgm:styleLbl>
+</dgm:colorsDef>
+</file>
+
+<file path=ppt/diagrams/colors6.xml><?xml version="1.0" encoding="utf-8"?>
 <dgm:colorsDef xmlns:dgm="http://schemas.openxmlformats.org/drawingml/2006/diagram" xmlns:a="http://schemas.openxmlformats.org/drawingml/2006/main" uniqueId="urn:microsoft.com/office/officeart/2005/8/colors/colorful2">
   <dgm:title val=""/>
   <dgm:desc val=""/>
@@ -6044,10 +6826,18 @@
         <a:lstStyle/>
         <a:p>
           <a:r>
-            <a:rPr lang="en-US" b="0" i="0"/>
-            <a:t>Models evaluated: Linear Regression, Decision Tree, Random Forest, AdaBoost, Gradient Boosting Machine, Support Vector Machine, XGBoost.</a:t>
+            <a:rPr lang="en-US" b="0" i="0" dirty="0"/>
+            <a:t>Models evaluated: Linear Regression, Decision Tree, Random Forest, AdaBoost, Gradient Boosting Machine, Support Vector Machine, </a:t>
           </a:r>
-          <a:endParaRPr lang="en-US"/>
+          <a:r>
+            <a:rPr lang="en-US" b="0" i="0" dirty="0" err="1"/>
+            <a:t>XGBoost</a:t>
+          </a:r>
+          <a:r>
+            <a:rPr lang="en-US" b="0" i="0" dirty="0"/>
+            <a:t>.</a:t>
+          </a:r>
+          <a:endParaRPr lang="en-US" dirty="0"/>
         </a:p>
       </dgm:t>
     </dgm:pt>
@@ -6205,6 +6995,370 @@
     <dgm:cxn modelId="{DD83DADE-2E49-4D91-934F-5852E9F604BC}" type="presParOf" srcId="{CF292138-AA2E-4605-B2E8-A2BC59A7F8FB}" destId="{78711746-1A3B-4569-A6EA-083A63F4CFF1}" srcOrd="2" destOrd="0" presId="urn:microsoft.com/office/officeart/2005/8/layout/vList2"/>
     <dgm:cxn modelId="{71634139-1BEB-49BF-BECD-00C813FB1B62}" type="presParOf" srcId="{CF292138-AA2E-4605-B2E8-A2BC59A7F8FB}" destId="{15890EA6-C331-4E58-96A4-930A6EAB76E6}" srcOrd="3" destOrd="0" presId="urn:microsoft.com/office/officeart/2005/8/layout/vList2"/>
     <dgm:cxn modelId="{49237A06-991E-4E01-9538-101F58A7353D}" type="presParOf" srcId="{CF292138-AA2E-4605-B2E8-A2BC59A7F8FB}" destId="{198EF279-E38D-46DE-BE29-34998B786454}" srcOrd="4" destOrd="0" presId="urn:microsoft.com/office/officeart/2005/8/layout/vList2"/>
+  </dgm:cxnLst>
+  <dgm:bg/>
+  <dgm:whole/>
+  <dgm:extLst>
+    <a:ext uri="http://schemas.microsoft.com/office/drawing/2008/diagram">
+      <dsp:dataModelExt xmlns:dsp="http://schemas.microsoft.com/office/drawing/2008/diagram" relId="rId7" minVer="http://schemas.openxmlformats.org/drawingml/2006/diagram"/>
+    </a:ext>
+  </dgm:extLst>
+</dgm:dataModel>
+</file>
+
+<file path=ppt/diagrams/data6.xml><?xml version="1.0" encoding="utf-8"?>
+<dgm:dataModel xmlns:dgm="http://schemas.openxmlformats.org/drawingml/2006/diagram" xmlns:a="http://schemas.openxmlformats.org/drawingml/2006/main">
+  <dgm:ptLst>
+    <dgm:pt modelId="{5CB4C76A-60E7-429A-977E-B49AF22E16E5}" type="doc">
+      <dgm:prSet loTypeId="urn:microsoft.com/office/officeart/2005/8/layout/vList5" loCatId="list" qsTypeId="urn:microsoft.com/office/officeart/2005/8/quickstyle/simple4" qsCatId="simple" csTypeId="urn:microsoft.com/office/officeart/2005/8/colors/colorful2" csCatId="colorful" phldr="1"/>
+      <dgm:spPr/>
+      <dgm:t>
+        <a:bodyPr/>
+        <a:lstStyle/>
+        <a:p>
+          <a:endParaRPr lang="en-US"/>
+        </a:p>
+      </dgm:t>
+    </dgm:pt>
+    <dgm:pt modelId="{BC5EDEED-2CA0-4405-B7B7-F7B41375B28A}">
+      <dgm:prSet/>
+      <dgm:spPr/>
+      <dgm:t>
+        <a:bodyPr/>
+        <a:lstStyle/>
+        <a:p>
+          <a:r>
+            <a:rPr lang="en-US" b="0" i="0" dirty="0"/>
+            <a:t>Deployed as a real-time API for fraud detection, it can accommodate two strategies:</a:t>
+          </a:r>
+          <a:endParaRPr lang="en-US" dirty="0"/>
+        </a:p>
+      </dgm:t>
+    </dgm:pt>
+    <dgm:pt modelId="{4FAC72F0-B150-42C5-A0FE-B173A76E7FDB}" type="parTrans" cxnId="{DC4C9D4C-940D-4437-BD51-F5E3EF4C15DB}">
+      <dgm:prSet/>
+      <dgm:spPr/>
+      <dgm:t>
+        <a:bodyPr/>
+        <a:lstStyle/>
+        <a:p>
+          <a:endParaRPr lang="en-US"/>
+        </a:p>
+      </dgm:t>
+    </dgm:pt>
+    <dgm:pt modelId="{9A1011C1-FF11-49E7-B00A-45991E10F528}" type="sibTrans" cxnId="{DC4C9D4C-940D-4437-BD51-F5E3EF4C15DB}">
+      <dgm:prSet/>
+      <dgm:spPr/>
+      <dgm:t>
+        <a:bodyPr/>
+        <a:lstStyle/>
+        <a:p>
+          <a:endParaRPr lang="en-US"/>
+        </a:p>
+      </dgm:t>
+    </dgm:pt>
+    <dgm:pt modelId="{FF8A964A-C41E-4ECE-BED7-99D14E998006}">
+      <dgm:prSet/>
+      <dgm:spPr/>
+      <dgm:t>
+        <a:bodyPr/>
+        <a:lstStyle/>
+        <a:p>
+          <a:r>
+            <a:rPr lang="en-US" b="0" i="0" dirty="0"/>
+            <a:t>Tailored for in-person transactions, focusing on reducing false positives (FP), minimizing interruptions, and prioritizing accuracy.</a:t>
+          </a:r>
+          <a:endParaRPr lang="en-US" dirty="0"/>
+        </a:p>
+      </dgm:t>
+    </dgm:pt>
+    <dgm:pt modelId="{84F14FE8-FFC0-453E-B7C8-9E7C739BCFF5}" type="parTrans" cxnId="{5074E105-EC8F-4901-9974-FFAE65AEA6E0}">
+      <dgm:prSet/>
+      <dgm:spPr/>
+      <dgm:t>
+        <a:bodyPr/>
+        <a:lstStyle/>
+        <a:p>
+          <a:endParaRPr lang="en-US"/>
+        </a:p>
+      </dgm:t>
+    </dgm:pt>
+    <dgm:pt modelId="{88352455-3A53-492F-93A2-FD3D895A6A2E}" type="sibTrans" cxnId="{5074E105-EC8F-4901-9974-FFAE65AEA6E0}">
+      <dgm:prSet/>
+      <dgm:spPr/>
+      <dgm:t>
+        <a:bodyPr/>
+        <a:lstStyle/>
+        <a:p>
+          <a:endParaRPr lang="en-US"/>
+        </a:p>
+      </dgm:t>
+    </dgm:pt>
+    <dgm:pt modelId="{FA633E2A-D92E-4029-B80A-1981B581E19F}">
+      <dgm:prSet/>
+      <dgm:spPr/>
+      <dgm:t>
+        <a:bodyPr/>
+        <a:lstStyle/>
+        <a:p>
+          <a:r>
+            <a:rPr lang="en-US" b="0" i="0"/>
+            <a:t>Tailored for online transactions, aiming to lower false negatives (FN) while emphasizing recall.</a:t>
+          </a:r>
+          <a:endParaRPr lang="en-US"/>
+        </a:p>
+      </dgm:t>
+    </dgm:pt>
+    <dgm:pt modelId="{341169B4-08EB-49BB-A745-B3462BE21C92}" type="parTrans" cxnId="{5C9BF7F3-75C4-45B8-8F72-CDA827DCDF40}">
+      <dgm:prSet/>
+      <dgm:spPr/>
+      <dgm:t>
+        <a:bodyPr/>
+        <a:lstStyle/>
+        <a:p>
+          <a:endParaRPr lang="en-US"/>
+        </a:p>
+      </dgm:t>
+    </dgm:pt>
+    <dgm:pt modelId="{641AA462-CFEF-4B0D-A0A8-6135FF2788A9}" type="sibTrans" cxnId="{5C9BF7F3-75C4-45B8-8F72-CDA827DCDF40}">
+      <dgm:prSet/>
+      <dgm:spPr/>
+      <dgm:t>
+        <a:bodyPr/>
+        <a:lstStyle/>
+        <a:p>
+          <a:endParaRPr lang="en-US"/>
+        </a:p>
+      </dgm:t>
+    </dgm:pt>
+    <dgm:pt modelId="{EA5B7348-D2E9-4B0B-AC3B-99BD1D30C406}">
+      <dgm:prSet/>
+      <dgm:spPr/>
+      <dgm:t>
+        <a:bodyPr/>
+        <a:lstStyle/>
+        <a:p>
+          <a:r>
+            <a:rPr lang="en-US" b="0" i="0"/>
+            <a:t>Key Takeaways:</a:t>
+          </a:r>
+          <a:endParaRPr lang="en-US"/>
+        </a:p>
+      </dgm:t>
+    </dgm:pt>
+    <dgm:pt modelId="{71CA3074-1FE0-40B9-8289-BE3F74C9B736}" type="parTrans" cxnId="{40513E5D-F6B1-484C-8344-88CF5126F8E8}">
+      <dgm:prSet/>
+      <dgm:spPr/>
+      <dgm:t>
+        <a:bodyPr/>
+        <a:lstStyle/>
+        <a:p>
+          <a:endParaRPr lang="en-US"/>
+        </a:p>
+      </dgm:t>
+    </dgm:pt>
+    <dgm:pt modelId="{DD13C663-7D4F-4947-8C3C-820D24140636}" type="sibTrans" cxnId="{40513E5D-F6B1-484C-8344-88CF5126F8E8}">
+      <dgm:prSet/>
+      <dgm:spPr/>
+      <dgm:t>
+        <a:bodyPr/>
+        <a:lstStyle/>
+        <a:p>
+          <a:endParaRPr lang="en-US"/>
+        </a:p>
+      </dgm:t>
+    </dgm:pt>
+    <dgm:pt modelId="{70CEB1BD-6048-453B-B8DB-A0521BB9A3EC}">
+      <dgm:prSet/>
+      <dgm:spPr/>
+      <dgm:t>
+        <a:bodyPr/>
+        <a:lstStyle/>
+        <a:p>
+          <a:r>
+            <a:rPr lang="en-US" b="0" i="0"/>
+            <a:t>Importance of class balancing</a:t>
+          </a:r>
+          <a:endParaRPr lang="en-US"/>
+        </a:p>
+      </dgm:t>
+    </dgm:pt>
+    <dgm:pt modelId="{9125835B-E3D2-4EDA-99EC-A62BD436F6FD}" type="parTrans" cxnId="{5ADBB404-BABD-4CB3-B773-C35BC1D36231}">
+      <dgm:prSet/>
+      <dgm:spPr/>
+      <dgm:t>
+        <a:bodyPr/>
+        <a:lstStyle/>
+        <a:p>
+          <a:endParaRPr lang="en-US"/>
+        </a:p>
+      </dgm:t>
+    </dgm:pt>
+    <dgm:pt modelId="{42C261AC-8FBC-4DE0-8B57-782EFEFFD263}" type="sibTrans" cxnId="{5ADBB404-BABD-4CB3-B773-C35BC1D36231}">
+      <dgm:prSet/>
+      <dgm:spPr/>
+      <dgm:t>
+        <a:bodyPr/>
+        <a:lstStyle/>
+        <a:p>
+          <a:endParaRPr lang="en-US"/>
+        </a:p>
+      </dgm:t>
+    </dgm:pt>
+    <dgm:pt modelId="{78AA5D70-CEBE-4BFF-9D7E-32868B6443C6}">
+      <dgm:prSet/>
+      <dgm:spPr/>
+      <dgm:t>
+        <a:bodyPr/>
+        <a:lstStyle/>
+        <a:p>
+          <a:r>
+            <a:rPr lang="en-US" b="0" i="0"/>
+            <a:t>Impact of spatial and temporal factors</a:t>
+          </a:r>
+          <a:endParaRPr lang="en-US"/>
+        </a:p>
+      </dgm:t>
+    </dgm:pt>
+    <dgm:pt modelId="{8495AF9D-8D13-42F3-A4F1-787CA492D7ED}" type="parTrans" cxnId="{6DD4B8E6-B7D3-4B75-860C-73C3FC372892}">
+      <dgm:prSet/>
+      <dgm:spPr/>
+      <dgm:t>
+        <a:bodyPr/>
+        <a:lstStyle/>
+        <a:p>
+          <a:endParaRPr lang="en-US"/>
+        </a:p>
+      </dgm:t>
+    </dgm:pt>
+    <dgm:pt modelId="{948CEF15-C106-4608-8143-6E99959E151A}" type="sibTrans" cxnId="{6DD4B8E6-B7D3-4B75-860C-73C3FC372892}">
+      <dgm:prSet/>
+      <dgm:spPr/>
+      <dgm:t>
+        <a:bodyPr/>
+        <a:lstStyle/>
+        <a:p>
+          <a:endParaRPr lang="en-US"/>
+        </a:p>
+      </dgm:t>
+    </dgm:pt>
+    <dgm:pt modelId="{1CFADE87-9BD7-467D-99B8-17A7CC92B6B4}">
+      <dgm:prSet/>
+      <dgm:spPr/>
+      <dgm:t>
+        <a:bodyPr/>
+        <a:lstStyle/>
+        <a:p>
+          <a:r>
+            <a:rPr lang="en-US" b="0" i="0"/>
+            <a:t>The application of ensemble models and resampling techniques enhances performance.</a:t>
+          </a:r>
+          <a:endParaRPr lang="en-US"/>
+        </a:p>
+      </dgm:t>
+    </dgm:pt>
+    <dgm:pt modelId="{9136B886-3F12-41D7-9BB5-60595F67ED06}" type="parTrans" cxnId="{0173AB2E-146B-41BE-BC07-D92FD5E1DD4F}">
+      <dgm:prSet/>
+      <dgm:spPr/>
+      <dgm:t>
+        <a:bodyPr/>
+        <a:lstStyle/>
+        <a:p>
+          <a:endParaRPr lang="en-US"/>
+        </a:p>
+      </dgm:t>
+    </dgm:pt>
+    <dgm:pt modelId="{0BD1155C-9CEF-4703-8962-D040021B1266}" type="sibTrans" cxnId="{0173AB2E-146B-41BE-BC07-D92FD5E1DD4F}">
+      <dgm:prSet/>
+      <dgm:spPr/>
+      <dgm:t>
+        <a:bodyPr/>
+        <a:lstStyle/>
+        <a:p>
+          <a:endParaRPr lang="en-US"/>
+        </a:p>
+      </dgm:t>
+    </dgm:pt>
+    <dgm:pt modelId="{F010357F-B74E-42F2-9E54-2078F0C6C497}" type="pres">
+      <dgm:prSet presAssocID="{5CB4C76A-60E7-429A-977E-B49AF22E16E5}" presName="Name0" presStyleCnt="0">
+        <dgm:presLayoutVars>
+          <dgm:dir/>
+          <dgm:animLvl val="lvl"/>
+          <dgm:resizeHandles val="exact"/>
+        </dgm:presLayoutVars>
+      </dgm:prSet>
+      <dgm:spPr/>
+    </dgm:pt>
+    <dgm:pt modelId="{94E01250-B059-4DC5-AC2A-C4849FD3744C}" type="pres">
+      <dgm:prSet presAssocID="{BC5EDEED-2CA0-4405-B7B7-F7B41375B28A}" presName="linNode" presStyleCnt="0"/>
+      <dgm:spPr/>
+    </dgm:pt>
+    <dgm:pt modelId="{50EC034C-9400-42B7-9287-380895CC79CE}" type="pres">
+      <dgm:prSet presAssocID="{BC5EDEED-2CA0-4405-B7B7-F7B41375B28A}" presName="parentText" presStyleLbl="node1" presStyleIdx="0" presStyleCnt="2">
+        <dgm:presLayoutVars>
+          <dgm:chMax val="1"/>
+          <dgm:bulletEnabled val="1"/>
+        </dgm:presLayoutVars>
+      </dgm:prSet>
+      <dgm:spPr/>
+    </dgm:pt>
+    <dgm:pt modelId="{0E4C95D5-4ED1-4547-9967-47B45265B181}" type="pres">
+      <dgm:prSet presAssocID="{BC5EDEED-2CA0-4405-B7B7-F7B41375B28A}" presName="descendantText" presStyleLbl="alignAccFollowNode1" presStyleIdx="0" presStyleCnt="2">
+        <dgm:presLayoutVars>
+          <dgm:bulletEnabled val="1"/>
+        </dgm:presLayoutVars>
+      </dgm:prSet>
+      <dgm:spPr/>
+    </dgm:pt>
+    <dgm:pt modelId="{8E521EB3-3AD1-4DE1-BF18-F3FF9B50B70F}" type="pres">
+      <dgm:prSet presAssocID="{9A1011C1-FF11-49E7-B00A-45991E10F528}" presName="sp" presStyleCnt="0"/>
+      <dgm:spPr/>
+    </dgm:pt>
+    <dgm:pt modelId="{715DD4FE-7F65-4AED-8805-0984907425C0}" type="pres">
+      <dgm:prSet presAssocID="{EA5B7348-D2E9-4B0B-AC3B-99BD1D30C406}" presName="linNode" presStyleCnt="0"/>
+      <dgm:spPr/>
+    </dgm:pt>
+    <dgm:pt modelId="{C0BCDD3D-81E4-4284-BE67-D2AB9A49A675}" type="pres">
+      <dgm:prSet presAssocID="{EA5B7348-D2E9-4B0B-AC3B-99BD1D30C406}" presName="parentText" presStyleLbl="node1" presStyleIdx="1" presStyleCnt="2">
+        <dgm:presLayoutVars>
+          <dgm:chMax val="1"/>
+          <dgm:bulletEnabled val="1"/>
+        </dgm:presLayoutVars>
+      </dgm:prSet>
+      <dgm:spPr/>
+    </dgm:pt>
+    <dgm:pt modelId="{C16464E3-0C71-4BA5-8B25-FC83DA2654D6}" type="pres">
+      <dgm:prSet presAssocID="{EA5B7348-D2E9-4B0B-AC3B-99BD1D30C406}" presName="descendantText" presStyleLbl="alignAccFollowNode1" presStyleIdx="1" presStyleCnt="2">
+        <dgm:presLayoutVars>
+          <dgm:bulletEnabled val="1"/>
+        </dgm:presLayoutVars>
+      </dgm:prSet>
+      <dgm:spPr/>
+    </dgm:pt>
+  </dgm:ptLst>
+  <dgm:cxnLst>
+    <dgm:cxn modelId="{5ADBB404-BABD-4CB3-B773-C35BC1D36231}" srcId="{EA5B7348-D2E9-4B0B-AC3B-99BD1D30C406}" destId="{70CEB1BD-6048-453B-B8DB-A0521BB9A3EC}" srcOrd="0" destOrd="0" parTransId="{9125835B-E3D2-4EDA-99EC-A62BD436F6FD}" sibTransId="{42C261AC-8FBC-4DE0-8B57-782EFEFFD263}"/>
+    <dgm:cxn modelId="{5074E105-EC8F-4901-9974-FFAE65AEA6E0}" srcId="{BC5EDEED-2CA0-4405-B7B7-F7B41375B28A}" destId="{FF8A964A-C41E-4ECE-BED7-99D14E998006}" srcOrd="0" destOrd="0" parTransId="{84F14FE8-FFC0-453E-B7C8-9E7C739BCFF5}" sibTransId="{88352455-3A53-492F-93A2-FD3D895A6A2E}"/>
+    <dgm:cxn modelId="{F61E1418-1364-491F-BF84-023159DB7B20}" type="presOf" srcId="{78AA5D70-CEBE-4BFF-9D7E-32868B6443C6}" destId="{C16464E3-0C71-4BA5-8B25-FC83DA2654D6}" srcOrd="0" destOrd="1" presId="urn:microsoft.com/office/officeart/2005/8/layout/vList5"/>
+    <dgm:cxn modelId="{0173AB2E-146B-41BE-BC07-D92FD5E1DD4F}" srcId="{EA5B7348-D2E9-4B0B-AC3B-99BD1D30C406}" destId="{1CFADE87-9BD7-467D-99B8-17A7CC92B6B4}" srcOrd="2" destOrd="0" parTransId="{9136B886-3F12-41D7-9BB5-60595F67ED06}" sibTransId="{0BD1155C-9CEF-4703-8962-D040021B1266}"/>
+    <dgm:cxn modelId="{9C9B0838-98F4-4136-99AE-8CF953BBB1BE}" type="presOf" srcId="{BC5EDEED-2CA0-4405-B7B7-F7B41375B28A}" destId="{50EC034C-9400-42B7-9287-380895CC79CE}" srcOrd="0" destOrd="0" presId="urn:microsoft.com/office/officeart/2005/8/layout/vList5"/>
+    <dgm:cxn modelId="{346EDE5B-CD26-4A91-841A-3CEA04B928E4}" type="presOf" srcId="{1CFADE87-9BD7-467D-99B8-17A7CC92B6B4}" destId="{C16464E3-0C71-4BA5-8B25-FC83DA2654D6}" srcOrd="0" destOrd="2" presId="urn:microsoft.com/office/officeart/2005/8/layout/vList5"/>
+    <dgm:cxn modelId="{40513E5D-F6B1-484C-8344-88CF5126F8E8}" srcId="{5CB4C76A-60E7-429A-977E-B49AF22E16E5}" destId="{EA5B7348-D2E9-4B0B-AC3B-99BD1D30C406}" srcOrd="1" destOrd="0" parTransId="{71CA3074-1FE0-40B9-8289-BE3F74C9B736}" sibTransId="{DD13C663-7D4F-4947-8C3C-820D24140636}"/>
+    <dgm:cxn modelId="{DC4C9D4C-940D-4437-BD51-F5E3EF4C15DB}" srcId="{5CB4C76A-60E7-429A-977E-B49AF22E16E5}" destId="{BC5EDEED-2CA0-4405-B7B7-F7B41375B28A}" srcOrd="0" destOrd="0" parTransId="{4FAC72F0-B150-42C5-A0FE-B173A76E7FDB}" sibTransId="{9A1011C1-FF11-49E7-B00A-45991E10F528}"/>
+    <dgm:cxn modelId="{10F8528F-9B0E-4E45-A64F-42A64403CA8E}" type="presOf" srcId="{70CEB1BD-6048-453B-B8DB-A0521BB9A3EC}" destId="{C16464E3-0C71-4BA5-8B25-FC83DA2654D6}" srcOrd="0" destOrd="0" presId="urn:microsoft.com/office/officeart/2005/8/layout/vList5"/>
+    <dgm:cxn modelId="{8A16A6B1-662C-4DB2-85CB-4B4E9395B7E9}" type="presOf" srcId="{EA5B7348-D2E9-4B0B-AC3B-99BD1D30C406}" destId="{C0BCDD3D-81E4-4284-BE67-D2AB9A49A675}" srcOrd="0" destOrd="0" presId="urn:microsoft.com/office/officeart/2005/8/layout/vList5"/>
+    <dgm:cxn modelId="{AAD90BB2-62C8-473E-9223-8024E19F848D}" type="presOf" srcId="{5CB4C76A-60E7-429A-977E-B49AF22E16E5}" destId="{F010357F-B74E-42F2-9E54-2078F0C6C497}" srcOrd="0" destOrd="0" presId="urn:microsoft.com/office/officeart/2005/8/layout/vList5"/>
+    <dgm:cxn modelId="{0E8548DE-0B44-4E3A-81E6-456C472C13EA}" type="presOf" srcId="{FF8A964A-C41E-4ECE-BED7-99D14E998006}" destId="{0E4C95D5-4ED1-4547-9967-47B45265B181}" srcOrd="0" destOrd="0" presId="urn:microsoft.com/office/officeart/2005/8/layout/vList5"/>
+    <dgm:cxn modelId="{6DD4B8E6-B7D3-4B75-860C-73C3FC372892}" srcId="{EA5B7348-D2E9-4B0B-AC3B-99BD1D30C406}" destId="{78AA5D70-CEBE-4BFF-9D7E-32868B6443C6}" srcOrd="1" destOrd="0" parTransId="{8495AF9D-8D13-42F3-A4F1-787CA492D7ED}" sibTransId="{948CEF15-C106-4608-8143-6E99959E151A}"/>
+    <dgm:cxn modelId="{91C020EA-B3F0-40EF-B8B0-59415C678504}" type="presOf" srcId="{FA633E2A-D92E-4029-B80A-1981B581E19F}" destId="{0E4C95D5-4ED1-4547-9967-47B45265B181}" srcOrd="0" destOrd="1" presId="urn:microsoft.com/office/officeart/2005/8/layout/vList5"/>
+    <dgm:cxn modelId="{5C9BF7F3-75C4-45B8-8F72-CDA827DCDF40}" srcId="{BC5EDEED-2CA0-4405-B7B7-F7B41375B28A}" destId="{FA633E2A-D92E-4029-B80A-1981B581E19F}" srcOrd="1" destOrd="0" parTransId="{341169B4-08EB-49BB-A745-B3462BE21C92}" sibTransId="{641AA462-CFEF-4B0D-A0A8-6135FF2788A9}"/>
+    <dgm:cxn modelId="{4C8C793A-3D55-4616-96A1-4D55F8ADE6E6}" type="presParOf" srcId="{F010357F-B74E-42F2-9E54-2078F0C6C497}" destId="{94E01250-B059-4DC5-AC2A-C4849FD3744C}" srcOrd="0" destOrd="0" presId="urn:microsoft.com/office/officeart/2005/8/layout/vList5"/>
+    <dgm:cxn modelId="{0018459F-87BF-4FEC-A767-7A744DB5A8D0}" type="presParOf" srcId="{94E01250-B059-4DC5-AC2A-C4849FD3744C}" destId="{50EC034C-9400-42B7-9287-380895CC79CE}" srcOrd="0" destOrd="0" presId="urn:microsoft.com/office/officeart/2005/8/layout/vList5"/>
+    <dgm:cxn modelId="{7FD28CE6-BACF-4971-B2EA-89DAE2E0F4FE}" type="presParOf" srcId="{94E01250-B059-4DC5-AC2A-C4849FD3744C}" destId="{0E4C95D5-4ED1-4547-9967-47B45265B181}" srcOrd="1" destOrd="0" presId="urn:microsoft.com/office/officeart/2005/8/layout/vList5"/>
+    <dgm:cxn modelId="{069F25DE-B057-4028-8830-DADE83E7118B}" type="presParOf" srcId="{F010357F-B74E-42F2-9E54-2078F0C6C497}" destId="{8E521EB3-3AD1-4DE1-BF18-F3FF9B50B70F}" srcOrd="1" destOrd="0" presId="urn:microsoft.com/office/officeart/2005/8/layout/vList5"/>
+    <dgm:cxn modelId="{90984F98-AC88-4E63-A4DC-3F3D192BB5F5}" type="presParOf" srcId="{F010357F-B74E-42F2-9E54-2078F0C6C497}" destId="{715DD4FE-7F65-4AED-8805-0984907425C0}" srcOrd="2" destOrd="0" presId="urn:microsoft.com/office/officeart/2005/8/layout/vList5"/>
+    <dgm:cxn modelId="{88B6E8B7-F585-46AF-B5FF-69538192E7D9}" type="presParOf" srcId="{715DD4FE-7F65-4AED-8805-0984907425C0}" destId="{C0BCDD3D-81E4-4284-BE67-D2AB9A49A675}" srcOrd="0" destOrd="0" presId="urn:microsoft.com/office/officeart/2005/8/layout/vList5"/>
+    <dgm:cxn modelId="{898B141A-2CA3-4B77-9BEF-ACE04DDA500A}" type="presParOf" srcId="{715DD4FE-7F65-4AED-8805-0984907425C0}" destId="{C16464E3-0C71-4BA5-8B25-FC83DA2654D6}" srcOrd="1" destOrd="0" presId="urn:microsoft.com/office/officeart/2005/8/layout/vList5"/>
   </dgm:cxnLst>
   <dgm:bg/>
   <dgm:whole/>
@@ -8962,10 +10116,18 @@
             <a:buNone/>
           </a:pPr>
           <a:r>
-            <a:rPr lang="en-US" sz="1900" b="0" i="0" kern="1200"/>
-            <a:t>Models evaluated: Linear Regression, Decision Tree, Random Forest, AdaBoost, Gradient Boosting Machine, Support Vector Machine, XGBoost.</a:t>
+            <a:rPr lang="en-US" sz="1900" b="0" i="0" kern="1200" dirty="0"/>
+            <a:t>Models evaluated: Linear Regression, Decision Tree, Random Forest, AdaBoost, Gradient Boosting Machine, Support Vector Machine, </a:t>
           </a:r>
-          <a:endParaRPr lang="en-US" sz="1900" kern="1200"/>
+          <a:r>
+            <a:rPr lang="en-US" sz="1900" b="0" i="0" kern="1200" dirty="0" err="1"/>
+            <a:t>XGBoost</a:t>
+          </a:r>
+          <a:r>
+            <a:rPr lang="en-US" sz="1900" b="0" i="0" kern="1200" dirty="0"/>
+            <a:t>.</a:t>
+          </a:r>
+          <a:endParaRPr lang="en-US" sz="1900" kern="1200" dirty="0"/>
         </a:p>
       </dsp:txBody>
       <dsp:txXfrm>
@@ -9127,6 +10289,421 @@
       <dsp:txXfrm>
         <a:off x="80303" y="3580876"/>
         <a:ext cx="4632850" cy="1484414"/>
+      </dsp:txXfrm>
+    </dsp:sp>
+  </dsp:spTree>
+</dsp:drawing>
+</file>
+
+<file path=ppt/diagrams/drawing6.xml><?xml version="1.0" encoding="utf-8"?>
+<dsp:drawing xmlns:dgm="http://schemas.openxmlformats.org/drawingml/2006/diagram" xmlns:dsp="http://schemas.microsoft.com/office/drawing/2008/diagram" xmlns:a="http://schemas.openxmlformats.org/drawingml/2006/main">
+  <dsp:spTree>
+    <dsp:nvGrpSpPr>
+      <dsp:cNvPr id="0" name=""/>
+      <dsp:cNvGrpSpPr/>
+    </dsp:nvGrpSpPr>
+    <dsp:grpSpPr/>
+    <dsp:sp modelId="{0E4C95D5-4ED1-4547-9967-47B45265B181}">
+      <dsp:nvSpPr>
+        <dsp:cNvPr id="0" name=""/>
+        <dsp:cNvSpPr/>
+      </dsp:nvSpPr>
+      <dsp:spPr>
+        <a:xfrm rot="5400000">
+          <a:off x="4068667" y="-1259692"/>
+          <a:ext cx="1680555" cy="4620183"/>
+        </a:xfrm>
+        <a:prstGeom prst="round2SameRect">
+          <a:avLst/>
+        </a:prstGeom>
+        <a:solidFill>
+          <a:schemeClr val="accent2">
+            <a:tint val="40000"/>
+            <a:alpha val="90000"/>
+            <a:hueOff val="0"/>
+            <a:satOff val="0"/>
+            <a:lumOff val="0"/>
+            <a:alphaOff val="0"/>
+          </a:schemeClr>
+        </a:solidFill>
+        <a:ln w="9525" cap="rnd" cmpd="sng" algn="ctr">
+          <a:solidFill>
+            <a:schemeClr val="accent2">
+              <a:tint val="40000"/>
+              <a:alpha val="90000"/>
+              <a:hueOff val="0"/>
+              <a:satOff val="0"/>
+              <a:lumOff val="0"/>
+              <a:alphaOff val="0"/>
+            </a:schemeClr>
+          </a:solidFill>
+          <a:prstDash val="solid"/>
+        </a:ln>
+        <a:effectLst/>
+      </dsp:spPr>
+      <dsp:style>
+        <a:lnRef idx="1">
+          <a:scrgbClr r="0" g="0" b="0"/>
+        </a:lnRef>
+        <a:fillRef idx="1">
+          <a:scrgbClr r="0" g="0" b="0"/>
+        </a:fillRef>
+        <a:effectRef idx="0">
+          <a:scrgbClr r="0" g="0" b="0"/>
+        </a:effectRef>
+        <a:fontRef idx="minor"/>
+      </dsp:style>
+      <dsp:txBody>
+        <a:bodyPr spcFirstLastPara="0" vert="horz" wrap="square" lIns="60960" tIns="30480" rIns="60960" bIns="30480" numCol="1" spcCol="1270" anchor="ctr" anchorCtr="0">
+          <a:noAutofit/>
+        </a:bodyPr>
+        <a:lstStyle/>
+        <a:p>
+          <a:pPr marL="171450" lvl="1" indent="-171450" algn="l" defTabSz="711200">
+            <a:lnSpc>
+              <a:spcPct val="90000"/>
+            </a:lnSpc>
+            <a:spcBef>
+              <a:spcPct val="0"/>
+            </a:spcBef>
+            <a:spcAft>
+              <a:spcPct val="15000"/>
+            </a:spcAft>
+            <a:buChar char="•"/>
+          </a:pPr>
+          <a:r>
+            <a:rPr lang="en-US" sz="1600" b="0" i="0" kern="1200" dirty="0"/>
+            <a:t>Tailored for in-person transactions, focusing on reducing false positives (FP), minimizing interruptions, and prioritizing accuracy.</a:t>
+          </a:r>
+          <a:endParaRPr lang="en-US" sz="1600" kern="1200" dirty="0"/>
+        </a:p>
+        <a:p>
+          <a:pPr marL="171450" lvl="1" indent="-171450" algn="l" defTabSz="711200">
+            <a:lnSpc>
+              <a:spcPct val="90000"/>
+            </a:lnSpc>
+            <a:spcBef>
+              <a:spcPct val="0"/>
+            </a:spcBef>
+            <a:spcAft>
+              <a:spcPct val="15000"/>
+            </a:spcAft>
+            <a:buChar char="•"/>
+          </a:pPr>
+          <a:r>
+            <a:rPr lang="en-US" sz="1600" b="0" i="0" kern="1200"/>
+            <a:t>Tailored for online transactions, aiming to lower false negatives (FN) while emphasizing recall.</a:t>
+          </a:r>
+          <a:endParaRPr lang="en-US" sz="1600" kern="1200"/>
+        </a:p>
+      </dsp:txBody>
+      <dsp:txXfrm rot="-5400000">
+        <a:off x="2598853" y="292160"/>
+        <a:ext cx="4538145" cy="1516479"/>
+      </dsp:txXfrm>
+    </dsp:sp>
+    <dsp:sp modelId="{50EC034C-9400-42B7-9287-380895CC79CE}">
+      <dsp:nvSpPr>
+        <dsp:cNvPr id="0" name=""/>
+        <dsp:cNvSpPr/>
+      </dsp:nvSpPr>
+      <dsp:spPr>
+        <a:xfrm>
+          <a:off x="0" y="52"/>
+          <a:ext cx="2598853" cy="2100694"/>
+        </a:xfrm>
+        <a:prstGeom prst="roundRect">
+          <a:avLst/>
+        </a:prstGeom>
+        <a:gradFill rotWithShape="0">
+          <a:gsLst>
+            <a:gs pos="0">
+              <a:schemeClr val="accent2">
+                <a:hueOff val="0"/>
+                <a:satOff val="0"/>
+                <a:lumOff val="0"/>
+                <a:alphaOff val="0"/>
+                <a:tint val="98000"/>
+                <a:lumMod val="114000"/>
+              </a:schemeClr>
+            </a:gs>
+            <a:gs pos="100000">
+              <a:schemeClr val="accent2">
+                <a:hueOff val="0"/>
+                <a:satOff val="0"/>
+                <a:lumOff val="0"/>
+                <a:alphaOff val="0"/>
+                <a:shade val="90000"/>
+                <a:lumMod val="84000"/>
+              </a:schemeClr>
+            </a:gs>
+          </a:gsLst>
+          <a:lin ang="5400000" scaled="0"/>
+        </a:gradFill>
+        <a:ln>
+          <a:noFill/>
+        </a:ln>
+        <a:effectLst>
+          <a:outerShdw blurRad="38100" dist="25400" dir="5400000" rotWithShape="0">
+            <a:srgbClr val="000000">
+              <a:alpha val="45000"/>
+            </a:srgbClr>
+          </a:outerShdw>
+        </a:effectLst>
+      </dsp:spPr>
+      <dsp:style>
+        <a:lnRef idx="0">
+          <a:scrgbClr r="0" g="0" b="0"/>
+        </a:lnRef>
+        <a:fillRef idx="3">
+          <a:scrgbClr r="0" g="0" b="0"/>
+        </a:fillRef>
+        <a:effectRef idx="2">
+          <a:scrgbClr r="0" g="0" b="0"/>
+        </a:effectRef>
+        <a:fontRef idx="minor">
+          <a:schemeClr val="lt1"/>
+        </a:fontRef>
+      </dsp:style>
+      <dsp:txBody>
+        <a:bodyPr spcFirstLastPara="0" vert="horz" wrap="square" lIns="80010" tIns="40005" rIns="80010" bIns="40005" numCol="1" spcCol="1270" anchor="ctr" anchorCtr="0">
+          <a:noAutofit/>
+        </a:bodyPr>
+        <a:lstStyle/>
+        <a:p>
+          <a:pPr marL="0" lvl="0" indent="0" algn="ctr" defTabSz="933450">
+            <a:lnSpc>
+              <a:spcPct val="90000"/>
+            </a:lnSpc>
+            <a:spcBef>
+              <a:spcPct val="0"/>
+            </a:spcBef>
+            <a:spcAft>
+              <a:spcPct val="35000"/>
+            </a:spcAft>
+            <a:buNone/>
+          </a:pPr>
+          <a:r>
+            <a:rPr lang="en-US" sz="2100" b="0" i="0" kern="1200" dirty="0"/>
+            <a:t>Deployed as a real-time API for fraud detection, it can accommodate two strategies:</a:t>
+          </a:r>
+          <a:endParaRPr lang="en-US" sz="2100" kern="1200" dirty="0"/>
+        </a:p>
+      </dsp:txBody>
+      <dsp:txXfrm>
+        <a:off x="102547" y="102599"/>
+        <a:ext cx="2393759" cy="1895600"/>
+      </dsp:txXfrm>
+    </dsp:sp>
+    <dsp:sp modelId="{C16464E3-0C71-4BA5-8B25-FC83DA2654D6}">
+      <dsp:nvSpPr>
+        <dsp:cNvPr id="0" name=""/>
+        <dsp:cNvSpPr/>
+      </dsp:nvSpPr>
+      <dsp:spPr>
+        <a:xfrm rot="5400000">
+          <a:off x="4068667" y="946036"/>
+          <a:ext cx="1680555" cy="4620183"/>
+        </a:xfrm>
+        <a:prstGeom prst="round2SameRect">
+          <a:avLst/>
+        </a:prstGeom>
+        <a:solidFill>
+          <a:schemeClr val="accent2">
+            <a:tint val="40000"/>
+            <a:alpha val="90000"/>
+            <a:hueOff val="-20604185"/>
+            <a:satOff val="1061"/>
+            <a:lumOff val="55"/>
+            <a:alphaOff val="0"/>
+          </a:schemeClr>
+        </a:solidFill>
+        <a:ln w="9525" cap="rnd" cmpd="sng" algn="ctr">
+          <a:solidFill>
+            <a:schemeClr val="accent2">
+              <a:tint val="40000"/>
+              <a:alpha val="90000"/>
+              <a:hueOff val="-20604185"/>
+              <a:satOff val="1061"/>
+              <a:lumOff val="55"/>
+              <a:alphaOff val="0"/>
+            </a:schemeClr>
+          </a:solidFill>
+          <a:prstDash val="solid"/>
+        </a:ln>
+        <a:effectLst/>
+      </dsp:spPr>
+      <dsp:style>
+        <a:lnRef idx="1">
+          <a:scrgbClr r="0" g="0" b="0"/>
+        </a:lnRef>
+        <a:fillRef idx="1">
+          <a:scrgbClr r="0" g="0" b="0"/>
+        </a:fillRef>
+        <a:effectRef idx="0">
+          <a:scrgbClr r="0" g="0" b="0"/>
+        </a:effectRef>
+        <a:fontRef idx="minor"/>
+      </dsp:style>
+      <dsp:txBody>
+        <a:bodyPr spcFirstLastPara="0" vert="horz" wrap="square" lIns="60960" tIns="30480" rIns="60960" bIns="30480" numCol="1" spcCol="1270" anchor="ctr" anchorCtr="0">
+          <a:noAutofit/>
+        </a:bodyPr>
+        <a:lstStyle/>
+        <a:p>
+          <a:pPr marL="171450" lvl="1" indent="-171450" algn="l" defTabSz="711200">
+            <a:lnSpc>
+              <a:spcPct val="90000"/>
+            </a:lnSpc>
+            <a:spcBef>
+              <a:spcPct val="0"/>
+            </a:spcBef>
+            <a:spcAft>
+              <a:spcPct val="15000"/>
+            </a:spcAft>
+            <a:buChar char="•"/>
+          </a:pPr>
+          <a:r>
+            <a:rPr lang="en-US" sz="1600" b="0" i="0" kern="1200"/>
+            <a:t>Importance of class balancing</a:t>
+          </a:r>
+          <a:endParaRPr lang="en-US" sz="1600" kern="1200"/>
+        </a:p>
+        <a:p>
+          <a:pPr marL="171450" lvl="1" indent="-171450" algn="l" defTabSz="711200">
+            <a:lnSpc>
+              <a:spcPct val="90000"/>
+            </a:lnSpc>
+            <a:spcBef>
+              <a:spcPct val="0"/>
+            </a:spcBef>
+            <a:spcAft>
+              <a:spcPct val="15000"/>
+            </a:spcAft>
+            <a:buChar char="•"/>
+          </a:pPr>
+          <a:r>
+            <a:rPr lang="en-US" sz="1600" b="0" i="0" kern="1200"/>
+            <a:t>Impact of spatial and temporal factors</a:t>
+          </a:r>
+          <a:endParaRPr lang="en-US" sz="1600" kern="1200"/>
+        </a:p>
+        <a:p>
+          <a:pPr marL="171450" lvl="1" indent="-171450" algn="l" defTabSz="711200">
+            <a:lnSpc>
+              <a:spcPct val="90000"/>
+            </a:lnSpc>
+            <a:spcBef>
+              <a:spcPct val="0"/>
+            </a:spcBef>
+            <a:spcAft>
+              <a:spcPct val="15000"/>
+            </a:spcAft>
+            <a:buChar char="•"/>
+          </a:pPr>
+          <a:r>
+            <a:rPr lang="en-US" sz="1600" b="0" i="0" kern="1200"/>
+            <a:t>The application of ensemble models and resampling techniques enhances performance.</a:t>
+          </a:r>
+          <a:endParaRPr lang="en-US" sz="1600" kern="1200"/>
+        </a:p>
+      </dsp:txBody>
+      <dsp:txXfrm rot="-5400000">
+        <a:off x="2598853" y="2497888"/>
+        <a:ext cx="4538145" cy="1516479"/>
+      </dsp:txXfrm>
+    </dsp:sp>
+    <dsp:sp modelId="{C0BCDD3D-81E4-4284-BE67-D2AB9A49A675}">
+      <dsp:nvSpPr>
+        <dsp:cNvPr id="0" name=""/>
+        <dsp:cNvSpPr/>
+      </dsp:nvSpPr>
+      <dsp:spPr>
+        <a:xfrm>
+          <a:off x="0" y="2205781"/>
+          <a:ext cx="2598853" cy="2100694"/>
+        </a:xfrm>
+        <a:prstGeom prst="roundRect">
+          <a:avLst/>
+        </a:prstGeom>
+        <a:gradFill rotWithShape="0">
+          <a:gsLst>
+            <a:gs pos="0">
+              <a:schemeClr val="accent2">
+                <a:hueOff val="-19765721"/>
+                <a:satOff val="901"/>
+                <a:lumOff val="0"/>
+                <a:alphaOff val="0"/>
+                <a:tint val="98000"/>
+                <a:lumMod val="114000"/>
+              </a:schemeClr>
+            </a:gs>
+            <a:gs pos="100000">
+              <a:schemeClr val="accent2">
+                <a:hueOff val="-19765721"/>
+                <a:satOff val="901"/>
+                <a:lumOff val="0"/>
+                <a:alphaOff val="0"/>
+                <a:shade val="90000"/>
+                <a:lumMod val="84000"/>
+              </a:schemeClr>
+            </a:gs>
+          </a:gsLst>
+          <a:lin ang="5400000" scaled="0"/>
+        </a:gradFill>
+        <a:ln>
+          <a:noFill/>
+        </a:ln>
+        <a:effectLst>
+          <a:outerShdw blurRad="38100" dist="25400" dir="5400000" rotWithShape="0">
+            <a:srgbClr val="000000">
+              <a:alpha val="45000"/>
+            </a:srgbClr>
+          </a:outerShdw>
+        </a:effectLst>
+      </dsp:spPr>
+      <dsp:style>
+        <a:lnRef idx="0">
+          <a:scrgbClr r="0" g="0" b="0"/>
+        </a:lnRef>
+        <a:fillRef idx="3">
+          <a:scrgbClr r="0" g="0" b="0"/>
+        </a:fillRef>
+        <a:effectRef idx="2">
+          <a:scrgbClr r="0" g="0" b="0"/>
+        </a:effectRef>
+        <a:fontRef idx="minor">
+          <a:schemeClr val="lt1"/>
+        </a:fontRef>
+      </dsp:style>
+      <dsp:txBody>
+        <a:bodyPr spcFirstLastPara="0" vert="horz" wrap="square" lIns="80010" tIns="40005" rIns="80010" bIns="40005" numCol="1" spcCol="1270" anchor="ctr" anchorCtr="0">
+          <a:noAutofit/>
+        </a:bodyPr>
+        <a:lstStyle/>
+        <a:p>
+          <a:pPr marL="0" lvl="0" indent="0" algn="ctr" defTabSz="933450">
+            <a:lnSpc>
+              <a:spcPct val="90000"/>
+            </a:lnSpc>
+            <a:spcBef>
+              <a:spcPct val="0"/>
+            </a:spcBef>
+            <a:spcAft>
+              <a:spcPct val="35000"/>
+            </a:spcAft>
+            <a:buNone/>
+          </a:pPr>
+          <a:r>
+            <a:rPr lang="en-US" sz="2100" b="0" i="0" kern="1200"/>
+            <a:t>Key Takeaways:</a:t>
+          </a:r>
+          <a:endParaRPr lang="en-US" sz="2100" kern="1200"/>
+        </a:p>
+      </dsp:txBody>
+      <dsp:txXfrm>
+        <a:off x="102547" y="2308328"/>
+        <a:ext cx="2393759" cy="1895600"/>
       </dsp:txXfrm>
     </dsp:sp>
   </dsp:spTree>
@@ -11257,6 +12834,239 @@
 </dgm:layoutDef>
 </file>
 
+<file path=ppt/diagrams/layout6.xml><?xml version="1.0" encoding="utf-8"?>
+<dgm:layoutDef xmlns:dgm="http://schemas.openxmlformats.org/drawingml/2006/diagram" xmlns:a="http://schemas.openxmlformats.org/drawingml/2006/main" uniqueId="urn:microsoft.com/office/officeart/2005/8/layout/vList5">
+  <dgm:title val=""/>
+  <dgm:desc val=""/>
+  <dgm:catLst>
+    <dgm:cat type="list" pri="15000"/>
+    <dgm:cat type="convert" pri="2000"/>
+  </dgm:catLst>
+  <dgm:sampData>
+    <dgm:dataModel>
+      <dgm:ptLst>
+        <dgm:pt modelId="0" type="doc"/>
+        <dgm:pt modelId="1">
+          <dgm:prSet phldr="1"/>
+        </dgm:pt>
+        <dgm:pt modelId="11">
+          <dgm:prSet phldr="1"/>
+        </dgm:pt>
+        <dgm:pt modelId="12">
+          <dgm:prSet phldr="1"/>
+        </dgm:pt>
+        <dgm:pt modelId="2">
+          <dgm:prSet phldr="1"/>
+        </dgm:pt>
+        <dgm:pt modelId="21">
+          <dgm:prSet phldr="1"/>
+        </dgm:pt>
+        <dgm:pt modelId="22">
+          <dgm:prSet phldr="1"/>
+        </dgm:pt>
+        <dgm:pt modelId="3">
+          <dgm:prSet phldr="1"/>
+        </dgm:pt>
+        <dgm:pt modelId="31">
+          <dgm:prSet phldr="1"/>
+        </dgm:pt>
+        <dgm:pt modelId="32">
+          <dgm:prSet phldr="1"/>
+        </dgm:pt>
+      </dgm:ptLst>
+      <dgm:cxnLst>
+        <dgm:cxn modelId="4" srcId="0" destId="1" srcOrd="0" destOrd="0"/>
+        <dgm:cxn modelId="5" srcId="0" destId="2" srcOrd="1" destOrd="0"/>
+        <dgm:cxn modelId="6" srcId="0" destId="3" srcOrd="2" destOrd="0"/>
+        <dgm:cxn modelId="13" srcId="1" destId="11" srcOrd="0" destOrd="0"/>
+        <dgm:cxn modelId="14" srcId="1" destId="12" srcOrd="1" destOrd="0"/>
+        <dgm:cxn modelId="23" srcId="2" destId="21" srcOrd="0" destOrd="0"/>
+        <dgm:cxn modelId="24" srcId="2" destId="22" srcOrd="1" destOrd="0"/>
+        <dgm:cxn modelId="33" srcId="3" destId="31" srcOrd="0" destOrd="0"/>
+        <dgm:cxn modelId="34" srcId="3" destId="32" srcOrd="1" destOrd="0"/>
+      </dgm:cxnLst>
+      <dgm:bg/>
+      <dgm:whole/>
+    </dgm:dataModel>
+  </dgm:sampData>
+  <dgm:styleData>
+    <dgm:dataModel>
+      <dgm:ptLst>
+        <dgm:pt modelId="0" type="doc"/>
+        <dgm:pt modelId="1"/>
+        <dgm:pt modelId="11"/>
+        <dgm:pt modelId="2"/>
+        <dgm:pt modelId="21"/>
+      </dgm:ptLst>
+      <dgm:cxnLst>
+        <dgm:cxn modelId="4" srcId="0" destId="1" srcOrd="0" destOrd="0"/>
+        <dgm:cxn modelId="5" srcId="0" destId="2" srcOrd="1" destOrd="0"/>
+        <dgm:cxn modelId="13" srcId="1" destId="11" srcOrd="0" destOrd="0"/>
+        <dgm:cxn modelId="23" srcId="2" destId="21" srcOrd="0" destOrd="0"/>
+      </dgm:cxnLst>
+      <dgm:bg/>
+      <dgm:whole/>
+    </dgm:dataModel>
+  </dgm:styleData>
+  <dgm:clrData>
+    <dgm:dataModel>
+      <dgm:ptLst>
+        <dgm:pt modelId="0" type="doc"/>
+        <dgm:pt modelId="1"/>
+        <dgm:pt modelId="11"/>
+        <dgm:pt modelId="2"/>
+        <dgm:pt modelId="21"/>
+        <dgm:pt modelId="3"/>
+        <dgm:pt modelId="31"/>
+        <dgm:pt modelId="4"/>
+        <dgm:pt modelId="41"/>
+      </dgm:ptLst>
+      <dgm:cxnLst>
+        <dgm:cxn modelId="5" srcId="0" destId="1" srcOrd="0" destOrd="0"/>
+        <dgm:cxn modelId="6" srcId="0" destId="2" srcOrd="1" destOrd="0"/>
+        <dgm:cxn modelId="7" srcId="0" destId="3" srcOrd="2" destOrd="0"/>
+        <dgm:cxn modelId="8" srcId="0" destId="4" srcOrd="3" destOrd="0"/>
+        <dgm:cxn modelId="13" srcId="1" destId="11" srcOrd="0" destOrd="0"/>
+        <dgm:cxn modelId="23" srcId="2" destId="21" srcOrd="0" destOrd="0"/>
+        <dgm:cxn modelId="33" srcId="3" destId="31" srcOrd="0" destOrd="0"/>
+        <dgm:cxn modelId="43" srcId="4" destId="41" srcOrd="0" destOrd="0"/>
+      </dgm:cxnLst>
+      <dgm:bg/>
+      <dgm:whole/>
+    </dgm:dataModel>
+  </dgm:clrData>
+  <dgm:layoutNode name="Name0">
+    <dgm:varLst>
+      <dgm:dir/>
+      <dgm:animLvl val="lvl"/>
+      <dgm:resizeHandles val="exact"/>
+    </dgm:varLst>
+    <dgm:choose name="Name1">
+      <dgm:if name="Name2" func="var" arg="dir" op="equ" val="norm">
+        <dgm:alg type="lin">
+          <dgm:param type="linDir" val="fromT"/>
+          <dgm:param type="nodeHorzAlign" val="l"/>
+        </dgm:alg>
+      </dgm:if>
+      <dgm:else name="Name3">
+        <dgm:alg type="lin">
+          <dgm:param type="linDir" val="fromT"/>
+          <dgm:param type="nodeHorzAlign" val="r"/>
+        </dgm:alg>
+      </dgm:else>
+    </dgm:choose>
+    <dgm:shape xmlns:r="http://schemas.openxmlformats.org/officeDocument/2006/relationships" r:blip="">
+      <dgm:adjLst/>
+    </dgm:shape>
+    <dgm:presOf/>
+    <dgm:constrLst>
+      <dgm:constr type="h" for="ch" forName="linNode" refType="h"/>
+      <dgm:constr type="w" for="ch" forName="linNode" refType="w"/>
+      <dgm:constr type="h" for="ch" forName="sp" refType="h" fact="0.05"/>
+      <dgm:constr type="primFontSz" for="des" forName="parentText" op="equ" val="65"/>
+      <dgm:constr type="secFontSz" for="des" forName="descendantText" op="equ"/>
+    </dgm:constrLst>
+    <dgm:ruleLst/>
+    <dgm:forEach name="Name4" axis="ch" ptType="node">
+      <dgm:layoutNode name="linNode">
+        <dgm:choose name="Name5">
+          <dgm:if name="Name6" func="var" arg="dir" op="equ" val="norm">
+            <dgm:alg type="lin">
+              <dgm:param type="linDir" val="fromL"/>
+            </dgm:alg>
+          </dgm:if>
+          <dgm:else name="Name7">
+            <dgm:alg type="lin">
+              <dgm:param type="linDir" val="fromR"/>
+            </dgm:alg>
+          </dgm:else>
+        </dgm:choose>
+        <dgm:shape xmlns:r="http://schemas.openxmlformats.org/officeDocument/2006/relationships" r:blip="">
+          <dgm:adjLst/>
+        </dgm:shape>
+        <dgm:presOf/>
+        <dgm:constrLst>
+          <dgm:constr type="w" for="ch" forName="parentText" refType="w" fact="0.36"/>
+          <dgm:constr type="w" for="ch" forName="descendantText" refType="w" fact="0.64"/>
+          <dgm:constr type="h" for="ch" forName="parentText" refType="h"/>
+          <dgm:constr type="h" for="ch" forName="descendantText" refType="h" refFor="ch" refForName="parentText" fact="0.8"/>
+        </dgm:constrLst>
+        <dgm:ruleLst/>
+        <dgm:layoutNode name="parentText">
+          <dgm:varLst>
+            <dgm:chMax val="1"/>
+            <dgm:bulletEnabled val="1"/>
+          </dgm:varLst>
+          <dgm:alg type="tx"/>
+          <dgm:shape xmlns:r="http://schemas.openxmlformats.org/officeDocument/2006/relationships" type="roundRect" r:blip="" zOrderOff="3">
+            <dgm:adjLst/>
+          </dgm:shape>
+          <dgm:presOf axis="self" ptType="node"/>
+          <dgm:constrLst>
+            <dgm:constr type="tMarg" refType="primFontSz" fact="0.15"/>
+            <dgm:constr type="bMarg" refType="primFontSz" fact="0.15"/>
+            <dgm:constr type="lMarg" refType="primFontSz" fact="0.3"/>
+            <dgm:constr type="rMarg" refType="primFontSz" fact="0.3"/>
+          </dgm:constrLst>
+          <dgm:ruleLst>
+            <dgm:rule type="primFontSz" val="5" fact="NaN" max="NaN"/>
+          </dgm:ruleLst>
+        </dgm:layoutNode>
+        <dgm:choose name="Name8">
+          <dgm:if name="Name9" axis="ch" ptType="node" func="cnt" op="gte" val="1">
+            <dgm:layoutNode name="descendantText" styleLbl="alignAccFollowNode1">
+              <dgm:varLst>
+                <dgm:bulletEnabled val="1"/>
+              </dgm:varLst>
+              <dgm:alg type="tx">
+                <dgm:param type="stBulletLvl" val="1"/>
+                <dgm:param type="txAnchorVertCh" val="mid"/>
+              </dgm:alg>
+              <dgm:choose name="Name10">
+                <dgm:if name="Name11" func="var" arg="dir" op="equ" val="norm">
+                  <dgm:shape xmlns:r="http://schemas.openxmlformats.org/officeDocument/2006/relationships" rot="90" type="round2SameRect" r:blip="">
+                    <dgm:adjLst/>
+                  </dgm:shape>
+                </dgm:if>
+                <dgm:else name="Name12">
+                  <dgm:shape xmlns:r="http://schemas.openxmlformats.org/officeDocument/2006/relationships" rot="-90" type="round2SameRect" r:blip="">
+                    <dgm:adjLst/>
+                  </dgm:shape>
+                </dgm:else>
+              </dgm:choose>
+              <dgm:presOf axis="des" ptType="node"/>
+              <dgm:constrLst>
+                <dgm:constr type="secFontSz" val="65"/>
+                <dgm:constr type="primFontSz" refType="secFontSz"/>
+                <dgm:constr type="lMarg" refType="secFontSz" fact="0.3"/>
+                <dgm:constr type="rMarg" refType="secFontSz" fact="0.3"/>
+                <dgm:constr type="tMarg" refType="secFontSz" fact="0.15"/>
+                <dgm:constr type="bMarg" refType="secFontSz" fact="0.15"/>
+              </dgm:constrLst>
+              <dgm:ruleLst>
+                <dgm:rule type="secFontSz" val="5" fact="NaN" max="NaN"/>
+              </dgm:ruleLst>
+            </dgm:layoutNode>
+          </dgm:if>
+          <dgm:else name="Name13"/>
+        </dgm:choose>
+      </dgm:layoutNode>
+      <dgm:forEach name="Name14" axis="followSib" ptType="sibTrans" cnt="1">
+        <dgm:layoutNode name="sp">
+          <dgm:alg type="sp"/>
+          <dgm:shape xmlns:r="http://schemas.openxmlformats.org/officeDocument/2006/relationships" r:blip="">
+            <dgm:adjLst/>
+          </dgm:shape>
+          <dgm:presOf/>
+          <dgm:constrLst/>
+          <dgm:ruleLst/>
+        </dgm:layoutNode>
+      </dgm:forEach>
+    </dgm:forEach>
+  </dgm:layoutNode>
+</dgm:layoutDef>
+</file>
+
 <file path=ppt/diagrams/quickStyle1.xml><?xml version="1.0" encoding="utf-8"?>
 <dgm:styleDef xmlns:dgm="http://schemas.openxmlformats.org/drawingml/2006/diagram" xmlns:a="http://schemas.openxmlformats.org/drawingml/2006/main" uniqueId="urn:microsoft.com/office/officeart/2005/8/quickstyle/simple1">
   <dgm:title val=""/>
@@ -16399,6 +18209,1040 @@
         <a:scrgbClr r="0" g="0" b="0"/>
       </a:fillRef>
       <a:effectRef idx="0">
+        <a:scrgbClr r="0" g="0" b="0"/>
+      </a:effectRef>
+      <a:fontRef idx="minor"/>
+    </dgm:style>
+  </dgm:styleLbl>
+  <dgm:styleLbl name="revTx">
+    <dgm:scene3d>
+      <a:camera prst="orthographicFront"/>
+      <a:lightRig rig="threePt" dir="t"/>
+    </dgm:scene3d>
+    <dgm:sp3d/>
+    <dgm:txPr/>
+    <dgm:style>
+      <a:lnRef idx="0">
+        <a:scrgbClr r="0" g="0" b="0"/>
+      </a:lnRef>
+      <a:fillRef idx="0">
+        <a:scrgbClr r="0" g="0" b="0"/>
+      </a:fillRef>
+      <a:effectRef idx="0">
+        <a:scrgbClr r="0" g="0" b="0"/>
+      </a:effectRef>
+      <a:fontRef idx="minor"/>
+    </dgm:style>
+  </dgm:styleLbl>
+</dgm:styleDef>
+</file>
+
+<file path=ppt/diagrams/quickStyle6.xml><?xml version="1.0" encoding="utf-8"?>
+<dgm:styleDef xmlns:dgm="http://schemas.openxmlformats.org/drawingml/2006/diagram" xmlns:a="http://schemas.openxmlformats.org/drawingml/2006/main" uniqueId="urn:microsoft.com/office/officeart/2005/8/quickstyle/simple4">
+  <dgm:title val=""/>
+  <dgm:desc val=""/>
+  <dgm:catLst>
+    <dgm:cat type="simple" pri="10400"/>
+  </dgm:catLst>
+  <dgm:scene3d>
+    <a:camera prst="orthographicFront"/>
+    <a:lightRig rig="threePt" dir="t"/>
+  </dgm:scene3d>
+  <dgm:styleLbl name="node0">
+    <dgm:scene3d>
+      <a:camera prst="orthographicFront"/>
+      <a:lightRig rig="threePt" dir="t"/>
+    </dgm:scene3d>
+    <dgm:sp3d/>
+    <dgm:txPr/>
+    <dgm:style>
+      <a:lnRef idx="0">
+        <a:scrgbClr r="0" g="0" b="0"/>
+      </a:lnRef>
+      <a:fillRef idx="3">
+        <a:scrgbClr r="0" g="0" b="0"/>
+      </a:fillRef>
+      <a:effectRef idx="2">
+        <a:scrgbClr r="0" g="0" b="0"/>
+      </a:effectRef>
+      <a:fontRef idx="minor">
+        <a:schemeClr val="lt1"/>
+      </a:fontRef>
+    </dgm:style>
+  </dgm:styleLbl>
+  <dgm:styleLbl name="lnNode1">
+    <dgm:scene3d>
+      <a:camera prst="orthographicFront"/>
+      <a:lightRig rig="threePt" dir="t"/>
+    </dgm:scene3d>
+    <dgm:sp3d/>
+    <dgm:txPr/>
+    <dgm:style>
+      <a:lnRef idx="1">
+        <a:scrgbClr r="0" g="0" b="0"/>
+      </a:lnRef>
+      <a:fillRef idx="3">
+        <a:scrgbClr r="0" g="0" b="0"/>
+      </a:fillRef>
+      <a:effectRef idx="2">
+        <a:scrgbClr r="0" g="0" b="0"/>
+      </a:effectRef>
+      <a:fontRef idx="minor">
+        <a:schemeClr val="lt1"/>
+      </a:fontRef>
+    </dgm:style>
+  </dgm:styleLbl>
+  <dgm:styleLbl name="vennNode1">
+    <dgm:scene3d>
+      <a:camera prst="orthographicFront"/>
+      <a:lightRig rig="threePt" dir="t"/>
+    </dgm:scene3d>
+    <dgm:sp3d/>
+    <dgm:txPr/>
+    <dgm:style>
+      <a:lnRef idx="0">
+        <a:scrgbClr r="0" g="0" b="0"/>
+      </a:lnRef>
+      <a:fillRef idx="3">
+        <a:scrgbClr r="0" g="0" b="0"/>
+      </a:fillRef>
+      <a:effectRef idx="0">
+        <a:scrgbClr r="0" g="0" b="0"/>
+      </a:effectRef>
+      <a:fontRef idx="minor">
+        <a:schemeClr val="tx1"/>
+      </a:fontRef>
+    </dgm:style>
+  </dgm:styleLbl>
+  <dgm:styleLbl name="alignNode1">
+    <dgm:scene3d>
+      <a:camera prst="orthographicFront"/>
+      <a:lightRig rig="threePt" dir="t"/>
+    </dgm:scene3d>
+    <dgm:sp3d/>
+    <dgm:txPr/>
+    <dgm:style>
+      <a:lnRef idx="1">
+        <a:scrgbClr r="0" g="0" b="0"/>
+      </a:lnRef>
+      <a:fillRef idx="3">
+        <a:scrgbClr r="0" g="0" b="0"/>
+      </a:fillRef>
+      <a:effectRef idx="2">
+        <a:scrgbClr r="0" g="0" b="0"/>
+      </a:effectRef>
+      <a:fontRef idx="minor">
+        <a:schemeClr val="lt1"/>
+      </a:fontRef>
+    </dgm:style>
+  </dgm:styleLbl>
+  <dgm:styleLbl name="node1">
+    <dgm:scene3d>
+      <a:camera prst="orthographicFront"/>
+      <a:lightRig rig="threePt" dir="t"/>
+    </dgm:scene3d>
+    <dgm:sp3d/>
+    <dgm:txPr/>
+    <dgm:style>
+      <a:lnRef idx="0">
+        <a:scrgbClr r="0" g="0" b="0"/>
+      </a:lnRef>
+      <a:fillRef idx="3">
+        <a:scrgbClr r="0" g="0" b="0"/>
+      </a:fillRef>
+      <a:effectRef idx="2">
+        <a:scrgbClr r="0" g="0" b="0"/>
+      </a:effectRef>
+      <a:fontRef idx="minor">
+        <a:schemeClr val="lt1"/>
+      </a:fontRef>
+    </dgm:style>
+  </dgm:styleLbl>
+  <dgm:styleLbl name="node2">
+    <dgm:scene3d>
+      <a:camera prst="orthographicFront"/>
+      <a:lightRig rig="threePt" dir="t"/>
+    </dgm:scene3d>
+    <dgm:sp3d/>
+    <dgm:txPr/>
+    <dgm:style>
+      <a:lnRef idx="0">
+        <a:scrgbClr r="0" g="0" b="0"/>
+      </a:lnRef>
+      <a:fillRef idx="3">
+        <a:scrgbClr r="0" g="0" b="0"/>
+      </a:fillRef>
+      <a:effectRef idx="2">
+        <a:scrgbClr r="0" g="0" b="0"/>
+      </a:effectRef>
+      <a:fontRef idx="minor">
+        <a:schemeClr val="lt1"/>
+      </a:fontRef>
+    </dgm:style>
+  </dgm:styleLbl>
+  <dgm:styleLbl name="node3">
+    <dgm:scene3d>
+      <a:camera prst="orthographicFront"/>
+      <a:lightRig rig="threePt" dir="t"/>
+    </dgm:scene3d>
+    <dgm:sp3d/>
+    <dgm:txPr/>
+    <dgm:style>
+      <a:lnRef idx="0">
+        <a:scrgbClr r="0" g="0" b="0"/>
+      </a:lnRef>
+      <a:fillRef idx="3">
+        <a:scrgbClr r="0" g="0" b="0"/>
+      </a:fillRef>
+      <a:effectRef idx="2">
+        <a:scrgbClr r="0" g="0" b="0"/>
+      </a:effectRef>
+      <a:fontRef idx="minor">
+        <a:schemeClr val="lt1"/>
+      </a:fontRef>
+    </dgm:style>
+  </dgm:styleLbl>
+  <dgm:styleLbl name="node4">
+    <dgm:scene3d>
+      <a:camera prst="orthographicFront"/>
+      <a:lightRig rig="threePt" dir="t"/>
+    </dgm:scene3d>
+    <dgm:sp3d/>
+    <dgm:txPr/>
+    <dgm:style>
+      <a:lnRef idx="0">
+        <a:scrgbClr r="0" g="0" b="0"/>
+      </a:lnRef>
+      <a:fillRef idx="3">
+        <a:scrgbClr r="0" g="0" b="0"/>
+      </a:fillRef>
+      <a:effectRef idx="2">
+        <a:scrgbClr r="0" g="0" b="0"/>
+      </a:effectRef>
+      <a:fontRef idx="minor">
+        <a:schemeClr val="lt1"/>
+      </a:fontRef>
+    </dgm:style>
+  </dgm:styleLbl>
+  <dgm:styleLbl name="fgImgPlace1">
+    <dgm:scene3d>
+      <a:camera prst="orthographicFront"/>
+      <a:lightRig rig="threePt" dir="t"/>
+    </dgm:scene3d>
+    <dgm:sp3d/>
+    <dgm:txPr/>
+    <dgm:style>
+      <a:lnRef idx="0">
+        <a:scrgbClr r="0" g="0" b="0"/>
+      </a:lnRef>
+      <a:fillRef idx="1">
+        <a:scrgbClr r="0" g="0" b="0"/>
+      </a:fillRef>
+      <a:effectRef idx="2">
+        <a:scrgbClr r="0" g="0" b="0"/>
+      </a:effectRef>
+      <a:fontRef idx="minor"/>
+    </dgm:style>
+  </dgm:styleLbl>
+  <dgm:styleLbl name="alignImgPlace1">
+    <dgm:scene3d>
+      <a:camera prst="orthographicFront"/>
+      <a:lightRig rig="threePt" dir="t"/>
+    </dgm:scene3d>
+    <dgm:sp3d/>
+    <dgm:txPr/>
+    <dgm:style>
+      <a:lnRef idx="0">
+        <a:scrgbClr r="0" g="0" b="0"/>
+      </a:lnRef>
+      <a:fillRef idx="1">
+        <a:scrgbClr r="0" g="0" b="0"/>
+      </a:fillRef>
+      <a:effectRef idx="2">
+        <a:scrgbClr r="0" g="0" b="0"/>
+      </a:effectRef>
+      <a:fontRef idx="minor"/>
+    </dgm:style>
+  </dgm:styleLbl>
+  <dgm:styleLbl name="bgImgPlace1">
+    <dgm:scene3d>
+      <a:camera prst="orthographicFront"/>
+      <a:lightRig rig="threePt" dir="t"/>
+    </dgm:scene3d>
+    <dgm:sp3d/>
+    <dgm:txPr/>
+    <dgm:style>
+      <a:lnRef idx="0">
+        <a:scrgbClr r="0" g="0" b="0"/>
+      </a:lnRef>
+      <a:fillRef idx="1">
+        <a:scrgbClr r="0" g="0" b="0"/>
+      </a:fillRef>
+      <a:effectRef idx="2">
+        <a:scrgbClr r="0" g="0" b="0"/>
+      </a:effectRef>
+      <a:fontRef idx="minor"/>
+    </dgm:style>
+  </dgm:styleLbl>
+  <dgm:styleLbl name="sibTrans2D1">
+    <dgm:scene3d>
+      <a:camera prst="orthographicFront"/>
+      <a:lightRig rig="threePt" dir="t"/>
+    </dgm:scene3d>
+    <dgm:sp3d/>
+    <dgm:txPr/>
+    <dgm:style>
+      <a:lnRef idx="0">
+        <a:scrgbClr r="0" g="0" b="0"/>
+      </a:lnRef>
+      <a:fillRef idx="3">
+        <a:scrgbClr r="0" g="0" b="0"/>
+      </a:fillRef>
+      <a:effectRef idx="2">
+        <a:scrgbClr r="0" g="0" b="0"/>
+      </a:effectRef>
+      <a:fontRef idx="minor">
+        <a:schemeClr val="lt1"/>
+      </a:fontRef>
+    </dgm:style>
+  </dgm:styleLbl>
+  <dgm:styleLbl name="fgSibTrans2D1">
+    <dgm:scene3d>
+      <a:camera prst="orthographicFront"/>
+      <a:lightRig rig="threePt" dir="t"/>
+    </dgm:scene3d>
+    <dgm:sp3d/>
+    <dgm:txPr/>
+    <dgm:style>
+      <a:lnRef idx="0">
+        <a:scrgbClr r="0" g="0" b="0"/>
+      </a:lnRef>
+      <a:fillRef idx="3">
+        <a:scrgbClr r="0" g="0" b="0"/>
+      </a:fillRef>
+      <a:effectRef idx="2">
+        <a:scrgbClr r="0" g="0" b="0"/>
+      </a:effectRef>
+      <a:fontRef idx="minor">
+        <a:schemeClr val="lt1"/>
+      </a:fontRef>
+    </dgm:style>
+  </dgm:styleLbl>
+  <dgm:styleLbl name="bgSibTrans2D1">
+    <dgm:scene3d>
+      <a:camera prst="orthographicFront"/>
+      <a:lightRig rig="threePt" dir="t"/>
+    </dgm:scene3d>
+    <dgm:sp3d/>
+    <dgm:txPr/>
+    <dgm:style>
+      <a:lnRef idx="0">
+        <a:scrgbClr r="0" g="0" b="0"/>
+      </a:lnRef>
+      <a:fillRef idx="3">
+        <a:scrgbClr r="0" g="0" b="0"/>
+      </a:fillRef>
+      <a:effectRef idx="2">
+        <a:scrgbClr r="0" g="0" b="0"/>
+      </a:effectRef>
+      <a:fontRef idx="minor">
+        <a:schemeClr val="lt1"/>
+      </a:fontRef>
+    </dgm:style>
+  </dgm:styleLbl>
+  <dgm:styleLbl name="sibTrans1D1">
+    <dgm:scene3d>
+      <a:camera prst="orthographicFront"/>
+      <a:lightRig rig="threePt" dir="t"/>
+    </dgm:scene3d>
+    <dgm:sp3d/>
+    <dgm:txPr/>
+    <dgm:style>
+      <a:lnRef idx="1">
+        <a:scrgbClr r="0" g="0" b="0"/>
+      </a:lnRef>
+      <a:fillRef idx="0">
+        <a:scrgbClr r="0" g="0" b="0"/>
+      </a:fillRef>
+      <a:effectRef idx="0">
+        <a:scrgbClr r="0" g="0" b="0"/>
+      </a:effectRef>
+      <a:fontRef idx="minor"/>
+    </dgm:style>
+  </dgm:styleLbl>
+  <dgm:styleLbl name="callout">
+    <dgm:scene3d>
+      <a:camera prst="orthographicFront"/>
+      <a:lightRig rig="threePt" dir="t"/>
+    </dgm:scene3d>
+    <dgm:sp3d/>
+    <dgm:txPr/>
+    <dgm:style>
+      <a:lnRef idx="2">
+        <a:scrgbClr r="0" g="0" b="0"/>
+      </a:lnRef>
+      <a:fillRef idx="1">
+        <a:scrgbClr r="0" g="0" b="0"/>
+      </a:fillRef>
+      <a:effectRef idx="1">
+        <a:scrgbClr r="0" g="0" b="0"/>
+      </a:effectRef>
+      <a:fontRef idx="minor"/>
+    </dgm:style>
+  </dgm:styleLbl>
+  <dgm:styleLbl name="asst0">
+    <dgm:scene3d>
+      <a:camera prst="orthographicFront"/>
+      <a:lightRig rig="threePt" dir="t"/>
+    </dgm:scene3d>
+    <dgm:sp3d/>
+    <dgm:txPr/>
+    <dgm:style>
+      <a:lnRef idx="0">
+        <a:scrgbClr r="0" g="0" b="0"/>
+      </a:lnRef>
+      <a:fillRef idx="3">
+        <a:scrgbClr r="0" g="0" b="0"/>
+      </a:fillRef>
+      <a:effectRef idx="2">
+        <a:scrgbClr r="0" g="0" b="0"/>
+      </a:effectRef>
+      <a:fontRef idx="minor">
+        <a:schemeClr val="lt1"/>
+      </a:fontRef>
+    </dgm:style>
+  </dgm:styleLbl>
+  <dgm:styleLbl name="asst1">
+    <dgm:scene3d>
+      <a:camera prst="orthographicFront"/>
+      <a:lightRig rig="threePt" dir="t"/>
+    </dgm:scene3d>
+    <dgm:sp3d/>
+    <dgm:txPr/>
+    <dgm:style>
+      <a:lnRef idx="0">
+        <a:scrgbClr r="0" g="0" b="0"/>
+      </a:lnRef>
+      <a:fillRef idx="3">
+        <a:scrgbClr r="0" g="0" b="0"/>
+      </a:fillRef>
+      <a:effectRef idx="2">
+        <a:scrgbClr r="0" g="0" b="0"/>
+      </a:effectRef>
+      <a:fontRef idx="minor">
+        <a:schemeClr val="lt1"/>
+      </a:fontRef>
+    </dgm:style>
+  </dgm:styleLbl>
+  <dgm:styleLbl name="asst2">
+    <dgm:scene3d>
+      <a:camera prst="orthographicFront"/>
+      <a:lightRig rig="threePt" dir="t"/>
+    </dgm:scene3d>
+    <dgm:sp3d/>
+    <dgm:txPr/>
+    <dgm:style>
+      <a:lnRef idx="0">
+        <a:scrgbClr r="0" g="0" b="0"/>
+      </a:lnRef>
+      <a:fillRef idx="3">
+        <a:scrgbClr r="0" g="0" b="0"/>
+      </a:fillRef>
+      <a:effectRef idx="2">
+        <a:scrgbClr r="0" g="0" b="0"/>
+      </a:effectRef>
+      <a:fontRef idx="minor">
+        <a:schemeClr val="lt1"/>
+      </a:fontRef>
+    </dgm:style>
+  </dgm:styleLbl>
+  <dgm:styleLbl name="asst3">
+    <dgm:scene3d>
+      <a:camera prst="orthographicFront"/>
+      <a:lightRig rig="threePt" dir="t"/>
+    </dgm:scene3d>
+    <dgm:sp3d/>
+    <dgm:txPr/>
+    <dgm:style>
+      <a:lnRef idx="0">
+        <a:scrgbClr r="0" g="0" b="0"/>
+      </a:lnRef>
+      <a:fillRef idx="3">
+        <a:scrgbClr r="0" g="0" b="0"/>
+      </a:fillRef>
+      <a:effectRef idx="2">
+        <a:scrgbClr r="0" g="0" b="0"/>
+      </a:effectRef>
+      <a:fontRef idx="minor">
+        <a:schemeClr val="lt1"/>
+      </a:fontRef>
+    </dgm:style>
+  </dgm:styleLbl>
+  <dgm:styleLbl name="asst4">
+    <dgm:scene3d>
+      <a:camera prst="orthographicFront"/>
+      <a:lightRig rig="threePt" dir="t"/>
+    </dgm:scene3d>
+    <dgm:sp3d/>
+    <dgm:txPr/>
+    <dgm:style>
+      <a:lnRef idx="0">
+        <a:scrgbClr r="0" g="0" b="0"/>
+      </a:lnRef>
+      <a:fillRef idx="3">
+        <a:scrgbClr r="0" g="0" b="0"/>
+      </a:fillRef>
+      <a:effectRef idx="2">
+        <a:scrgbClr r="0" g="0" b="0"/>
+      </a:effectRef>
+      <a:fontRef idx="minor">
+        <a:schemeClr val="lt1"/>
+      </a:fontRef>
+    </dgm:style>
+  </dgm:styleLbl>
+  <dgm:styleLbl name="parChTrans2D1">
+    <dgm:scene3d>
+      <a:camera prst="orthographicFront"/>
+      <a:lightRig rig="threePt" dir="t"/>
+    </dgm:scene3d>
+    <dgm:sp3d/>
+    <dgm:txPr/>
+    <dgm:style>
+      <a:lnRef idx="0">
+        <a:scrgbClr r="0" g="0" b="0"/>
+      </a:lnRef>
+      <a:fillRef idx="3">
+        <a:scrgbClr r="0" g="0" b="0"/>
+      </a:fillRef>
+      <a:effectRef idx="2">
+        <a:scrgbClr r="0" g="0" b="0"/>
+      </a:effectRef>
+      <a:fontRef idx="minor">
+        <a:schemeClr val="lt1"/>
+      </a:fontRef>
+    </dgm:style>
+  </dgm:styleLbl>
+  <dgm:styleLbl name="parChTrans2D2">
+    <dgm:scene3d>
+      <a:camera prst="orthographicFront"/>
+      <a:lightRig rig="threePt" dir="t"/>
+    </dgm:scene3d>
+    <dgm:sp3d/>
+    <dgm:txPr/>
+    <dgm:style>
+      <a:lnRef idx="0">
+        <a:scrgbClr r="0" g="0" b="0"/>
+      </a:lnRef>
+      <a:fillRef idx="3">
+        <a:scrgbClr r="0" g="0" b="0"/>
+      </a:fillRef>
+      <a:effectRef idx="2">
+        <a:scrgbClr r="0" g="0" b="0"/>
+      </a:effectRef>
+      <a:fontRef idx="minor">
+        <a:schemeClr val="lt1"/>
+      </a:fontRef>
+    </dgm:style>
+  </dgm:styleLbl>
+  <dgm:styleLbl name="parChTrans2D3">
+    <dgm:scene3d>
+      <a:camera prst="orthographicFront"/>
+      <a:lightRig rig="threePt" dir="t"/>
+    </dgm:scene3d>
+    <dgm:sp3d/>
+    <dgm:txPr/>
+    <dgm:style>
+      <a:lnRef idx="1">
+        <a:scrgbClr r="0" g="0" b="0"/>
+      </a:lnRef>
+      <a:fillRef idx="3">
+        <a:scrgbClr r="0" g="0" b="0"/>
+      </a:fillRef>
+      <a:effectRef idx="2">
+        <a:scrgbClr r="0" g="0" b="0"/>
+      </a:effectRef>
+      <a:fontRef idx="minor">
+        <a:schemeClr val="lt1"/>
+      </a:fontRef>
+    </dgm:style>
+  </dgm:styleLbl>
+  <dgm:styleLbl name="parChTrans2D4">
+    <dgm:scene3d>
+      <a:camera prst="orthographicFront"/>
+      <a:lightRig rig="threePt" dir="t"/>
+    </dgm:scene3d>
+    <dgm:sp3d/>
+    <dgm:txPr/>
+    <dgm:style>
+      <a:lnRef idx="1">
+        <a:scrgbClr r="0" g="0" b="0"/>
+      </a:lnRef>
+      <a:fillRef idx="3">
+        <a:scrgbClr r="0" g="0" b="0"/>
+      </a:fillRef>
+      <a:effectRef idx="2">
+        <a:scrgbClr r="0" g="0" b="0"/>
+      </a:effectRef>
+      <a:fontRef idx="minor">
+        <a:schemeClr val="lt1"/>
+      </a:fontRef>
+    </dgm:style>
+  </dgm:styleLbl>
+  <dgm:styleLbl name="parChTrans1D1">
+    <dgm:scene3d>
+      <a:camera prst="orthographicFront"/>
+      <a:lightRig rig="threePt" dir="t"/>
+    </dgm:scene3d>
+    <dgm:sp3d/>
+    <dgm:txPr/>
+    <dgm:style>
+      <a:lnRef idx="1">
+        <a:scrgbClr r="0" g="0" b="0"/>
+      </a:lnRef>
+      <a:fillRef idx="0">
+        <a:scrgbClr r="0" g="0" b="0"/>
+      </a:fillRef>
+      <a:effectRef idx="0">
+        <a:scrgbClr r="0" g="0" b="0"/>
+      </a:effectRef>
+      <a:fontRef idx="minor"/>
+    </dgm:style>
+  </dgm:styleLbl>
+  <dgm:styleLbl name="parChTrans1D2">
+    <dgm:scene3d>
+      <a:camera prst="orthographicFront"/>
+      <a:lightRig rig="threePt" dir="t"/>
+    </dgm:scene3d>
+    <dgm:sp3d/>
+    <dgm:txPr/>
+    <dgm:style>
+      <a:lnRef idx="1">
+        <a:scrgbClr r="0" g="0" b="0"/>
+      </a:lnRef>
+      <a:fillRef idx="0">
+        <a:scrgbClr r="0" g="0" b="0"/>
+      </a:fillRef>
+      <a:effectRef idx="0">
+        <a:scrgbClr r="0" g="0" b="0"/>
+      </a:effectRef>
+      <a:fontRef idx="minor"/>
+    </dgm:style>
+  </dgm:styleLbl>
+  <dgm:styleLbl name="parChTrans1D3">
+    <dgm:scene3d>
+      <a:camera prst="orthographicFront"/>
+      <a:lightRig rig="threePt" dir="t"/>
+    </dgm:scene3d>
+    <dgm:sp3d/>
+    <dgm:txPr/>
+    <dgm:style>
+      <a:lnRef idx="1">
+        <a:scrgbClr r="0" g="0" b="0"/>
+      </a:lnRef>
+      <a:fillRef idx="0">
+        <a:scrgbClr r="0" g="0" b="0"/>
+      </a:fillRef>
+      <a:effectRef idx="0">
+        <a:scrgbClr r="0" g="0" b="0"/>
+      </a:effectRef>
+      <a:fontRef idx="minor"/>
+    </dgm:style>
+  </dgm:styleLbl>
+  <dgm:styleLbl name="parChTrans1D4">
+    <dgm:scene3d>
+      <a:camera prst="orthographicFront"/>
+      <a:lightRig rig="threePt" dir="t"/>
+    </dgm:scene3d>
+    <dgm:sp3d/>
+    <dgm:txPr/>
+    <dgm:style>
+      <a:lnRef idx="1">
+        <a:scrgbClr r="0" g="0" b="0"/>
+      </a:lnRef>
+      <a:fillRef idx="0">
+        <a:scrgbClr r="0" g="0" b="0"/>
+      </a:fillRef>
+      <a:effectRef idx="0">
+        <a:scrgbClr r="0" g="0" b="0"/>
+      </a:effectRef>
+      <a:fontRef idx="minor"/>
+    </dgm:style>
+  </dgm:styleLbl>
+  <dgm:styleLbl name="fgAcc1">
+    <dgm:scene3d>
+      <a:camera prst="orthographicFront"/>
+      <a:lightRig rig="threePt" dir="t"/>
+    </dgm:scene3d>
+    <dgm:sp3d/>
+    <dgm:txPr/>
+    <dgm:style>
+      <a:lnRef idx="1">
+        <a:scrgbClr r="0" g="0" b="0"/>
+      </a:lnRef>
+      <a:fillRef idx="1">
+        <a:scrgbClr r="0" g="0" b="0"/>
+      </a:fillRef>
+      <a:effectRef idx="0">
+        <a:scrgbClr r="0" g="0" b="0"/>
+      </a:effectRef>
+      <a:fontRef idx="minor"/>
+    </dgm:style>
+  </dgm:styleLbl>
+  <dgm:styleLbl name="conFgAcc1">
+    <dgm:scene3d>
+      <a:camera prst="orthographicFront"/>
+      <a:lightRig rig="threePt" dir="t"/>
+    </dgm:scene3d>
+    <dgm:sp3d/>
+    <dgm:txPr/>
+    <dgm:style>
+      <a:lnRef idx="1">
+        <a:scrgbClr r="0" g="0" b="0"/>
+      </a:lnRef>
+      <a:fillRef idx="1">
+        <a:scrgbClr r="0" g="0" b="0"/>
+      </a:fillRef>
+      <a:effectRef idx="0">
+        <a:scrgbClr r="0" g="0" b="0"/>
+      </a:effectRef>
+      <a:fontRef idx="minor"/>
+    </dgm:style>
+  </dgm:styleLbl>
+  <dgm:styleLbl name="alignAcc1">
+    <dgm:scene3d>
+      <a:camera prst="orthographicFront"/>
+      <a:lightRig rig="threePt" dir="t"/>
+    </dgm:scene3d>
+    <dgm:sp3d/>
+    <dgm:txPr/>
+    <dgm:style>
+      <a:lnRef idx="1">
+        <a:scrgbClr r="0" g="0" b="0"/>
+      </a:lnRef>
+      <a:fillRef idx="1">
+        <a:scrgbClr r="0" g="0" b="0"/>
+      </a:fillRef>
+      <a:effectRef idx="0">
+        <a:scrgbClr r="0" g="0" b="0"/>
+      </a:effectRef>
+      <a:fontRef idx="minor"/>
+    </dgm:style>
+  </dgm:styleLbl>
+  <dgm:styleLbl name="trAlignAcc1">
+    <dgm:scene3d>
+      <a:camera prst="orthographicFront"/>
+      <a:lightRig rig="threePt" dir="t"/>
+    </dgm:scene3d>
+    <dgm:sp3d/>
+    <dgm:txPr/>
+    <dgm:style>
+      <a:lnRef idx="1">
+        <a:scrgbClr r="0" g="0" b="0"/>
+      </a:lnRef>
+      <a:fillRef idx="1">
+        <a:scrgbClr r="0" g="0" b="0"/>
+      </a:fillRef>
+      <a:effectRef idx="0">
+        <a:scrgbClr r="0" g="0" b="0"/>
+      </a:effectRef>
+      <a:fontRef idx="minor"/>
+    </dgm:style>
+  </dgm:styleLbl>
+  <dgm:styleLbl name="bgAcc1">
+    <dgm:scene3d>
+      <a:camera prst="orthographicFront"/>
+      <a:lightRig rig="threePt" dir="t"/>
+    </dgm:scene3d>
+    <dgm:sp3d/>
+    <dgm:txPr/>
+    <dgm:style>
+      <a:lnRef idx="1">
+        <a:scrgbClr r="0" g="0" b="0"/>
+      </a:lnRef>
+      <a:fillRef idx="1">
+        <a:scrgbClr r="0" g="0" b="0"/>
+      </a:fillRef>
+      <a:effectRef idx="0">
+        <a:scrgbClr r="0" g="0" b="0"/>
+      </a:effectRef>
+      <a:fontRef idx="minor"/>
+    </dgm:style>
+  </dgm:styleLbl>
+  <dgm:styleLbl name="solidFgAcc1">
+    <dgm:scene3d>
+      <a:camera prst="orthographicFront"/>
+      <a:lightRig rig="threePt" dir="t"/>
+    </dgm:scene3d>
+    <dgm:sp3d/>
+    <dgm:txPr/>
+    <dgm:style>
+      <a:lnRef idx="1">
+        <a:scrgbClr r="0" g="0" b="0"/>
+      </a:lnRef>
+      <a:fillRef idx="1">
+        <a:scrgbClr r="0" g="0" b="0"/>
+      </a:fillRef>
+      <a:effectRef idx="0">
+        <a:scrgbClr r="0" g="0" b="0"/>
+      </a:effectRef>
+      <a:fontRef idx="minor"/>
+    </dgm:style>
+  </dgm:styleLbl>
+  <dgm:styleLbl name="solidAlignAcc1">
+    <dgm:scene3d>
+      <a:camera prst="orthographicFront"/>
+      <a:lightRig rig="threePt" dir="t"/>
+    </dgm:scene3d>
+    <dgm:sp3d/>
+    <dgm:txPr/>
+    <dgm:style>
+      <a:lnRef idx="1">
+        <a:scrgbClr r="0" g="0" b="0"/>
+      </a:lnRef>
+      <a:fillRef idx="1">
+        <a:scrgbClr r="0" g="0" b="0"/>
+      </a:fillRef>
+      <a:effectRef idx="0">
+        <a:scrgbClr r="0" g="0" b="0"/>
+      </a:effectRef>
+      <a:fontRef idx="minor"/>
+    </dgm:style>
+  </dgm:styleLbl>
+  <dgm:styleLbl name="solidBgAcc1">
+    <dgm:scene3d>
+      <a:camera prst="orthographicFront"/>
+      <a:lightRig rig="threePt" dir="t"/>
+    </dgm:scene3d>
+    <dgm:sp3d/>
+    <dgm:txPr/>
+    <dgm:style>
+      <a:lnRef idx="1">
+        <a:scrgbClr r="0" g="0" b="0"/>
+      </a:lnRef>
+      <a:fillRef idx="1">
+        <a:scrgbClr r="0" g="0" b="0"/>
+      </a:fillRef>
+      <a:effectRef idx="0">
+        <a:scrgbClr r="0" g="0" b="0"/>
+      </a:effectRef>
+      <a:fontRef idx="minor"/>
+    </dgm:style>
+  </dgm:styleLbl>
+  <dgm:styleLbl name="fgAccFollowNode1">
+    <dgm:scene3d>
+      <a:camera prst="orthographicFront"/>
+      <a:lightRig rig="threePt" dir="t"/>
+    </dgm:scene3d>
+    <dgm:sp3d/>
+    <dgm:txPr/>
+    <dgm:style>
+      <a:lnRef idx="1">
+        <a:scrgbClr r="0" g="0" b="0"/>
+      </a:lnRef>
+      <a:fillRef idx="1">
+        <a:scrgbClr r="0" g="0" b="0"/>
+      </a:fillRef>
+      <a:effectRef idx="0">
+        <a:scrgbClr r="0" g="0" b="0"/>
+      </a:effectRef>
+      <a:fontRef idx="minor"/>
+    </dgm:style>
+  </dgm:styleLbl>
+  <dgm:styleLbl name="alignAccFollowNode1">
+    <dgm:scene3d>
+      <a:camera prst="orthographicFront"/>
+      <a:lightRig rig="threePt" dir="t"/>
+    </dgm:scene3d>
+    <dgm:sp3d/>
+    <dgm:txPr/>
+    <dgm:style>
+      <a:lnRef idx="1">
+        <a:scrgbClr r="0" g="0" b="0"/>
+      </a:lnRef>
+      <a:fillRef idx="1">
+        <a:scrgbClr r="0" g="0" b="0"/>
+      </a:fillRef>
+      <a:effectRef idx="0">
+        <a:scrgbClr r="0" g="0" b="0"/>
+      </a:effectRef>
+      <a:fontRef idx="minor"/>
+    </dgm:style>
+  </dgm:styleLbl>
+  <dgm:styleLbl name="bgAccFollowNode1">
+    <dgm:scene3d>
+      <a:camera prst="orthographicFront"/>
+      <a:lightRig rig="threePt" dir="t"/>
+    </dgm:scene3d>
+    <dgm:sp3d/>
+    <dgm:txPr/>
+    <dgm:style>
+      <a:lnRef idx="1">
+        <a:scrgbClr r="0" g="0" b="0"/>
+      </a:lnRef>
+      <a:fillRef idx="1">
+        <a:scrgbClr r="0" g="0" b="0"/>
+      </a:fillRef>
+      <a:effectRef idx="0">
+        <a:scrgbClr r="0" g="0" b="0"/>
+      </a:effectRef>
+      <a:fontRef idx="minor"/>
+    </dgm:style>
+  </dgm:styleLbl>
+  <dgm:styleLbl name="fgAcc0">
+    <dgm:scene3d>
+      <a:camera prst="orthographicFront"/>
+      <a:lightRig rig="threePt" dir="t"/>
+    </dgm:scene3d>
+    <dgm:sp3d/>
+    <dgm:txPr/>
+    <dgm:style>
+      <a:lnRef idx="1">
+        <a:scrgbClr r="0" g="0" b="0"/>
+      </a:lnRef>
+      <a:fillRef idx="1">
+        <a:scrgbClr r="0" g="0" b="0"/>
+      </a:fillRef>
+      <a:effectRef idx="0">
+        <a:scrgbClr r="0" g="0" b="0"/>
+      </a:effectRef>
+      <a:fontRef idx="minor"/>
+    </dgm:style>
+  </dgm:styleLbl>
+  <dgm:styleLbl name="fgAcc2">
+    <dgm:scene3d>
+      <a:camera prst="orthographicFront"/>
+      <a:lightRig rig="threePt" dir="t"/>
+    </dgm:scene3d>
+    <dgm:sp3d/>
+    <dgm:txPr/>
+    <dgm:style>
+      <a:lnRef idx="1">
+        <a:scrgbClr r="0" g="0" b="0"/>
+      </a:lnRef>
+      <a:fillRef idx="1">
+        <a:scrgbClr r="0" g="0" b="0"/>
+      </a:fillRef>
+      <a:effectRef idx="0">
+        <a:scrgbClr r="0" g="0" b="0"/>
+      </a:effectRef>
+      <a:fontRef idx="minor"/>
+    </dgm:style>
+  </dgm:styleLbl>
+  <dgm:styleLbl name="fgAcc3">
+    <dgm:scene3d>
+      <a:camera prst="orthographicFront"/>
+      <a:lightRig rig="threePt" dir="t"/>
+    </dgm:scene3d>
+    <dgm:sp3d/>
+    <dgm:txPr/>
+    <dgm:style>
+      <a:lnRef idx="1">
+        <a:scrgbClr r="0" g="0" b="0"/>
+      </a:lnRef>
+      <a:fillRef idx="1">
+        <a:scrgbClr r="0" g="0" b="0"/>
+      </a:fillRef>
+      <a:effectRef idx="0">
+        <a:scrgbClr r="0" g="0" b="0"/>
+      </a:effectRef>
+      <a:fontRef idx="minor"/>
+    </dgm:style>
+  </dgm:styleLbl>
+  <dgm:styleLbl name="fgAcc4">
+    <dgm:scene3d>
+      <a:camera prst="orthographicFront"/>
+      <a:lightRig rig="threePt" dir="t"/>
+    </dgm:scene3d>
+    <dgm:sp3d/>
+    <dgm:txPr/>
+    <dgm:style>
+      <a:lnRef idx="1">
+        <a:scrgbClr r="0" g="0" b="0"/>
+      </a:lnRef>
+      <a:fillRef idx="1">
+        <a:scrgbClr r="0" g="0" b="0"/>
+      </a:fillRef>
+      <a:effectRef idx="0">
+        <a:scrgbClr r="0" g="0" b="0"/>
+      </a:effectRef>
+      <a:fontRef idx="minor"/>
+    </dgm:style>
+  </dgm:styleLbl>
+  <dgm:styleLbl name="bgShp">
+    <dgm:scene3d>
+      <a:camera prst="orthographicFront"/>
+      <a:lightRig rig="threePt" dir="t"/>
+    </dgm:scene3d>
+    <dgm:sp3d/>
+    <dgm:txPr/>
+    <dgm:style>
+      <a:lnRef idx="0">
+        <a:scrgbClr r="0" g="0" b="0"/>
+      </a:lnRef>
+      <a:fillRef idx="1">
+        <a:scrgbClr r="0" g="0" b="0"/>
+      </a:fillRef>
+      <a:effectRef idx="2">
+        <a:scrgbClr r="0" g="0" b="0"/>
+      </a:effectRef>
+      <a:fontRef idx="minor"/>
+    </dgm:style>
+  </dgm:styleLbl>
+  <dgm:styleLbl name="dkBgShp">
+    <dgm:scene3d>
+      <a:camera prst="orthographicFront"/>
+      <a:lightRig rig="threePt" dir="t"/>
+    </dgm:scene3d>
+    <dgm:sp3d/>
+    <dgm:txPr/>
+    <dgm:style>
+      <a:lnRef idx="0">
+        <a:scrgbClr r="0" g="0" b="0"/>
+      </a:lnRef>
+      <a:fillRef idx="1">
+        <a:scrgbClr r="0" g="0" b="0"/>
+      </a:fillRef>
+      <a:effectRef idx="2">
+        <a:scrgbClr r="0" g="0" b="0"/>
+      </a:effectRef>
+      <a:fontRef idx="minor"/>
+    </dgm:style>
+  </dgm:styleLbl>
+  <dgm:styleLbl name="trBgShp">
+    <dgm:scene3d>
+      <a:camera prst="orthographicFront"/>
+      <a:lightRig rig="threePt" dir="t"/>
+    </dgm:scene3d>
+    <dgm:sp3d/>
+    <dgm:txPr/>
+    <dgm:style>
+      <a:lnRef idx="0">
+        <a:scrgbClr r="0" g="0" b="0"/>
+      </a:lnRef>
+      <a:fillRef idx="1">
+        <a:scrgbClr r="0" g="0" b="0"/>
+      </a:fillRef>
+      <a:effectRef idx="0">
+        <a:scrgbClr r="0" g="0" b="0"/>
+      </a:effectRef>
+      <a:fontRef idx="minor"/>
+    </dgm:style>
+  </dgm:styleLbl>
+  <dgm:styleLbl name="fgShp">
+    <dgm:scene3d>
+      <a:camera prst="orthographicFront"/>
+      <a:lightRig rig="threePt" dir="t"/>
+    </dgm:scene3d>
+    <dgm:sp3d/>
+    <dgm:txPr/>
+    <dgm:style>
+      <a:lnRef idx="0">
+        <a:scrgbClr r="0" g="0" b="0"/>
+      </a:lnRef>
+      <a:fillRef idx="3">
+        <a:scrgbClr r="0" g="0" b="0"/>
+      </a:fillRef>
+      <a:effectRef idx="2">
         <a:scrgbClr r="0" g="0" b="0"/>
       </a:effectRef>
       <a:fontRef idx="minor"/>
@@ -34239,7 +37083,7 @@
     <p:bg>
       <p:bgPr>
         <a:solidFill>
-          <a:schemeClr val="bg1"/>
+          <a:schemeClr val="bg2"/>
         </a:solidFill>
         <a:effectLst/>
       </p:bgPr>
@@ -34258,133 +37102,12 @@
           <a:chExt cx="0" cy="0"/>
         </a:xfrm>
       </p:grpSpPr>
-      <p:sp useBgFill="1">
-        <p:nvSpPr>
-          <p:cNvPr id="8" name="Rectangle 7">
+      <p:grpSp>
+        <p:nvGrpSpPr>
+          <p:cNvPr id="45" name="Group 44">
             <a:extLst>
               <a:ext uri="{FF2B5EF4-FFF2-40B4-BE49-F238E27FC236}">
-                <a16:creationId xmlns:a16="http://schemas.microsoft.com/office/drawing/2014/main" id="{B219AE65-9B94-44EA-BEF3-EF4BFA169C81}"/>
-              </a:ext>
-              <a:ext uri="{C183D7F6-B498-43B3-948B-1728B52AA6E4}">
-                <adec:decorative xmlns:adec="http://schemas.microsoft.com/office/drawing/2017/decorative" val="1"/>
-              </a:ext>
-            </a:extLst>
-          </p:cNvPr>
-          <p:cNvSpPr>
-            <a:spLocks noGrp="1" noRot="1" noChangeAspect="1" noMove="1" noResize="1" noEditPoints="1" noAdjustHandles="1" noChangeArrowheads="1" noChangeShapeType="1" noTextEdit="1"/>
-          </p:cNvSpPr>
-          <p:nvPr>
-            <p:extLst>
-              <p:ext uri="{386F3935-93C4-4BCD-93E2-E3B085C9AB24}">
-                <p16:designElem xmlns:p16="http://schemas.microsoft.com/office/powerpoint/2015/main" val="1"/>
-              </p:ext>
-            </p:extLst>
-          </p:nvPr>
-        </p:nvSpPr>
-        <p:spPr>
-          <a:xfrm>
-            <a:off x="0" y="0"/>
-            <a:ext cx="9144000" cy="6858000"/>
-          </a:xfrm>
-          <a:prstGeom prst="rect">
-            <a:avLst/>
-          </a:prstGeom>
-          <a:ln>
-            <a:noFill/>
-          </a:ln>
-        </p:spPr>
-        <p:style>
-          <a:lnRef idx="2">
-            <a:schemeClr val="accent1">
-              <a:shade val="50000"/>
-            </a:schemeClr>
-          </a:lnRef>
-          <a:fillRef idx="1">
-            <a:schemeClr val="accent1"/>
-          </a:fillRef>
-          <a:effectRef idx="0">
-            <a:schemeClr val="accent1"/>
-          </a:effectRef>
-          <a:fontRef idx="minor">
-            <a:schemeClr val="lt1"/>
-          </a:fontRef>
-        </p:style>
-        <p:txBody>
-          <a:bodyPr rtlCol="0" anchor="ctr"/>
-          <a:lstStyle/>
-          <a:p>
-            <a:pPr algn="ctr"/>
-            <a:endParaRPr lang="en-US"/>
-          </a:p>
-        </p:txBody>
-      </p:sp>
-      <p:sp>
-        <p:nvSpPr>
-          <p:cNvPr id="20" name="Rectangle 19">
-            <a:extLst>
-              <a:ext uri="{FF2B5EF4-FFF2-40B4-BE49-F238E27FC236}">
-                <a16:creationId xmlns:a16="http://schemas.microsoft.com/office/drawing/2014/main" id="{F0C81A57-9CD5-461B-8FFE-4A8CB6CFBE01}"/>
-              </a:ext>
-              <a:ext uri="{C183D7F6-B498-43B3-948B-1728B52AA6E4}">
-                <adec:decorative xmlns:adec="http://schemas.microsoft.com/office/drawing/2017/decorative" val="1"/>
-              </a:ext>
-            </a:extLst>
-          </p:cNvPr>
-          <p:cNvSpPr>
-            <a:spLocks noGrp="1" noRot="1" noChangeAspect="1" noMove="1" noResize="1" noEditPoints="1" noAdjustHandles="1" noChangeArrowheads="1" noChangeShapeType="1" noTextEdit="1"/>
-          </p:cNvSpPr>
-          <p:nvPr>
-            <p:extLst>
-              <p:ext uri="{386F3935-93C4-4BCD-93E2-E3B085C9AB24}">
-                <p16:designElem xmlns:p16="http://schemas.microsoft.com/office/powerpoint/2015/main" val="1"/>
-              </p:ext>
-            </p:extLst>
-          </p:nvPr>
-        </p:nvSpPr>
-        <p:spPr>
-          <a:xfrm>
-            <a:off x="8263154" y="467397"/>
-            <a:ext cx="521872" cy="5919116"/>
-          </a:xfrm>
-          <a:prstGeom prst="rect">
-            <a:avLst/>
-          </a:prstGeom>
-          <a:solidFill>
-            <a:schemeClr val="accent1"/>
-          </a:solidFill>
-          <a:ln>
-            <a:noFill/>
-          </a:ln>
-          <a:effectLst/>
-        </p:spPr>
-        <p:style>
-          <a:lnRef idx="1">
-            <a:schemeClr val="accent1"/>
-          </a:lnRef>
-          <a:fillRef idx="3">
-            <a:schemeClr val="accent1"/>
-          </a:fillRef>
-          <a:effectRef idx="2">
-            <a:schemeClr val="accent1"/>
-          </a:effectRef>
-          <a:fontRef idx="minor">
-            <a:schemeClr val="lt1"/>
-          </a:fontRef>
-        </p:style>
-        <p:txBody>
-          <a:bodyPr/>
-          <a:lstStyle/>
-          <a:p>
-            <a:endParaRPr lang="en-US"/>
-          </a:p>
-        </p:txBody>
-      </p:sp>
-      <p:grpSp>
-        <p:nvGrpSpPr>
-          <p:cNvPr id="21" name="Group 20">
-            <a:extLst>
-              <a:ext uri="{FF2B5EF4-FFF2-40B4-BE49-F238E27FC236}">
-                <a16:creationId xmlns:a16="http://schemas.microsoft.com/office/drawing/2014/main" id="{3086C462-37F4-494D-8292-CCB95221CC1A}"/>
+                <a16:creationId xmlns:a16="http://schemas.microsoft.com/office/drawing/2014/main" id="{2F448CB3-7B4F-45D7-B7C0-DF553DF61453}"/>
               </a:ext>
               <a:ext uri="{C183D7F6-B498-43B3-948B-1728B52AA6E4}">
                 <adec:decorative xmlns:adec="http://schemas.microsoft.com/office/drawing/2017/decorative" val="1"/>
@@ -34409,16 +37132,13 @@
             <a:chOff x="0" y="0"/>
             <a:chExt cx="12192000" cy="6858000"/>
           </a:xfrm>
-          <a:solidFill>
-            <a:srgbClr val="FFFFFF"/>
-          </a:solidFill>
         </p:grpSpPr>
         <p:sp>
           <p:nvSpPr>
-            <p:cNvPr id="22" name="Rectangle 21">
+            <p:cNvPr id="46" name="Rectangle 45">
               <a:extLst>
                 <a:ext uri="{FF2B5EF4-FFF2-40B4-BE49-F238E27FC236}">
-                  <a16:creationId xmlns:a16="http://schemas.microsoft.com/office/drawing/2014/main" id="{2C7D2D64-353F-4802-AA48-A70CE6020B93}"/>
+                  <a16:creationId xmlns:a16="http://schemas.microsoft.com/office/drawing/2014/main" id="{5C5305EA-7A88-413D-BE8A-47A02476F00C}"/>
                 </a:ext>
                 <a:ext uri="{C183D7F6-B498-43B3-948B-1728B52AA6E4}">
                   <adec:decorative xmlns:adec="http://schemas.microsoft.com/office/drawing/2017/decorative" val="1"/>
@@ -34442,7 +37162,26 @@
             <a:prstGeom prst="rect">
               <a:avLst/>
             </a:prstGeom>
-            <a:noFill/>
+            <a:blipFill>
+              <a:blip r:embed="rId2">
+                <a:duotone>
+                  <a:schemeClr val="dk2">
+                    <a:shade val="69000"/>
+                    <a:hueMod val="91000"/>
+                    <a:satMod val="164000"/>
+                    <a:lumMod val="74000"/>
+                  </a:schemeClr>
+                  <a:schemeClr val="dk2">
+                    <a:hueMod val="124000"/>
+                    <a:satMod val="140000"/>
+                    <a:lumMod val="142000"/>
+                  </a:schemeClr>
+                </a:duotone>
+              </a:blip>
+              <a:stretch>
+                <a:fillRect/>
+              </a:stretch>
+            </a:blipFill>
             <a:ln>
               <a:noFill/>
             </a:ln>
@@ -34473,10 +37212,10 @@
         </p:sp>
         <p:sp>
           <p:nvSpPr>
-            <p:cNvPr id="23" name="Freeform 5">
+            <p:cNvPr id="47" name="Freeform 5">
               <a:extLst>
                 <a:ext uri="{FF2B5EF4-FFF2-40B4-BE49-F238E27FC236}">
-                  <a16:creationId xmlns:a16="http://schemas.microsoft.com/office/drawing/2014/main" id="{30A6328F-CAA3-4052-BF4C-14BD47706E65}"/>
+                  <a16:creationId xmlns:a16="http://schemas.microsoft.com/office/drawing/2014/main" id="{FCA94DB5-FE56-4A3D-BC48-31B5595197FD}"/>
                 </a:ext>
                 <a:ext uri="{C183D7F6-B498-43B3-948B-1728B52AA6E4}">
                   <adec:decorative xmlns:adec="http://schemas.microsoft.com/office/drawing/2017/decorative" val="1"/>
@@ -34542,22 +37281,13 @@
                 </a:path>
               </a:pathLst>
             </a:custGeom>
+            <a:solidFill>
+              <a:srgbClr val="FFFFFF"/>
+            </a:solidFill>
             <a:ln>
               <a:noFill/>
             </a:ln>
           </p:spPr>
-          <p:style>
-            <a:lnRef idx="0">
-              <a:scrgbClr r="0" g="0" b="0"/>
-            </a:lnRef>
-            <a:fillRef idx="1002">
-              <a:schemeClr val="dk2"/>
-            </a:fillRef>
-            <a:effectRef idx="0">
-              <a:scrgbClr r="0" g="0" b="0"/>
-            </a:effectRef>
-            <a:fontRef idx="major"/>
-          </p:style>
           <p:txBody>
             <a:bodyPr/>
             <a:lstStyle/>
@@ -34579,21 +37309,20 @@
         </p:nvSpPr>
         <p:spPr>
           <a:xfrm>
-            <a:off x="750279" y="1209957"/>
-            <a:ext cx="2275935" cy="4438087"/>
+            <a:off x="866215" y="973668"/>
+            <a:ext cx="6571060" cy="706964"/>
           </a:xfrm>
         </p:spPr>
         <p:txBody>
-          <a:bodyPr anchor="ctr">
+          <a:bodyPr>
             <a:normAutofit/>
           </a:bodyPr>
           <a:lstStyle/>
           <a:p>
-            <a:pPr algn="r"/>
             <a:r>
-              <a:rPr lang="en-US" sz="2600" dirty="0">
+              <a:rPr lang="en-US">
                 <a:solidFill>
-                  <a:schemeClr val="tx1"/>
+                  <a:srgbClr val="FFFFFF"/>
                 </a:solidFill>
               </a:rPr>
               <a:t>Deployment and Key Insights</a:t>
@@ -34601,21 +37330,21 @@
           </a:p>
         </p:txBody>
       </p:sp>
-      <p:cxnSp>
-        <p:nvCxnSpPr>
-          <p:cNvPr id="24" name="Straight Connector 23">
+      <p:sp>
+        <p:nvSpPr>
+          <p:cNvPr id="49" name="Rectangle 48">
             <a:extLst>
               <a:ext uri="{FF2B5EF4-FFF2-40B4-BE49-F238E27FC236}">
-                <a16:creationId xmlns:a16="http://schemas.microsoft.com/office/drawing/2014/main" id="{AD23B2CD-009B-425A-9616-1E1AD1D5AB46}"/>
+                <a16:creationId xmlns:a16="http://schemas.microsoft.com/office/drawing/2014/main" id="{F9ED434F-8767-46CC-B26B-5AF62FF01E66}"/>
               </a:ext>
               <a:ext uri="{C183D7F6-B498-43B3-948B-1728B52AA6E4}">
                 <adec:decorative xmlns:adec="http://schemas.microsoft.com/office/drawing/2017/decorative" val="1"/>
               </a:ext>
             </a:extLst>
           </p:cNvPr>
-          <p:cNvCxnSpPr>
-            <a:cxnSpLocks noGrp="1" noRot="1" noChangeAspect="1" noMove="1" noResize="1" noEditPoints="1" noAdjustHandles="1" noChangeArrowheads="1" noChangeShapeType="1"/>
-          </p:cNvCxnSpPr>
+          <p:cNvSpPr>
+            <a:spLocks noGrp="1" noRot="1" noChangeAspect="1" noMove="1" noResize="1" noEditPoints="1" noAdjustHandles="1" noChangeArrowheads="1" noChangeShapeType="1" noTextEdit="1"/>
+          </p:cNvSpPr>
           <p:nvPr>
             <p:extLst>
               <p:ext uri="{386F3935-93C4-4BCD-93E2-E3B085C9AB24}">
@@ -34623,221 +37352,79 @@
               </p:ext>
             </p:extLst>
           </p:nvPr>
-        </p:nvCxnSpPr>
+        </p:nvSpPr>
         <p:spPr>
           <a:xfrm>
-            <a:off x="3267515" y="1930986"/>
-            <a:ext cx="0" cy="3200400"/>
+            <a:off x="7828359" y="0"/>
+            <a:ext cx="514350" cy="1143000"/>
           </a:xfrm>
-          <a:prstGeom prst="line">
+          <a:prstGeom prst="rect">
             <a:avLst/>
           </a:prstGeom>
-          <a:ln w="15875" cap="sq">
-            <a:solidFill>
-              <a:schemeClr val="tx2"/>
-            </a:solidFill>
-            <a:miter lim="800000"/>
+          <a:solidFill>
+            <a:schemeClr val="accent1"/>
+          </a:solidFill>
+          <a:ln>
+            <a:noFill/>
           </a:ln>
         </p:spPr>
         <p:style>
           <a:lnRef idx="1">
             <a:schemeClr val="accent1"/>
           </a:lnRef>
-          <a:fillRef idx="0">
+          <a:fillRef idx="3">
             <a:schemeClr val="accent1"/>
           </a:fillRef>
-          <a:effectRef idx="0">
+          <a:effectRef idx="2">
             <a:schemeClr val="accent1"/>
           </a:effectRef>
           <a:fontRef idx="minor">
-            <a:schemeClr val="tx1"/>
+            <a:schemeClr val="lt1"/>
           </a:fontRef>
         </p:style>
-      </p:cxnSp>
-      <p:sp>
-        <p:nvSpPr>
-          <p:cNvPr id="25" name="Content Placeholder 2"/>
-          <p:cNvSpPr>
-            <a:spLocks noGrp="1"/>
-          </p:cNvSpPr>
-          <p:nvPr>
-            <p:ph idx="1"/>
-          </p:nvPr>
-        </p:nvSpPr>
-        <p:spPr>
-          <a:xfrm>
-            <a:off x="3508818" y="1059025"/>
-            <a:ext cx="4513033" cy="4739950"/>
-          </a:xfrm>
-        </p:spPr>
         <p:txBody>
-          <a:bodyPr anchor="ctr">
-            <a:normAutofit lnSpcReduction="10000"/>
-          </a:bodyPr>
+          <a:bodyPr/>
           <a:lstStyle/>
           <a:p>
-            <a:pPr marL="347472" indent="-347472" algn="l" rtl="0" eaLnBrk="1" latinLnBrk="0" hangingPunct="1">
-              <a:spcBef>
-                <a:spcPts val="768"/>
-              </a:spcBef>
-              <a:buFont typeface="Arial" panose="020B0604020202020204" pitchFamily="34" charset="0"/>
-              <a:buChar char="•"/>
-            </a:pPr>
-            <a:r>
-              <a:rPr lang="en-US" sz="1600">
-                <a:solidFill>
-                  <a:srgbClr val="000000"/>
-                </a:solidFill>
-                <a:effectLst/>
-                <a:latin typeface="Calibri" panose="020F0502020204030204" pitchFamily="34" charset="0"/>
-              </a:rPr>
-              <a:t>Deployed as a real-time API for fraud detection, it can accommodate two sets of configurations:</a:t>
-            </a:r>
-          </a:p>
-          <a:p>
-            <a:pPr marL="742950" lvl="1" indent="-285750" algn="l" rtl="0" eaLnBrk="1" latinLnBrk="0" hangingPunct="1">
-              <a:spcBef>
-                <a:spcPts val="768"/>
-              </a:spcBef>
-              <a:buFont typeface="Arial" panose="020B0604020202020204" pitchFamily="34" charset="0"/>
-              <a:buChar char="•"/>
-            </a:pPr>
-            <a:r>
-              <a:rPr lang="en-US" sz="1600">
-                <a:solidFill>
-                  <a:srgbClr val="000000"/>
-                </a:solidFill>
-                <a:effectLst/>
-                <a:latin typeface="Calibri" panose="020F0502020204030204" pitchFamily="34" charset="0"/>
-              </a:rPr>
-              <a:t>Tailored for in-person transactions, focusing on reducing false positives (FP), minimizing interruptions, and prioritizing accuracy.</a:t>
-            </a:r>
-          </a:p>
-          <a:p>
-            <a:pPr marL="742950" lvl="1" indent="-285750" algn="l" rtl="0" eaLnBrk="1" latinLnBrk="0" hangingPunct="1">
-              <a:spcBef>
-                <a:spcPts val="768"/>
-              </a:spcBef>
-              <a:buFont typeface="Arial" panose="020B0604020202020204" pitchFamily="34" charset="0"/>
-              <a:buChar char="•"/>
-            </a:pPr>
-            <a:r>
-              <a:rPr lang="en-US" sz="1600">
-                <a:solidFill>
-                  <a:srgbClr val="000000"/>
-                </a:solidFill>
-                <a:effectLst/>
-                <a:latin typeface="Calibri" panose="020F0502020204030204" pitchFamily="34" charset="0"/>
-              </a:rPr>
-              <a:t>Tailored for online transactions, aiming to lower false negatives (FN) while emphasizing recall.</a:t>
-            </a:r>
-          </a:p>
-          <a:p>
-            <a:pPr marL="347472" indent="-347472" algn="l" rtl="0" eaLnBrk="1" latinLnBrk="0" hangingPunct="1">
-              <a:spcBef>
-                <a:spcPts val="768"/>
-              </a:spcBef>
-              <a:buFont typeface="Arial" panose="020B0604020202020204" pitchFamily="34" charset="0"/>
-              <a:buChar char="•"/>
-            </a:pPr>
-            <a:r>
-              <a:rPr lang="en-US" sz="1600">
-                <a:solidFill>
-                  <a:srgbClr val="000000"/>
-                </a:solidFill>
-                <a:effectLst/>
-                <a:latin typeface="Calibri" panose="020F0502020204030204" pitchFamily="34" charset="0"/>
-              </a:rPr>
-              <a:t>Benefits: Financial institutions, users, and fraud analysts all stand to gain.</a:t>
-            </a:r>
-          </a:p>
-          <a:p>
-            <a:pPr marL="347472" indent="-347472" algn="l" rtl="0" eaLnBrk="1" latinLnBrk="0" hangingPunct="1">
-              <a:spcBef>
-                <a:spcPts val="768"/>
-              </a:spcBef>
-              <a:buFont typeface="Arial" panose="020B0604020202020204" pitchFamily="34" charset="0"/>
-              <a:buChar char="•"/>
-            </a:pPr>
-            <a:r>
-              <a:rPr lang="en-US" sz="1600">
-                <a:solidFill>
-                  <a:srgbClr val="000000"/>
-                </a:solidFill>
-                <a:effectLst/>
-                <a:latin typeface="Calibri" panose="020F0502020204030204" pitchFamily="34" charset="0"/>
-              </a:rPr>
-              <a:t>Key Takeaways:</a:t>
-            </a:r>
-          </a:p>
-          <a:p>
-            <a:pPr marL="742950" lvl="1" indent="-285750" algn="l" rtl="0" eaLnBrk="1" latinLnBrk="0" hangingPunct="1">
-              <a:spcBef>
-                <a:spcPts val="768"/>
-              </a:spcBef>
-              <a:buFont typeface="Arial" panose="020B0604020202020204" pitchFamily="34" charset="0"/>
-              <a:buChar char="•"/>
-            </a:pPr>
-            <a:r>
-              <a:rPr lang="en-US" sz="1600">
-                <a:solidFill>
-                  <a:srgbClr val="000000"/>
-                </a:solidFill>
-                <a:effectLst/>
-                <a:latin typeface="Calibri" panose="020F0502020204030204" pitchFamily="34" charset="0"/>
-              </a:rPr>
-              <a:t>Importance of class balancing</a:t>
-            </a:r>
-          </a:p>
-          <a:p>
-            <a:pPr marL="742950" lvl="1" indent="-285750" algn="l" rtl="0" eaLnBrk="1" latinLnBrk="0" hangingPunct="1">
-              <a:spcBef>
-                <a:spcPts val="768"/>
-              </a:spcBef>
-              <a:buFont typeface="Arial" panose="020B0604020202020204" pitchFamily="34" charset="0"/>
-              <a:buChar char="•"/>
-            </a:pPr>
-            <a:r>
-              <a:rPr lang="en-US" sz="1600">
-                <a:solidFill>
-                  <a:srgbClr val="000000"/>
-                </a:solidFill>
-                <a:effectLst/>
-                <a:latin typeface="Calibri" panose="020F0502020204030204" pitchFamily="34" charset="0"/>
-              </a:rPr>
-              <a:t>Impact of spatial and temporal factors</a:t>
-            </a:r>
-          </a:p>
-          <a:p>
-            <a:pPr marL="742950" lvl="1" indent="-285750" algn="l" rtl="0" eaLnBrk="1" latinLnBrk="0" hangingPunct="1">
-              <a:spcBef>
-                <a:spcPts val="768"/>
-              </a:spcBef>
-              <a:buFont typeface="Arial" panose="020B0604020202020204" pitchFamily="34" charset="0"/>
-              <a:buChar char="•"/>
-            </a:pPr>
-            <a:r>
-              <a:rPr lang="en-US" sz="1600">
-                <a:solidFill>
-                  <a:srgbClr val="000000"/>
-                </a:solidFill>
-                <a:effectLst/>
-                <a:latin typeface="Calibri" panose="020F0502020204030204" pitchFamily="34" charset="0"/>
-              </a:rPr>
-              <a:t>The application of ensemble models and resampling techniques enhances performance.</a:t>
-            </a:r>
-            <a:endParaRPr dirty="0">
-              <a:solidFill>
-                <a:schemeClr val="tx1"/>
-              </a:solidFill>
-            </a:endParaRPr>
+            <a:endParaRPr lang="en-US"/>
           </a:p>
         </p:txBody>
       </p:sp>
+      <p:graphicFrame>
+        <p:nvGraphicFramePr>
+          <p:cNvPr id="27" name="Content Placeholder 2">
+            <a:extLst>
+              <a:ext uri="{FF2B5EF4-FFF2-40B4-BE49-F238E27FC236}">
+                <a16:creationId xmlns:a16="http://schemas.microsoft.com/office/drawing/2014/main" id="{DF79AF90-EB0D-66AF-DB53-980549BF2331}"/>
+              </a:ext>
+            </a:extLst>
+          </p:cNvPr>
+          <p:cNvGraphicFramePr>
+            <a:graphicFrameLocks noGrp="1"/>
+          </p:cNvGraphicFramePr>
+          <p:nvPr>
+            <p:ph idx="1"/>
+            <p:extLst>
+              <p:ext uri="{D42A27DB-BD31-4B8C-83A1-F6EECF244321}">
+                <p14:modId xmlns:p14="http://schemas.microsoft.com/office/powerpoint/2010/main" val="2245952379"/>
+              </p:ext>
+            </p:extLst>
+          </p:nvPr>
+        </p:nvGraphicFramePr>
+        <p:xfrm>
+          <a:off x="965200" y="1779640"/>
+          <a:ext cx="7219037" cy="4306528"/>
+        </p:xfrm>
+        <a:graphic>
+          <a:graphicData uri="http://schemas.openxmlformats.org/drawingml/2006/diagram">
+            <dgm:relIds xmlns:dgm="http://schemas.openxmlformats.org/drawingml/2006/diagram" xmlns:r="http://schemas.openxmlformats.org/officeDocument/2006/relationships" r:dm="rId3" r:lo="rId4" r:qs="rId5" r:cs="rId6"/>
+          </a:graphicData>
+        </a:graphic>
+      </p:graphicFrame>
     </p:spTree>
   </p:cSld>
   <p:clrMapOvr>
-    <a:masterClrMapping/>
+    <a:overrideClrMapping bg1="dk1" tx1="lt1" bg2="dk2" tx2="lt2" accent1="accent1" accent2="accent2" accent3="accent3" accent4="accent4" accent5="accent5" accent6="accent6" hlink="hlink" folHlink="folHlink"/>
   </p:clrMapOvr>
 </p:sld>
 </file>

--- a/Credit_Card_Fraud_Detection_Presentation.pptx
+++ b/Credit_Card_Fraud_Detection_Presentation.pptx
@@ -8,11 +8,17 @@
     <p:sldId id="256" r:id="rId2"/>
     <p:sldId id="257" r:id="rId3"/>
     <p:sldId id="258" r:id="rId4"/>
-    <p:sldId id="259" r:id="rId5"/>
-    <p:sldId id="260" r:id="rId6"/>
-    <p:sldId id="261" r:id="rId7"/>
-    <p:sldId id="262" r:id="rId8"/>
-    <p:sldId id="263" r:id="rId9"/>
+    <p:sldId id="264" r:id="rId5"/>
+    <p:sldId id="259" r:id="rId6"/>
+    <p:sldId id="265" r:id="rId7"/>
+    <p:sldId id="260" r:id="rId8"/>
+    <p:sldId id="266" r:id="rId9"/>
+    <p:sldId id="267" r:id="rId10"/>
+    <p:sldId id="261" r:id="rId11"/>
+    <p:sldId id="262" r:id="rId12"/>
+    <p:sldId id="268" r:id="rId13"/>
+    <p:sldId id="269" r:id="rId14"/>
+    <p:sldId id="263" r:id="rId15"/>
   </p:sldIdLst>
   <p:sldSz cx="9144000" cy="6858000" type="screen4x3"/>
   <p:notesSz cx="6858000" cy="9144000"/>
@@ -33577,6 +33583,2017 @@
 </p:sld>
 </file>
 
+<file path=ppt/slides/slide10.xml><?xml version="1.0" encoding="utf-8"?>
+<p:sld xmlns:a="http://schemas.openxmlformats.org/drawingml/2006/main" xmlns:r="http://schemas.openxmlformats.org/officeDocument/2006/relationships" xmlns:p="http://schemas.openxmlformats.org/presentationml/2006/main">
+  <p:cSld>
+    <p:bg>
+      <p:bgPr>
+        <a:solidFill>
+          <a:schemeClr val="bg1"/>
+        </a:solidFill>
+        <a:effectLst/>
+      </p:bgPr>
+    </p:bg>
+    <p:spTree>
+      <p:nvGrpSpPr>
+        <p:cNvPr id="1" name=""/>
+        <p:cNvGrpSpPr/>
+        <p:nvPr/>
+      </p:nvGrpSpPr>
+      <p:grpSpPr>
+        <a:xfrm>
+          <a:off x="0" y="0"/>
+          <a:ext cx="0" cy="0"/>
+          <a:chOff x="0" y="0"/>
+          <a:chExt cx="0" cy="0"/>
+        </a:xfrm>
+      </p:grpSpPr>
+      <p:grpSp>
+        <p:nvGrpSpPr>
+          <p:cNvPr id="17" name="Group 16">
+            <a:extLst>
+              <a:ext uri="{FF2B5EF4-FFF2-40B4-BE49-F238E27FC236}">
+                <a16:creationId xmlns:a16="http://schemas.microsoft.com/office/drawing/2014/main" id="{08BCF048-8940-4354-B9EC-5AD74E283CE3}"/>
+              </a:ext>
+              <a:ext uri="{C183D7F6-B498-43B3-948B-1728B52AA6E4}">
+                <adec:decorative xmlns:adec="http://schemas.microsoft.com/office/drawing/2017/decorative" val="1"/>
+              </a:ext>
+            </a:extLst>
+          </p:cNvPr>
+          <p:cNvGrpSpPr>
+            <a:grpSpLocks noGrp="1" noUngrp="1" noRot="1" noChangeAspect="1" noMove="1" noResize="1"/>
+          </p:cNvGrpSpPr>
+          <p:nvPr>
+            <p:extLst>
+              <p:ext uri="{386F3935-93C4-4BCD-93E2-E3B085C9AB24}">
+                <p16:designElem xmlns:p16="http://schemas.microsoft.com/office/powerpoint/2015/main" val="1"/>
+              </p:ext>
+            </p:extLst>
+          </p:nvPr>
+        </p:nvGrpSpPr>
+        <p:grpSpPr>
+          <a:xfrm>
+            <a:off x="0" y="0"/>
+            <a:ext cx="9144000" cy="6858000"/>
+            <a:chOff x="0" y="0"/>
+            <a:chExt cx="12192000" cy="6858000"/>
+          </a:xfrm>
+        </p:grpSpPr>
+        <p:sp>
+          <p:nvSpPr>
+            <p:cNvPr id="19" name="Rectangle 18">
+              <a:extLst>
+                <a:ext uri="{FF2B5EF4-FFF2-40B4-BE49-F238E27FC236}">
+                  <a16:creationId xmlns:a16="http://schemas.microsoft.com/office/drawing/2014/main" id="{D024C14A-78BD-44B0-82BE-6A0D0A27063A}"/>
+                </a:ext>
+                <a:ext uri="{C183D7F6-B498-43B3-948B-1728B52AA6E4}">
+                  <adec:decorative xmlns:adec="http://schemas.microsoft.com/office/drawing/2017/decorative" val="1"/>
+                </a:ext>
+              </a:extLst>
+            </p:cNvPr>
+            <p:cNvSpPr/>
+            <p:nvPr>
+              <p:extLst>
+                <p:ext uri="{386F3935-93C4-4BCD-93E2-E3B085C9AB24}">
+                  <p16:designElem xmlns:p16="http://schemas.microsoft.com/office/powerpoint/2015/main" val="1"/>
+                </p:ext>
+              </p:extLst>
+            </p:nvPr>
+          </p:nvSpPr>
+          <p:spPr>
+            <a:xfrm>
+              <a:off x="0" y="0"/>
+              <a:ext cx="12192000" cy="6858000"/>
+            </a:xfrm>
+            <a:prstGeom prst="rect">
+              <a:avLst/>
+            </a:prstGeom>
+            <a:blipFill>
+              <a:blip r:embed="rId2">
+                <a:duotone>
+                  <a:schemeClr val="dk2">
+                    <a:shade val="69000"/>
+                    <a:hueMod val="91000"/>
+                    <a:satMod val="164000"/>
+                    <a:lumMod val="74000"/>
+                  </a:schemeClr>
+                  <a:schemeClr val="dk2">
+                    <a:hueMod val="124000"/>
+                    <a:satMod val="140000"/>
+                    <a:lumMod val="142000"/>
+                  </a:schemeClr>
+                </a:duotone>
+              </a:blip>
+              <a:stretch>
+                <a:fillRect/>
+              </a:stretch>
+            </a:blipFill>
+            <a:ln>
+              <a:noFill/>
+            </a:ln>
+          </p:spPr>
+          <p:style>
+            <a:lnRef idx="2">
+              <a:schemeClr val="accent1">
+                <a:shade val="50000"/>
+              </a:schemeClr>
+            </a:lnRef>
+            <a:fillRef idx="1">
+              <a:schemeClr val="accent1"/>
+            </a:fillRef>
+            <a:effectRef idx="0">
+              <a:schemeClr val="accent1"/>
+            </a:effectRef>
+            <a:fontRef idx="minor">
+              <a:schemeClr val="lt1"/>
+            </a:fontRef>
+          </p:style>
+          <p:txBody>
+            <a:bodyPr/>
+            <a:lstStyle/>
+            <a:p>
+              <a:endParaRPr lang="en-US"/>
+            </a:p>
+          </p:txBody>
+        </p:sp>
+        <p:sp>
+          <p:nvSpPr>
+            <p:cNvPr id="20" name="Oval 19">
+              <a:extLst>
+                <a:ext uri="{FF2B5EF4-FFF2-40B4-BE49-F238E27FC236}">
+                  <a16:creationId xmlns:a16="http://schemas.microsoft.com/office/drawing/2014/main" id="{809F3D29-EDB1-4F1C-A0E0-36F28CE17188}"/>
+                </a:ext>
+                <a:ext uri="{C183D7F6-B498-43B3-948B-1728B52AA6E4}">
+                  <adec:decorative xmlns:adec="http://schemas.microsoft.com/office/drawing/2017/decorative" val="1"/>
+                </a:ext>
+              </a:extLst>
+            </p:cNvPr>
+            <p:cNvSpPr/>
+            <p:nvPr>
+              <p:extLst>
+                <p:ext uri="{386F3935-93C4-4BCD-93E2-E3B085C9AB24}">
+                  <p16:designElem xmlns:p16="http://schemas.microsoft.com/office/powerpoint/2015/main" val="1"/>
+                </p:ext>
+              </p:extLst>
+            </p:nvPr>
+          </p:nvSpPr>
+          <p:spPr>
+            <a:xfrm>
+              <a:off x="0" y="2667000"/>
+              <a:ext cx="4191000" cy="4191000"/>
+            </a:xfrm>
+            <a:prstGeom prst="ellipse">
+              <a:avLst/>
+            </a:prstGeom>
+            <a:gradFill flip="none" rotWithShape="1">
+              <a:gsLst>
+                <a:gs pos="0">
+                  <a:schemeClr val="accent5">
+                    <a:alpha val="11000"/>
+                  </a:schemeClr>
+                </a:gs>
+                <a:gs pos="75000">
+                  <a:schemeClr val="accent5">
+                    <a:alpha val="0"/>
+                  </a:schemeClr>
+                </a:gs>
+                <a:gs pos="36000">
+                  <a:schemeClr val="accent5">
+                    <a:alpha val="10000"/>
+                  </a:schemeClr>
+                </a:gs>
+              </a:gsLst>
+              <a:path path="circle">
+                <a:fillToRect l="50000" t="50000" r="50000" b="50000"/>
+              </a:path>
+              <a:tileRect/>
+            </a:gradFill>
+            <a:ln>
+              <a:noFill/>
+            </a:ln>
+            <a:effectLst/>
+          </p:spPr>
+          <p:style>
+            <a:lnRef idx="1">
+              <a:schemeClr val="accent1"/>
+            </a:lnRef>
+            <a:fillRef idx="3">
+              <a:schemeClr val="accent1"/>
+            </a:fillRef>
+            <a:effectRef idx="2">
+              <a:schemeClr val="accent1"/>
+            </a:effectRef>
+            <a:fontRef idx="minor">
+              <a:schemeClr val="lt1"/>
+            </a:fontRef>
+          </p:style>
+          <p:txBody>
+            <a:bodyPr/>
+            <a:lstStyle/>
+            <a:p>
+              <a:endParaRPr lang="en-US"/>
+            </a:p>
+          </p:txBody>
+        </p:sp>
+        <p:sp>
+          <p:nvSpPr>
+            <p:cNvPr id="12" name="Oval 11">
+              <a:extLst>
+                <a:ext uri="{FF2B5EF4-FFF2-40B4-BE49-F238E27FC236}">
+                  <a16:creationId xmlns:a16="http://schemas.microsoft.com/office/drawing/2014/main" id="{5282F4AB-C7B8-4A86-9927-AA106AA27B41}"/>
+                </a:ext>
+                <a:ext uri="{C183D7F6-B498-43B3-948B-1728B52AA6E4}">
+                  <adec:decorative xmlns:adec="http://schemas.microsoft.com/office/drawing/2017/decorative" val="1"/>
+                </a:ext>
+              </a:extLst>
+            </p:cNvPr>
+            <p:cNvSpPr/>
+            <p:nvPr>
+              <p:extLst>
+                <p:ext uri="{386F3935-93C4-4BCD-93E2-E3B085C9AB24}">
+                  <p16:designElem xmlns:p16="http://schemas.microsoft.com/office/powerpoint/2015/main" val="1"/>
+                </p:ext>
+              </p:extLst>
+            </p:nvPr>
+          </p:nvSpPr>
+          <p:spPr>
+            <a:xfrm>
+              <a:off x="0" y="2895600"/>
+              <a:ext cx="2362200" cy="2362200"/>
+            </a:xfrm>
+            <a:prstGeom prst="ellipse">
+              <a:avLst/>
+            </a:prstGeom>
+            <a:gradFill flip="none" rotWithShape="1">
+              <a:gsLst>
+                <a:gs pos="0">
+                  <a:schemeClr val="accent5">
+                    <a:alpha val="8000"/>
+                  </a:schemeClr>
+                </a:gs>
+                <a:gs pos="72000">
+                  <a:schemeClr val="accent5">
+                    <a:alpha val="0"/>
+                  </a:schemeClr>
+                </a:gs>
+                <a:gs pos="36000">
+                  <a:schemeClr val="accent5">
+                    <a:alpha val="8000"/>
+                  </a:schemeClr>
+                </a:gs>
+              </a:gsLst>
+              <a:path path="circle">
+                <a:fillToRect l="50000" t="50000" r="50000" b="50000"/>
+              </a:path>
+              <a:tileRect/>
+            </a:gradFill>
+            <a:ln>
+              <a:noFill/>
+            </a:ln>
+            <a:effectLst/>
+          </p:spPr>
+          <p:style>
+            <a:lnRef idx="1">
+              <a:schemeClr val="accent1"/>
+            </a:lnRef>
+            <a:fillRef idx="3">
+              <a:schemeClr val="accent1"/>
+            </a:fillRef>
+            <a:effectRef idx="2">
+              <a:schemeClr val="accent1"/>
+            </a:effectRef>
+            <a:fontRef idx="minor">
+              <a:schemeClr val="lt1"/>
+            </a:fontRef>
+          </p:style>
+          <p:txBody>
+            <a:bodyPr/>
+            <a:lstStyle/>
+            <a:p>
+              <a:endParaRPr lang="en-US"/>
+            </a:p>
+          </p:txBody>
+        </p:sp>
+        <p:sp>
+          <p:nvSpPr>
+            <p:cNvPr id="21" name="Rectangle 20">
+              <a:extLst>
+                <a:ext uri="{FF2B5EF4-FFF2-40B4-BE49-F238E27FC236}">
+                  <a16:creationId xmlns:a16="http://schemas.microsoft.com/office/drawing/2014/main" id="{60B26874-5AFA-4D1E-94A9-53AF9790D702}"/>
+                </a:ext>
+                <a:ext uri="{C183D7F6-B498-43B3-948B-1728B52AA6E4}">
+                  <adec:decorative xmlns:adec="http://schemas.microsoft.com/office/drawing/2017/decorative" val="1"/>
+                </a:ext>
+              </a:extLst>
+            </p:cNvPr>
+            <p:cNvSpPr/>
+            <p:nvPr>
+              <p:extLst>
+                <p:ext uri="{386F3935-93C4-4BCD-93E2-E3B085C9AB24}">
+                  <p16:designElem xmlns:p16="http://schemas.microsoft.com/office/powerpoint/2015/main" val="1"/>
+                </p:ext>
+              </p:extLst>
+            </p:nvPr>
+          </p:nvSpPr>
+          <p:spPr bwMode="gray">
+            <a:xfrm>
+              <a:off x="5713412" y="402165"/>
+              <a:ext cx="6055253" cy="6053670"/>
+            </a:xfrm>
+            <a:prstGeom prst="rect">
+              <a:avLst/>
+            </a:prstGeom>
+            <a:solidFill>
+              <a:schemeClr val="bg1"/>
+            </a:solidFill>
+            <a:ln>
+              <a:noFill/>
+            </a:ln>
+            <a:effectLst/>
+          </p:spPr>
+          <p:style>
+            <a:lnRef idx="1">
+              <a:schemeClr val="accent1"/>
+            </a:lnRef>
+            <a:fillRef idx="3">
+              <a:schemeClr val="accent1"/>
+            </a:fillRef>
+            <a:effectRef idx="2">
+              <a:schemeClr val="accent1"/>
+            </a:effectRef>
+            <a:fontRef idx="minor">
+              <a:schemeClr val="lt1"/>
+            </a:fontRef>
+          </p:style>
+          <p:txBody>
+            <a:bodyPr/>
+            <a:lstStyle/>
+            <a:p>
+              <a:endParaRPr lang="en-US"/>
+            </a:p>
+          </p:txBody>
+        </p:sp>
+        <p:sp>
+          <p:nvSpPr>
+            <p:cNvPr id="14" name="Freeform 5">
+              <a:extLst>
+                <a:ext uri="{FF2B5EF4-FFF2-40B4-BE49-F238E27FC236}">
+                  <a16:creationId xmlns:a16="http://schemas.microsoft.com/office/drawing/2014/main" id="{A1DA6C95-40F8-4305-89F6-17F6167C0BF2}"/>
+                </a:ext>
+                <a:ext uri="{C183D7F6-B498-43B3-948B-1728B52AA6E4}">
+                  <adec:decorative xmlns:adec="http://schemas.microsoft.com/office/drawing/2017/decorative" val="1"/>
+                </a:ext>
+              </a:extLst>
+            </p:cNvPr>
+            <p:cNvSpPr/>
+            <p:nvPr>
+              <p:extLst>
+                <p:ext uri="{386F3935-93C4-4BCD-93E2-E3B085C9AB24}">
+                  <p16:designElem xmlns:p16="http://schemas.microsoft.com/office/powerpoint/2015/main" val="1"/>
+                </p:ext>
+              </p:extLst>
+            </p:nvPr>
+          </p:nvSpPr>
+          <p:spPr bwMode="gray">
+            <a:xfrm rot="15922489">
+              <a:off x="3140485" y="1826078"/>
+              <a:ext cx="3299407" cy="440924"/>
+            </a:xfrm>
+            <a:custGeom>
+              <a:avLst/>
+              <a:gdLst/>
+              <a:ahLst/>
+              <a:cxnLst/>
+              <a:rect l="l" t="t" r="r" b="b"/>
+              <a:pathLst>
+                <a:path w="10000" h="5291">
+                  <a:moveTo>
+                    <a:pt x="85" y="2532"/>
+                  </a:moveTo>
+                  <a:cubicBezTo>
+                    <a:pt x="1736" y="3911"/>
+                    <a:pt x="7524" y="5298"/>
+                    <a:pt x="9958" y="5291"/>
+                  </a:cubicBezTo>
+                  <a:cubicBezTo>
+                    <a:pt x="9989" y="1958"/>
+                    <a:pt x="9969" y="3333"/>
+                    <a:pt x="10000" y="0"/>
+                  </a:cubicBezTo>
+                  <a:lnTo>
+                    <a:pt x="10000" y="0"/>
+                  </a:lnTo>
+                  <a:lnTo>
+                    <a:pt x="9667" y="204"/>
+                  </a:lnTo>
+                  <a:lnTo>
+                    <a:pt x="9334" y="400"/>
+                  </a:lnTo>
+                  <a:lnTo>
+                    <a:pt x="9001" y="590"/>
+                  </a:lnTo>
+                  <a:lnTo>
+                    <a:pt x="8667" y="753"/>
+                  </a:lnTo>
+                  <a:lnTo>
+                    <a:pt x="8333" y="917"/>
+                  </a:lnTo>
+                  <a:lnTo>
+                    <a:pt x="7999" y="1071"/>
+                  </a:lnTo>
+                  <a:lnTo>
+                    <a:pt x="7669" y="1202"/>
+                  </a:lnTo>
+                  <a:lnTo>
+                    <a:pt x="7333" y="1325"/>
+                  </a:lnTo>
+                  <a:lnTo>
+                    <a:pt x="7000" y="1440"/>
+                  </a:lnTo>
+                  <a:lnTo>
+                    <a:pt x="6673" y="1538"/>
+                  </a:lnTo>
+                  <a:lnTo>
+                    <a:pt x="6340" y="1636"/>
+                  </a:lnTo>
+                  <a:lnTo>
+                    <a:pt x="6013" y="1719"/>
+                  </a:lnTo>
+                  <a:lnTo>
+                    <a:pt x="5686" y="1784"/>
+                  </a:lnTo>
+                  <a:lnTo>
+                    <a:pt x="5359" y="1850"/>
+                  </a:lnTo>
+                  <a:lnTo>
+                    <a:pt x="5036" y="1906"/>
+                  </a:lnTo>
+                  <a:lnTo>
+                    <a:pt x="4717" y="1948"/>
+                  </a:lnTo>
+                  <a:lnTo>
+                    <a:pt x="4396" y="1980"/>
+                  </a:lnTo>
+                  <a:lnTo>
+                    <a:pt x="4079" y="2013"/>
+                  </a:lnTo>
+                  <a:lnTo>
+                    <a:pt x="3766" y="2029"/>
+                  </a:lnTo>
+                  <a:lnTo>
+                    <a:pt x="3454" y="2046"/>
+                  </a:lnTo>
+                  <a:lnTo>
+                    <a:pt x="3145" y="2053"/>
+                  </a:lnTo>
+                  <a:lnTo>
+                    <a:pt x="2839" y="2046"/>
+                  </a:lnTo>
+                  <a:lnTo>
+                    <a:pt x="2537" y="2046"/>
+                  </a:lnTo>
+                  <a:lnTo>
+                    <a:pt x="2238" y="2029"/>
+                  </a:lnTo>
+                  <a:lnTo>
+                    <a:pt x="1943" y="2004"/>
+                  </a:lnTo>
+                  <a:lnTo>
+                    <a:pt x="1653" y="1980"/>
+                  </a:lnTo>
+                  <a:lnTo>
+                    <a:pt x="1368" y="1955"/>
+                  </a:lnTo>
+                  <a:lnTo>
+                    <a:pt x="1085" y="1915"/>
+                  </a:lnTo>
+                  <a:lnTo>
+                    <a:pt x="806" y="1873"/>
+                  </a:lnTo>
+                  <a:lnTo>
+                    <a:pt x="533" y="1833"/>
+                  </a:lnTo>
+                  <a:lnTo>
+                    <a:pt x="0" y="1726"/>
+                  </a:lnTo>
+                  <a:cubicBezTo>
+                    <a:pt x="28" y="1995"/>
+                    <a:pt x="57" y="2263"/>
+                    <a:pt x="85" y="2532"/>
+                  </a:cubicBezTo>
+                  <a:close/>
+                </a:path>
+              </a:pathLst>
+            </a:custGeom>
+            <a:solidFill>
+              <a:schemeClr val="bg1">
+                <a:alpha val="20000"/>
+              </a:schemeClr>
+            </a:solidFill>
+            <a:ln>
+              <a:noFill/>
+            </a:ln>
+          </p:spPr>
+          <p:txBody>
+            <a:bodyPr/>
+            <a:lstStyle/>
+            <a:p>
+              <a:endParaRPr lang="en-US"/>
+            </a:p>
+          </p:txBody>
+        </p:sp>
+        <p:sp>
+          <p:nvSpPr>
+            <p:cNvPr id="15" name="Freeform 5">
+              <a:extLst>
+                <a:ext uri="{FF2B5EF4-FFF2-40B4-BE49-F238E27FC236}">
+                  <a16:creationId xmlns:a16="http://schemas.microsoft.com/office/drawing/2014/main" id="{A2FA2D29-AEEE-4FFA-B233-94FBE84C9B41}"/>
+                </a:ext>
+                <a:ext uri="{C183D7F6-B498-43B3-948B-1728B52AA6E4}">
+                  <adec:decorative xmlns:adec="http://schemas.microsoft.com/office/drawing/2017/decorative" val="1"/>
+                </a:ext>
+              </a:extLst>
+            </p:cNvPr>
+            <p:cNvSpPr/>
+            <p:nvPr>
+              <p:extLst>
+                <p:ext uri="{386F3935-93C4-4BCD-93E2-E3B085C9AB24}">
+                  <p16:designElem xmlns:p16="http://schemas.microsoft.com/office/powerpoint/2015/main" val="1"/>
+                </p:ext>
+              </p:extLst>
+            </p:nvPr>
+          </p:nvSpPr>
+          <p:spPr bwMode="gray">
+            <a:xfrm rot="16200000">
+              <a:off x="2229377" y="2801721"/>
+              <a:ext cx="6053670" cy="1254558"/>
+            </a:xfrm>
+            <a:custGeom>
+              <a:avLst/>
+              <a:gdLst/>
+              <a:ahLst/>
+              <a:cxnLst/>
+              <a:rect l="l" t="t" r="r" b="b"/>
+              <a:pathLst>
+                <a:path w="10000" h="8000">
+                  <a:moveTo>
+                    <a:pt x="0" y="0"/>
+                  </a:moveTo>
+                  <a:lnTo>
+                    <a:pt x="0" y="7970"/>
+                  </a:lnTo>
+                  <a:lnTo>
+                    <a:pt x="10000" y="8000"/>
+                  </a:lnTo>
+                  <a:lnTo>
+                    <a:pt x="10000" y="7"/>
+                  </a:lnTo>
+                  <a:lnTo>
+                    <a:pt x="10000" y="7"/>
+                  </a:lnTo>
+                  <a:lnTo>
+                    <a:pt x="9773" y="156"/>
+                  </a:lnTo>
+                  <a:lnTo>
+                    <a:pt x="9547" y="298"/>
+                  </a:lnTo>
+                  <a:lnTo>
+                    <a:pt x="9320" y="437"/>
+                  </a:lnTo>
+                  <a:lnTo>
+                    <a:pt x="9092" y="556"/>
+                  </a:lnTo>
+                  <a:lnTo>
+                    <a:pt x="8865" y="676"/>
+                  </a:lnTo>
+                  <a:lnTo>
+                    <a:pt x="8637" y="788"/>
+                  </a:lnTo>
+                  <a:lnTo>
+                    <a:pt x="8412" y="884"/>
+                  </a:lnTo>
+                  <a:lnTo>
+                    <a:pt x="8184" y="975"/>
+                  </a:lnTo>
+                  <a:lnTo>
+                    <a:pt x="7957" y="1058"/>
+                  </a:lnTo>
+                  <a:lnTo>
+                    <a:pt x="7734" y="1130"/>
+                  </a:lnTo>
+                  <a:lnTo>
+                    <a:pt x="7508" y="1202"/>
+                  </a:lnTo>
+                  <a:lnTo>
+                    <a:pt x="7285" y="1262"/>
+                  </a:lnTo>
+                  <a:lnTo>
+                    <a:pt x="7062" y="1309"/>
+                  </a:lnTo>
+                  <a:lnTo>
+                    <a:pt x="6840" y="1358"/>
+                  </a:lnTo>
+                  <a:lnTo>
+                    <a:pt x="6620" y="1399"/>
+                  </a:lnTo>
+                  <a:lnTo>
+                    <a:pt x="6402" y="1428"/>
+                  </a:lnTo>
+                  <a:lnTo>
+                    <a:pt x="6184" y="1453"/>
+                  </a:lnTo>
+                  <a:lnTo>
+                    <a:pt x="5968" y="1477"/>
+                  </a:lnTo>
+                  <a:lnTo>
+                    <a:pt x="5755" y="1488"/>
+                  </a:lnTo>
+                  <a:lnTo>
+                    <a:pt x="5542" y="1500"/>
+                  </a:lnTo>
+                  <a:lnTo>
+                    <a:pt x="5332" y="1506"/>
+                  </a:lnTo>
+                  <a:lnTo>
+                    <a:pt x="5124" y="1500"/>
+                  </a:lnTo>
+                  <a:lnTo>
+                    <a:pt x="4918" y="1500"/>
+                  </a:lnTo>
+                  <a:lnTo>
+                    <a:pt x="4714" y="1488"/>
+                  </a:lnTo>
+                  <a:lnTo>
+                    <a:pt x="4514" y="1470"/>
+                  </a:lnTo>
+                  <a:lnTo>
+                    <a:pt x="4316" y="1453"/>
+                  </a:lnTo>
+                  <a:lnTo>
+                    <a:pt x="4122" y="1434"/>
+                  </a:lnTo>
+                  <a:lnTo>
+                    <a:pt x="3929" y="1405"/>
+                  </a:lnTo>
+                  <a:lnTo>
+                    <a:pt x="3739" y="1374"/>
+                  </a:lnTo>
+                  <a:lnTo>
+                    <a:pt x="3553" y="1346"/>
+                  </a:lnTo>
+                  <a:lnTo>
+                    <a:pt x="3190" y="1267"/>
+                  </a:lnTo>
+                  <a:lnTo>
+                    <a:pt x="2842" y="1183"/>
+                  </a:lnTo>
+                  <a:lnTo>
+                    <a:pt x="2508" y="1095"/>
+                  </a:lnTo>
+                  <a:lnTo>
+                    <a:pt x="2192" y="998"/>
+                  </a:lnTo>
+                  <a:lnTo>
+                    <a:pt x="1890" y="897"/>
+                  </a:lnTo>
+                  <a:lnTo>
+                    <a:pt x="1610" y="788"/>
+                  </a:lnTo>
+                  <a:lnTo>
+                    <a:pt x="1347" y="681"/>
+                  </a:lnTo>
+                  <a:lnTo>
+                    <a:pt x="1105" y="574"/>
+                  </a:lnTo>
+                  <a:lnTo>
+                    <a:pt x="883" y="473"/>
+                  </a:lnTo>
+                  <a:lnTo>
+                    <a:pt x="686" y="377"/>
+                  </a:lnTo>
+                  <a:lnTo>
+                    <a:pt x="508" y="286"/>
+                  </a:lnTo>
+                  <a:lnTo>
+                    <a:pt x="358" y="210"/>
+                  </a:lnTo>
+                  <a:lnTo>
+                    <a:pt x="232" y="138"/>
+                  </a:lnTo>
+                  <a:lnTo>
+                    <a:pt x="59" y="35"/>
+                  </a:lnTo>
+                  <a:lnTo>
+                    <a:pt x="0" y="0"/>
+                  </a:lnTo>
+                  <a:lnTo>
+                    <a:pt x="0" y="0"/>
+                  </a:lnTo>
+                  <a:close/>
+                </a:path>
+              </a:pathLst>
+            </a:custGeom>
+            <a:solidFill>
+              <a:schemeClr val="bg1"/>
+            </a:solidFill>
+            <a:ln>
+              <a:noFill/>
+            </a:ln>
+          </p:spPr>
+          <p:txBody>
+            <a:bodyPr/>
+            <a:lstStyle/>
+            <a:p>
+              <a:endParaRPr lang="en-US"/>
+            </a:p>
+          </p:txBody>
+        </p:sp>
+        <p:sp>
+          <p:nvSpPr>
+            <p:cNvPr id="16" name="Freeform 5">
+              <a:extLst>
+                <a:ext uri="{FF2B5EF4-FFF2-40B4-BE49-F238E27FC236}">
+                  <a16:creationId xmlns:a16="http://schemas.microsoft.com/office/drawing/2014/main" id="{6DA5143E-FA8E-4EC1-99F7-35AE5AD4E377}"/>
+                </a:ext>
+                <a:ext uri="{C183D7F6-B498-43B3-948B-1728B52AA6E4}">
+                  <adec:decorative xmlns:adec="http://schemas.microsoft.com/office/drawing/2017/decorative" val="1"/>
+                </a:ext>
+              </a:extLst>
+            </p:cNvPr>
+            <p:cNvSpPr>
+              <a:spLocks noEditPoints="1"/>
+            </p:cNvSpPr>
+            <p:nvPr>
+              <p:extLst>
+                <p:ext uri="{386F3935-93C4-4BCD-93E2-E3B085C9AB24}">
+                  <p16:designElem xmlns:p16="http://schemas.microsoft.com/office/powerpoint/2015/main" val="1"/>
+                </p:ext>
+              </p:extLst>
+            </p:nvPr>
+          </p:nvSpPr>
+          <p:spPr bwMode="gray">
+            <a:xfrm>
+              <a:off x="0" y="1587"/>
+              <a:ext cx="12192000" cy="6856413"/>
+            </a:xfrm>
+            <a:custGeom>
+              <a:avLst/>
+              <a:gdLst/>
+              <a:ahLst/>
+              <a:cxnLst/>
+              <a:rect l="0" t="0" r="r" b="b"/>
+              <a:pathLst>
+                <a:path w="15356" h="8638">
+                  <a:moveTo>
+                    <a:pt x="0" y="0"/>
+                  </a:moveTo>
+                  <a:lnTo>
+                    <a:pt x="0" y="8638"/>
+                  </a:lnTo>
+                  <a:lnTo>
+                    <a:pt x="15356" y="8638"/>
+                  </a:lnTo>
+                  <a:lnTo>
+                    <a:pt x="15356" y="0"/>
+                  </a:lnTo>
+                  <a:lnTo>
+                    <a:pt x="0" y="0"/>
+                  </a:lnTo>
+                  <a:close/>
+                  <a:moveTo>
+                    <a:pt x="14748" y="8038"/>
+                  </a:moveTo>
+                  <a:lnTo>
+                    <a:pt x="600" y="8038"/>
+                  </a:lnTo>
+                  <a:lnTo>
+                    <a:pt x="600" y="592"/>
+                  </a:lnTo>
+                  <a:lnTo>
+                    <a:pt x="14748" y="592"/>
+                  </a:lnTo>
+                  <a:lnTo>
+                    <a:pt x="14748" y="8038"/>
+                  </a:lnTo>
+                  <a:close/>
+                </a:path>
+              </a:pathLst>
+            </a:custGeom>
+            <a:solidFill>
+              <a:schemeClr val="bg1"/>
+            </a:solidFill>
+            <a:ln>
+              <a:noFill/>
+            </a:ln>
+          </p:spPr>
+          <p:txBody>
+            <a:bodyPr/>
+            <a:lstStyle/>
+            <a:p>
+              <a:endParaRPr lang="en-US"/>
+            </a:p>
+          </p:txBody>
+        </p:sp>
+      </p:grpSp>
+      <p:sp>
+        <p:nvSpPr>
+          <p:cNvPr id="2" name="Title 1"/>
+          <p:cNvSpPr>
+            <a:spLocks noGrp="1"/>
+          </p:cNvSpPr>
+          <p:nvPr>
+            <p:ph type="title"/>
+          </p:nvPr>
+        </p:nvSpPr>
+        <p:spPr>
+          <a:xfrm>
+            <a:off x="866216" y="973667"/>
+            <a:ext cx="2206657" cy="4833745"/>
+          </a:xfrm>
+        </p:spPr>
+        <p:txBody>
+          <a:bodyPr>
+            <a:normAutofit/>
+          </a:bodyPr>
+          <a:lstStyle/>
+          <a:p>
+            <a:r>
+              <a:rPr lang="en-US" sz="2200">
+                <a:solidFill>
+                  <a:srgbClr val="EBEBEB"/>
+                </a:solidFill>
+              </a:rPr>
+              <a:t>Model Development</a:t>
+            </a:r>
+          </a:p>
+        </p:txBody>
+      </p:sp>
+      <p:sp>
+        <p:nvSpPr>
+          <p:cNvPr id="18" name="Rectangle 17">
+            <a:extLst>
+              <a:ext uri="{FF2B5EF4-FFF2-40B4-BE49-F238E27FC236}">
+                <a16:creationId xmlns:a16="http://schemas.microsoft.com/office/drawing/2014/main" id="{CC28BCC9-4093-4FD5-83EB-7EC297F51396}"/>
+              </a:ext>
+              <a:ext uri="{C183D7F6-B498-43B3-948B-1728B52AA6E4}">
+                <adec:decorative xmlns:adec="http://schemas.microsoft.com/office/drawing/2017/decorative" val="1"/>
+              </a:ext>
+            </a:extLst>
+          </p:cNvPr>
+          <p:cNvSpPr>
+            <a:spLocks noGrp="1" noRot="1" noChangeAspect="1" noMove="1" noResize="1" noEditPoints="1" noAdjustHandles="1" noChangeArrowheads="1" noChangeShapeType="1" noTextEdit="1"/>
+          </p:cNvSpPr>
+          <p:nvPr>
+            <p:extLst>
+              <p:ext uri="{386F3935-93C4-4BCD-93E2-E3B085C9AB24}">
+                <p16:designElem xmlns:p16="http://schemas.microsoft.com/office/powerpoint/2015/main" val="1"/>
+              </p:ext>
+            </p:extLst>
+          </p:nvPr>
+        </p:nvSpPr>
+        <p:spPr>
+          <a:xfrm>
+            <a:off x="7828359" y="0"/>
+            <a:ext cx="514350" cy="1143000"/>
+          </a:xfrm>
+          <a:prstGeom prst="rect">
+            <a:avLst/>
+          </a:prstGeom>
+          <a:solidFill>
+            <a:schemeClr val="accent1"/>
+          </a:solidFill>
+          <a:ln>
+            <a:noFill/>
+          </a:ln>
+        </p:spPr>
+        <p:style>
+          <a:lnRef idx="1">
+            <a:schemeClr val="accent1"/>
+          </a:lnRef>
+          <a:fillRef idx="3">
+            <a:schemeClr val="accent1"/>
+          </a:fillRef>
+          <a:effectRef idx="2">
+            <a:schemeClr val="accent1"/>
+          </a:effectRef>
+          <a:fontRef idx="minor">
+            <a:schemeClr val="lt1"/>
+          </a:fontRef>
+        </p:style>
+        <p:txBody>
+          <a:bodyPr/>
+          <a:lstStyle/>
+          <a:p>
+            <a:endParaRPr lang="en-US"/>
+          </a:p>
+        </p:txBody>
+      </p:sp>
+      <p:graphicFrame>
+        <p:nvGraphicFramePr>
+          <p:cNvPr id="22" name="Content Placeholder 2">
+            <a:extLst>
+              <a:ext uri="{FF2B5EF4-FFF2-40B4-BE49-F238E27FC236}">
+                <a16:creationId xmlns:a16="http://schemas.microsoft.com/office/drawing/2014/main" id="{10A68142-D57F-4F14-F698-413E8CD093B1}"/>
+              </a:ext>
+            </a:extLst>
+          </p:cNvPr>
+          <p:cNvGraphicFramePr>
+            <a:graphicFrameLocks noGrp="1"/>
+          </p:cNvGraphicFramePr>
+          <p:nvPr>
+            <p:ph idx="1"/>
+            <p:extLst>
+              <p:ext uri="{D42A27DB-BD31-4B8C-83A1-F6EECF244321}">
+                <p14:modId xmlns:p14="http://schemas.microsoft.com/office/powerpoint/2010/main" val="76213488"/>
+              </p:ext>
+            </p:extLst>
+          </p:nvPr>
+        </p:nvGraphicFramePr>
+        <p:xfrm>
+          <a:off x="3895725" y="808038"/>
+          <a:ext cx="4793456" cy="5246687"/>
+        </p:xfrm>
+        <a:graphic>
+          <a:graphicData uri="http://schemas.openxmlformats.org/drawingml/2006/diagram">
+            <dgm:relIds xmlns:dgm="http://schemas.openxmlformats.org/drawingml/2006/diagram" xmlns:r="http://schemas.openxmlformats.org/officeDocument/2006/relationships" r:dm="rId3" r:lo="rId4" r:qs="rId5" r:cs="rId6"/>
+          </a:graphicData>
+        </a:graphic>
+      </p:graphicFrame>
+    </p:spTree>
+  </p:cSld>
+  <p:clrMapOvr>
+    <a:masterClrMapping/>
+  </p:clrMapOvr>
+</p:sld>
+</file>
+
+<file path=ppt/slides/slide11.xml><?xml version="1.0" encoding="utf-8"?>
+<p:sld xmlns:a="http://schemas.openxmlformats.org/drawingml/2006/main" xmlns:r="http://schemas.openxmlformats.org/officeDocument/2006/relationships" xmlns:p="http://schemas.openxmlformats.org/presentationml/2006/main">
+  <p:cSld>
+    <p:bg>
+      <p:bgPr>
+        <a:blipFill rotWithShape="1">
+          <a:blip r:embed="rId2">
+            <a:duotone>
+              <a:schemeClr val="bg2">
+                <a:shade val="69000"/>
+                <a:hueMod val="91000"/>
+                <a:satMod val="164000"/>
+                <a:lumMod val="74000"/>
+              </a:schemeClr>
+              <a:schemeClr val="bg2">
+                <a:hueMod val="124000"/>
+                <a:satMod val="140000"/>
+                <a:lumMod val="142000"/>
+              </a:schemeClr>
+            </a:duotone>
+          </a:blip>
+          <a:stretch/>
+        </a:blipFill>
+        <a:effectLst/>
+      </p:bgPr>
+    </p:bg>
+    <p:spTree>
+      <p:nvGrpSpPr>
+        <p:cNvPr id="1" name=""/>
+        <p:cNvGrpSpPr/>
+        <p:nvPr/>
+      </p:nvGrpSpPr>
+      <p:grpSpPr>
+        <a:xfrm>
+          <a:off x="0" y="0"/>
+          <a:ext cx="0" cy="0"/>
+          <a:chOff x="0" y="0"/>
+          <a:chExt cx="0" cy="0"/>
+        </a:xfrm>
+      </p:grpSpPr>
+      <p:sp useBgFill="1">
+        <p:nvSpPr>
+          <p:cNvPr id="8" name="Rectangle 7">
+            <a:extLst>
+              <a:ext uri="{FF2B5EF4-FFF2-40B4-BE49-F238E27FC236}">
+                <a16:creationId xmlns:a16="http://schemas.microsoft.com/office/drawing/2014/main" id="{C314C310-850D-4491-AA52-C75BEA68B68C}"/>
+              </a:ext>
+              <a:ext uri="{C183D7F6-B498-43B3-948B-1728B52AA6E4}">
+                <adec:decorative xmlns:adec="http://schemas.microsoft.com/office/drawing/2017/decorative" val="1"/>
+              </a:ext>
+            </a:extLst>
+          </p:cNvPr>
+          <p:cNvSpPr>
+            <a:spLocks noGrp="1" noRot="1" noChangeAspect="1" noMove="1" noResize="1" noEditPoints="1" noAdjustHandles="1" noChangeArrowheads="1" noChangeShapeType="1" noTextEdit="1"/>
+          </p:cNvSpPr>
+          <p:nvPr>
+            <p:extLst>
+              <p:ext uri="{386F3935-93C4-4BCD-93E2-E3B085C9AB24}">
+                <p16:designElem xmlns:p16="http://schemas.microsoft.com/office/powerpoint/2015/main" val="1"/>
+              </p:ext>
+            </p:extLst>
+          </p:nvPr>
+        </p:nvSpPr>
+        <p:spPr>
+          <a:xfrm>
+            <a:off x="0" y="0"/>
+            <a:ext cx="9144000" cy="6858000"/>
+          </a:xfrm>
+          <a:prstGeom prst="rect">
+            <a:avLst/>
+          </a:prstGeom>
+          <a:ln>
+            <a:noFill/>
+          </a:ln>
+        </p:spPr>
+        <p:style>
+          <a:lnRef idx="2">
+            <a:schemeClr val="accent1">
+              <a:shade val="50000"/>
+            </a:schemeClr>
+          </a:lnRef>
+          <a:fillRef idx="1">
+            <a:schemeClr val="accent1"/>
+          </a:fillRef>
+          <a:effectRef idx="0">
+            <a:schemeClr val="accent1"/>
+          </a:effectRef>
+          <a:fontRef idx="minor">
+            <a:schemeClr val="lt1"/>
+          </a:fontRef>
+        </p:style>
+        <p:txBody>
+          <a:bodyPr rtlCol="0" anchor="ctr"/>
+          <a:lstStyle/>
+          <a:p>
+            <a:pPr algn="ctr"/>
+            <a:endParaRPr lang="en-US"/>
+          </a:p>
+        </p:txBody>
+      </p:sp>
+      <p:grpSp>
+        <p:nvGrpSpPr>
+          <p:cNvPr id="10" name="Group 9">
+            <a:extLst>
+              <a:ext uri="{FF2B5EF4-FFF2-40B4-BE49-F238E27FC236}">
+                <a16:creationId xmlns:a16="http://schemas.microsoft.com/office/drawing/2014/main" id="{D4EC3799-3F52-48CE-85CC-83AED368EB42}"/>
+              </a:ext>
+              <a:ext uri="{C183D7F6-B498-43B3-948B-1728B52AA6E4}">
+                <adec:decorative xmlns:adec="http://schemas.microsoft.com/office/drawing/2017/decorative" val="1"/>
+              </a:ext>
+            </a:extLst>
+          </p:cNvPr>
+          <p:cNvGrpSpPr>
+            <a:grpSpLocks noGrp="1" noUngrp="1" noRot="1" noChangeAspect="1" noMove="1" noResize="1"/>
+          </p:cNvGrpSpPr>
+          <p:nvPr>
+            <p:extLst>
+              <p:ext uri="{386F3935-93C4-4BCD-93E2-E3B085C9AB24}">
+                <p16:designElem xmlns:p16="http://schemas.microsoft.com/office/powerpoint/2015/main" val="1"/>
+              </p:ext>
+            </p:extLst>
+          </p:nvPr>
+        </p:nvGrpSpPr>
+        <p:grpSpPr>
+          <a:xfrm>
+            <a:off x="0" y="0"/>
+            <a:ext cx="9144000" cy="6858000"/>
+            <a:chOff x="0" y="0"/>
+            <a:chExt cx="12192000" cy="6858000"/>
+          </a:xfrm>
+        </p:grpSpPr>
+        <p:sp>
+          <p:nvSpPr>
+            <p:cNvPr id="11" name="Rectangle 10">
+              <a:extLst>
+                <a:ext uri="{FF2B5EF4-FFF2-40B4-BE49-F238E27FC236}">
+                  <a16:creationId xmlns:a16="http://schemas.microsoft.com/office/drawing/2014/main" id="{F3FC2939-BF10-4CBC-904B-74A17D4B9C35}"/>
+                </a:ext>
+                <a:ext uri="{C183D7F6-B498-43B3-948B-1728B52AA6E4}">
+                  <adec:decorative xmlns:adec="http://schemas.microsoft.com/office/drawing/2017/decorative" val="1"/>
+                </a:ext>
+              </a:extLst>
+            </p:cNvPr>
+            <p:cNvSpPr/>
+            <p:nvPr>
+              <p:extLst>
+                <p:ext uri="{386F3935-93C4-4BCD-93E2-E3B085C9AB24}">
+                  <p16:designElem xmlns:p16="http://schemas.microsoft.com/office/powerpoint/2015/main" val="1"/>
+                </p:ext>
+              </p:extLst>
+            </p:nvPr>
+          </p:nvSpPr>
+          <p:spPr>
+            <a:xfrm>
+              <a:off x="0" y="0"/>
+              <a:ext cx="12192000" cy="6858000"/>
+            </a:xfrm>
+            <a:prstGeom prst="rect">
+              <a:avLst/>
+            </a:prstGeom>
+            <a:noFill/>
+            <a:ln>
+              <a:noFill/>
+            </a:ln>
+          </p:spPr>
+          <p:style>
+            <a:lnRef idx="2">
+              <a:schemeClr val="accent1">
+                <a:shade val="50000"/>
+              </a:schemeClr>
+            </a:lnRef>
+            <a:fillRef idx="1">
+              <a:schemeClr val="accent1"/>
+            </a:fillRef>
+            <a:effectRef idx="0">
+              <a:schemeClr val="accent1"/>
+            </a:effectRef>
+            <a:fontRef idx="minor">
+              <a:schemeClr val="lt1"/>
+            </a:fontRef>
+          </p:style>
+          <p:txBody>
+            <a:bodyPr/>
+            <a:lstStyle/>
+            <a:p>
+              <a:endParaRPr lang="en-US"/>
+            </a:p>
+          </p:txBody>
+        </p:sp>
+        <p:sp>
+          <p:nvSpPr>
+            <p:cNvPr id="12" name="Freeform 5">
+              <a:extLst>
+                <a:ext uri="{FF2B5EF4-FFF2-40B4-BE49-F238E27FC236}">
+                  <a16:creationId xmlns:a16="http://schemas.microsoft.com/office/drawing/2014/main" id="{266B6D5D-11B6-40A6-9CEF-F0B0D104C5C6}"/>
+                </a:ext>
+                <a:ext uri="{C183D7F6-B498-43B3-948B-1728B52AA6E4}">
+                  <adec:decorative xmlns:adec="http://schemas.microsoft.com/office/drawing/2017/decorative" val="1"/>
+                </a:ext>
+              </a:extLst>
+            </p:cNvPr>
+            <p:cNvSpPr>
+              <a:spLocks noEditPoints="1"/>
+            </p:cNvSpPr>
+            <p:nvPr>
+              <p:extLst>
+                <p:ext uri="{386F3935-93C4-4BCD-93E2-E3B085C9AB24}">
+                  <p16:designElem xmlns:p16="http://schemas.microsoft.com/office/powerpoint/2015/main" val="1"/>
+                </p:ext>
+              </p:extLst>
+            </p:nvPr>
+          </p:nvSpPr>
+          <p:spPr bwMode="gray">
+            <a:xfrm>
+              <a:off x="0" y="1587"/>
+              <a:ext cx="12192000" cy="6856413"/>
+            </a:xfrm>
+            <a:custGeom>
+              <a:avLst/>
+              <a:gdLst/>
+              <a:ahLst/>
+              <a:cxnLst/>
+              <a:rect l="0" t="0" r="r" b="b"/>
+              <a:pathLst>
+                <a:path w="15356" h="8638">
+                  <a:moveTo>
+                    <a:pt x="0" y="0"/>
+                  </a:moveTo>
+                  <a:lnTo>
+                    <a:pt x="0" y="8638"/>
+                  </a:lnTo>
+                  <a:lnTo>
+                    <a:pt x="15356" y="8638"/>
+                  </a:lnTo>
+                  <a:lnTo>
+                    <a:pt x="15356" y="0"/>
+                  </a:lnTo>
+                  <a:lnTo>
+                    <a:pt x="0" y="0"/>
+                  </a:lnTo>
+                  <a:close/>
+                  <a:moveTo>
+                    <a:pt x="14748" y="8038"/>
+                  </a:moveTo>
+                  <a:lnTo>
+                    <a:pt x="600" y="8038"/>
+                  </a:lnTo>
+                  <a:lnTo>
+                    <a:pt x="600" y="592"/>
+                  </a:lnTo>
+                  <a:lnTo>
+                    <a:pt x="14748" y="592"/>
+                  </a:lnTo>
+                  <a:lnTo>
+                    <a:pt x="14748" y="8038"/>
+                  </a:lnTo>
+                  <a:close/>
+                </a:path>
+              </a:pathLst>
+            </a:custGeom>
+            <a:solidFill>
+              <a:schemeClr val="tx1"/>
+            </a:solidFill>
+            <a:ln>
+              <a:noFill/>
+            </a:ln>
+          </p:spPr>
+          <p:txBody>
+            <a:bodyPr/>
+            <a:lstStyle/>
+            <a:p>
+              <a:endParaRPr lang="en-US"/>
+            </a:p>
+          </p:txBody>
+        </p:sp>
+      </p:grpSp>
+      <p:sp>
+        <p:nvSpPr>
+          <p:cNvPr id="2" name="Title 1"/>
+          <p:cNvSpPr>
+            <a:spLocks noGrp="1"/>
+          </p:cNvSpPr>
+          <p:nvPr>
+            <p:ph type="title"/>
+          </p:nvPr>
+        </p:nvSpPr>
+        <p:spPr>
+          <a:xfrm>
+            <a:off x="627185" y="1085549"/>
+            <a:ext cx="2573210" cy="4686903"/>
+          </a:xfrm>
+        </p:spPr>
+        <p:txBody>
+          <a:bodyPr anchor="ctr">
+            <a:normAutofit/>
+          </a:bodyPr>
+          <a:lstStyle/>
+          <a:p>
+            <a:pPr algn="r"/>
+            <a:r>
+              <a:rPr lang="en-US" sz="2700">
+                <a:solidFill>
+                  <a:schemeClr val="tx1"/>
+                </a:solidFill>
+              </a:rPr>
+              <a:t>Model Performance</a:t>
+            </a:r>
+          </a:p>
+        </p:txBody>
+      </p:sp>
+      <p:cxnSp>
+        <p:nvCxnSpPr>
+          <p:cNvPr id="14" name="Straight Connector 13">
+            <a:extLst>
+              <a:ext uri="{FF2B5EF4-FFF2-40B4-BE49-F238E27FC236}">
+                <a16:creationId xmlns:a16="http://schemas.microsoft.com/office/drawing/2014/main" id="{789E20C7-BB50-4317-93C7-90C8ED80B275}"/>
+              </a:ext>
+              <a:ext uri="{C183D7F6-B498-43B3-948B-1728B52AA6E4}">
+                <adec:decorative xmlns:adec="http://schemas.microsoft.com/office/drawing/2017/decorative" val="1"/>
+              </a:ext>
+            </a:extLst>
+          </p:cNvPr>
+          <p:cNvCxnSpPr>
+            <a:cxnSpLocks noGrp="1" noRot="1" noChangeAspect="1" noMove="1" noResize="1" noEditPoints="1" noAdjustHandles="1" noChangeArrowheads="1" noChangeShapeType="1"/>
+          </p:cNvCxnSpPr>
+          <p:nvPr>
+            <p:extLst>
+              <p:ext uri="{386F3935-93C4-4BCD-93E2-E3B085C9AB24}">
+                <p16:designElem xmlns:p16="http://schemas.microsoft.com/office/powerpoint/2015/main" val="1"/>
+              </p:ext>
+            </p:extLst>
+          </p:nvPr>
+        </p:nvCxnSpPr>
+        <p:spPr>
+          <a:xfrm>
+            <a:off x="3490722" y="1930986"/>
+            <a:ext cx="0" cy="3200400"/>
+          </a:xfrm>
+          <a:prstGeom prst="line">
+            <a:avLst/>
+          </a:prstGeom>
+          <a:ln w="15875" cap="sq">
+            <a:solidFill>
+              <a:schemeClr val="tx1"/>
+            </a:solidFill>
+            <a:miter lim="800000"/>
+          </a:ln>
+        </p:spPr>
+        <p:style>
+          <a:lnRef idx="1">
+            <a:schemeClr val="accent1"/>
+          </a:lnRef>
+          <a:fillRef idx="0">
+            <a:schemeClr val="accent1"/>
+          </a:fillRef>
+          <a:effectRef idx="0">
+            <a:schemeClr val="accent1"/>
+          </a:effectRef>
+          <a:fontRef idx="minor">
+            <a:schemeClr val="tx1"/>
+          </a:fontRef>
+        </p:style>
+      </p:cxnSp>
+      <p:sp>
+        <p:nvSpPr>
+          <p:cNvPr id="3" name="Content Placeholder 2"/>
+          <p:cNvSpPr>
+            <a:spLocks noGrp="1"/>
+          </p:cNvSpPr>
+          <p:nvPr>
+            <p:ph idx="1"/>
+          </p:nvPr>
+        </p:nvSpPr>
+        <p:spPr>
+          <a:xfrm>
+            <a:off x="3781049" y="1085549"/>
+            <a:ext cx="4184780" cy="4686903"/>
+          </a:xfrm>
+        </p:spPr>
+        <p:txBody>
+          <a:bodyPr anchor="ctr">
+            <a:normAutofit/>
+          </a:bodyPr>
+          <a:lstStyle/>
+          <a:p>
+            <a:pPr marL="347472" indent="-347472" rtl="0" eaLnBrk="1" latinLnBrk="0" hangingPunct="1">
+              <a:spcBef>
+                <a:spcPts val="768"/>
+              </a:spcBef>
+              <a:buFont typeface="Arial" panose="020B0604020202020204" pitchFamily="34" charset="0"/>
+              <a:buChar char="•"/>
+            </a:pPr>
+            <a:r>
+              <a:rPr lang="en-US">
+                <a:solidFill>
+                  <a:schemeClr val="tx1"/>
+                </a:solidFill>
+                <a:effectLst/>
+                <a:latin typeface="Calibri" panose="020F0502020204030204" pitchFamily="34" charset="0"/>
+              </a:rPr>
+              <a:t>Accuracy: 99.97% for both Random Forest (RF) and XGBoost.</a:t>
+            </a:r>
+          </a:p>
+          <a:p>
+            <a:pPr marL="347472" indent="-347472" rtl="0" eaLnBrk="1" latinLnBrk="0" hangingPunct="1">
+              <a:spcBef>
+                <a:spcPts val="768"/>
+              </a:spcBef>
+              <a:buFont typeface="Arial" panose="020B0604020202020204" pitchFamily="34" charset="0"/>
+              <a:buChar char="•"/>
+            </a:pPr>
+            <a:r>
+              <a:rPr lang="en-US">
+                <a:solidFill>
+                  <a:schemeClr val="tx1"/>
+                </a:solidFill>
+                <a:effectLst/>
+                <a:latin typeface="Calibri" panose="020F0502020204030204" pitchFamily="34" charset="0"/>
+              </a:rPr>
+              <a:t>XGBoost: Exhibits greater precision (False Positives = 3).</a:t>
+            </a:r>
+          </a:p>
+          <a:p>
+            <a:pPr marL="347472" indent="-347472" rtl="0" eaLnBrk="1" latinLnBrk="0" hangingPunct="1">
+              <a:spcBef>
+                <a:spcPts val="768"/>
+              </a:spcBef>
+              <a:buFont typeface="Arial" panose="020B0604020202020204" pitchFamily="34" charset="0"/>
+              <a:buChar char="•"/>
+            </a:pPr>
+            <a:r>
+              <a:rPr lang="en-US">
+                <a:solidFill>
+                  <a:schemeClr val="tx1"/>
+                </a:solidFill>
+                <a:effectLst/>
+                <a:latin typeface="Calibri" panose="020F0502020204030204" pitchFamily="34" charset="0"/>
+              </a:rPr>
+              <a:t>RF: Demonstrates superior recall (False Negatives = 7).</a:t>
+            </a:r>
+          </a:p>
+          <a:p>
+            <a:pPr marL="347472" indent="-347472" rtl="0" eaLnBrk="1" latinLnBrk="0" hangingPunct="1">
+              <a:spcBef>
+                <a:spcPts val="768"/>
+              </a:spcBef>
+              <a:buFont typeface="Arial" panose="020B0604020202020204" pitchFamily="34" charset="0"/>
+              <a:buChar char="•"/>
+            </a:pPr>
+            <a:r>
+              <a:rPr lang="en-US">
+                <a:solidFill>
+                  <a:schemeClr val="tx1"/>
+                </a:solidFill>
+                <a:effectLst/>
+                <a:latin typeface="Calibri" panose="020F0502020204030204" pitchFamily="34" charset="0"/>
+              </a:rPr>
+              <a:t>Recommendation: Opt for XGBoost to reduce false positives.</a:t>
+            </a:r>
+            <a:endParaRPr lang="en-US">
+              <a:solidFill>
+                <a:schemeClr val="tx1"/>
+              </a:solidFill>
+            </a:endParaRPr>
+          </a:p>
+        </p:txBody>
+      </p:sp>
+    </p:spTree>
+  </p:cSld>
+  <p:clrMapOvr>
+    <a:overrideClrMapping bg1="dk1" tx1="lt1" bg2="dk2" tx2="lt2" accent1="accent1" accent2="accent2" accent3="accent3" accent4="accent4" accent5="accent5" accent6="accent6" hlink="hlink" folHlink="folHlink"/>
+  </p:clrMapOvr>
+</p:sld>
+</file>
+
+<file path=ppt/slides/slide12.xml><?xml version="1.0" encoding="utf-8"?>
+<p:sld xmlns:a="http://schemas.openxmlformats.org/drawingml/2006/main" xmlns:r="http://schemas.openxmlformats.org/officeDocument/2006/relationships" xmlns:p="http://schemas.openxmlformats.org/presentationml/2006/main">
+  <p:cSld>
+    <p:spTree>
+      <p:nvGrpSpPr>
+        <p:cNvPr id="1" name="">
+          <a:extLst>
+            <a:ext uri="{FF2B5EF4-FFF2-40B4-BE49-F238E27FC236}">
+              <a16:creationId xmlns:a16="http://schemas.microsoft.com/office/drawing/2014/main" id="{5B177529-F0CF-2513-546F-065986489C72}"/>
+            </a:ext>
+          </a:extLst>
+        </p:cNvPr>
+        <p:cNvGrpSpPr/>
+        <p:nvPr/>
+      </p:nvGrpSpPr>
+      <p:grpSpPr>
+        <a:xfrm>
+          <a:off x="0" y="0"/>
+          <a:ext cx="0" cy="0"/>
+          <a:chOff x="0" y="0"/>
+          <a:chExt cx="0" cy="0"/>
+        </a:xfrm>
+      </p:grpSpPr>
+      <p:sp>
+        <p:nvSpPr>
+          <p:cNvPr id="4" name="Title 1">
+            <a:extLst>
+              <a:ext uri="{FF2B5EF4-FFF2-40B4-BE49-F238E27FC236}">
+                <a16:creationId xmlns:a16="http://schemas.microsoft.com/office/drawing/2014/main" id="{32489F9A-D937-C1B0-AEAC-697A51103BC2}"/>
+              </a:ext>
+            </a:extLst>
+          </p:cNvPr>
+          <p:cNvSpPr>
+            <a:spLocks noGrp="1"/>
+          </p:cNvSpPr>
+          <p:nvPr>
+            <p:ph type="title"/>
+          </p:nvPr>
+        </p:nvSpPr>
+        <p:spPr>
+          <a:xfrm>
+            <a:off x="865188" y="927100"/>
+            <a:ext cx="6345237" cy="709613"/>
+          </a:xfrm>
+        </p:spPr>
+        <p:txBody>
+          <a:bodyPr>
+            <a:normAutofit/>
+          </a:bodyPr>
+          <a:lstStyle/>
+          <a:p>
+            <a:r>
+              <a:rPr lang="en-US" dirty="0">
+                <a:solidFill>
+                  <a:srgbClr val="FFFFFF"/>
+                </a:solidFill>
+              </a:rPr>
+              <a:t>Model Selection</a:t>
+            </a:r>
+          </a:p>
+        </p:txBody>
+      </p:sp>
+      <p:pic>
+        <p:nvPicPr>
+          <p:cNvPr id="3" name="Picture 2">
+            <a:extLst>
+              <a:ext uri="{FF2B5EF4-FFF2-40B4-BE49-F238E27FC236}">
+                <a16:creationId xmlns:a16="http://schemas.microsoft.com/office/drawing/2014/main" id="{D54A0661-794B-4EAD-9D0E-998279D561BD}"/>
+              </a:ext>
+            </a:extLst>
+          </p:cNvPr>
+          <p:cNvPicPr>
+            <a:picLocks noChangeAspect="1"/>
+          </p:cNvPicPr>
+          <p:nvPr/>
+        </p:nvPicPr>
+        <p:blipFill>
+          <a:blip r:embed="rId2"/>
+          <a:stretch>
+            <a:fillRect/>
+          </a:stretch>
+        </p:blipFill>
+        <p:spPr>
+          <a:xfrm>
+            <a:off x="1191760" y="2579291"/>
+            <a:ext cx="6397454" cy="2569652"/>
+          </a:xfrm>
+          <a:prstGeom prst="rect">
+            <a:avLst/>
+          </a:prstGeom>
+        </p:spPr>
+      </p:pic>
+    </p:spTree>
+    <p:extLst>
+      <p:ext uri="{BB962C8B-B14F-4D97-AF65-F5344CB8AC3E}">
+        <p14:creationId xmlns:p14="http://schemas.microsoft.com/office/powerpoint/2010/main" val="1986657582"/>
+      </p:ext>
+    </p:extLst>
+  </p:cSld>
+  <p:clrMapOvr>
+    <a:masterClrMapping/>
+  </p:clrMapOvr>
+</p:sld>
+</file>
+
+<file path=ppt/slides/slide13.xml><?xml version="1.0" encoding="utf-8"?>
+<p:sld xmlns:a="http://schemas.openxmlformats.org/drawingml/2006/main" xmlns:r="http://schemas.openxmlformats.org/officeDocument/2006/relationships" xmlns:p="http://schemas.openxmlformats.org/presentationml/2006/main">
+  <p:cSld>
+    <p:spTree>
+      <p:nvGrpSpPr>
+        <p:cNvPr id="1" name="">
+          <a:extLst>
+            <a:ext uri="{FF2B5EF4-FFF2-40B4-BE49-F238E27FC236}">
+              <a16:creationId xmlns:a16="http://schemas.microsoft.com/office/drawing/2014/main" id="{EE19E48D-4344-673F-EE45-7004F4EB6377}"/>
+            </a:ext>
+          </a:extLst>
+        </p:cNvPr>
+        <p:cNvGrpSpPr/>
+        <p:nvPr/>
+      </p:nvGrpSpPr>
+      <p:grpSpPr>
+        <a:xfrm>
+          <a:off x="0" y="0"/>
+          <a:ext cx="0" cy="0"/>
+          <a:chOff x="0" y="0"/>
+          <a:chExt cx="0" cy="0"/>
+        </a:xfrm>
+      </p:grpSpPr>
+      <p:sp>
+        <p:nvSpPr>
+          <p:cNvPr id="4" name="Title 1">
+            <a:extLst>
+              <a:ext uri="{FF2B5EF4-FFF2-40B4-BE49-F238E27FC236}">
+                <a16:creationId xmlns:a16="http://schemas.microsoft.com/office/drawing/2014/main" id="{79399778-D709-F40B-A494-925DCDDB0619}"/>
+              </a:ext>
+            </a:extLst>
+          </p:cNvPr>
+          <p:cNvSpPr>
+            <a:spLocks noGrp="1"/>
+          </p:cNvSpPr>
+          <p:nvPr>
+            <p:ph type="title"/>
+          </p:nvPr>
+        </p:nvSpPr>
+        <p:spPr>
+          <a:xfrm>
+            <a:off x="865188" y="927100"/>
+            <a:ext cx="6345237" cy="709613"/>
+          </a:xfrm>
+        </p:spPr>
+        <p:txBody>
+          <a:bodyPr>
+            <a:normAutofit/>
+          </a:bodyPr>
+          <a:lstStyle/>
+          <a:p>
+            <a:r>
+              <a:rPr lang="en-US" dirty="0">
+                <a:solidFill>
+                  <a:srgbClr val="FFFFFF"/>
+                </a:solidFill>
+              </a:rPr>
+              <a:t>Model Optimization</a:t>
+            </a:r>
+          </a:p>
+        </p:txBody>
+      </p:sp>
+      <p:pic>
+        <p:nvPicPr>
+          <p:cNvPr id="7" name="Picture 6">
+            <a:extLst>
+              <a:ext uri="{FF2B5EF4-FFF2-40B4-BE49-F238E27FC236}">
+                <a16:creationId xmlns:a16="http://schemas.microsoft.com/office/drawing/2014/main" id="{BB9BCE0F-E4A0-EB04-AFBF-6D710D3A5B55}"/>
+              </a:ext>
+            </a:extLst>
+          </p:cNvPr>
+          <p:cNvPicPr>
+            <a:picLocks noChangeAspect="1"/>
+          </p:cNvPicPr>
+          <p:nvPr/>
+        </p:nvPicPr>
+        <p:blipFill>
+          <a:blip r:embed="rId2"/>
+          <a:stretch>
+            <a:fillRect/>
+          </a:stretch>
+        </p:blipFill>
+        <p:spPr>
+          <a:xfrm>
+            <a:off x="591867" y="2549358"/>
+            <a:ext cx="8109857" cy="1737511"/>
+          </a:xfrm>
+          <a:prstGeom prst="rect">
+            <a:avLst/>
+          </a:prstGeom>
+        </p:spPr>
+      </p:pic>
+      <p:pic>
+        <p:nvPicPr>
+          <p:cNvPr id="11" name="Picture 10">
+            <a:extLst>
+              <a:ext uri="{FF2B5EF4-FFF2-40B4-BE49-F238E27FC236}">
+                <a16:creationId xmlns:a16="http://schemas.microsoft.com/office/drawing/2014/main" id="{784D6B40-C883-E85F-D200-EEFBCEC21F2C}"/>
+              </a:ext>
+            </a:extLst>
+          </p:cNvPr>
+          <p:cNvPicPr>
+            <a:picLocks noChangeAspect="1"/>
+          </p:cNvPicPr>
+          <p:nvPr/>
+        </p:nvPicPr>
+        <p:blipFill>
+          <a:blip r:embed="rId3"/>
+          <a:stretch>
+            <a:fillRect/>
+          </a:stretch>
+        </p:blipFill>
+        <p:spPr>
+          <a:xfrm>
+            <a:off x="591867" y="4546339"/>
+            <a:ext cx="7285351" cy="1836579"/>
+          </a:xfrm>
+          <a:prstGeom prst="rect">
+            <a:avLst/>
+          </a:prstGeom>
+        </p:spPr>
+      </p:pic>
+    </p:spTree>
+    <p:extLst>
+      <p:ext uri="{BB962C8B-B14F-4D97-AF65-F5344CB8AC3E}">
+        <p14:creationId xmlns:p14="http://schemas.microsoft.com/office/powerpoint/2010/main" val="92696984"/>
+      </p:ext>
+    </p:extLst>
+  </p:cSld>
+  <p:clrMapOvr>
+    <a:masterClrMapping/>
+  </p:clrMapOvr>
+</p:sld>
+</file>
+
+<file path=ppt/slides/slide14.xml><?xml version="1.0" encoding="utf-8"?>
+<p:sld xmlns:a="http://schemas.openxmlformats.org/drawingml/2006/main" xmlns:r="http://schemas.openxmlformats.org/officeDocument/2006/relationships" xmlns:p="http://schemas.openxmlformats.org/presentationml/2006/main">
+  <p:cSld>
+    <p:bg>
+      <p:bgPr>
+        <a:solidFill>
+          <a:schemeClr val="bg2"/>
+        </a:solidFill>
+        <a:effectLst/>
+      </p:bgPr>
+    </p:bg>
+    <p:spTree>
+      <p:nvGrpSpPr>
+        <p:cNvPr id="1" name=""/>
+        <p:cNvGrpSpPr/>
+        <p:nvPr/>
+      </p:nvGrpSpPr>
+      <p:grpSpPr>
+        <a:xfrm>
+          <a:off x="0" y="0"/>
+          <a:ext cx="0" cy="0"/>
+          <a:chOff x="0" y="0"/>
+          <a:chExt cx="0" cy="0"/>
+        </a:xfrm>
+      </p:grpSpPr>
+      <p:grpSp>
+        <p:nvGrpSpPr>
+          <p:cNvPr id="45" name="Group 44">
+            <a:extLst>
+              <a:ext uri="{FF2B5EF4-FFF2-40B4-BE49-F238E27FC236}">
+                <a16:creationId xmlns:a16="http://schemas.microsoft.com/office/drawing/2014/main" id="{2F448CB3-7B4F-45D7-B7C0-DF553DF61453}"/>
+              </a:ext>
+              <a:ext uri="{C183D7F6-B498-43B3-948B-1728B52AA6E4}">
+                <adec:decorative xmlns:adec="http://schemas.microsoft.com/office/drawing/2017/decorative" val="1"/>
+              </a:ext>
+            </a:extLst>
+          </p:cNvPr>
+          <p:cNvGrpSpPr>
+            <a:grpSpLocks noGrp="1" noUngrp="1" noRot="1" noChangeAspect="1" noMove="1" noResize="1"/>
+          </p:cNvGrpSpPr>
+          <p:nvPr>
+            <p:extLst>
+              <p:ext uri="{386F3935-93C4-4BCD-93E2-E3B085C9AB24}">
+                <p16:designElem xmlns:p16="http://schemas.microsoft.com/office/powerpoint/2015/main" val="1"/>
+              </p:ext>
+            </p:extLst>
+          </p:nvPr>
+        </p:nvGrpSpPr>
+        <p:grpSpPr>
+          <a:xfrm>
+            <a:off x="0" y="0"/>
+            <a:ext cx="9144000" cy="6858000"/>
+            <a:chOff x="0" y="0"/>
+            <a:chExt cx="12192000" cy="6858000"/>
+          </a:xfrm>
+        </p:grpSpPr>
+        <p:sp>
+          <p:nvSpPr>
+            <p:cNvPr id="46" name="Rectangle 45">
+              <a:extLst>
+                <a:ext uri="{FF2B5EF4-FFF2-40B4-BE49-F238E27FC236}">
+                  <a16:creationId xmlns:a16="http://schemas.microsoft.com/office/drawing/2014/main" id="{5C5305EA-7A88-413D-BE8A-47A02476F00C}"/>
+                </a:ext>
+                <a:ext uri="{C183D7F6-B498-43B3-948B-1728B52AA6E4}">
+                  <adec:decorative xmlns:adec="http://schemas.microsoft.com/office/drawing/2017/decorative" val="1"/>
+                </a:ext>
+              </a:extLst>
+            </p:cNvPr>
+            <p:cNvSpPr/>
+            <p:nvPr>
+              <p:extLst>
+                <p:ext uri="{386F3935-93C4-4BCD-93E2-E3B085C9AB24}">
+                  <p16:designElem xmlns:p16="http://schemas.microsoft.com/office/powerpoint/2015/main" val="1"/>
+                </p:ext>
+              </p:extLst>
+            </p:nvPr>
+          </p:nvSpPr>
+          <p:spPr>
+            <a:xfrm>
+              <a:off x="0" y="0"/>
+              <a:ext cx="12192000" cy="6858000"/>
+            </a:xfrm>
+            <a:prstGeom prst="rect">
+              <a:avLst/>
+            </a:prstGeom>
+            <a:blipFill>
+              <a:blip r:embed="rId2">
+                <a:duotone>
+                  <a:schemeClr val="dk2">
+                    <a:shade val="69000"/>
+                    <a:hueMod val="91000"/>
+                    <a:satMod val="164000"/>
+                    <a:lumMod val="74000"/>
+                  </a:schemeClr>
+                  <a:schemeClr val="dk2">
+                    <a:hueMod val="124000"/>
+                    <a:satMod val="140000"/>
+                    <a:lumMod val="142000"/>
+                  </a:schemeClr>
+                </a:duotone>
+              </a:blip>
+              <a:stretch>
+                <a:fillRect/>
+              </a:stretch>
+            </a:blipFill>
+            <a:ln>
+              <a:noFill/>
+            </a:ln>
+          </p:spPr>
+          <p:style>
+            <a:lnRef idx="2">
+              <a:schemeClr val="accent1">
+                <a:shade val="50000"/>
+              </a:schemeClr>
+            </a:lnRef>
+            <a:fillRef idx="1">
+              <a:schemeClr val="accent1"/>
+            </a:fillRef>
+            <a:effectRef idx="0">
+              <a:schemeClr val="accent1"/>
+            </a:effectRef>
+            <a:fontRef idx="minor">
+              <a:schemeClr val="lt1"/>
+            </a:fontRef>
+          </p:style>
+          <p:txBody>
+            <a:bodyPr/>
+            <a:lstStyle/>
+            <a:p>
+              <a:endParaRPr lang="en-US"/>
+            </a:p>
+          </p:txBody>
+        </p:sp>
+        <p:sp>
+          <p:nvSpPr>
+            <p:cNvPr id="47" name="Freeform 5">
+              <a:extLst>
+                <a:ext uri="{FF2B5EF4-FFF2-40B4-BE49-F238E27FC236}">
+                  <a16:creationId xmlns:a16="http://schemas.microsoft.com/office/drawing/2014/main" id="{FCA94DB5-FE56-4A3D-BC48-31B5595197FD}"/>
+                </a:ext>
+                <a:ext uri="{C183D7F6-B498-43B3-948B-1728B52AA6E4}">
+                  <adec:decorative xmlns:adec="http://schemas.microsoft.com/office/drawing/2017/decorative" val="1"/>
+                </a:ext>
+              </a:extLst>
+            </p:cNvPr>
+            <p:cNvSpPr>
+              <a:spLocks noEditPoints="1"/>
+            </p:cNvSpPr>
+            <p:nvPr>
+              <p:extLst>
+                <p:ext uri="{386F3935-93C4-4BCD-93E2-E3B085C9AB24}">
+                  <p16:designElem xmlns:p16="http://schemas.microsoft.com/office/powerpoint/2015/main" val="1"/>
+                </p:ext>
+              </p:extLst>
+            </p:nvPr>
+          </p:nvSpPr>
+          <p:spPr bwMode="gray">
+            <a:xfrm>
+              <a:off x="0" y="1587"/>
+              <a:ext cx="12192000" cy="6856413"/>
+            </a:xfrm>
+            <a:custGeom>
+              <a:avLst/>
+              <a:gdLst/>
+              <a:ahLst/>
+              <a:cxnLst/>
+              <a:rect l="0" t="0" r="r" b="b"/>
+              <a:pathLst>
+                <a:path w="15356" h="8638">
+                  <a:moveTo>
+                    <a:pt x="0" y="0"/>
+                  </a:moveTo>
+                  <a:lnTo>
+                    <a:pt x="0" y="8638"/>
+                  </a:lnTo>
+                  <a:lnTo>
+                    <a:pt x="15356" y="8638"/>
+                  </a:lnTo>
+                  <a:lnTo>
+                    <a:pt x="15356" y="0"/>
+                  </a:lnTo>
+                  <a:lnTo>
+                    <a:pt x="0" y="0"/>
+                  </a:lnTo>
+                  <a:close/>
+                  <a:moveTo>
+                    <a:pt x="14748" y="8038"/>
+                  </a:moveTo>
+                  <a:lnTo>
+                    <a:pt x="600" y="8038"/>
+                  </a:lnTo>
+                  <a:lnTo>
+                    <a:pt x="600" y="592"/>
+                  </a:lnTo>
+                  <a:lnTo>
+                    <a:pt x="14748" y="592"/>
+                  </a:lnTo>
+                  <a:lnTo>
+                    <a:pt x="14748" y="8038"/>
+                  </a:lnTo>
+                  <a:close/>
+                </a:path>
+              </a:pathLst>
+            </a:custGeom>
+            <a:solidFill>
+              <a:srgbClr val="FFFFFF"/>
+            </a:solidFill>
+            <a:ln>
+              <a:noFill/>
+            </a:ln>
+          </p:spPr>
+          <p:txBody>
+            <a:bodyPr/>
+            <a:lstStyle/>
+            <a:p>
+              <a:endParaRPr lang="en-US"/>
+            </a:p>
+          </p:txBody>
+        </p:sp>
+      </p:grpSp>
+      <p:sp>
+        <p:nvSpPr>
+          <p:cNvPr id="2" name="Title 1"/>
+          <p:cNvSpPr>
+            <a:spLocks noGrp="1"/>
+          </p:cNvSpPr>
+          <p:nvPr>
+            <p:ph type="title"/>
+          </p:nvPr>
+        </p:nvSpPr>
+        <p:spPr>
+          <a:xfrm>
+            <a:off x="866215" y="973668"/>
+            <a:ext cx="6571060" cy="706964"/>
+          </a:xfrm>
+        </p:spPr>
+        <p:txBody>
+          <a:bodyPr>
+            <a:normAutofit/>
+          </a:bodyPr>
+          <a:lstStyle/>
+          <a:p>
+            <a:r>
+              <a:rPr lang="en-US">
+                <a:solidFill>
+                  <a:srgbClr val="FFFFFF"/>
+                </a:solidFill>
+              </a:rPr>
+              <a:t>Deployment and Key Insights</a:t>
+            </a:r>
+          </a:p>
+        </p:txBody>
+      </p:sp>
+      <p:sp>
+        <p:nvSpPr>
+          <p:cNvPr id="49" name="Rectangle 48">
+            <a:extLst>
+              <a:ext uri="{FF2B5EF4-FFF2-40B4-BE49-F238E27FC236}">
+                <a16:creationId xmlns:a16="http://schemas.microsoft.com/office/drawing/2014/main" id="{F9ED434F-8767-46CC-B26B-5AF62FF01E66}"/>
+              </a:ext>
+              <a:ext uri="{C183D7F6-B498-43B3-948B-1728B52AA6E4}">
+                <adec:decorative xmlns:adec="http://schemas.microsoft.com/office/drawing/2017/decorative" val="1"/>
+              </a:ext>
+            </a:extLst>
+          </p:cNvPr>
+          <p:cNvSpPr>
+            <a:spLocks noGrp="1" noRot="1" noChangeAspect="1" noMove="1" noResize="1" noEditPoints="1" noAdjustHandles="1" noChangeArrowheads="1" noChangeShapeType="1" noTextEdit="1"/>
+          </p:cNvSpPr>
+          <p:nvPr>
+            <p:extLst>
+              <p:ext uri="{386F3935-93C4-4BCD-93E2-E3B085C9AB24}">
+                <p16:designElem xmlns:p16="http://schemas.microsoft.com/office/powerpoint/2015/main" val="1"/>
+              </p:ext>
+            </p:extLst>
+          </p:nvPr>
+        </p:nvSpPr>
+        <p:spPr>
+          <a:xfrm>
+            <a:off x="7828359" y="0"/>
+            <a:ext cx="514350" cy="1143000"/>
+          </a:xfrm>
+          <a:prstGeom prst="rect">
+            <a:avLst/>
+          </a:prstGeom>
+          <a:solidFill>
+            <a:schemeClr val="accent1"/>
+          </a:solidFill>
+          <a:ln>
+            <a:noFill/>
+          </a:ln>
+        </p:spPr>
+        <p:style>
+          <a:lnRef idx="1">
+            <a:schemeClr val="accent1"/>
+          </a:lnRef>
+          <a:fillRef idx="3">
+            <a:schemeClr val="accent1"/>
+          </a:fillRef>
+          <a:effectRef idx="2">
+            <a:schemeClr val="accent1"/>
+          </a:effectRef>
+          <a:fontRef idx="minor">
+            <a:schemeClr val="lt1"/>
+          </a:fontRef>
+        </p:style>
+        <p:txBody>
+          <a:bodyPr/>
+          <a:lstStyle/>
+          <a:p>
+            <a:endParaRPr lang="en-US"/>
+          </a:p>
+        </p:txBody>
+      </p:sp>
+      <p:graphicFrame>
+        <p:nvGraphicFramePr>
+          <p:cNvPr id="27" name="Content Placeholder 2">
+            <a:extLst>
+              <a:ext uri="{FF2B5EF4-FFF2-40B4-BE49-F238E27FC236}">
+                <a16:creationId xmlns:a16="http://schemas.microsoft.com/office/drawing/2014/main" id="{DF79AF90-EB0D-66AF-DB53-980549BF2331}"/>
+              </a:ext>
+            </a:extLst>
+          </p:cNvPr>
+          <p:cNvGraphicFramePr>
+            <a:graphicFrameLocks noGrp="1"/>
+          </p:cNvGraphicFramePr>
+          <p:nvPr>
+            <p:ph idx="1"/>
+            <p:extLst>
+              <p:ext uri="{D42A27DB-BD31-4B8C-83A1-F6EECF244321}">
+                <p14:modId xmlns:p14="http://schemas.microsoft.com/office/powerpoint/2010/main" val="2245952379"/>
+              </p:ext>
+            </p:extLst>
+          </p:nvPr>
+        </p:nvGraphicFramePr>
+        <p:xfrm>
+          <a:off x="965200" y="1779640"/>
+          <a:ext cx="7219037" cy="4306528"/>
+        </p:xfrm>
+        <a:graphic>
+          <a:graphicData uri="http://schemas.openxmlformats.org/drawingml/2006/diagram">
+            <dgm:relIds xmlns:dgm="http://schemas.openxmlformats.org/drawingml/2006/diagram" xmlns:r="http://schemas.openxmlformats.org/officeDocument/2006/relationships" r:dm="rId3" r:lo="rId4" r:qs="rId5" r:cs="rId6"/>
+          </a:graphicData>
+        </a:graphic>
+      </p:graphicFrame>
+    </p:spTree>
+  </p:cSld>
+  <p:clrMapOvr>
+    <a:overrideClrMapping bg1="dk1" tx1="lt1" bg2="dk2" tx2="lt2" accent1="accent1" accent2="accent2" accent3="accent3" accent4="accent4" accent5="accent5" accent6="accent6" hlink="hlink" folHlink="folHlink"/>
+  </p:clrMapOvr>
+</p:sld>
+</file>
+
 <file path=ppt/slides/slide2.xml><?xml version="1.0" encoding="utf-8"?>
 <p:sld xmlns:a="http://schemas.openxmlformats.org/drawingml/2006/main" xmlns:r="http://schemas.openxmlformats.org/officeDocument/2006/relationships" xmlns:p="http://schemas.openxmlformats.org/presentationml/2006/main">
   <p:cSld>
@@ -34879,6 +36896,919 @@
     <p:bg>
       <p:bgPr>
         <a:solidFill>
+          <a:schemeClr val="bg1"/>
+        </a:solidFill>
+        <a:effectLst/>
+      </p:bgPr>
+    </p:bg>
+    <p:spTree>
+      <p:nvGrpSpPr>
+        <p:cNvPr id="1" name=""/>
+        <p:cNvGrpSpPr/>
+        <p:nvPr/>
+      </p:nvGrpSpPr>
+      <p:grpSpPr>
+        <a:xfrm>
+          <a:off x="0" y="0"/>
+          <a:ext cx="0" cy="0"/>
+          <a:chOff x="0" y="0"/>
+          <a:chExt cx="0" cy="0"/>
+        </a:xfrm>
+      </p:grpSpPr>
+      <p:grpSp>
+        <p:nvGrpSpPr>
+          <p:cNvPr id="17" name="Group 16">
+            <a:extLst>
+              <a:ext uri="{FF2B5EF4-FFF2-40B4-BE49-F238E27FC236}">
+                <a16:creationId xmlns:a16="http://schemas.microsoft.com/office/drawing/2014/main" id="{AB8E3704-0CB2-48C2-A46B-EDB627185764}"/>
+              </a:ext>
+              <a:ext uri="{C183D7F6-B498-43B3-948B-1728B52AA6E4}">
+                <adec:decorative xmlns:adec="http://schemas.microsoft.com/office/drawing/2017/decorative" val="1"/>
+              </a:ext>
+            </a:extLst>
+          </p:cNvPr>
+          <p:cNvGrpSpPr>
+            <a:grpSpLocks noGrp="1" noUngrp="1" noRot="1" noChangeAspect="1" noMove="1" noResize="1"/>
+          </p:cNvGrpSpPr>
+          <p:nvPr>
+            <p:extLst>
+              <p:ext uri="{386F3935-93C4-4BCD-93E2-E3B085C9AB24}">
+                <p16:designElem xmlns:p16="http://schemas.microsoft.com/office/powerpoint/2015/main" val="1"/>
+              </p:ext>
+            </p:extLst>
+          </p:nvPr>
+        </p:nvGrpSpPr>
+        <p:grpSpPr>
+          <a:xfrm>
+            <a:off x="0" y="0"/>
+            <a:ext cx="9144000" cy="6858000"/>
+            <a:chOff x="0" y="0"/>
+            <a:chExt cx="12192000" cy="6858000"/>
+          </a:xfrm>
+        </p:grpSpPr>
+        <p:sp>
+          <p:nvSpPr>
+            <p:cNvPr id="18" name="Rectangle 17">
+              <a:extLst>
+                <a:ext uri="{FF2B5EF4-FFF2-40B4-BE49-F238E27FC236}">
+                  <a16:creationId xmlns:a16="http://schemas.microsoft.com/office/drawing/2014/main" id="{36872906-1D7A-472A-B90B-D4B00113A0E8}"/>
+                </a:ext>
+                <a:ext uri="{C183D7F6-B498-43B3-948B-1728B52AA6E4}">
+                  <adec:decorative xmlns:adec="http://schemas.microsoft.com/office/drawing/2017/decorative" val="1"/>
+                </a:ext>
+              </a:extLst>
+            </p:cNvPr>
+            <p:cNvSpPr/>
+            <p:nvPr>
+              <p:extLst>
+                <p:ext uri="{386F3935-93C4-4BCD-93E2-E3B085C9AB24}">
+                  <p16:designElem xmlns:p16="http://schemas.microsoft.com/office/powerpoint/2015/main" val="1"/>
+                </p:ext>
+              </p:extLst>
+            </p:nvPr>
+          </p:nvSpPr>
+          <p:spPr>
+            <a:xfrm>
+              <a:off x="0" y="0"/>
+              <a:ext cx="12192000" cy="6858000"/>
+            </a:xfrm>
+            <a:prstGeom prst="rect">
+              <a:avLst/>
+            </a:prstGeom>
+            <a:blipFill>
+              <a:blip r:embed="rId2">
+                <a:duotone>
+                  <a:schemeClr val="dk2">
+                    <a:shade val="69000"/>
+                    <a:hueMod val="91000"/>
+                    <a:satMod val="164000"/>
+                    <a:lumMod val="74000"/>
+                  </a:schemeClr>
+                  <a:schemeClr val="dk2">
+                    <a:hueMod val="124000"/>
+                    <a:satMod val="140000"/>
+                    <a:lumMod val="142000"/>
+                  </a:schemeClr>
+                </a:duotone>
+              </a:blip>
+              <a:stretch>
+                <a:fillRect/>
+              </a:stretch>
+            </a:blipFill>
+            <a:ln>
+              <a:noFill/>
+            </a:ln>
+          </p:spPr>
+          <p:style>
+            <a:lnRef idx="2">
+              <a:schemeClr val="accent1">
+                <a:shade val="50000"/>
+              </a:schemeClr>
+            </a:lnRef>
+            <a:fillRef idx="1">
+              <a:schemeClr val="accent1"/>
+            </a:fillRef>
+            <a:effectRef idx="0">
+              <a:schemeClr val="accent1"/>
+            </a:effectRef>
+            <a:fontRef idx="minor">
+              <a:schemeClr val="lt1"/>
+            </a:fontRef>
+          </p:style>
+          <p:txBody>
+            <a:bodyPr/>
+            <a:lstStyle/>
+            <a:p>
+              <a:endParaRPr lang="en-US"/>
+            </a:p>
+          </p:txBody>
+        </p:sp>
+        <p:sp>
+          <p:nvSpPr>
+            <p:cNvPr id="19" name="Freeform 5">
+              <a:extLst>
+                <a:ext uri="{FF2B5EF4-FFF2-40B4-BE49-F238E27FC236}">
+                  <a16:creationId xmlns:a16="http://schemas.microsoft.com/office/drawing/2014/main" id="{C09D3A24-9F80-4EC9-9D80-28C5CBA8F883}"/>
+                </a:ext>
+                <a:ext uri="{C183D7F6-B498-43B3-948B-1728B52AA6E4}">
+                  <adec:decorative xmlns:adec="http://schemas.microsoft.com/office/drawing/2017/decorative" val="1"/>
+                </a:ext>
+              </a:extLst>
+            </p:cNvPr>
+            <p:cNvSpPr>
+              <a:spLocks noEditPoints="1"/>
+            </p:cNvSpPr>
+            <p:nvPr>
+              <p:extLst>
+                <p:ext uri="{386F3935-93C4-4BCD-93E2-E3B085C9AB24}">
+                  <p16:designElem xmlns:p16="http://schemas.microsoft.com/office/powerpoint/2015/main" val="1"/>
+                </p:ext>
+              </p:extLst>
+            </p:nvPr>
+          </p:nvSpPr>
+          <p:spPr bwMode="gray">
+            <a:xfrm>
+              <a:off x="0" y="1587"/>
+              <a:ext cx="12192000" cy="6856413"/>
+            </a:xfrm>
+            <a:custGeom>
+              <a:avLst/>
+              <a:gdLst/>
+              <a:ahLst/>
+              <a:cxnLst/>
+              <a:rect l="0" t="0" r="r" b="b"/>
+              <a:pathLst>
+                <a:path w="15356" h="8638">
+                  <a:moveTo>
+                    <a:pt x="0" y="0"/>
+                  </a:moveTo>
+                  <a:lnTo>
+                    <a:pt x="0" y="8638"/>
+                  </a:lnTo>
+                  <a:lnTo>
+                    <a:pt x="15356" y="8638"/>
+                  </a:lnTo>
+                  <a:lnTo>
+                    <a:pt x="15356" y="0"/>
+                  </a:lnTo>
+                  <a:lnTo>
+                    <a:pt x="0" y="0"/>
+                  </a:lnTo>
+                  <a:close/>
+                  <a:moveTo>
+                    <a:pt x="14748" y="8038"/>
+                  </a:moveTo>
+                  <a:lnTo>
+                    <a:pt x="600" y="8038"/>
+                  </a:lnTo>
+                  <a:lnTo>
+                    <a:pt x="600" y="592"/>
+                  </a:lnTo>
+                  <a:lnTo>
+                    <a:pt x="14748" y="592"/>
+                  </a:lnTo>
+                  <a:lnTo>
+                    <a:pt x="14748" y="8038"/>
+                  </a:lnTo>
+                  <a:close/>
+                </a:path>
+              </a:pathLst>
+            </a:custGeom>
+            <a:solidFill>
+              <a:schemeClr val="bg1"/>
+            </a:solidFill>
+            <a:ln>
+              <a:noFill/>
+            </a:ln>
+          </p:spPr>
+          <p:txBody>
+            <a:bodyPr/>
+            <a:lstStyle/>
+            <a:p>
+              <a:endParaRPr lang="en-US"/>
+            </a:p>
+          </p:txBody>
+        </p:sp>
+      </p:grpSp>
+      <p:sp>
+        <p:nvSpPr>
+          <p:cNvPr id="21" name="Rectangle 20">
+            <a:extLst>
+              <a:ext uri="{FF2B5EF4-FFF2-40B4-BE49-F238E27FC236}">
+                <a16:creationId xmlns:a16="http://schemas.microsoft.com/office/drawing/2014/main" id="{F4C2B571-8160-4749-AB99-260E8052A97E}"/>
+              </a:ext>
+              <a:ext uri="{C183D7F6-B498-43B3-948B-1728B52AA6E4}">
+                <adec:decorative xmlns:adec="http://schemas.microsoft.com/office/drawing/2017/decorative" val="1"/>
+              </a:ext>
+            </a:extLst>
+          </p:cNvPr>
+          <p:cNvSpPr>
+            <a:spLocks noGrp="1" noRot="1" noChangeAspect="1" noMove="1" noResize="1" noEditPoints="1" noAdjustHandles="1" noChangeArrowheads="1" noChangeShapeType="1" noTextEdit="1"/>
+          </p:cNvSpPr>
+          <p:nvPr>
+            <p:extLst>
+              <p:ext uri="{386F3935-93C4-4BCD-93E2-E3B085C9AB24}">
+                <p16:designElem xmlns:p16="http://schemas.microsoft.com/office/powerpoint/2015/main" val="1"/>
+              </p:ext>
+            </p:extLst>
+          </p:nvPr>
+        </p:nvSpPr>
+        <p:spPr>
+          <a:xfrm>
+            <a:off x="7828359" y="0"/>
+            <a:ext cx="514350" cy="1143000"/>
+          </a:xfrm>
+          <a:prstGeom prst="rect">
+            <a:avLst/>
+          </a:prstGeom>
+          <a:solidFill>
+            <a:schemeClr val="accent1"/>
+          </a:solidFill>
+          <a:ln>
+            <a:noFill/>
+          </a:ln>
+        </p:spPr>
+        <p:style>
+          <a:lnRef idx="1">
+            <a:schemeClr val="accent1"/>
+          </a:lnRef>
+          <a:fillRef idx="3">
+            <a:schemeClr val="accent1"/>
+          </a:fillRef>
+          <a:effectRef idx="2">
+            <a:schemeClr val="accent1"/>
+          </a:effectRef>
+          <a:fontRef idx="minor">
+            <a:schemeClr val="lt1"/>
+          </a:fontRef>
+        </p:style>
+        <p:txBody>
+          <a:bodyPr/>
+          <a:lstStyle/>
+          <a:p>
+            <a:endParaRPr lang="en-US"/>
+          </a:p>
+        </p:txBody>
+      </p:sp>
+      <p:sp useBgFill="1">
+        <p:nvSpPr>
+          <p:cNvPr id="23" name="Rectangle 22">
+            <a:extLst>
+              <a:ext uri="{FF2B5EF4-FFF2-40B4-BE49-F238E27FC236}">
+                <a16:creationId xmlns:a16="http://schemas.microsoft.com/office/drawing/2014/main" id="{56981798-4550-46DA-9172-4846E2FB66EC}"/>
+              </a:ext>
+              <a:ext uri="{C183D7F6-B498-43B3-948B-1728B52AA6E4}">
+                <adec:decorative xmlns:adec="http://schemas.microsoft.com/office/drawing/2017/decorative" val="1"/>
+              </a:ext>
+            </a:extLst>
+          </p:cNvPr>
+          <p:cNvSpPr>
+            <a:spLocks noGrp="1" noRot="1" noChangeAspect="1" noMove="1" noResize="1" noEditPoints="1" noAdjustHandles="1" noChangeArrowheads="1" noChangeShapeType="1" noTextEdit="1"/>
+          </p:cNvSpPr>
+          <p:nvPr>
+            <p:extLst>
+              <p:ext uri="{386F3935-93C4-4BCD-93E2-E3B085C9AB24}">
+                <p16:designElem xmlns:p16="http://schemas.microsoft.com/office/powerpoint/2015/main" val="1"/>
+              </p:ext>
+            </p:extLst>
+          </p:nvPr>
+        </p:nvSpPr>
+        <p:spPr>
+          <a:xfrm>
+            <a:off x="0" y="0"/>
+            <a:ext cx="9144000" cy="6858000"/>
+          </a:xfrm>
+          <a:prstGeom prst="rect">
+            <a:avLst/>
+          </a:prstGeom>
+          <a:ln>
+            <a:noFill/>
+          </a:ln>
+        </p:spPr>
+        <p:style>
+          <a:lnRef idx="2">
+            <a:schemeClr val="accent1">
+              <a:shade val="50000"/>
+            </a:schemeClr>
+          </a:lnRef>
+          <a:fillRef idx="1">
+            <a:schemeClr val="accent1"/>
+          </a:fillRef>
+          <a:effectRef idx="0">
+            <a:schemeClr val="accent1"/>
+          </a:effectRef>
+          <a:fontRef idx="minor">
+            <a:schemeClr val="lt1"/>
+          </a:fontRef>
+        </p:style>
+        <p:txBody>
+          <a:bodyPr rtlCol="0" anchor="ctr"/>
+          <a:lstStyle/>
+          <a:p>
+            <a:pPr marL="0" marR="0" lvl="0" indent="0" algn="ctr" defTabSz="914400" rtl="0" eaLnBrk="1" fontAlgn="auto" latinLnBrk="0" hangingPunct="1">
+              <a:lnSpc>
+                <a:spcPct val="100000"/>
+              </a:lnSpc>
+              <a:spcBef>
+                <a:spcPts val="0"/>
+              </a:spcBef>
+              <a:spcAft>
+                <a:spcPts val="0"/>
+              </a:spcAft>
+              <a:buClrTx/>
+              <a:buSzTx/>
+              <a:buFontTx/>
+              <a:buNone/>
+              <a:tabLst/>
+              <a:defRPr/>
+            </a:pPr>
+            <a:endParaRPr kumimoji="0" lang="en-US" sz="1800" b="0" i="0" u="none" strike="noStrike" kern="1200" cap="none" spc="0" normalizeH="0" baseline="0" noProof="0">
+              <a:ln>
+                <a:noFill/>
+              </a:ln>
+              <a:solidFill>
+                <a:prstClr val="white"/>
+              </a:solidFill>
+              <a:effectLst/>
+              <a:uLnTx/>
+              <a:uFillTx/>
+              <a:latin typeface="Century Gothic" panose="020B0502020202020204"/>
+              <a:ea typeface="+mn-ea"/>
+              <a:cs typeface="+mn-cs"/>
+            </a:endParaRPr>
+          </a:p>
+        </p:txBody>
+      </p:sp>
+      <p:sp>
+        <p:nvSpPr>
+          <p:cNvPr id="2" name="Title 1">
+            <a:extLst>
+              <a:ext uri="{FF2B5EF4-FFF2-40B4-BE49-F238E27FC236}">
+                <a16:creationId xmlns:a16="http://schemas.microsoft.com/office/drawing/2014/main" id="{BD0D340C-CAF8-24DF-0192-F51519FE0307}"/>
+              </a:ext>
+            </a:extLst>
+          </p:cNvPr>
+          <p:cNvSpPr>
+            <a:spLocks noGrp="1"/>
+          </p:cNvSpPr>
+          <p:nvPr>
+            <p:ph type="title"/>
+          </p:nvPr>
+        </p:nvSpPr>
+        <p:spPr>
+          <a:xfrm>
+            <a:off x="420832" y="1241266"/>
+            <a:ext cx="3067225" cy="3153753"/>
+          </a:xfrm>
+        </p:spPr>
+        <p:txBody>
+          <a:bodyPr vert="horz" lIns="91440" tIns="45720" rIns="91440" bIns="45720" rtlCol="0" anchor="b">
+            <a:normAutofit/>
+          </a:bodyPr>
+          <a:lstStyle/>
+          <a:p>
+            <a:r>
+              <a:rPr lang="en-US" sz="3800">
+                <a:solidFill>
+                  <a:schemeClr val="tx2"/>
+                </a:solidFill>
+              </a:rPr>
+              <a:t>Fraud Visualization</a:t>
+            </a:r>
+          </a:p>
+        </p:txBody>
+      </p:sp>
+      <p:pic>
+        <p:nvPicPr>
+          <p:cNvPr id="5" name="Content Placeholder 4">
+            <a:extLst>
+              <a:ext uri="{FF2B5EF4-FFF2-40B4-BE49-F238E27FC236}">
+                <a16:creationId xmlns:a16="http://schemas.microsoft.com/office/drawing/2014/main" id="{A831F6DD-85BB-78F3-90C8-481B3460C3D1}"/>
+              </a:ext>
+            </a:extLst>
+          </p:cNvPr>
+          <p:cNvPicPr>
+            <a:picLocks noChangeAspect="1"/>
+          </p:cNvPicPr>
+          <p:nvPr/>
+        </p:nvPicPr>
+        <p:blipFill>
+          <a:blip r:embed="rId3"/>
+          <a:srcRect r="548" b="4"/>
+          <a:stretch/>
+        </p:blipFill>
+        <p:spPr>
+          <a:xfrm>
+            <a:off x="3887337" y="461682"/>
+            <a:ext cx="4939161" cy="2967319"/>
+          </a:xfrm>
+          <a:custGeom>
+            <a:avLst/>
+            <a:gdLst/>
+            <a:ahLst/>
+            <a:cxnLst/>
+            <a:rect l="l" t="t" r="r" b="b"/>
+            <a:pathLst>
+              <a:path w="6585549" h="2967319">
+                <a:moveTo>
+                  <a:pt x="225406" y="0"/>
+                </a:moveTo>
+                <a:lnTo>
+                  <a:pt x="6585549" y="0"/>
+                </a:lnTo>
+                <a:lnTo>
+                  <a:pt x="6585549" y="2967319"/>
+                </a:lnTo>
+                <a:lnTo>
+                  <a:pt x="941" y="2967319"/>
+                </a:lnTo>
+                <a:lnTo>
+                  <a:pt x="941" y="2894918"/>
+                </a:lnTo>
+                <a:lnTo>
+                  <a:pt x="0" y="2769001"/>
+                </a:lnTo>
+                <a:lnTo>
+                  <a:pt x="941" y="2641874"/>
+                </a:lnTo>
+                <a:lnTo>
+                  <a:pt x="2822" y="2512931"/>
+                </a:lnTo>
+                <a:lnTo>
+                  <a:pt x="4547" y="2383988"/>
+                </a:lnTo>
+                <a:lnTo>
+                  <a:pt x="8311" y="2253229"/>
+                </a:lnTo>
+                <a:lnTo>
+                  <a:pt x="12232" y="2121259"/>
+                </a:lnTo>
+                <a:lnTo>
+                  <a:pt x="16779" y="1989289"/>
+                </a:lnTo>
+                <a:lnTo>
+                  <a:pt x="23209" y="1856108"/>
+                </a:lnTo>
+                <a:lnTo>
+                  <a:pt x="30893" y="1721716"/>
+                </a:lnTo>
+                <a:lnTo>
+                  <a:pt x="38264" y="1586720"/>
+                </a:lnTo>
+                <a:lnTo>
+                  <a:pt x="47673" y="1451723"/>
+                </a:lnTo>
+                <a:lnTo>
+                  <a:pt x="58964" y="1314910"/>
+                </a:lnTo>
+                <a:lnTo>
+                  <a:pt x="70255" y="1179913"/>
+                </a:lnTo>
+                <a:lnTo>
+                  <a:pt x="83271" y="1042495"/>
+                </a:lnTo>
+                <a:lnTo>
+                  <a:pt x="97542" y="904471"/>
+                </a:lnTo>
+                <a:lnTo>
+                  <a:pt x="112596" y="768263"/>
+                </a:lnTo>
+                <a:lnTo>
+                  <a:pt x="130160" y="630240"/>
+                </a:lnTo>
+                <a:lnTo>
+                  <a:pt x="148978" y="492821"/>
+                </a:lnTo>
+                <a:lnTo>
+                  <a:pt x="167640" y="354798"/>
+                </a:lnTo>
+                <a:lnTo>
+                  <a:pt x="189438" y="217380"/>
+                </a:lnTo>
+                <a:lnTo>
+                  <a:pt x="211706" y="80567"/>
+                </a:lnTo>
+                <a:close/>
+              </a:path>
+            </a:pathLst>
+          </a:custGeom>
+        </p:spPr>
+      </p:pic>
+      <p:sp>
+        <p:nvSpPr>
+          <p:cNvPr id="25" name="Freeform 5">
+            <a:extLst>
+              <a:ext uri="{FF2B5EF4-FFF2-40B4-BE49-F238E27FC236}">
+                <a16:creationId xmlns:a16="http://schemas.microsoft.com/office/drawing/2014/main" id="{2D529E20-662F-4915-ACD7-970C026FDB7F}"/>
+              </a:ext>
+              <a:ext uri="{C183D7F6-B498-43B3-948B-1728B52AA6E4}">
+                <adec:decorative xmlns:adec="http://schemas.microsoft.com/office/drawing/2017/decorative" val="1"/>
+              </a:ext>
+            </a:extLst>
+          </p:cNvPr>
+          <p:cNvSpPr>
+            <a:spLocks noGrp="1" noRot="1" noChangeAspect="1" noMove="1" noResize="1" noEditPoints="1" noAdjustHandles="1" noChangeArrowheads="1" noChangeShapeType="1" noTextEdit="1"/>
+          </p:cNvSpPr>
+          <p:nvPr>
+            <p:extLst>
+              <p:ext uri="{386F3935-93C4-4BCD-93E2-E3B085C9AB24}">
+                <p16:designElem xmlns:p16="http://schemas.microsoft.com/office/powerpoint/2015/main" val="1"/>
+              </p:ext>
+            </p:extLst>
+          </p:nvPr>
+        </p:nvSpPr>
+        <p:spPr bwMode="gray">
+          <a:xfrm rot="5677511" flipH="1">
+            <a:off x="2246569" y="1914012"/>
+            <a:ext cx="3299407" cy="330693"/>
+          </a:xfrm>
+          <a:custGeom>
+            <a:avLst/>
+            <a:gdLst/>
+            <a:ahLst/>
+            <a:cxnLst/>
+            <a:rect l="l" t="t" r="r" b="b"/>
+            <a:pathLst>
+              <a:path w="10000" h="5291">
+                <a:moveTo>
+                  <a:pt x="85" y="2532"/>
+                </a:moveTo>
+                <a:cubicBezTo>
+                  <a:pt x="1736" y="3911"/>
+                  <a:pt x="7524" y="5298"/>
+                  <a:pt x="9958" y="5291"/>
+                </a:cubicBezTo>
+                <a:cubicBezTo>
+                  <a:pt x="9989" y="1958"/>
+                  <a:pt x="9969" y="3333"/>
+                  <a:pt x="10000" y="0"/>
+                </a:cubicBezTo>
+                <a:lnTo>
+                  <a:pt x="10000" y="0"/>
+                </a:lnTo>
+                <a:lnTo>
+                  <a:pt x="9667" y="204"/>
+                </a:lnTo>
+                <a:lnTo>
+                  <a:pt x="9334" y="400"/>
+                </a:lnTo>
+                <a:lnTo>
+                  <a:pt x="9001" y="590"/>
+                </a:lnTo>
+                <a:lnTo>
+                  <a:pt x="8667" y="753"/>
+                </a:lnTo>
+                <a:lnTo>
+                  <a:pt x="8333" y="917"/>
+                </a:lnTo>
+                <a:lnTo>
+                  <a:pt x="7999" y="1071"/>
+                </a:lnTo>
+                <a:lnTo>
+                  <a:pt x="7669" y="1202"/>
+                </a:lnTo>
+                <a:lnTo>
+                  <a:pt x="7333" y="1325"/>
+                </a:lnTo>
+                <a:lnTo>
+                  <a:pt x="7000" y="1440"/>
+                </a:lnTo>
+                <a:lnTo>
+                  <a:pt x="6673" y="1538"/>
+                </a:lnTo>
+                <a:lnTo>
+                  <a:pt x="6340" y="1636"/>
+                </a:lnTo>
+                <a:lnTo>
+                  <a:pt x="6013" y="1719"/>
+                </a:lnTo>
+                <a:lnTo>
+                  <a:pt x="5686" y="1784"/>
+                </a:lnTo>
+                <a:lnTo>
+                  <a:pt x="5359" y="1850"/>
+                </a:lnTo>
+                <a:lnTo>
+                  <a:pt x="5036" y="1906"/>
+                </a:lnTo>
+                <a:lnTo>
+                  <a:pt x="4717" y="1948"/>
+                </a:lnTo>
+                <a:lnTo>
+                  <a:pt x="4396" y="1980"/>
+                </a:lnTo>
+                <a:lnTo>
+                  <a:pt x="4079" y="2013"/>
+                </a:lnTo>
+                <a:lnTo>
+                  <a:pt x="3766" y="2029"/>
+                </a:lnTo>
+                <a:lnTo>
+                  <a:pt x="3454" y="2046"/>
+                </a:lnTo>
+                <a:lnTo>
+                  <a:pt x="3145" y="2053"/>
+                </a:lnTo>
+                <a:lnTo>
+                  <a:pt x="2839" y="2046"/>
+                </a:lnTo>
+                <a:lnTo>
+                  <a:pt x="2537" y="2046"/>
+                </a:lnTo>
+                <a:lnTo>
+                  <a:pt x="2238" y="2029"/>
+                </a:lnTo>
+                <a:lnTo>
+                  <a:pt x="1943" y="2004"/>
+                </a:lnTo>
+                <a:lnTo>
+                  <a:pt x="1653" y="1980"/>
+                </a:lnTo>
+                <a:lnTo>
+                  <a:pt x="1368" y="1955"/>
+                </a:lnTo>
+                <a:lnTo>
+                  <a:pt x="1085" y="1915"/>
+                </a:lnTo>
+                <a:lnTo>
+                  <a:pt x="806" y="1873"/>
+                </a:lnTo>
+                <a:lnTo>
+                  <a:pt x="533" y="1833"/>
+                </a:lnTo>
+                <a:lnTo>
+                  <a:pt x="0" y="1726"/>
+                </a:lnTo>
+                <a:cubicBezTo>
+                  <a:pt x="28" y="1995"/>
+                  <a:pt x="57" y="2263"/>
+                  <a:pt x="85" y="2532"/>
+                </a:cubicBezTo>
+                <a:close/>
+              </a:path>
+            </a:pathLst>
+          </a:custGeom>
+          <a:solidFill>
+            <a:schemeClr val="bg1">
+              <a:alpha val="20000"/>
+            </a:schemeClr>
+          </a:solidFill>
+          <a:ln>
+            <a:noFill/>
+          </a:ln>
+        </p:spPr>
+        <p:txBody>
+          <a:bodyPr/>
+          <a:lstStyle/>
+          <a:p>
+            <a:endParaRPr lang="en-US"/>
+          </a:p>
+        </p:txBody>
+      </p:sp>
+      <p:pic>
+        <p:nvPicPr>
+          <p:cNvPr id="7" name="Picture 6">
+            <a:extLst>
+              <a:ext uri="{FF2B5EF4-FFF2-40B4-BE49-F238E27FC236}">
+                <a16:creationId xmlns:a16="http://schemas.microsoft.com/office/drawing/2014/main" id="{A8516A2D-C6DC-CCB4-8370-A8C42E94FDBF}"/>
+              </a:ext>
+            </a:extLst>
+          </p:cNvPr>
+          <p:cNvPicPr>
+            <a:picLocks noChangeAspect="1"/>
+          </p:cNvPicPr>
+          <p:nvPr/>
+        </p:nvPicPr>
+        <p:blipFill>
+          <a:blip r:embed="rId4"/>
+          <a:srcRect r="2023" b="-4"/>
+          <a:stretch/>
+        </p:blipFill>
+        <p:spPr>
+          <a:xfrm>
+            <a:off x="3888042" y="3429000"/>
+            <a:ext cx="4938456" cy="3011751"/>
+          </a:xfrm>
+          <a:custGeom>
+            <a:avLst/>
+            <a:gdLst/>
+            <a:ahLst/>
+            <a:cxnLst/>
+            <a:rect l="l" t="t" r="r" b="b"/>
+            <a:pathLst>
+              <a:path w="6584608" h="3011751">
+                <a:moveTo>
+                  <a:pt x="0" y="0"/>
+                </a:moveTo>
+                <a:lnTo>
+                  <a:pt x="6584608" y="0"/>
+                </a:lnTo>
+                <a:lnTo>
+                  <a:pt x="6584608" y="3011751"/>
+                </a:lnTo>
+                <a:lnTo>
+                  <a:pt x="225659" y="3011751"/>
+                </a:lnTo>
+                <a:lnTo>
+                  <a:pt x="213588" y="2933486"/>
+                </a:lnTo>
+                <a:lnTo>
+                  <a:pt x="202297" y="2857210"/>
+                </a:lnTo>
+                <a:lnTo>
+                  <a:pt x="190379" y="2766405"/>
+                </a:lnTo>
+                <a:lnTo>
+                  <a:pt x="176108" y="2658649"/>
+                </a:lnTo>
+                <a:lnTo>
+                  <a:pt x="161054" y="2539392"/>
+                </a:lnTo>
+                <a:lnTo>
+                  <a:pt x="145215" y="2405001"/>
+                </a:lnTo>
+                <a:lnTo>
+                  <a:pt x="128435" y="2258502"/>
+                </a:lnTo>
+                <a:lnTo>
+                  <a:pt x="111655" y="2099290"/>
+                </a:lnTo>
+                <a:lnTo>
+                  <a:pt x="94562" y="1929788"/>
+                </a:lnTo>
+                <a:lnTo>
+                  <a:pt x="78723" y="1746967"/>
+                </a:lnTo>
+                <a:lnTo>
+                  <a:pt x="63512" y="1555671"/>
+                </a:lnTo>
+                <a:lnTo>
+                  <a:pt x="49711" y="1353478"/>
+                </a:lnTo>
+                <a:lnTo>
+                  <a:pt x="36539" y="1142810"/>
+                </a:lnTo>
+                <a:lnTo>
+                  <a:pt x="24150" y="923062"/>
+                </a:lnTo>
+                <a:lnTo>
+                  <a:pt x="19759" y="810464"/>
+                </a:lnTo>
+                <a:lnTo>
+                  <a:pt x="14897" y="695444"/>
+                </a:lnTo>
+                <a:lnTo>
+                  <a:pt x="10350" y="578608"/>
+                </a:lnTo>
+                <a:lnTo>
+                  <a:pt x="7370" y="461167"/>
+                </a:lnTo>
+                <a:lnTo>
+                  <a:pt x="4704" y="341304"/>
+                </a:lnTo>
+                <a:lnTo>
+                  <a:pt x="1881" y="220231"/>
+                </a:lnTo>
+                <a:lnTo>
+                  <a:pt x="0" y="96736"/>
+                </a:lnTo>
+                <a:close/>
+              </a:path>
+            </a:pathLst>
+          </a:custGeom>
+        </p:spPr>
+      </p:pic>
+    </p:spTree>
+    <p:extLst>
+      <p:ext uri="{BB962C8B-B14F-4D97-AF65-F5344CB8AC3E}">
+        <p14:creationId xmlns:p14="http://schemas.microsoft.com/office/powerpoint/2010/main" val="813980715"/>
+      </p:ext>
+    </p:extLst>
+  </p:cSld>
+  <p:clrMapOvr>
+    <a:masterClrMapping/>
+  </p:clrMapOvr>
+  <p:timing>
+    <p:tnLst>
+      <p:par>
+        <p:cTn id="1" dur="indefinite" restart="never" nodeType="tmRoot">
+          <p:childTnLst>
+            <p:seq concurrent="1" nextAc="seek">
+              <p:cTn id="2" dur="indefinite" nodeType="mainSeq">
+                <p:childTnLst>
+                  <p:par>
+                    <p:cTn id="3" fill="hold">
+                      <p:stCondLst>
+                        <p:cond delay="indefinite"/>
+                        <p:cond evt="onBegin" delay="0">
+                          <p:tn val="2"/>
+                        </p:cond>
+                      </p:stCondLst>
+                      <p:childTnLst>
+                        <p:par>
+                          <p:cTn id="4" fill="hold">
+                            <p:stCondLst>
+                              <p:cond delay="0"/>
+                            </p:stCondLst>
+                            <p:childTnLst>
+                              <p:par>
+                                <p:cTn id="5" presetID="10" presetClass="entr" presetSubtype="0" fill="hold" grpId="0" nodeType="withEffect">
+                                  <p:stCondLst>
+                                    <p:cond delay="1000"/>
+                                  </p:stCondLst>
+                                  <p:iterate>
+                                    <p:tmPct val="10000"/>
+                                  </p:iterate>
+                                  <p:childTnLst>
+                                    <p:set>
+                                      <p:cBhvr>
+                                        <p:cTn id="6" dur="1" fill="hold">
+                                          <p:stCondLst>
+                                            <p:cond delay="0"/>
+                                          </p:stCondLst>
+                                        </p:cTn>
+                                        <p:tgtEl>
+                                          <p:spTgt spid="2"/>
+                                        </p:tgtEl>
+                                        <p:attrNameLst>
+                                          <p:attrName>style.visibility</p:attrName>
+                                        </p:attrNameLst>
+                                      </p:cBhvr>
+                                      <p:to>
+                                        <p:strVal val="visible"/>
+                                      </p:to>
+                                    </p:set>
+                                    <p:animEffect transition="in" filter="fade">
+                                      <p:cBhvr>
+                                        <p:cTn id="7" dur="700"/>
+                                        <p:tgtEl>
+                                          <p:spTgt spid="2"/>
+                                        </p:tgtEl>
+                                      </p:cBhvr>
+                                    </p:animEffect>
+                                  </p:childTnLst>
+                                </p:cTn>
+                              </p:par>
+                            </p:childTnLst>
+                          </p:cTn>
+                        </p:par>
+                      </p:childTnLst>
+                    </p:cTn>
+                  </p:par>
+                </p:childTnLst>
+              </p:cTn>
+              <p:prevCondLst>
+                <p:cond evt="onPrev" delay="0">
+                  <p:tgtEl>
+                    <p:sldTgt/>
+                  </p:tgtEl>
+                </p:cond>
+              </p:prevCondLst>
+              <p:nextCondLst>
+                <p:cond evt="onNext" delay="0">
+                  <p:tgtEl>
+                    <p:sldTgt/>
+                  </p:tgtEl>
+                </p:cond>
+              </p:nextCondLst>
+            </p:seq>
+          </p:childTnLst>
+        </p:cTn>
+      </p:par>
+    </p:tnLst>
+    <p:bldLst>
+      <p:bldP spid="2" grpId="0"/>
+    </p:bldLst>
+  </p:timing>
+</p:sld>
+</file>
+
+<file path=ppt/slides/slide5.xml><?xml version="1.0" encoding="utf-8"?>
+<p:sld xmlns:a="http://schemas.openxmlformats.org/drawingml/2006/main" xmlns:r="http://schemas.openxmlformats.org/officeDocument/2006/relationships" xmlns:p="http://schemas.openxmlformats.org/presentationml/2006/main">
+  <p:cSld>
+    <p:bg>
+      <p:bgPr>
+        <a:solidFill>
           <a:schemeClr val="bg2"/>
         </a:solidFill>
         <a:effectLst/>
@@ -35225,7 +38155,157 @@
 </p:sld>
 </file>
 
-<file path=ppt/slides/slide5.xml><?xml version="1.0" encoding="utf-8"?>
+<file path=ppt/slides/slide6.xml><?xml version="1.0" encoding="utf-8"?>
+<p:sld xmlns:a="http://schemas.openxmlformats.org/drawingml/2006/main" xmlns:r="http://schemas.openxmlformats.org/officeDocument/2006/relationships" xmlns:p="http://schemas.openxmlformats.org/presentationml/2006/main">
+  <p:cSld>
+    <p:spTree>
+      <p:nvGrpSpPr>
+        <p:cNvPr id="1" name=""/>
+        <p:cNvGrpSpPr/>
+        <p:nvPr/>
+      </p:nvGrpSpPr>
+      <p:grpSpPr>
+        <a:xfrm>
+          <a:off x="0" y="0"/>
+          <a:ext cx="0" cy="0"/>
+          <a:chOff x="0" y="0"/>
+          <a:chExt cx="0" cy="0"/>
+        </a:xfrm>
+      </p:grpSpPr>
+      <p:pic>
+        <p:nvPicPr>
+          <p:cNvPr id="9" name="Picture 8">
+            <a:extLst>
+              <a:ext uri="{FF2B5EF4-FFF2-40B4-BE49-F238E27FC236}">
+                <a16:creationId xmlns:a16="http://schemas.microsoft.com/office/drawing/2014/main" id="{73982C96-33AB-0375-713F-4B0C3CEA8385}"/>
+              </a:ext>
+            </a:extLst>
+          </p:cNvPr>
+          <p:cNvPicPr>
+            <a:picLocks noChangeAspect="1"/>
+          </p:cNvPicPr>
+          <p:nvPr/>
+        </p:nvPicPr>
+        <p:blipFill>
+          <a:blip r:embed="rId2"/>
+          <a:stretch>
+            <a:fillRect/>
+          </a:stretch>
+        </p:blipFill>
+        <p:spPr>
+          <a:xfrm>
+            <a:off x="4729296" y="533610"/>
+            <a:ext cx="4115831" cy="2601476"/>
+          </a:xfrm>
+          <a:prstGeom prst="rect">
+            <a:avLst/>
+          </a:prstGeom>
+        </p:spPr>
+      </p:pic>
+      <p:pic>
+        <p:nvPicPr>
+          <p:cNvPr id="11" name="Picture 10">
+            <a:extLst>
+              <a:ext uri="{FF2B5EF4-FFF2-40B4-BE49-F238E27FC236}">
+                <a16:creationId xmlns:a16="http://schemas.microsoft.com/office/drawing/2014/main" id="{BEA1A844-4230-4D2B-DC32-7E8F0476A715}"/>
+              </a:ext>
+            </a:extLst>
+          </p:cNvPr>
+          <p:cNvPicPr>
+            <a:picLocks noChangeAspect="1"/>
+          </p:cNvPicPr>
+          <p:nvPr/>
+        </p:nvPicPr>
+        <p:blipFill>
+          <a:blip r:embed="rId3"/>
+          <a:stretch>
+            <a:fillRect/>
+          </a:stretch>
+        </p:blipFill>
+        <p:spPr>
+          <a:xfrm>
+            <a:off x="73323" y="533610"/>
+            <a:ext cx="4115830" cy="2601476"/>
+          </a:xfrm>
+          <a:prstGeom prst="rect">
+            <a:avLst/>
+          </a:prstGeom>
+        </p:spPr>
+      </p:pic>
+      <p:pic>
+        <p:nvPicPr>
+          <p:cNvPr id="13" name="Picture 12">
+            <a:extLst>
+              <a:ext uri="{FF2B5EF4-FFF2-40B4-BE49-F238E27FC236}">
+                <a16:creationId xmlns:a16="http://schemas.microsoft.com/office/drawing/2014/main" id="{91CAD1F5-22E2-6AC4-3164-5B979DDC2D2D}"/>
+              </a:ext>
+            </a:extLst>
+          </p:cNvPr>
+          <p:cNvPicPr>
+            <a:picLocks noChangeAspect="1"/>
+          </p:cNvPicPr>
+          <p:nvPr/>
+        </p:nvPicPr>
+        <p:blipFill>
+          <a:blip r:embed="rId4"/>
+          <a:stretch>
+            <a:fillRect/>
+          </a:stretch>
+        </p:blipFill>
+        <p:spPr>
+          <a:xfrm>
+            <a:off x="0" y="3722915"/>
+            <a:ext cx="4189153" cy="2601475"/>
+          </a:xfrm>
+          <a:prstGeom prst="rect">
+            <a:avLst/>
+          </a:prstGeom>
+        </p:spPr>
+      </p:pic>
+      <p:pic>
+        <p:nvPicPr>
+          <p:cNvPr id="15" name="Picture 14">
+            <a:extLst>
+              <a:ext uri="{FF2B5EF4-FFF2-40B4-BE49-F238E27FC236}">
+                <a16:creationId xmlns:a16="http://schemas.microsoft.com/office/drawing/2014/main" id="{21EF9F5E-09CA-3721-948C-ABCB2CDC656F}"/>
+              </a:ext>
+            </a:extLst>
+          </p:cNvPr>
+          <p:cNvPicPr>
+            <a:picLocks noChangeAspect="1"/>
+          </p:cNvPicPr>
+          <p:nvPr/>
+        </p:nvPicPr>
+        <p:blipFill>
+          <a:blip r:embed="rId5"/>
+          <a:stretch>
+            <a:fillRect/>
+          </a:stretch>
+        </p:blipFill>
+        <p:spPr>
+          <a:xfrm>
+            <a:off x="4577557" y="3631644"/>
+            <a:ext cx="4267570" cy="2956816"/>
+          </a:xfrm>
+          <a:prstGeom prst="rect">
+            <a:avLst/>
+          </a:prstGeom>
+        </p:spPr>
+      </p:pic>
+    </p:spTree>
+    <p:extLst>
+      <p:ext uri="{BB962C8B-B14F-4D97-AF65-F5344CB8AC3E}">
+        <p14:creationId xmlns:p14="http://schemas.microsoft.com/office/powerpoint/2010/main" val="2946273363"/>
+      </p:ext>
+    </p:extLst>
+  </p:cSld>
+  <p:clrMapOvr>
+    <a:masterClrMapping/>
+  </p:clrMapOvr>
+</p:sld>
+</file>
+
+<file path=ppt/slides/slide7.xml><?xml version="1.0" encoding="utf-8"?>
 <p:sld xmlns:a="http://schemas.openxmlformats.org/drawingml/2006/main" xmlns:r="http://schemas.openxmlformats.org/officeDocument/2006/relationships" xmlns:p="http://schemas.openxmlformats.org/presentationml/2006/main">
   <p:cSld>
     <p:bg>
@@ -35466,22 +38546,22 @@
         <p:spPr>
           <a:xfrm>
             <a:off x="866215" y="973668"/>
-            <a:ext cx="6571060" cy="706964"/>
+            <a:ext cx="7167442" cy="706964"/>
           </a:xfrm>
         </p:spPr>
         <p:txBody>
           <a:bodyPr>
-            <a:normAutofit/>
+            <a:normAutofit fontScale="90000"/>
           </a:bodyPr>
           <a:lstStyle/>
           <a:p>
             <a:r>
-              <a:rPr lang="en-US">
+              <a:rPr lang="en-US" dirty="0">
                 <a:solidFill>
                   <a:srgbClr val="FFFFFF"/>
                 </a:solidFill>
               </a:rPr>
-              <a:t>Handling Class Imbalance</a:t>
+              <a:t>Feature Selection &amp; Class Imbalance</a:t>
             </a:r>
           </a:p>
         </p:txBody>
@@ -35658,17 +38738,9 @@
 </p:sld>
 </file>
 
-<file path=ppt/slides/slide6.xml><?xml version="1.0" encoding="utf-8"?>
+<file path=ppt/slides/slide8.xml><?xml version="1.0" encoding="utf-8"?>
 <p:sld xmlns:a="http://schemas.openxmlformats.org/drawingml/2006/main" xmlns:r="http://schemas.openxmlformats.org/officeDocument/2006/relationships" xmlns:p="http://schemas.openxmlformats.org/presentationml/2006/main">
   <p:cSld>
-    <p:bg>
-      <p:bgPr>
-        <a:solidFill>
-          <a:schemeClr val="bg1"/>
-        </a:solidFill>
-        <a:effectLst/>
-      </p:bgPr>
-    </p:bg>
     <p:spTree>
       <p:nvGrpSpPr>
         <p:cNvPr id="1" name=""/>
@@ -35683,796 +38755,45 @@
           <a:chExt cx="0" cy="0"/>
         </a:xfrm>
       </p:grpSpPr>
-      <p:grpSp>
-        <p:nvGrpSpPr>
-          <p:cNvPr id="17" name="Group 16">
+      <p:pic>
+        <p:nvPicPr>
+          <p:cNvPr id="7" name="Picture 6">
             <a:extLst>
               <a:ext uri="{FF2B5EF4-FFF2-40B4-BE49-F238E27FC236}">
-                <a16:creationId xmlns:a16="http://schemas.microsoft.com/office/drawing/2014/main" id="{08BCF048-8940-4354-B9EC-5AD74E283CE3}"/>
-              </a:ext>
-              <a:ext uri="{C183D7F6-B498-43B3-948B-1728B52AA6E4}">
-                <adec:decorative xmlns:adec="http://schemas.microsoft.com/office/drawing/2017/decorative" val="1"/>
+                <a16:creationId xmlns:a16="http://schemas.microsoft.com/office/drawing/2014/main" id="{720ED6B8-9B7F-339E-BE1B-13BAB3C410AA}"/>
               </a:ext>
             </a:extLst>
           </p:cNvPr>
-          <p:cNvGrpSpPr>
-            <a:grpSpLocks noGrp="1" noUngrp="1" noRot="1" noChangeAspect="1" noMove="1" noResize="1"/>
-          </p:cNvGrpSpPr>
-          <p:nvPr>
-            <p:extLst>
-              <p:ext uri="{386F3935-93C4-4BCD-93E2-E3B085C9AB24}">
-                <p16:designElem xmlns:p16="http://schemas.microsoft.com/office/powerpoint/2015/main" val="1"/>
-              </p:ext>
-            </p:extLst>
-          </p:nvPr>
-        </p:nvGrpSpPr>
-        <p:grpSpPr>
+          <p:cNvPicPr>
+            <a:picLocks noChangeAspect="1"/>
+          </p:cNvPicPr>
+          <p:nvPr/>
+        </p:nvPicPr>
+        <p:blipFill>
+          <a:blip r:embed="rId2"/>
+          <a:stretch>
+            <a:fillRect/>
+          </a:stretch>
+        </p:blipFill>
+        <p:spPr>
           <a:xfrm>
-            <a:off x="0" y="0"/>
-            <a:ext cx="9144000" cy="6858000"/>
-            <a:chOff x="0" y="0"/>
-            <a:chExt cx="12192000" cy="6858000"/>
+            <a:off x="1173185" y="2670685"/>
+            <a:ext cx="6797629" cy="2888230"/>
           </a:xfrm>
-        </p:grpSpPr>
-        <p:sp>
-          <p:nvSpPr>
-            <p:cNvPr id="19" name="Rectangle 18">
-              <a:extLst>
-                <a:ext uri="{FF2B5EF4-FFF2-40B4-BE49-F238E27FC236}">
-                  <a16:creationId xmlns:a16="http://schemas.microsoft.com/office/drawing/2014/main" id="{D024C14A-78BD-44B0-82BE-6A0D0A27063A}"/>
-                </a:ext>
-                <a:ext uri="{C183D7F6-B498-43B3-948B-1728B52AA6E4}">
-                  <adec:decorative xmlns:adec="http://schemas.microsoft.com/office/drawing/2017/decorative" val="1"/>
-                </a:ext>
-              </a:extLst>
-            </p:cNvPr>
-            <p:cNvSpPr/>
-            <p:nvPr>
-              <p:extLst>
-                <p:ext uri="{386F3935-93C4-4BCD-93E2-E3B085C9AB24}">
-                  <p16:designElem xmlns:p16="http://schemas.microsoft.com/office/powerpoint/2015/main" val="1"/>
-                </p:ext>
-              </p:extLst>
-            </p:nvPr>
-          </p:nvSpPr>
-          <p:spPr>
-            <a:xfrm>
-              <a:off x="0" y="0"/>
-              <a:ext cx="12192000" cy="6858000"/>
-            </a:xfrm>
-            <a:prstGeom prst="rect">
-              <a:avLst/>
-            </a:prstGeom>
-            <a:blipFill>
-              <a:blip r:embed="rId2">
-                <a:duotone>
-                  <a:schemeClr val="dk2">
-                    <a:shade val="69000"/>
-                    <a:hueMod val="91000"/>
-                    <a:satMod val="164000"/>
-                    <a:lumMod val="74000"/>
-                  </a:schemeClr>
-                  <a:schemeClr val="dk2">
-                    <a:hueMod val="124000"/>
-                    <a:satMod val="140000"/>
-                    <a:lumMod val="142000"/>
-                  </a:schemeClr>
-                </a:duotone>
-              </a:blip>
-              <a:stretch>
-                <a:fillRect/>
-              </a:stretch>
-            </a:blipFill>
-            <a:ln>
-              <a:noFill/>
-            </a:ln>
-          </p:spPr>
-          <p:style>
-            <a:lnRef idx="2">
-              <a:schemeClr val="accent1">
-                <a:shade val="50000"/>
-              </a:schemeClr>
-            </a:lnRef>
-            <a:fillRef idx="1">
-              <a:schemeClr val="accent1"/>
-            </a:fillRef>
-            <a:effectRef idx="0">
-              <a:schemeClr val="accent1"/>
-            </a:effectRef>
-            <a:fontRef idx="minor">
-              <a:schemeClr val="lt1"/>
-            </a:fontRef>
-          </p:style>
-          <p:txBody>
-            <a:bodyPr/>
-            <a:lstStyle/>
-            <a:p>
-              <a:endParaRPr lang="en-US"/>
-            </a:p>
-          </p:txBody>
-        </p:sp>
-        <p:sp>
-          <p:nvSpPr>
-            <p:cNvPr id="20" name="Oval 19">
-              <a:extLst>
-                <a:ext uri="{FF2B5EF4-FFF2-40B4-BE49-F238E27FC236}">
-                  <a16:creationId xmlns:a16="http://schemas.microsoft.com/office/drawing/2014/main" id="{809F3D29-EDB1-4F1C-A0E0-36F28CE17188}"/>
-                </a:ext>
-                <a:ext uri="{C183D7F6-B498-43B3-948B-1728B52AA6E4}">
-                  <adec:decorative xmlns:adec="http://schemas.microsoft.com/office/drawing/2017/decorative" val="1"/>
-                </a:ext>
-              </a:extLst>
-            </p:cNvPr>
-            <p:cNvSpPr/>
-            <p:nvPr>
-              <p:extLst>
-                <p:ext uri="{386F3935-93C4-4BCD-93E2-E3B085C9AB24}">
-                  <p16:designElem xmlns:p16="http://schemas.microsoft.com/office/powerpoint/2015/main" val="1"/>
-                </p:ext>
-              </p:extLst>
-            </p:nvPr>
-          </p:nvSpPr>
-          <p:spPr>
-            <a:xfrm>
-              <a:off x="0" y="2667000"/>
-              <a:ext cx="4191000" cy="4191000"/>
-            </a:xfrm>
-            <a:prstGeom prst="ellipse">
-              <a:avLst/>
-            </a:prstGeom>
-            <a:gradFill flip="none" rotWithShape="1">
-              <a:gsLst>
-                <a:gs pos="0">
-                  <a:schemeClr val="accent5">
-                    <a:alpha val="11000"/>
-                  </a:schemeClr>
-                </a:gs>
-                <a:gs pos="75000">
-                  <a:schemeClr val="accent5">
-                    <a:alpha val="0"/>
-                  </a:schemeClr>
-                </a:gs>
-                <a:gs pos="36000">
-                  <a:schemeClr val="accent5">
-                    <a:alpha val="10000"/>
-                  </a:schemeClr>
-                </a:gs>
-              </a:gsLst>
-              <a:path path="circle">
-                <a:fillToRect l="50000" t="50000" r="50000" b="50000"/>
-              </a:path>
-              <a:tileRect/>
-            </a:gradFill>
-            <a:ln>
-              <a:noFill/>
-            </a:ln>
-            <a:effectLst/>
-          </p:spPr>
-          <p:style>
-            <a:lnRef idx="1">
-              <a:schemeClr val="accent1"/>
-            </a:lnRef>
-            <a:fillRef idx="3">
-              <a:schemeClr val="accent1"/>
-            </a:fillRef>
-            <a:effectRef idx="2">
-              <a:schemeClr val="accent1"/>
-            </a:effectRef>
-            <a:fontRef idx="minor">
-              <a:schemeClr val="lt1"/>
-            </a:fontRef>
-          </p:style>
-          <p:txBody>
-            <a:bodyPr/>
-            <a:lstStyle/>
-            <a:p>
-              <a:endParaRPr lang="en-US"/>
-            </a:p>
-          </p:txBody>
-        </p:sp>
-        <p:sp>
-          <p:nvSpPr>
-            <p:cNvPr id="12" name="Oval 11">
-              <a:extLst>
-                <a:ext uri="{FF2B5EF4-FFF2-40B4-BE49-F238E27FC236}">
-                  <a16:creationId xmlns:a16="http://schemas.microsoft.com/office/drawing/2014/main" id="{5282F4AB-C7B8-4A86-9927-AA106AA27B41}"/>
-                </a:ext>
-                <a:ext uri="{C183D7F6-B498-43B3-948B-1728B52AA6E4}">
-                  <adec:decorative xmlns:adec="http://schemas.microsoft.com/office/drawing/2017/decorative" val="1"/>
-                </a:ext>
-              </a:extLst>
-            </p:cNvPr>
-            <p:cNvSpPr/>
-            <p:nvPr>
-              <p:extLst>
-                <p:ext uri="{386F3935-93C4-4BCD-93E2-E3B085C9AB24}">
-                  <p16:designElem xmlns:p16="http://schemas.microsoft.com/office/powerpoint/2015/main" val="1"/>
-                </p:ext>
-              </p:extLst>
-            </p:nvPr>
-          </p:nvSpPr>
-          <p:spPr>
-            <a:xfrm>
-              <a:off x="0" y="2895600"/>
-              <a:ext cx="2362200" cy="2362200"/>
-            </a:xfrm>
-            <a:prstGeom prst="ellipse">
-              <a:avLst/>
-            </a:prstGeom>
-            <a:gradFill flip="none" rotWithShape="1">
-              <a:gsLst>
-                <a:gs pos="0">
-                  <a:schemeClr val="accent5">
-                    <a:alpha val="8000"/>
-                  </a:schemeClr>
-                </a:gs>
-                <a:gs pos="72000">
-                  <a:schemeClr val="accent5">
-                    <a:alpha val="0"/>
-                  </a:schemeClr>
-                </a:gs>
-                <a:gs pos="36000">
-                  <a:schemeClr val="accent5">
-                    <a:alpha val="8000"/>
-                  </a:schemeClr>
-                </a:gs>
-              </a:gsLst>
-              <a:path path="circle">
-                <a:fillToRect l="50000" t="50000" r="50000" b="50000"/>
-              </a:path>
-              <a:tileRect/>
-            </a:gradFill>
-            <a:ln>
-              <a:noFill/>
-            </a:ln>
-            <a:effectLst/>
-          </p:spPr>
-          <p:style>
-            <a:lnRef idx="1">
-              <a:schemeClr val="accent1"/>
-            </a:lnRef>
-            <a:fillRef idx="3">
-              <a:schemeClr val="accent1"/>
-            </a:fillRef>
-            <a:effectRef idx="2">
-              <a:schemeClr val="accent1"/>
-            </a:effectRef>
-            <a:fontRef idx="minor">
-              <a:schemeClr val="lt1"/>
-            </a:fontRef>
-          </p:style>
-          <p:txBody>
-            <a:bodyPr/>
-            <a:lstStyle/>
-            <a:p>
-              <a:endParaRPr lang="en-US"/>
-            </a:p>
-          </p:txBody>
-        </p:sp>
-        <p:sp>
-          <p:nvSpPr>
-            <p:cNvPr id="21" name="Rectangle 20">
-              <a:extLst>
-                <a:ext uri="{FF2B5EF4-FFF2-40B4-BE49-F238E27FC236}">
-                  <a16:creationId xmlns:a16="http://schemas.microsoft.com/office/drawing/2014/main" id="{60B26874-5AFA-4D1E-94A9-53AF9790D702}"/>
-                </a:ext>
-                <a:ext uri="{C183D7F6-B498-43B3-948B-1728B52AA6E4}">
-                  <adec:decorative xmlns:adec="http://schemas.microsoft.com/office/drawing/2017/decorative" val="1"/>
-                </a:ext>
-              </a:extLst>
-            </p:cNvPr>
-            <p:cNvSpPr/>
-            <p:nvPr>
-              <p:extLst>
-                <p:ext uri="{386F3935-93C4-4BCD-93E2-E3B085C9AB24}">
-                  <p16:designElem xmlns:p16="http://schemas.microsoft.com/office/powerpoint/2015/main" val="1"/>
-                </p:ext>
-              </p:extLst>
-            </p:nvPr>
-          </p:nvSpPr>
-          <p:spPr bwMode="gray">
-            <a:xfrm>
-              <a:off x="5713412" y="402165"/>
-              <a:ext cx="6055253" cy="6053670"/>
-            </a:xfrm>
-            <a:prstGeom prst="rect">
-              <a:avLst/>
-            </a:prstGeom>
-            <a:solidFill>
-              <a:schemeClr val="bg1"/>
-            </a:solidFill>
-            <a:ln>
-              <a:noFill/>
-            </a:ln>
-            <a:effectLst/>
-          </p:spPr>
-          <p:style>
-            <a:lnRef idx="1">
-              <a:schemeClr val="accent1"/>
-            </a:lnRef>
-            <a:fillRef idx="3">
-              <a:schemeClr val="accent1"/>
-            </a:fillRef>
-            <a:effectRef idx="2">
-              <a:schemeClr val="accent1"/>
-            </a:effectRef>
-            <a:fontRef idx="minor">
-              <a:schemeClr val="lt1"/>
-            </a:fontRef>
-          </p:style>
-          <p:txBody>
-            <a:bodyPr/>
-            <a:lstStyle/>
-            <a:p>
-              <a:endParaRPr lang="en-US"/>
-            </a:p>
-          </p:txBody>
-        </p:sp>
-        <p:sp>
-          <p:nvSpPr>
-            <p:cNvPr id="14" name="Freeform 5">
-              <a:extLst>
-                <a:ext uri="{FF2B5EF4-FFF2-40B4-BE49-F238E27FC236}">
-                  <a16:creationId xmlns:a16="http://schemas.microsoft.com/office/drawing/2014/main" id="{A1DA6C95-40F8-4305-89F6-17F6167C0BF2}"/>
-                </a:ext>
-                <a:ext uri="{C183D7F6-B498-43B3-948B-1728B52AA6E4}">
-                  <adec:decorative xmlns:adec="http://schemas.microsoft.com/office/drawing/2017/decorative" val="1"/>
-                </a:ext>
-              </a:extLst>
-            </p:cNvPr>
-            <p:cNvSpPr/>
-            <p:nvPr>
-              <p:extLst>
-                <p:ext uri="{386F3935-93C4-4BCD-93E2-E3B085C9AB24}">
-                  <p16:designElem xmlns:p16="http://schemas.microsoft.com/office/powerpoint/2015/main" val="1"/>
-                </p:ext>
-              </p:extLst>
-            </p:nvPr>
-          </p:nvSpPr>
-          <p:spPr bwMode="gray">
-            <a:xfrm rot="15922489">
-              <a:off x="3140485" y="1826078"/>
-              <a:ext cx="3299407" cy="440924"/>
-            </a:xfrm>
-            <a:custGeom>
-              <a:avLst/>
-              <a:gdLst/>
-              <a:ahLst/>
-              <a:cxnLst/>
-              <a:rect l="l" t="t" r="r" b="b"/>
-              <a:pathLst>
-                <a:path w="10000" h="5291">
-                  <a:moveTo>
-                    <a:pt x="85" y="2532"/>
-                  </a:moveTo>
-                  <a:cubicBezTo>
-                    <a:pt x="1736" y="3911"/>
-                    <a:pt x="7524" y="5298"/>
-                    <a:pt x="9958" y="5291"/>
-                  </a:cubicBezTo>
-                  <a:cubicBezTo>
-                    <a:pt x="9989" y="1958"/>
-                    <a:pt x="9969" y="3333"/>
-                    <a:pt x="10000" y="0"/>
-                  </a:cubicBezTo>
-                  <a:lnTo>
-                    <a:pt x="10000" y="0"/>
-                  </a:lnTo>
-                  <a:lnTo>
-                    <a:pt x="9667" y="204"/>
-                  </a:lnTo>
-                  <a:lnTo>
-                    <a:pt x="9334" y="400"/>
-                  </a:lnTo>
-                  <a:lnTo>
-                    <a:pt x="9001" y="590"/>
-                  </a:lnTo>
-                  <a:lnTo>
-                    <a:pt x="8667" y="753"/>
-                  </a:lnTo>
-                  <a:lnTo>
-                    <a:pt x="8333" y="917"/>
-                  </a:lnTo>
-                  <a:lnTo>
-                    <a:pt x="7999" y="1071"/>
-                  </a:lnTo>
-                  <a:lnTo>
-                    <a:pt x="7669" y="1202"/>
-                  </a:lnTo>
-                  <a:lnTo>
-                    <a:pt x="7333" y="1325"/>
-                  </a:lnTo>
-                  <a:lnTo>
-                    <a:pt x="7000" y="1440"/>
-                  </a:lnTo>
-                  <a:lnTo>
-                    <a:pt x="6673" y="1538"/>
-                  </a:lnTo>
-                  <a:lnTo>
-                    <a:pt x="6340" y="1636"/>
-                  </a:lnTo>
-                  <a:lnTo>
-                    <a:pt x="6013" y="1719"/>
-                  </a:lnTo>
-                  <a:lnTo>
-                    <a:pt x="5686" y="1784"/>
-                  </a:lnTo>
-                  <a:lnTo>
-                    <a:pt x="5359" y="1850"/>
-                  </a:lnTo>
-                  <a:lnTo>
-                    <a:pt x="5036" y="1906"/>
-                  </a:lnTo>
-                  <a:lnTo>
-                    <a:pt x="4717" y="1948"/>
-                  </a:lnTo>
-                  <a:lnTo>
-                    <a:pt x="4396" y="1980"/>
-                  </a:lnTo>
-                  <a:lnTo>
-                    <a:pt x="4079" y="2013"/>
-                  </a:lnTo>
-                  <a:lnTo>
-                    <a:pt x="3766" y="2029"/>
-                  </a:lnTo>
-                  <a:lnTo>
-                    <a:pt x="3454" y="2046"/>
-                  </a:lnTo>
-                  <a:lnTo>
-                    <a:pt x="3145" y="2053"/>
-                  </a:lnTo>
-                  <a:lnTo>
-                    <a:pt x="2839" y="2046"/>
-                  </a:lnTo>
-                  <a:lnTo>
-                    <a:pt x="2537" y="2046"/>
-                  </a:lnTo>
-                  <a:lnTo>
-                    <a:pt x="2238" y="2029"/>
-                  </a:lnTo>
-                  <a:lnTo>
-                    <a:pt x="1943" y="2004"/>
-                  </a:lnTo>
-                  <a:lnTo>
-                    <a:pt x="1653" y="1980"/>
-                  </a:lnTo>
-                  <a:lnTo>
-                    <a:pt x="1368" y="1955"/>
-                  </a:lnTo>
-                  <a:lnTo>
-                    <a:pt x="1085" y="1915"/>
-                  </a:lnTo>
-                  <a:lnTo>
-                    <a:pt x="806" y="1873"/>
-                  </a:lnTo>
-                  <a:lnTo>
-                    <a:pt x="533" y="1833"/>
-                  </a:lnTo>
-                  <a:lnTo>
-                    <a:pt x="0" y="1726"/>
-                  </a:lnTo>
-                  <a:cubicBezTo>
-                    <a:pt x="28" y="1995"/>
-                    <a:pt x="57" y="2263"/>
-                    <a:pt x="85" y="2532"/>
-                  </a:cubicBezTo>
-                  <a:close/>
-                </a:path>
-              </a:pathLst>
-            </a:custGeom>
-            <a:solidFill>
-              <a:schemeClr val="bg1">
-                <a:alpha val="20000"/>
-              </a:schemeClr>
-            </a:solidFill>
-            <a:ln>
-              <a:noFill/>
-            </a:ln>
-          </p:spPr>
-          <p:txBody>
-            <a:bodyPr/>
-            <a:lstStyle/>
-            <a:p>
-              <a:endParaRPr lang="en-US"/>
-            </a:p>
-          </p:txBody>
-        </p:sp>
-        <p:sp>
-          <p:nvSpPr>
-            <p:cNvPr id="15" name="Freeform 5">
-              <a:extLst>
-                <a:ext uri="{FF2B5EF4-FFF2-40B4-BE49-F238E27FC236}">
-                  <a16:creationId xmlns:a16="http://schemas.microsoft.com/office/drawing/2014/main" id="{A2FA2D29-AEEE-4FFA-B233-94FBE84C9B41}"/>
-                </a:ext>
-                <a:ext uri="{C183D7F6-B498-43B3-948B-1728B52AA6E4}">
-                  <adec:decorative xmlns:adec="http://schemas.microsoft.com/office/drawing/2017/decorative" val="1"/>
-                </a:ext>
-              </a:extLst>
-            </p:cNvPr>
-            <p:cNvSpPr/>
-            <p:nvPr>
-              <p:extLst>
-                <p:ext uri="{386F3935-93C4-4BCD-93E2-E3B085C9AB24}">
-                  <p16:designElem xmlns:p16="http://schemas.microsoft.com/office/powerpoint/2015/main" val="1"/>
-                </p:ext>
-              </p:extLst>
-            </p:nvPr>
-          </p:nvSpPr>
-          <p:spPr bwMode="gray">
-            <a:xfrm rot="16200000">
-              <a:off x="2229377" y="2801721"/>
-              <a:ext cx="6053670" cy="1254558"/>
-            </a:xfrm>
-            <a:custGeom>
-              <a:avLst/>
-              <a:gdLst/>
-              <a:ahLst/>
-              <a:cxnLst/>
-              <a:rect l="l" t="t" r="r" b="b"/>
-              <a:pathLst>
-                <a:path w="10000" h="8000">
-                  <a:moveTo>
-                    <a:pt x="0" y="0"/>
-                  </a:moveTo>
-                  <a:lnTo>
-                    <a:pt x="0" y="7970"/>
-                  </a:lnTo>
-                  <a:lnTo>
-                    <a:pt x="10000" y="8000"/>
-                  </a:lnTo>
-                  <a:lnTo>
-                    <a:pt x="10000" y="7"/>
-                  </a:lnTo>
-                  <a:lnTo>
-                    <a:pt x="10000" y="7"/>
-                  </a:lnTo>
-                  <a:lnTo>
-                    <a:pt x="9773" y="156"/>
-                  </a:lnTo>
-                  <a:lnTo>
-                    <a:pt x="9547" y="298"/>
-                  </a:lnTo>
-                  <a:lnTo>
-                    <a:pt x="9320" y="437"/>
-                  </a:lnTo>
-                  <a:lnTo>
-                    <a:pt x="9092" y="556"/>
-                  </a:lnTo>
-                  <a:lnTo>
-                    <a:pt x="8865" y="676"/>
-                  </a:lnTo>
-                  <a:lnTo>
-                    <a:pt x="8637" y="788"/>
-                  </a:lnTo>
-                  <a:lnTo>
-                    <a:pt x="8412" y="884"/>
-                  </a:lnTo>
-                  <a:lnTo>
-                    <a:pt x="8184" y="975"/>
-                  </a:lnTo>
-                  <a:lnTo>
-                    <a:pt x="7957" y="1058"/>
-                  </a:lnTo>
-                  <a:lnTo>
-                    <a:pt x="7734" y="1130"/>
-                  </a:lnTo>
-                  <a:lnTo>
-                    <a:pt x="7508" y="1202"/>
-                  </a:lnTo>
-                  <a:lnTo>
-                    <a:pt x="7285" y="1262"/>
-                  </a:lnTo>
-                  <a:lnTo>
-                    <a:pt x="7062" y="1309"/>
-                  </a:lnTo>
-                  <a:lnTo>
-                    <a:pt x="6840" y="1358"/>
-                  </a:lnTo>
-                  <a:lnTo>
-                    <a:pt x="6620" y="1399"/>
-                  </a:lnTo>
-                  <a:lnTo>
-                    <a:pt x="6402" y="1428"/>
-                  </a:lnTo>
-                  <a:lnTo>
-                    <a:pt x="6184" y="1453"/>
-                  </a:lnTo>
-                  <a:lnTo>
-                    <a:pt x="5968" y="1477"/>
-                  </a:lnTo>
-                  <a:lnTo>
-                    <a:pt x="5755" y="1488"/>
-                  </a:lnTo>
-                  <a:lnTo>
-                    <a:pt x="5542" y="1500"/>
-                  </a:lnTo>
-                  <a:lnTo>
-                    <a:pt x="5332" y="1506"/>
-                  </a:lnTo>
-                  <a:lnTo>
-                    <a:pt x="5124" y="1500"/>
-                  </a:lnTo>
-                  <a:lnTo>
-                    <a:pt x="4918" y="1500"/>
-                  </a:lnTo>
-                  <a:lnTo>
-                    <a:pt x="4714" y="1488"/>
-                  </a:lnTo>
-                  <a:lnTo>
-                    <a:pt x="4514" y="1470"/>
-                  </a:lnTo>
-                  <a:lnTo>
-                    <a:pt x="4316" y="1453"/>
-                  </a:lnTo>
-                  <a:lnTo>
-                    <a:pt x="4122" y="1434"/>
-                  </a:lnTo>
-                  <a:lnTo>
-                    <a:pt x="3929" y="1405"/>
-                  </a:lnTo>
-                  <a:lnTo>
-                    <a:pt x="3739" y="1374"/>
-                  </a:lnTo>
-                  <a:lnTo>
-                    <a:pt x="3553" y="1346"/>
-                  </a:lnTo>
-                  <a:lnTo>
-                    <a:pt x="3190" y="1267"/>
-                  </a:lnTo>
-                  <a:lnTo>
-                    <a:pt x="2842" y="1183"/>
-                  </a:lnTo>
-                  <a:lnTo>
-                    <a:pt x="2508" y="1095"/>
-                  </a:lnTo>
-                  <a:lnTo>
-                    <a:pt x="2192" y="998"/>
-                  </a:lnTo>
-                  <a:lnTo>
-                    <a:pt x="1890" y="897"/>
-                  </a:lnTo>
-                  <a:lnTo>
-                    <a:pt x="1610" y="788"/>
-                  </a:lnTo>
-                  <a:lnTo>
-                    <a:pt x="1347" y="681"/>
-                  </a:lnTo>
-                  <a:lnTo>
-                    <a:pt x="1105" y="574"/>
-                  </a:lnTo>
-                  <a:lnTo>
-                    <a:pt x="883" y="473"/>
-                  </a:lnTo>
-                  <a:lnTo>
-                    <a:pt x="686" y="377"/>
-                  </a:lnTo>
-                  <a:lnTo>
-                    <a:pt x="508" y="286"/>
-                  </a:lnTo>
-                  <a:lnTo>
-                    <a:pt x="358" y="210"/>
-                  </a:lnTo>
-                  <a:lnTo>
-                    <a:pt x="232" y="138"/>
-                  </a:lnTo>
-                  <a:lnTo>
-                    <a:pt x="59" y="35"/>
-                  </a:lnTo>
-                  <a:lnTo>
-                    <a:pt x="0" y="0"/>
-                  </a:lnTo>
-                  <a:lnTo>
-                    <a:pt x="0" y="0"/>
-                  </a:lnTo>
-                  <a:close/>
-                </a:path>
-              </a:pathLst>
-            </a:custGeom>
-            <a:solidFill>
-              <a:schemeClr val="bg1"/>
-            </a:solidFill>
-            <a:ln>
-              <a:noFill/>
-            </a:ln>
-          </p:spPr>
-          <p:txBody>
-            <a:bodyPr/>
-            <a:lstStyle/>
-            <a:p>
-              <a:endParaRPr lang="en-US"/>
-            </a:p>
-          </p:txBody>
-        </p:sp>
-        <p:sp>
-          <p:nvSpPr>
-            <p:cNvPr id="16" name="Freeform 5">
-              <a:extLst>
-                <a:ext uri="{FF2B5EF4-FFF2-40B4-BE49-F238E27FC236}">
-                  <a16:creationId xmlns:a16="http://schemas.microsoft.com/office/drawing/2014/main" id="{6DA5143E-FA8E-4EC1-99F7-35AE5AD4E377}"/>
-                </a:ext>
-                <a:ext uri="{C183D7F6-B498-43B3-948B-1728B52AA6E4}">
-                  <adec:decorative xmlns:adec="http://schemas.microsoft.com/office/drawing/2017/decorative" val="1"/>
-                </a:ext>
-              </a:extLst>
-            </p:cNvPr>
-            <p:cNvSpPr>
-              <a:spLocks noEditPoints="1"/>
-            </p:cNvSpPr>
-            <p:nvPr>
-              <p:extLst>
-                <p:ext uri="{386F3935-93C4-4BCD-93E2-E3B085C9AB24}">
-                  <p16:designElem xmlns:p16="http://schemas.microsoft.com/office/powerpoint/2015/main" val="1"/>
-                </p:ext>
-              </p:extLst>
-            </p:nvPr>
-          </p:nvSpPr>
-          <p:spPr bwMode="gray">
-            <a:xfrm>
-              <a:off x="0" y="1587"/>
-              <a:ext cx="12192000" cy="6856413"/>
-            </a:xfrm>
-            <a:custGeom>
-              <a:avLst/>
-              <a:gdLst/>
-              <a:ahLst/>
-              <a:cxnLst/>
-              <a:rect l="0" t="0" r="r" b="b"/>
-              <a:pathLst>
-                <a:path w="15356" h="8638">
-                  <a:moveTo>
-                    <a:pt x="0" y="0"/>
-                  </a:moveTo>
-                  <a:lnTo>
-                    <a:pt x="0" y="8638"/>
-                  </a:lnTo>
-                  <a:lnTo>
-                    <a:pt x="15356" y="8638"/>
-                  </a:lnTo>
-                  <a:lnTo>
-                    <a:pt x="15356" y="0"/>
-                  </a:lnTo>
-                  <a:lnTo>
-                    <a:pt x="0" y="0"/>
-                  </a:lnTo>
-                  <a:close/>
-                  <a:moveTo>
-                    <a:pt x="14748" y="8038"/>
-                  </a:moveTo>
-                  <a:lnTo>
-                    <a:pt x="600" y="8038"/>
-                  </a:lnTo>
-                  <a:lnTo>
-                    <a:pt x="600" y="592"/>
-                  </a:lnTo>
-                  <a:lnTo>
-                    <a:pt x="14748" y="592"/>
-                  </a:lnTo>
-                  <a:lnTo>
-                    <a:pt x="14748" y="8038"/>
-                  </a:lnTo>
-                  <a:close/>
-                </a:path>
-              </a:pathLst>
-            </a:custGeom>
-            <a:solidFill>
-              <a:schemeClr val="bg1"/>
-            </a:solidFill>
-            <a:ln>
-              <a:noFill/>
-            </a:ln>
-          </p:spPr>
-          <p:txBody>
-            <a:bodyPr/>
-            <a:lstStyle/>
-            <a:p>
-              <a:endParaRPr lang="en-US"/>
-            </a:p>
-          </p:txBody>
-        </p:sp>
-      </p:grpSp>
+          <a:prstGeom prst="rect">
+            <a:avLst/>
+          </a:prstGeom>
+        </p:spPr>
+      </p:pic>
       <p:sp>
         <p:nvSpPr>
-          <p:cNvPr id="2" name="Title 1"/>
+          <p:cNvPr id="8" name="Title 1">
+            <a:extLst>
+              <a:ext uri="{FF2B5EF4-FFF2-40B4-BE49-F238E27FC236}">
+                <a16:creationId xmlns:a16="http://schemas.microsoft.com/office/drawing/2014/main" id="{8D4E4D9B-4CA1-12FF-A004-D95060020687}"/>
+              </a:ext>
+            </a:extLst>
+          </p:cNvPr>
           <p:cNvSpPr>
             <a:spLocks noGrp="1"/>
           </p:cNvSpPr>
@@ -36482,8 +38803,8 @@
         </p:nvSpPr>
         <p:spPr>
           <a:xfrm>
-            <a:off x="866216" y="973667"/>
-            <a:ext cx="2206657" cy="4833745"/>
+            <a:off x="866215" y="853925"/>
+            <a:ext cx="7167442" cy="706964"/>
           </a:xfrm>
         </p:spPr>
         <p:txBody>
@@ -36493,108 +38814,22 @@
           <a:lstStyle/>
           <a:p>
             <a:r>
-              <a:rPr lang="en-US" sz="2200">
+              <a:rPr lang="en-US" dirty="0">
                 <a:solidFill>
-                  <a:srgbClr val="EBEBEB"/>
+                  <a:srgbClr val="FFFFFF"/>
                 </a:solidFill>
               </a:rPr>
-              <a:t>Model Development</a:t>
+              <a:t>Feature Selection</a:t>
             </a:r>
           </a:p>
         </p:txBody>
       </p:sp>
-      <p:sp>
-        <p:nvSpPr>
-          <p:cNvPr id="18" name="Rectangle 17">
-            <a:extLst>
-              <a:ext uri="{FF2B5EF4-FFF2-40B4-BE49-F238E27FC236}">
-                <a16:creationId xmlns:a16="http://schemas.microsoft.com/office/drawing/2014/main" id="{CC28BCC9-4093-4FD5-83EB-7EC297F51396}"/>
-              </a:ext>
-              <a:ext uri="{C183D7F6-B498-43B3-948B-1728B52AA6E4}">
-                <adec:decorative xmlns:adec="http://schemas.microsoft.com/office/drawing/2017/decorative" val="1"/>
-              </a:ext>
-            </a:extLst>
-          </p:cNvPr>
-          <p:cNvSpPr>
-            <a:spLocks noGrp="1" noRot="1" noChangeAspect="1" noMove="1" noResize="1" noEditPoints="1" noAdjustHandles="1" noChangeArrowheads="1" noChangeShapeType="1" noTextEdit="1"/>
-          </p:cNvSpPr>
-          <p:nvPr>
-            <p:extLst>
-              <p:ext uri="{386F3935-93C4-4BCD-93E2-E3B085C9AB24}">
-                <p16:designElem xmlns:p16="http://schemas.microsoft.com/office/powerpoint/2015/main" val="1"/>
-              </p:ext>
-            </p:extLst>
-          </p:nvPr>
-        </p:nvSpPr>
-        <p:spPr>
-          <a:xfrm>
-            <a:off x="7828359" y="0"/>
-            <a:ext cx="514350" cy="1143000"/>
-          </a:xfrm>
-          <a:prstGeom prst="rect">
-            <a:avLst/>
-          </a:prstGeom>
-          <a:solidFill>
-            <a:schemeClr val="accent1"/>
-          </a:solidFill>
-          <a:ln>
-            <a:noFill/>
-          </a:ln>
-        </p:spPr>
-        <p:style>
-          <a:lnRef idx="1">
-            <a:schemeClr val="accent1"/>
-          </a:lnRef>
-          <a:fillRef idx="3">
-            <a:schemeClr val="accent1"/>
-          </a:fillRef>
-          <a:effectRef idx="2">
-            <a:schemeClr val="accent1"/>
-          </a:effectRef>
-          <a:fontRef idx="minor">
-            <a:schemeClr val="lt1"/>
-          </a:fontRef>
-        </p:style>
-        <p:txBody>
-          <a:bodyPr/>
-          <a:lstStyle/>
-          <a:p>
-            <a:endParaRPr lang="en-US"/>
-          </a:p>
-        </p:txBody>
-      </p:sp>
-      <p:graphicFrame>
-        <p:nvGraphicFramePr>
-          <p:cNvPr id="22" name="Content Placeholder 2">
-            <a:extLst>
-              <a:ext uri="{FF2B5EF4-FFF2-40B4-BE49-F238E27FC236}">
-                <a16:creationId xmlns:a16="http://schemas.microsoft.com/office/drawing/2014/main" id="{10A68142-D57F-4F14-F698-413E8CD093B1}"/>
-              </a:ext>
-            </a:extLst>
-          </p:cNvPr>
-          <p:cNvGraphicFramePr>
-            <a:graphicFrameLocks noGrp="1"/>
-          </p:cNvGraphicFramePr>
-          <p:nvPr>
-            <p:ph idx="1"/>
-            <p:extLst>
-              <p:ext uri="{D42A27DB-BD31-4B8C-83A1-F6EECF244321}">
-                <p14:modId xmlns:p14="http://schemas.microsoft.com/office/powerpoint/2010/main" val="76213488"/>
-              </p:ext>
-            </p:extLst>
-          </p:nvPr>
-        </p:nvGraphicFramePr>
-        <p:xfrm>
-          <a:off x="3895725" y="808038"/>
-          <a:ext cx="4793456" cy="5246687"/>
-        </p:xfrm>
-        <a:graphic>
-          <a:graphicData uri="http://schemas.openxmlformats.org/drawingml/2006/diagram">
-            <dgm:relIds xmlns:dgm="http://schemas.openxmlformats.org/drawingml/2006/diagram" xmlns:r="http://schemas.openxmlformats.org/officeDocument/2006/relationships" r:dm="rId3" r:lo="rId4" r:qs="rId5" r:cs="rId6"/>
-          </a:graphicData>
-        </a:graphic>
-      </p:graphicFrame>
     </p:spTree>
+    <p:extLst>
+      <p:ext uri="{BB962C8B-B14F-4D97-AF65-F5344CB8AC3E}">
+        <p14:creationId xmlns:p14="http://schemas.microsoft.com/office/powerpoint/2010/main" val="3221312551"/>
+      </p:ext>
+    </p:extLst>
   </p:cSld>
   <p:clrMapOvr>
     <a:masterClrMapping/>
@@ -36602,35 +38837,18 @@
 </p:sld>
 </file>
 
-<file path=ppt/slides/slide7.xml><?xml version="1.0" encoding="utf-8"?>
+<file path=ppt/slides/slide9.xml><?xml version="1.0" encoding="utf-8"?>
 <p:sld xmlns:a="http://schemas.openxmlformats.org/drawingml/2006/main" xmlns:r="http://schemas.openxmlformats.org/officeDocument/2006/relationships" xmlns:p="http://schemas.openxmlformats.org/presentationml/2006/main">
   <p:cSld>
-    <p:bg>
-      <p:bgPr>
-        <a:blipFill rotWithShape="1">
-          <a:blip r:embed="rId2">
-            <a:duotone>
-              <a:schemeClr val="bg2">
-                <a:shade val="69000"/>
-                <a:hueMod val="91000"/>
-                <a:satMod val="164000"/>
-                <a:lumMod val="74000"/>
-              </a:schemeClr>
-              <a:schemeClr val="bg2">
-                <a:hueMod val="124000"/>
-                <a:satMod val="140000"/>
-                <a:lumMod val="142000"/>
-              </a:schemeClr>
-            </a:duotone>
-          </a:blip>
-          <a:stretch/>
-        </a:blipFill>
-        <a:effectLst/>
-      </p:bgPr>
-    </p:bg>
     <p:spTree>
       <p:nvGrpSpPr>
-        <p:cNvPr id="1" name=""/>
+        <p:cNvPr id="1" name="">
+          <a:extLst>
+            <a:ext uri="{FF2B5EF4-FFF2-40B4-BE49-F238E27FC236}">
+              <a16:creationId xmlns:a16="http://schemas.microsoft.com/office/drawing/2014/main" id="{739F65C9-17C0-E030-F7FC-105BEF87D178}"/>
+            </a:ext>
+          </a:extLst>
+        </p:cNvPr>
         <p:cNvGrpSpPr/>
         <p:nvPr/>
       </p:nvGrpSpPr>
@@ -36642,245 +38860,15 @@
           <a:chExt cx="0" cy="0"/>
         </a:xfrm>
       </p:grpSpPr>
-      <p:sp useBgFill="1">
+      <p:sp>
         <p:nvSpPr>
-          <p:cNvPr id="8" name="Rectangle 7">
+          <p:cNvPr id="4" name="Title 1">
             <a:extLst>
               <a:ext uri="{FF2B5EF4-FFF2-40B4-BE49-F238E27FC236}">
-                <a16:creationId xmlns:a16="http://schemas.microsoft.com/office/drawing/2014/main" id="{C314C310-850D-4491-AA52-C75BEA68B68C}"/>
-              </a:ext>
-              <a:ext uri="{C183D7F6-B498-43B3-948B-1728B52AA6E4}">
-                <adec:decorative xmlns:adec="http://schemas.microsoft.com/office/drawing/2017/decorative" val="1"/>
+                <a16:creationId xmlns:a16="http://schemas.microsoft.com/office/drawing/2014/main" id="{13192C04-7825-6C50-AEBB-4FDEA67C0DF0}"/>
               </a:ext>
             </a:extLst>
           </p:cNvPr>
-          <p:cNvSpPr>
-            <a:spLocks noGrp="1" noRot="1" noChangeAspect="1" noMove="1" noResize="1" noEditPoints="1" noAdjustHandles="1" noChangeArrowheads="1" noChangeShapeType="1" noTextEdit="1"/>
-          </p:cNvSpPr>
-          <p:nvPr>
-            <p:extLst>
-              <p:ext uri="{386F3935-93C4-4BCD-93E2-E3B085C9AB24}">
-                <p16:designElem xmlns:p16="http://schemas.microsoft.com/office/powerpoint/2015/main" val="1"/>
-              </p:ext>
-            </p:extLst>
-          </p:nvPr>
-        </p:nvSpPr>
-        <p:spPr>
-          <a:xfrm>
-            <a:off x="0" y="0"/>
-            <a:ext cx="9144000" cy="6858000"/>
-          </a:xfrm>
-          <a:prstGeom prst="rect">
-            <a:avLst/>
-          </a:prstGeom>
-          <a:ln>
-            <a:noFill/>
-          </a:ln>
-        </p:spPr>
-        <p:style>
-          <a:lnRef idx="2">
-            <a:schemeClr val="accent1">
-              <a:shade val="50000"/>
-            </a:schemeClr>
-          </a:lnRef>
-          <a:fillRef idx="1">
-            <a:schemeClr val="accent1"/>
-          </a:fillRef>
-          <a:effectRef idx="0">
-            <a:schemeClr val="accent1"/>
-          </a:effectRef>
-          <a:fontRef idx="minor">
-            <a:schemeClr val="lt1"/>
-          </a:fontRef>
-        </p:style>
-        <p:txBody>
-          <a:bodyPr rtlCol="0" anchor="ctr"/>
-          <a:lstStyle/>
-          <a:p>
-            <a:pPr algn="ctr"/>
-            <a:endParaRPr lang="en-US"/>
-          </a:p>
-        </p:txBody>
-      </p:sp>
-      <p:grpSp>
-        <p:nvGrpSpPr>
-          <p:cNvPr id="10" name="Group 9">
-            <a:extLst>
-              <a:ext uri="{FF2B5EF4-FFF2-40B4-BE49-F238E27FC236}">
-                <a16:creationId xmlns:a16="http://schemas.microsoft.com/office/drawing/2014/main" id="{D4EC3799-3F52-48CE-85CC-83AED368EB42}"/>
-              </a:ext>
-              <a:ext uri="{C183D7F6-B498-43B3-948B-1728B52AA6E4}">
-                <adec:decorative xmlns:adec="http://schemas.microsoft.com/office/drawing/2017/decorative" val="1"/>
-              </a:ext>
-            </a:extLst>
-          </p:cNvPr>
-          <p:cNvGrpSpPr>
-            <a:grpSpLocks noGrp="1" noUngrp="1" noRot="1" noChangeAspect="1" noMove="1" noResize="1"/>
-          </p:cNvGrpSpPr>
-          <p:nvPr>
-            <p:extLst>
-              <p:ext uri="{386F3935-93C4-4BCD-93E2-E3B085C9AB24}">
-                <p16:designElem xmlns:p16="http://schemas.microsoft.com/office/powerpoint/2015/main" val="1"/>
-              </p:ext>
-            </p:extLst>
-          </p:nvPr>
-        </p:nvGrpSpPr>
-        <p:grpSpPr>
-          <a:xfrm>
-            <a:off x="0" y="0"/>
-            <a:ext cx="9144000" cy="6858000"/>
-            <a:chOff x="0" y="0"/>
-            <a:chExt cx="12192000" cy="6858000"/>
-          </a:xfrm>
-        </p:grpSpPr>
-        <p:sp>
-          <p:nvSpPr>
-            <p:cNvPr id="11" name="Rectangle 10">
-              <a:extLst>
-                <a:ext uri="{FF2B5EF4-FFF2-40B4-BE49-F238E27FC236}">
-                  <a16:creationId xmlns:a16="http://schemas.microsoft.com/office/drawing/2014/main" id="{F3FC2939-BF10-4CBC-904B-74A17D4B9C35}"/>
-                </a:ext>
-                <a:ext uri="{C183D7F6-B498-43B3-948B-1728B52AA6E4}">
-                  <adec:decorative xmlns:adec="http://schemas.microsoft.com/office/drawing/2017/decorative" val="1"/>
-                </a:ext>
-              </a:extLst>
-            </p:cNvPr>
-            <p:cNvSpPr/>
-            <p:nvPr>
-              <p:extLst>
-                <p:ext uri="{386F3935-93C4-4BCD-93E2-E3B085C9AB24}">
-                  <p16:designElem xmlns:p16="http://schemas.microsoft.com/office/powerpoint/2015/main" val="1"/>
-                </p:ext>
-              </p:extLst>
-            </p:nvPr>
-          </p:nvSpPr>
-          <p:spPr>
-            <a:xfrm>
-              <a:off x="0" y="0"/>
-              <a:ext cx="12192000" cy="6858000"/>
-            </a:xfrm>
-            <a:prstGeom prst="rect">
-              <a:avLst/>
-            </a:prstGeom>
-            <a:noFill/>
-            <a:ln>
-              <a:noFill/>
-            </a:ln>
-          </p:spPr>
-          <p:style>
-            <a:lnRef idx="2">
-              <a:schemeClr val="accent1">
-                <a:shade val="50000"/>
-              </a:schemeClr>
-            </a:lnRef>
-            <a:fillRef idx="1">
-              <a:schemeClr val="accent1"/>
-            </a:fillRef>
-            <a:effectRef idx="0">
-              <a:schemeClr val="accent1"/>
-            </a:effectRef>
-            <a:fontRef idx="minor">
-              <a:schemeClr val="lt1"/>
-            </a:fontRef>
-          </p:style>
-          <p:txBody>
-            <a:bodyPr/>
-            <a:lstStyle/>
-            <a:p>
-              <a:endParaRPr lang="en-US"/>
-            </a:p>
-          </p:txBody>
-        </p:sp>
-        <p:sp>
-          <p:nvSpPr>
-            <p:cNvPr id="12" name="Freeform 5">
-              <a:extLst>
-                <a:ext uri="{FF2B5EF4-FFF2-40B4-BE49-F238E27FC236}">
-                  <a16:creationId xmlns:a16="http://schemas.microsoft.com/office/drawing/2014/main" id="{266B6D5D-11B6-40A6-9CEF-F0B0D104C5C6}"/>
-                </a:ext>
-                <a:ext uri="{C183D7F6-B498-43B3-948B-1728B52AA6E4}">
-                  <adec:decorative xmlns:adec="http://schemas.microsoft.com/office/drawing/2017/decorative" val="1"/>
-                </a:ext>
-              </a:extLst>
-            </p:cNvPr>
-            <p:cNvSpPr>
-              <a:spLocks noEditPoints="1"/>
-            </p:cNvSpPr>
-            <p:nvPr>
-              <p:extLst>
-                <p:ext uri="{386F3935-93C4-4BCD-93E2-E3B085C9AB24}">
-                  <p16:designElem xmlns:p16="http://schemas.microsoft.com/office/powerpoint/2015/main" val="1"/>
-                </p:ext>
-              </p:extLst>
-            </p:nvPr>
-          </p:nvSpPr>
-          <p:spPr bwMode="gray">
-            <a:xfrm>
-              <a:off x="0" y="1587"/>
-              <a:ext cx="12192000" cy="6856413"/>
-            </a:xfrm>
-            <a:custGeom>
-              <a:avLst/>
-              <a:gdLst/>
-              <a:ahLst/>
-              <a:cxnLst/>
-              <a:rect l="0" t="0" r="r" b="b"/>
-              <a:pathLst>
-                <a:path w="15356" h="8638">
-                  <a:moveTo>
-                    <a:pt x="0" y="0"/>
-                  </a:moveTo>
-                  <a:lnTo>
-                    <a:pt x="0" y="8638"/>
-                  </a:lnTo>
-                  <a:lnTo>
-                    <a:pt x="15356" y="8638"/>
-                  </a:lnTo>
-                  <a:lnTo>
-                    <a:pt x="15356" y="0"/>
-                  </a:lnTo>
-                  <a:lnTo>
-                    <a:pt x="0" y="0"/>
-                  </a:lnTo>
-                  <a:close/>
-                  <a:moveTo>
-                    <a:pt x="14748" y="8038"/>
-                  </a:moveTo>
-                  <a:lnTo>
-                    <a:pt x="600" y="8038"/>
-                  </a:lnTo>
-                  <a:lnTo>
-                    <a:pt x="600" y="592"/>
-                  </a:lnTo>
-                  <a:lnTo>
-                    <a:pt x="14748" y="592"/>
-                  </a:lnTo>
-                  <a:lnTo>
-                    <a:pt x="14748" y="8038"/>
-                  </a:lnTo>
-                  <a:close/>
-                </a:path>
-              </a:pathLst>
-            </a:custGeom>
-            <a:solidFill>
-              <a:schemeClr val="tx1"/>
-            </a:solidFill>
-            <a:ln>
-              <a:noFill/>
-            </a:ln>
-          </p:spPr>
-          <p:txBody>
-            <a:bodyPr/>
-            <a:lstStyle/>
-            <a:p>
-              <a:endParaRPr lang="en-US"/>
-            </a:p>
-          </p:txBody>
-        </p:sp>
-      </p:grpSp>
-      <p:sp>
-        <p:nvSpPr>
-          <p:cNvPr id="2" name="Title 1"/>
           <p:cNvSpPr>
             <a:spLocks noGrp="1"/>
           </p:cNvSpPr>
@@ -36890,427 +38878,8 @@
         </p:nvSpPr>
         <p:spPr>
           <a:xfrm>
-            <a:off x="627185" y="1085549"/>
-            <a:ext cx="2573210" cy="4686903"/>
-          </a:xfrm>
-        </p:spPr>
-        <p:txBody>
-          <a:bodyPr anchor="ctr">
-            <a:normAutofit/>
-          </a:bodyPr>
-          <a:lstStyle/>
-          <a:p>
-            <a:pPr algn="r"/>
-            <a:r>
-              <a:rPr lang="en-US" sz="2700">
-                <a:solidFill>
-                  <a:schemeClr val="tx1"/>
-                </a:solidFill>
-              </a:rPr>
-              <a:t>Model Performance</a:t>
-            </a:r>
-          </a:p>
-        </p:txBody>
-      </p:sp>
-      <p:cxnSp>
-        <p:nvCxnSpPr>
-          <p:cNvPr id="14" name="Straight Connector 13">
-            <a:extLst>
-              <a:ext uri="{FF2B5EF4-FFF2-40B4-BE49-F238E27FC236}">
-                <a16:creationId xmlns:a16="http://schemas.microsoft.com/office/drawing/2014/main" id="{789E20C7-BB50-4317-93C7-90C8ED80B275}"/>
-              </a:ext>
-              <a:ext uri="{C183D7F6-B498-43B3-948B-1728B52AA6E4}">
-                <adec:decorative xmlns:adec="http://schemas.microsoft.com/office/drawing/2017/decorative" val="1"/>
-              </a:ext>
-            </a:extLst>
-          </p:cNvPr>
-          <p:cNvCxnSpPr>
-            <a:cxnSpLocks noGrp="1" noRot="1" noChangeAspect="1" noMove="1" noResize="1" noEditPoints="1" noAdjustHandles="1" noChangeArrowheads="1" noChangeShapeType="1"/>
-          </p:cNvCxnSpPr>
-          <p:nvPr>
-            <p:extLst>
-              <p:ext uri="{386F3935-93C4-4BCD-93E2-E3B085C9AB24}">
-                <p16:designElem xmlns:p16="http://schemas.microsoft.com/office/powerpoint/2015/main" val="1"/>
-              </p:ext>
-            </p:extLst>
-          </p:nvPr>
-        </p:nvCxnSpPr>
-        <p:spPr>
-          <a:xfrm>
-            <a:off x="3490722" y="1930986"/>
-            <a:ext cx="0" cy="3200400"/>
-          </a:xfrm>
-          <a:prstGeom prst="line">
-            <a:avLst/>
-          </a:prstGeom>
-          <a:ln w="15875" cap="sq">
-            <a:solidFill>
-              <a:schemeClr val="tx1"/>
-            </a:solidFill>
-            <a:miter lim="800000"/>
-          </a:ln>
-        </p:spPr>
-        <p:style>
-          <a:lnRef idx="1">
-            <a:schemeClr val="accent1"/>
-          </a:lnRef>
-          <a:fillRef idx="0">
-            <a:schemeClr val="accent1"/>
-          </a:fillRef>
-          <a:effectRef idx="0">
-            <a:schemeClr val="accent1"/>
-          </a:effectRef>
-          <a:fontRef idx="minor">
-            <a:schemeClr val="tx1"/>
-          </a:fontRef>
-        </p:style>
-      </p:cxnSp>
-      <p:sp>
-        <p:nvSpPr>
-          <p:cNvPr id="3" name="Content Placeholder 2"/>
-          <p:cNvSpPr>
-            <a:spLocks noGrp="1"/>
-          </p:cNvSpPr>
-          <p:nvPr>
-            <p:ph idx="1"/>
-          </p:nvPr>
-        </p:nvSpPr>
-        <p:spPr>
-          <a:xfrm>
-            <a:off x="3781049" y="1085549"/>
-            <a:ext cx="4184780" cy="4686903"/>
-          </a:xfrm>
-        </p:spPr>
-        <p:txBody>
-          <a:bodyPr anchor="ctr">
-            <a:normAutofit/>
-          </a:bodyPr>
-          <a:lstStyle/>
-          <a:p>
-            <a:pPr marL="347472" indent="-347472" rtl="0" eaLnBrk="1" latinLnBrk="0" hangingPunct="1">
-              <a:spcBef>
-                <a:spcPts val="768"/>
-              </a:spcBef>
-              <a:buFont typeface="Arial" panose="020B0604020202020204" pitchFamily="34" charset="0"/>
-              <a:buChar char="•"/>
-            </a:pPr>
-            <a:r>
-              <a:rPr lang="en-US">
-                <a:solidFill>
-                  <a:schemeClr val="tx1"/>
-                </a:solidFill>
-                <a:effectLst/>
-                <a:latin typeface="Calibri" panose="020F0502020204030204" pitchFamily="34" charset="0"/>
-              </a:rPr>
-              <a:t>Accuracy: 99.97% for both Random Forest (RF) and XGBoost.</a:t>
-            </a:r>
-          </a:p>
-          <a:p>
-            <a:pPr marL="347472" indent="-347472" rtl="0" eaLnBrk="1" latinLnBrk="0" hangingPunct="1">
-              <a:spcBef>
-                <a:spcPts val="768"/>
-              </a:spcBef>
-              <a:buFont typeface="Arial" panose="020B0604020202020204" pitchFamily="34" charset="0"/>
-              <a:buChar char="•"/>
-            </a:pPr>
-            <a:r>
-              <a:rPr lang="en-US">
-                <a:solidFill>
-                  <a:schemeClr val="tx1"/>
-                </a:solidFill>
-                <a:effectLst/>
-                <a:latin typeface="Calibri" panose="020F0502020204030204" pitchFamily="34" charset="0"/>
-              </a:rPr>
-              <a:t>XGBoost: Exhibits greater precision (False Positives = 3).</a:t>
-            </a:r>
-          </a:p>
-          <a:p>
-            <a:pPr marL="347472" indent="-347472" rtl="0" eaLnBrk="1" latinLnBrk="0" hangingPunct="1">
-              <a:spcBef>
-                <a:spcPts val="768"/>
-              </a:spcBef>
-              <a:buFont typeface="Arial" panose="020B0604020202020204" pitchFamily="34" charset="0"/>
-              <a:buChar char="•"/>
-            </a:pPr>
-            <a:r>
-              <a:rPr lang="en-US">
-                <a:solidFill>
-                  <a:schemeClr val="tx1"/>
-                </a:solidFill>
-                <a:effectLst/>
-                <a:latin typeface="Calibri" panose="020F0502020204030204" pitchFamily="34" charset="0"/>
-              </a:rPr>
-              <a:t>RF: Demonstrates superior recall (False Negatives = 7).</a:t>
-            </a:r>
-          </a:p>
-          <a:p>
-            <a:pPr marL="347472" indent="-347472" rtl="0" eaLnBrk="1" latinLnBrk="0" hangingPunct="1">
-              <a:spcBef>
-                <a:spcPts val="768"/>
-              </a:spcBef>
-              <a:buFont typeface="Arial" panose="020B0604020202020204" pitchFamily="34" charset="0"/>
-              <a:buChar char="•"/>
-            </a:pPr>
-            <a:r>
-              <a:rPr lang="en-US">
-                <a:solidFill>
-                  <a:schemeClr val="tx1"/>
-                </a:solidFill>
-                <a:effectLst/>
-                <a:latin typeface="Calibri" panose="020F0502020204030204" pitchFamily="34" charset="0"/>
-              </a:rPr>
-              <a:t>Recommendation: Opt for XGBoost to reduce false positives.</a:t>
-            </a:r>
-            <a:endParaRPr lang="en-US">
-              <a:solidFill>
-                <a:schemeClr val="tx1"/>
-              </a:solidFill>
-            </a:endParaRPr>
-          </a:p>
-        </p:txBody>
-      </p:sp>
-    </p:spTree>
-  </p:cSld>
-  <p:clrMapOvr>
-    <a:overrideClrMapping bg1="dk1" tx1="lt1" bg2="dk2" tx2="lt2" accent1="accent1" accent2="accent2" accent3="accent3" accent4="accent4" accent5="accent5" accent6="accent6" hlink="hlink" folHlink="folHlink"/>
-  </p:clrMapOvr>
-</p:sld>
-</file>
-
-<file path=ppt/slides/slide8.xml><?xml version="1.0" encoding="utf-8"?>
-<p:sld xmlns:a="http://schemas.openxmlformats.org/drawingml/2006/main" xmlns:r="http://schemas.openxmlformats.org/officeDocument/2006/relationships" xmlns:p="http://schemas.openxmlformats.org/presentationml/2006/main">
-  <p:cSld>
-    <p:bg>
-      <p:bgPr>
-        <a:solidFill>
-          <a:schemeClr val="bg2"/>
-        </a:solidFill>
-        <a:effectLst/>
-      </p:bgPr>
-    </p:bg>
-    <p:spTree>
-      <p:nvGrpSpPr>
-        <p:cNvPr id="1" name=""/>
-        <p:cNvGrpSpPr/>
-        <p:nvPr/>
-      </p:nvGrpSpPr>
-      <p:grpSpPr>
-        <a:xfrm>
-          <a:off x="0" y="0"/>
-          <a:ext cx="0" cy="0"/>
-          <a:chOff x="0" y="0"/>
-          <a:chExt cx="0" cy="0"/>
-        </a:xfrm>
-      </p:grpSpPr>
-      <p:grpSp>
-        <p:nvGrpSpPr>
-          <p:cNvPr id="45" name="Group 44">
-            <a:extLst>
-              <a:ext uri="{FF2B5EF4-FFF2-40B4-BE49-F238E27FC236}">
-                <a16:creationId xmlns:a16="http://schemas.microsoft.com/office/drawing/2014/main" id="{2F448CB3-7B4F-45D7-B7C0-DF553DF61453}"/>
-              </a:ext>
-              <a:ext uri="{C183D7F6-B498-43B3-948B-1728B52AA6E4}">
-                <adec:decorative xmlns:adec="http://schemas.microsoft.com/office/drawing/2017/decorative" val="1"/>
-              </a:ext>
-            </a:extLst>
-          </p:cNvPr>
-          <p:cNvGrpSpPr>
-            <a:grpSpLocks noGrp="1" noUngrp="1" noRot="1" noChangeAspect="1" noMove="1" noResize="1"/>
-          </p:cNvGrpSpPr>
-          <p:nvPr>
-            <p:extLst>
-              <p:ext uri="{386F3935-93C4-4BCD-93E2-E3B085C9AB24}">
-                <p16:designElem xmlns:p16="http://schemas.microsoft.com/office/powerpoint/2015/main" val="1"/>
-              </p:ext>
-            </p:extLst>
-          </p:nvPr>
-        </p:nvGrpSpPr>
-        <p:grpSpPr>
-          <a:xfrm>
-            <a:off x="0" y="0"/>
-            <a:ext cx="9144000" cy="6858000"/>
-            <a:chOff x="0" y="0"/>
-            <a:chExt cx="12192000" cy="6858000"/>
-          </a:xfrm>
-        </p:grpSpPr>
-        <p:sp>
-          <p:nvSpPr>
-            <p:cNvPr id="46" name="Rectangle 45">
-              <a:extLst>
-                <a:ext uri="{FF2B5EF4-FFF2-40B4-BE49-F238E27FC236}">
-                  <a16:creationId xmlns:a16="http://schemas.microsoft.com/office/drawing/2014/main" id="{5C5305EA-7A88-413D-BE8A-47A02476F00C}"/>
-                </a:ext>
-                <a:ext uri="{C183D7F6-B498-43B3-948B-1728B52AA6E4}">
-                  <adec:decorative xmlns:adec="http://schemas.microsoft.com/office/drawing/2017/decorative" val="1"/>
-                </a:ext>
-              </a:extLst>
-            </p:cNvPr>
-            <p:cNvSpPr/>
-            <p:nvPr>
-              <p:extLst>
-                <p:ext uri="{386F3935-93C4-4BCD-93E2-E3B085C9AB24}">
-                  <p16:designElem xmlns:p16="http://schemas.microsoft.com/office/powerpoint/2015/main" val="1"/>
-                </p:ext>
-              </p:extLst>
-            </p:nvPr>
-          </p:nvSpPr>
-          <p:spPr>
-            <a:xfrm>
-              <a:off x="0" y="0"/>
-              <a:ext cx="12192000" cy="6858000"/>
-            </a:xfrm>
-            <a:prstGeom prst="rect">
-              <a:avLst/>
-            </a:prstGeom>
-            <a:blipFill>
-              <a:blip r:embed="rId2">
-                <a:duotone>
-                  <a:schemeClr val="dk2">
-                    <a:shade val="69000"/>
-                    <a:hueMod val="91000"/>
-                    <a:satMod val="164000"/>
-                    <a:lumMod val="74000"/>
-                  </a:schemeClr>
-                  <a:schemeClr val="dk2">
-                    <a:hueMod val="124000"/>
-                    <a:satMod val="140000"/>
-                    <a:lumMod val="142000"/>
-                  </a:schemeClr>
-                </a:duotone>
-              </a:blip>
-              <a:stretch>
-                <a:fillRect/>
-              </a:stretch>
-            </a:blipFill>
-            <a:ln>
-              <a:noFill/>
-            </a:ln>
-          </p:spPr>
-          <p:style>
-            <a:lnRef idx="2">
-              <a:schemeClr val="accent1">
-                <a:shade val="50000"/>
-              </a:schemeClr>
-            </a:lnRef>
-            <a:fillRef idx="1">
-              <a:schemeClr val="accent1"/>
-            </a:fillRef>
-            <a:effectRef idx="0">
-              <a:schemeClr val="accent1"/>
-            </a:effectRef>
-            <a:fontRef idx="minor">
-              <a:schemeClr val="lt1"/>
-            </a:fontRef>
-          </p:style>
-          <p:txBody>
-            <a:bodyPr/>
-            <a:lstStyle/>
-            <a:p>
-              <a:endParaRPr lang="en-US"/>
-            </a:p>
-          </p:txBody>
-        </p:sp>
-        <p:sp>
-          <p:nvSpPr>
-            <p:cNvPr id="47" name="Freeform 5">
-              <a:extLst>
-                <a:ext uri="{FF2B5EF4-FFF2-40B4-BE49-F238E27FC236}">
-                  <a16:creationId xmlns:a16="http://schemas.microsoft.com/office/drawing/2014/main" id="{FCA94DB5-FE56-4A3D-BC48-31B5595197FD}"/>
-                </a:ext>
-                <a:ext uri="{C183D7F6-B498-43B3-948B-1728B52AA6E4}">
-                  <adec:decorative xmlns:adec="http://schemas.microsoft.com/office/drawing/2017/decorative" val="1"/>
-                </a:ext>
-              </a:extLst>
-            </p:cNvPr>
-            <p:cNvSpPr>
-              <a:spLocks noEditPoints="1"/>
-            </p:cNvSpPr>
-            <p:nvPr>
-              <p:extLst>
-                <p:ext uri="{386F3935-93C4-4BCD-93E2-E3B085C9AB24}">
-                  <p16:designElem xmlns:p16="http://schemas.microsoft.com/office/powerpoint/2015/main" val="1"/>
-                </p:ext>
-              </p:extLst>
-            </p:nvPr>
-          </p:nvSpPr>
-          <p:spPr bwMode="gray">
-            <a:xfrm>
-              <a:off x="0" y="1587"/>
-              <a:ext cx="12192000" cy="6856413"/>
-            </a:xfrm>
-            <a:custGeom>
-              <a:avLst/>
-              <a:gdLst/>
-              <a:ahLst/>
-              <a:cxnLst/>
-              <a:rect l="0" t="0" r="r" b="b"/>
-              <a:pathLst>
-                <a:path w="15356" h="8638">
-                  <a:moveTo>
-                    <a:pt x="0" y="0"/>
-                  </a:moveTo>
-                  <a:lnTo>
-                    <a:pt x="0" y="8638"/>
-                  </a:lnTo>
-                  <a:lnTo>
-                    <a:pt x="15356" y="8638"/>
-                  </a:lnTo>
-                  <a:lnTo>
-                    <a:pt x="15356" y="0"/>
-                  </a:lnTo>
-                  <a:lnTo>
-                    <a:pt x="0" y="0"/>
-                  </a:lnTo>
-                  <a:close/>
-                  <a:moveTo>
-                    <a:pt x="14748" y="8038"/>
-                  </a:moveTo>
-                  <a:lnTo>
-                    <a:pt x="600" y="8038"/>
-                  </a:lnTo>
-                  <a:lnTo>
-                    <a:pt x="600" y="592"/>
-                  </a:lnTo>
-                  <a:lnTo>
-                    <a:pt x="14748" y="592"/>
-                  </a:lnTo>
-                  <a:lnTo>
-                    <a:pt x="14748" y="8038"/>
-                  </a:lnTo>
-                  <a:close/>
-                </a:path>
-              </a:pathLst>
-            </a:custGeom>
-            <a:solidFill>
-              <a:srgbClr val="FFFFFF"/>
-            </a:solidFill>
-            <a:ln>
-              <a:noFill/>
-            </a:ln>
-          </p:spPr>
-          <p:txBody>
-            <a:bodyPr/>
-            <a:lstStyle/>
-            <a:p>
-              <a:endParaRPr lang="en-US"/>
-            </a:p>
-          </p:txBody>
-        </p:sp>
-      </p:grpSp>
-      <p:sp>
-        <p:nvSpPr>
-          <p:cNvPr id="2" name="Title 1"/>
-          <p:cNvSpPr>
-            <a:spLocks noGrp="1"/>
-          </p:cNvSpPr>
-          <p:nvPr>
-            <p:ph type="title"/>
-          </p:nvPr>
-        </p:nvSpPr>
-        <p:spPr>
-          <a:xfrm>
-            <a:off x="866215" y="973668"/>
-            <a:ext cx="6571060" cy="706964"/>
+            <a:off x="865188" y="927100"/>
+            <a:ext cx="6345237" cy="709613"/>
           </a:xfrm>
         </p:spPr>
         <p:txBody>
@@ -37320,111 +38889,115 @@
           <a:lstStyle/>
           <a:p>
             <a:r>
-              <a:rPr lang="en-US">
+              <a:rPr lang="en-US" dirty="0">
                 <a:solidFill>
                   <a:srgbClr val="FFFFFF"/>
                 </a:solidFill>
               </a:rPr>
-              <a:t>Deployment and Key Insights</a:t>
+              <a:t>Class Imbalance</a:t>
             </a:r>
           </a:p>
         </p:txBody>
       </p:sp>
-      <p:sp>
-        <p:nvSpPr>
-          <p:cNvPr id="49" name="Rectangle 48">
+      <p:pic>
+        <p:nvPicPr>
+          <p:cNvPr id="6" name="Picture 5">
             <a:extLst>
               <a:ext uri="{FF2B5EF4-FFF2-40B4-BE49-F238E27FC236}">
-                <a16:creationId xmlns:a16="http://schemas.microsoft.com/office/drawing/2014/main" id="{F9ED434F-8767-46CC-B26B-5AF62FF01E66}"/>
-              </a:ext>
-              <a:ext uri="{C183D7F6-B498-43B3-948B-1728B52AA6E4}">
-                <adec:decorative xmlns:adec="http://schemas.microsoft.com/office/drawing/2017/decorative" val="1"/>
+                <a16:creationId xmlns:a16="http://schemas.microsoft.com/office/drawing/2014/main" id="{EADB6B45-F4E1-ED1F-F322-345D15B91CD2}"/>
               </a:ext>
             </a:extLst>
           </p:cNvPr>
-          <p:cNvSpPr>
-            <a:spLocks noGrp="1" noRot="1" noChangeAspect="1" noMove="1" noResize="1" noEditPoints="1" noAdjustHandles="1" noChangeArrowheads="1" noChangeShapeType="1" noTextEdit="1"/>
-          </p:cNvSpPr>
-          <p:nvPr>
-            <p:extLst>
-              <p:ext uri="{386F3935-93C4-4BCD-93E2-E3B085C9AB24}">
-                <p16:designElem xmlns:p16="http://schemas.microsoft.com/office/powerpoint/2015/main" val="1"/>
-              </p:ext>
-            </p:extLst>
-          </p:nvPr>
-        </p:nvSpPr>
+          <p:cNvPicPr>
+            <a:picLocks noChangeAspect="1"/>
+          </p:cNvPicPr>
+          <p:nvPr/>
+        </p:nvPicPr>
+        <p:blipFill>
+          <a:blip r:embed="rId2"/>
+          <a:stretch>
+            <a:fillRect/>
+          </a:stretch>
+        </p:blipFill>
         <p:spPr>
           <a:xfrm>
-            <a:off x="7828359" y="0"/>
-            <a:ext cx="514350" cy="1143000"/>
+            <a:off x="174878" y="2264648"/>
+            <a:ext cx="3613351" cy="2872989"/>
           </a:xfrm>
           <a:prstGeom prst="rect">
             <a:avLst/>
           </a:prstGeom>
-          <a:solidFill>
-            <a:schemeClr val="accent1"/>
-          </a:solidFill>
-          <a:ln>
-            <a:noFill/>
-          </a:ln>
         </p:spPr>
-        <p:style>
-          <a:lnRef idx="1">
-            <a:schemeClr val="accent1"/>
-          </a:lnRef>
-          <a:fillRef idx="3">
-            <a:schemeClr val="accent1"/>
-          </a:fillRef>
-          <a:effectRef idx="2">
-            <a:schemeClr val="accent1"/>
-          </a:effectRef>
-          <a:fontRef idx="minor">
-            <a:schemeClr val="lt1"/>
-          </a:fontRef>
-        </p:style>
-        <p:txBody>
-          <a:bodyPr/>
-          <a:lstStyle/>
-          <a:p>
-            <a:endParaRPr lang="en-US"/>
-          </a:p>
-        </p:txBody>
-      </p:sp>
-      <p:graphicFrame>
-        <p:nvGraphicFramePr>
-          <p:cNvPr id="27" name="Content Placeholder 2">
+      </p:pic>
+      <p:pic>
+        <p:nvPicPr>
+          <p:cNvPr id="10" name="Picture 9">
             <a:extLst>
               <a:ext uri="{FF2B5EF4-FFF2-40B4-BE49-F238E27FC236}">
-                <a16:creationId xmlns:a16="http://schemas.microsoft.com/office/drawing/2014/main" id="{DF79AF90-EB0D-66AF-DB53-980549BF2331}"/>
+                <a16:creationId xmlns:a16="http://schemas.microsoft.com/office/drawing/2014/main" id="{CE15AC70-C182-7196-CC8D-EF34F0500540}"/>
               </a:ext>
             </a:extLst>
           </p:cNvPr>
-          <p:cNvGraphicFramePr>
-            <a:graphicFrameLocks noGrp="1"/>
-          </p:cNvGraphicFramePr>
-          <p:nvPr>
-            <p:ph idx="1"/>
-            <p:extLst>
-              <p:ext uri="{D42A27DB-BD31-4B8C-83A1-F6EECF244321}">
-                <p14:modId xmlns:p14="http://schemas.microsoft.com/office/powerpoint/2010/main" val="2245952379"/>
-              </p:ext>
-            </p:extLst>
-          </p:nvPr>
-        </p:nvGraphicFramePr>
-        <p:xfrm>
-          <a:off x="965200" y="1779640"/>
-          <a:ext cx="7219037" cy="4306528"/>
-        </p:xfrm>
-        <a:graphic>
-          <a:graphicData uri="http://schemas.openxmlformats.org/drawingml/2006/diagram">
-            <dgm:relIds xmlns:dgm="http://schemas.openxmlformats.org/drawingml/2006/diagram" xmlns:r="http://schemas.openxmlformats.org/officeDocument/2006/relationships" r:dm="rId3" r:lo="rId4" r:qs="rId5" r:cs="rId6"/>
-          </a:graphicData>
-        </a:graphic>
-      </p:graphicFrame>
+          <p:cNvPicPr>
+            <a:picLocks noChangeAspect="1"/>
+          </p:cNvPicPr>
+          <p:nvPr/>
+        </p:nvPicPr>
+        <p:blipFill>
+          <a:blip r:embed="rId3"/>
+          <a:stretch>
+            <a:fillRect/>
+          </a:stretch>
+        </p:blipFill>
+        <p:spPr>
+          <a:xfrm>
+            <a:off x="5029198" y="5275523"/>
+            <a:ext cx="3673158" cy="1310754"/>
+          </a:xfrm>
+          <a:prstGeom prst="rect">
+            <a:avLst/>
+          </a:prstGeom>
+        </p:spPr>
+      </p:pic>
+      <p:pic>
+        <p:nvPicPr>
+          <p:cNvPr id="12" name="Picture 11">
+            <a:extLst>
+              <a:ext uri="{FF2B5EF4-FFF2-40B4-BE49-F238E27FC236}">
+                <a16:creationId xmlns:a16="http://schemas.microsoft.com/office/drawing/2014/main" id="{A69400B5-DFB6-58DC-368F-A8EFA8DD987A}"/>
+              </a:ext>
+            </a:extLst>
+          </p:cNvPr>
+          <p:cNvPicPr>
+            <a:picLocks noChangeAspect="1"/>
+          </p:cNvPicPr>
+          <p:nvPr/>
+        </p:nvPicPr>
+        <p:blipFill>
+          <a:blip r:embed="rId4"/>
+          <a:stretch>
+            <a:fillRect/>
+          </a:stretch>
+        </p:blipFill>
+        <p:spPr>
+          <a:xfrm>
+            <a:off x="5108402" y="2264649"/>
+            <a:ext cx="3597546" cy="2872988"/>
+          </a:xfrm>
+          <a:prstGeom prst="rect">
+            <a:avLst/>
+          </a:prstGeom>
+        </p:spPr>
+      </p:pic>
     </p:spTree>
+    <p:extLst>
+      <p:ext uri="{BB962C8B-B14F-4D97-AF65-F5344CB8AC3E}">
+        <p14:creationId xmlns:p14="http://schemas.microsoft.com/office/powerpoint/2010/main" val="1198982245"/>
+      </p:ext>
+    </p:extLst>
   </p:cSld>
   <p:clrMapOvr>
-    <a:overrideClrMapping bg1="dk1" tx1="lt1" bg2="dk2" tx2="lt2" accent1="accent1" accent2="accent2" accent3="accent3" accent4="accent4" accent5="accent5" accent6="accent6" hlink="hlink" folHlink="folHlink"/>
+    <a:masterClrMapping/>
   </p:clrMapOvr>
 </p:sld>
 </file>
